--- a/training_images.pptx
+++ b/training_images.pptx
@@ -27,6 +27,8 @@
     <p:sldId id="275" r:id="rId21"/>
     <p:sldId id="276" r:id="rId22"/>
     <p:sldId id="277" r:id="rId23"/>
+    <p:sldId id="278" r:id="rId24"/>
+    <p:sldId id="279" r:id="rId25"/>
   </p:sldIdLst>
   <p:sldSz cx="12192000" cy="6858000"/>
   <p:notesSz cx="6858000" cy="9144000"/>
@@ -296,7 +298,7 @@
           <a:p>
             <a:fld id="{822AF85D-11A4-42B9-B7D1-A5D0AD529DB2}" type="datetimeFigureOut">
               <a:rPr lang="en-US" smtClean="0"/>
-              <a:t>5/2/2022</a:t>
+              <a:t>5/3/2022</a:t>
             </a:fld>
             <a:endParaRPr lang="en-US"/>
           </a:p>
@@ -466,7 +468,7 @@
           <a:p>
             <a:fld id="{822AF85D-11A4-42B9-B7D1-A5D0AD529DB2}" type="datetimeFigureOut">
               <a:rPr lang="en-US" smtClean="0"/>
-              <a:t>5/2/2022</a:t>
+              <a:t>5/3/2022</a:t>
             </a:fld>
             <a:endParaRPr lang="en-US"/>
           </a:p>
@@ -646,7 +648,7 @@
           <a:p>
             <a:fld id="{822AF85D-11A4-42B9-B7D1-A5D0AD529DB2}" type="datetimeFigureOut">
               <a:rPr lang="en-US" smtClean="0"/>
-              <a:t>5/2/2022</a:t>
+              <a:t>5/3/2022</a:t>
             </a:fld>
             <a:endParaRPr lang="en-US"/>
           </a:p>
@@ -816,7 +818,7 @@
           <a:p>
             <a:fld id="{822AF85D-11A4-42B9-B7D1-A5D0AD529DB2}" type="datetimeFigureOut">
               <a:rPr lang="en-US" smtClean="0"/>
-              <a:t>5/2/2022</a:t>
+              <a:t>5/3/2022</a:t>
             </a:fld>
             <a:endParaRPr lang="en-US"/>
           </a:p>
@@ -1084,7 +1086,7 @@
           <a:p>
             <a:fld id="{822AF85D-11A4-42B9-B7D1-A5D0AD529DB2}" type="datetimeFigureOut">
               <a:rPr lang="en-US" smtClean="0"/>
-              <a:t>5/2/2022</a:t>
+              <a:t>5/3/2022</a:t>
             </a:fld>
             <a:endParaRPr lang="en-US"/>
           </a:p>
@@ -1316,7 +1318,7 @@
           <a:p>
             <a:fld id="{822AF85D-11A4-42B9-B7D1-A5D0AD529DB2}" type="datetimeFigureOut">
               <a:rPr lang="en-US" smtClean="0"/>
-              <a:t>5/2/2022</a:t>
+              <a:t>5/3/2022</a:t>
             </a:fld>
             <a:endParaRPr lang="en-US"/>
           </a:p>
@@ -1675,7 +1677,7 @@
           <a:p>
             <a:fld id="{822AF85D-11A4-42B9-B7D1-A5D0AD529DB2}" type="datetimeFigureOut">
               <a:rPr lang="en-US" smtClean="0"/>
-              <a:t>5/2/2022</a:t>
+              <a:t>5/3/2022</a:t>
             </a:fld>
             <a:endParaRPr lang="en-US"/>
           </a:p>
@@ -1816,7 +1818,7 @@
           <a:p>
             <a:fld id="{822AF85D-11A4-42B9-B7D1-A5D0AD529DB2}" type="datetimeFigureOut">
               <a:rPr lang="en-US" smtClean="0"/>
-              <a:t>5/2/2022</a:t>
+              <a:t>5/3/2022</a:t>
             </a:fld>
             <a:endParaRPr lang="en-US"/>
           </a:p>
@@ -1911,7 +1913,7 @@
           <a:p>
             <a:fld id="{822AF85D-11A4-42B9-B7D1-A5D0AD529DB2}" type="datetimeFigureOut">
               <a:rPr lang="en-US" smtClean="0"/>
-              <a:t>5/2/2022</a:t>
+              <a:t>5/3/2022</a:t>
             </a:fld>
             <a:endParaRPr lang="en-US"/>
           </a:p>
@@ -2268,7 +2270,7 @@
           <a:p>
             <a:fld id="{822AF85D-11A4-42B9-B7D1-A5D0AD529DB2}" type="datetimeFigureOut">
               <a:rPr lang="en-US" smtClean="0"/>
-              <a:t>5/2/2022</a:t>
+              <a:t>5/3/2022</a:t>
             </a:fld>
             <a:endParaRPr lang="en-US"/>
           </a:p>
@@ -2625,7 +2627,7 @@
           <a:p>
             <a:fld id="{822AF85D-11A4-42B9-B7D1-A5D0AD529DB2}" type="datetimeFigureOut">
               <a:rPr lang="en-US" smtClean="0"/>
-              <a:t>5/2/2022</a:t>
+              <a:t>5/3/2022</a:t>
             </a:fld>
             <a:endParaRPr lang="en-US"/>
           </a:p>
@@ -2867,7 +2869,7 @@
           <a:p>
             <a:fld id="{822AF85D-11A4-42B9-B7D1-A5D0AD529DB2}" type="datetimeFigureOut">
               <a:rPr lang="en-US" smtClean="0"/>
-              <a:t>5/2/2022</a:t>
+              <a:t>5/3/2022</a:t>
             </a:fld>
             <a:endParaRPr lang="en-US"/>
           </a:p>
@@ -12748,6 +12750,1905 @@
 </p:sld>
 </file>
 
+<file path=ppt/slides/slide23.xml><?xml version="1.0" encoding="utf-8"?>
+<p:sld xmlns:a="http://schemas.openxmlformats.org/drawingml/2006/main" xmlns:r="http://schemas.openxmlformats.org/officeDocument/2006/relationships" xmlns:p="http://schemas.openxmlformats.org/presentationml/2006/main">
+  <p:cSld>
+    <p:spTree>
+      <p:nvGrpSpPr>
+        <p:cNvPr id="1" name=""/>
+        <p:cNvGrpSpPr/>
+        <p:nvPr/>
+      </p:nvGrpSpPr>
+      <p:grpSpPr>
+        <a:xfrm>
+          <a:off x="0" y="0"/>
+          <a:ext cx="0" cy="0"/>
+          <a:chOff x="0" y="0"/>
+          <a:chExt cx="0" cy="0"/>
+        </a:xfrm>
+      </p:grpSpPr>
+      <p:sp>
+        <p:nvSpPr>
+          <p:cNvPr id="2" name="Rectangle 1">
+            <a:extLst>
+              <a:ext uri="{FF2B5EF4-FFF2-40B4-BE49-F238E27FC236}">
+                <a16:creationId xmlns:a16="http://schemas.microsoft.com/office/drawing/2014/main" id="{CFB32715-69FA-1F11-BC9B-D1F4BD9F519F}"/>
+              </a:ext>
+            </a:extLst>
+          </p:cNvPr>
+          <p:cNvSpPr/>
+          <p:nvPr/>
+        </p:nvSpPr>
+        <p:spPr>
+          <a:xfrm>
+            <a:off x="452284" y="275303"/>
+            <a:ext cx="11385755" cy="6351639"/>
+          </a:xfrm>
+          <a:prstGeom prst="rect">
+            <a:avLst/>
+          </a:prstGeom>
+          <a:solidFill>
+            <a:schemeClr val="bg2">
+              <a:lumMod val="90000"/>
+            </a:schemeClr>
+          </a:solidFill>
+        </p:spPr>
+        <p:style>
+          <a:lnRef idx="2">
+            <a:schemeClr val="accent1">
+              <a:shade val="50000"/>
+            </a:schemeClr>
+          </a:lnRef>
+          <a:fillRef idx="1">
+            <a:schemeClr val="accent1"/>
+          </a:fillRef>
+          <a:effectRef idx="0">
+            <a:schemeClr val="accent1"/>
+          </a:effectRef>
+          <a:fontRef idx="minor">
+            <a:schemeClr val="lt1"/>
+          </a:fontRef>
+        </p:style>
+        <p:txBody>
+          <a:bodyPr rtlCol="0" anchor="ctr"/>
+          <a:lstStyle/>
+          <a:p>
+            <a:pPr algn="ctr"/>
+            <a:endParaRPr lang="en-US"/>
+          </a:p>
+        </p:txBody>
+      </p:sp>
+      <p:sp>
+        <p:nvSpPr>
+          <p:cNvPr id="3" name="TextBox 2">
+            <a:extLst>
+              <a:ext uri="{FF2B5EF4-FFF2-40B4-BE49-F238E27FC236}">
+                <a16:creationId xmlns:a16="http://schemas.microsoft.com/office/drawing/2014/main" id="{E61FEC12-C373-E27E-95D8-AB1852C261E7}"/>
+              </a:ext>
+            </a:extLst>
+          </p:cNvPr>
+          <p:cNvSpPr txBox="1"/>
+          <p:nvPr/>
+        </p:nvSpPr>
+        <p:spPr>
+          <a:xfrm>
+            <a:off x="619432" y="344129"/>
+            <a:ext cx="2890684" cy="369332"/>
+          </a:xfrm>
+          <a:prstGeom prst="rect">
+            <a:avLst/>
+          </a:prstGeom>
+          <a:noFill/>
+        </p:spPr>
+        <p:txBody>
+          <a:bodyPr wrap="square" rtlCol="0">
+            <a:spAutoFit/>
+          </a:bodyPr>
+          <a:lstStyle/>
+          <a:p>
+            <a:r>
+              <a:rPr lang="en-IN" dirty="0"/>
+              <a:t>Browser</a:t>
+            </a:r>
+            <a:endParaRPr lang="en-US" dirty="0"/>
+          </a:p>
+        </p:txBody>
+      </p:sp>
+      <p:sp>
+        <p:nvSpPr>
+          <p:cNvPr id="4" name="Rectangle 3">
+            <a:extLst>
+              <a:ext uri="{FF2B5EF4-FFF2-40B4-BE49-F238E27FC236}">
+                <a16:creationId xmlns:a16="http://schemas.microsoft.com/office/drawing/2014/main" id="{1171B688-1D46-FF45-5CA7-76CA3DA7A893}"/>
+              </a:ext>
+            </a:extLst>
+          </p:cNvPr>
+          <p:cNvSpPr/>
+          <p:nvPr/>
+        </p:nvSpPr>
+        <p:spPr>
+          <a:xfrm>
+            <a:off x="619432" y="894736"/>
+            <a:ext cx="11031794" cy="5407741"/>
+          </a:xfrm>
+          <a:prstGeom prst="rect">
+            <a:avLst/>
+          </a:prstGeom>
+        </p:spPr>
+        <p:style>
+          <a:lnRef idx="2">
+            <a:schemeClr val="accent1">
+              <a:shade val="50000"/>
+            </a:schemeClr>
+          </a:lnRef>
+          <a:fillRef idx="1">
+            <a:schemeClr val="accent1"/>
+          </a:fillRef>
+          <a:effectRef idx="0">
+            <a:schemeClr val="accent1"/>
+          </a:effectRef>
+          <a:fontRef idx="minor">
+            <a:schemeClr val="lt1"/>
+          </a:fontRef>
+        </p:style>
+        <p:txBody>
+          <a:bodyPr rtlCol="0" anchor="ctr"/>
+          <a:lstStyle/>
+          <a:p>
+            <a:pPr algn="ctr"/>
+            <a:endParaRPr lang="en-US"/>
+          </a:p>
+        </p:txBody>
+      </p:sp>
+      <p:sp>
+        <p:nvSpPr>
+          <p:cNvPr id="5" name="TextBox 4">
+            <a:extLst>
+              <a:ext uri="{FF2B5EF4-FFF2-40B4-BE49-F238E27FC236}">
+                <a16:creationId xmlns:a16="http://schemas.microsoft.com/office/drawing/2014/main" id="{44E4C7E6-D19D-46F8-6C24-8CCCA5820AC7}"/>
+              </a:ext>
+            </a:extLst>
+          </p:cNvPr>
+          <p:cNvSpPr txBox="1"/>
+          <p:nvPr/>
+        </p:nvSpPr>
+        <p:spPr>
+          <a:xfrm>
+            <a:off x="727587" y="1052052"/>
+            <a:ext cx="2635045" cy="369332"/>
+          </a:xfrm>
+          <a:prstGeom prst="rect">
+            <a:avLst/>
+          </a:prstGeom>
+          <a:noFill/>
+        </p:spPr>
+        <p:txBody>
+          <a:bodyPr wrap="square" rtlCol="0">
+            <a:spAutoFit/>
+          </a:bodyPr>
+          <a:lstStyle/>
+          <a:p>
+            <a:r>
+              <a:rPr lang="en-IN" b="1" dirty="0"/>
+              <a:t>Container Component</a:t>
+            </a:r>
+            <a:endParaRPr lang="en-US" b="1" dirty="0"/>
+          </a:p>
+        </p:txBody>
+      </p:sp>
+      <p:sp>
+        <p:nvSpPr>
+          <p:cNvPr id="6" name="Rectangle: Rounded Corners 5">
+            <a:extLst>
+              <a:ext uri="{FF2B5EF4-FFF2-40B4-BE49-F238E27FC236}">
+                <a16:creationId xmlns:a16="http://schemas.microsoft.com/office/drawing/2014/main" id="{B186B6F9-782D-F2FB-AE7E-28E1C29F6335}"/>
+              </a:ext>
+            </a:extLst>
+          </p:cNvPr>
+          <p:cNvSpPr/>
+          <p:nvPr/>
+        </p:nvSpPr>
+        <p:spPr>
+          <a:xfrm>
+            <a:off x="1002890" y="1828800"/>
+            <a:ext cx="2635045" cy="1600200"/>
+          </a:xfrm>
+          <a:prstGeom prst="roundRect">
+            <a:avLst/>
+          </a:prstGeom>
+          <a:solidFill>
+            <a:srgbClr val="00B050"/>
+          </a:solidFill>
+        </p:spPr>
+        <p:style>
+          <a:lnRef idx="2">
+            <a:schemeClr val="accent1">
+              <a:shade val="50000"/>
+            </a:schemeClr>
+          </a:lnRef>
+          <a:fillRef idx="1">
+            <a:schemeClr val="accent1"/>
+          </a:fillRef>
+          <a:effectRef idx="0">
+            <a:schemeClr val="accent1"/>
+          </a:effectRef>
+          <a:fontRef idx="minor">
+            <a:schemeClr val="lt1"/>
+          </a:fontRef>
+        </p:style>
+        <p:txBody>
+          <a:bodyPr rtlCol="0" anchor="ctr"/>
+          <a:lstStyle/>
+          <a:p>
+            <a:pPr algn="ctr"/>
+            <a:r>
+              <a:rPr lang="en-IN" b="1" dirty="0"/>
+              <a:t>Child Component 1</a:t>
+            </a:r>
+            <a:endParaRPr lang="en-US" b="1" dirty="0"/>
+          </a:p>
+        </p:txBody>
+      </p:sp>
+      <p:sp>
+        <p:nvSpPr>
+          <p:cNvPr id="7" name="Rectangle: Rounded Corners 6">
+            <a:extLst>
+              <a:ext uri="{FF2B5EF4-FFF2-40B4-BE49-F238E27FC236}">
+                <a16:creationId xmlns:a16="http://schemas.microsoft.com/office/drawing/2014/main" id="{B1C05E2F-D5AB-6037-5FCD-37C75A539553}"/>
+              </a:ext>
+            </a:extLst>
+          </p:cNvPr>
+          <p:cNvSpPr/>
+          <p:nvPr/>
+        </p:nvSpPr>
+        <p:spPr>
+          <a:xfrm>
+            <a:off x="4616245" y="1828800"/>
+            <a:ext cx="2635045" cy="1600200"/>
+          </a:xfrm>
+          <a:prstGeom prst="roundRect">
+            <a:avLst/>
+          </a:prstGeom>
+          <a:solidFill>
+            <a:srgbClr val="00B050"/>
+          </a:solidFill>
+        </p:spPr>
+        <p:style>
+          <a:lnRef idx="2">
+            <a:schemeClr val="accent1">
+              <a:shade val="50000"/>
+            </a:schemeClr>
+          </a:lnRef>
+          <a:fillRef idx="1">
+            <a:schemeClr val="accent1"/>
+          </a:fillRef>
+          <a:effectRef idx="0">
+            <a:schemeClr val="accent1"/>
+          </a:effectRef>
+          <a:fontRef idx="minor">
+            <a:schemeClr val="lt1"/>
+          </a:fontRef>
+        </p:style>
+        <p:txBody>
+          <a:bodyPr rtlCol="0" anchor="ctr"/>
+          <a:lstStyle/>
+          <a:p>
+            <a:pPr algn="ctr"/>
+            <a:r>
+              <a:rPr lang="en-IN" b="1" dirty="0"/>
+              <a:t>Child Component 2</a:t>
+            </a:r>
+            <a:endParaRPr lang="en-US" b="1" dirty="0"/>
+          </a:p>
+        </p:txBody>
+      </p:sp>
+      <p:sp>
+        <p:nvSpPr>
+          <p:cNvPr id="8" name="Rectangle: Rounded Corners 7">
+            <a:extLst>
+              <a:ext uri="{FF2B5EF4-FFF2-40B4-BE49-F238E27FC236}">
+                <a16:creationId xmlns:a16="http://schemas.microsoft.com/office/drawing/2014/main" id="{77BB42AC-9C10-D767-D7DF-F10F7724F032}"/>
+              </a:ext>
+            </a:extLst>
+          </p:cNvPr>
+          <p:cNvSpPr/>
+          <p:nvPr/>
+        </p:nvSpPr>
+        <p:spPr>
+          <a:xfrm>
+            <a:off x="8303341" y="1852152"/>
+            <a:ext cx="2635045" cy="1600200"/>
+          </a:xfrm>
+          <a:prstGeom prst="roundRect">
+            <a:avLst/>
+          </a:prstGeom>
+          <a:solidFill>
+            <a:srgbClr val="00B050"/>
+          </a:solidFill>
+        </p:spPr>
+        <p:style>
+          <a:lnRef idx="2">
+            <a:schemeClr val="accent1">
+              <a:shade val="50000"/>
+            </a:schemeClr>
+          </a:lnRef>
+          <a:fillRef idx="1">
+            <a:schemeClr val="accent1"/>
+          </a:fillRef>
+          <a:effectRef idx="0">
+            <a:schemeClr val="accent1"/>
+          </a:effectRef>
+          <a:fontRef idx="minor">
+            <a:schemeClr val="lt1"/>
+          </a:fontRef>
+        </p:style>
+        <p:txBody>
+          <a:bodyPr rtlCol="0" anchor="ctr"/>
+          <a:lstStyle/>
+          <a:p>
+            <a:pPr algn="ctr"/>
+            <a:r>
+              <a:rPr lang="en-IN" b="1" dirty="0"/>
+              <a:t>Child Component 3</a:t>
+            </a:r>
+            <a:endParaRPr lang="en-US" b="1" dirty="0"/>
+          </a:p>
+        </p:txBody>
+      </p:sp>
+      <p:sp>
+        <p:nvSpPr>
+          <p:cNvPr id="13" name="Rectangle: Rounded Corners 12">
+            <a:extLst>
+              <a:ext uri="{FF2B5EF4-FFF2-40B4-BE49-F238E27FC236}">
+                <a16:creationId xmlns:a16="http://schemas.microsoft.com/office/drawing/2014/main" id="{D3F0EF47-D38B-7B50-9A55-B4B5A5DB1746}"/>
+              </a:ext>
+            </a:extLst>
+          </p:cNvPr>
+          <p:cNvSpPr/>
+          <p:nvPr/>
+        </p:nvSpPr>
+        <p:spPr>
+          <a:xfrm>
+            <a:off x="1002890" y="3666810"/>
+            <a:ext cx="2635045" cy="1600200"/>
+          </a:xfrm>
+          <a:prstGeom prst="roundRect">
+            <a:avLst/>
+          </a:prstGeom>
+          <a:solidFill>
+            <a:srgbClr val="00B050"/>
+          </a:solidFill>
+        </p:spPr>
+        <p:style>
+          <a:lnRef idx="2">
+            <a:schemeClr val="accent1">
+              <a:shade val="50000"/>
+            </a:schemeClr>
+          </a:lnRef>
+          <a:fillRef idx="1">
+            <a:schemeClr val="accent1"/>
+          </a:fillRef>
+          <a:effectRef idx="0">
+            <a:schemeClr val="accent1"/>
+          </a:effectRef>
+          <a:fontRef idx="minor">
+            <a:schemeClr val="lt1"/>
+          </a:fontRef>
+        </p:style>
+        <p:txBody>
+          <a:bodyPr rtlCol="0" anchor="ctr"/>
+          <a:lstStyle/>
+          <a:p>
+            <a:pPr algn="ctr"/>
+            <a:r>
+              <a:rPr lang="en-IN" b="1" dirty="0"/>
+              <a:t>Child Component 4</a:t>
+            </a:r>
+            <a:endParaRPr lang="en-US" b="1" dirty="0"/>
+          </a:p>
+        </p:txBody>
+      </p:sp>
+      <p:sp>
+        <p:nvSpPr>
+          <p:cNvPr id="14" name="Rectangle: Rounded Corners 13">
+            <a:extLst>
+              <a:ext uri="{FF2B5EF4-FFF2-40B4-BE49-F238E27FC236}">
+                <a16:creationId xmlns:a16="http://schemas.microsoft.com/office/drawing/2014/main" id="{8FD67822-2150-584D-E440-FDC6505AD49B}"/>
+              </a:ext>
+            </a:extLst>
+          </p:cNvPr>
+          <p:cNvSpPr/>
+          <p:nvPr/>
+        </p:nvSpPr>
+        <p:spPr>
+          <a:xfrm>
+            <a:off x="4616245" y="3694312"/>
+            <a:ext cx="2635045" cy="1600200"/>
+          </a:xfrm>
+          <a:prstGeom prst="roundRect">
+            <a:avLst/>
+          </a:prstGeom>
+          <a:solidFill>
+            <a:srgbClr val="00B050"/>
+          </a:solidFill>
+        </p:spPr>
+        <p:style>
+          <a:lnRef idx="2">
+            <a:schemeClr val="accent1">
+              <a:shade val="50000"/>
+            </a:schemeClr>
+          </a:lnRef>
+          <a:fillRef idx="1">
+            <a:schemeClr val="accent1"/>
+          </a:fillRef>
+          <a:effectRef idx="0">
+            <a:schemeClr val="accent1"/>
+          </a:effectRef>
+          <a:fontRef idx="minor">
+            <a:schemeClr val="lt1"/>
+          </a:fontRef>
+        </p:style>
+        <p:txBody>
+          <a:bodyPr rtlCol="0" anchor="ctr"/>
+          <a:lstStyle/>
+          <a:p>
+            <a:pPr algn="ctr"/>
+            <a:r>
+              <a:rPr lang="en-IN" b="1" dirty="0"/>
+              <a:t>Child Component 5</a:t>
+            </a:r>
+            <a:endParaRPr lang="en-US" b="1" dirty="0"/>
+          </a:p>
+        </p:txBody>
+      </p:sp>
+      <p:sp>
+        <p:nvSpPr>
+          <p:cNvPr id="15" name="Rectangle: Rounded Corners 14">
+            <a:extLst>
+              <a:ext uri="{FF2B5EF4-FFF2-40B4-BE49-F238E27FC236}">
+                <a16:creationId xmlns:a16="http://schemas.microsoft.com/office/drawing/2014/main" id="{3B6B69F6-3B88-1C7B-C03B-54E7612CC601}"/>
+              </a:ext>
+            </a:extLst>
+          </p:cNvPr>
+          <p:cNvSpPr/>
+          <p:nvPr/>
+        </p:nvSpPr>
+        <p:spPr>
+          <a:xfrm>
+            <a:off x="8303341" y="3690162"/>
+            <a:ext cx="2635045" cy="1600200"/>
+          </a:xfrm>
+          <a:prstGeom prst="roundRect">
+            <a:avLst/>
+          </a:prstGeom>
+          <a:solidFill>
+            <a:srgbClr val="00B050"/>
+          </a:solidFill>
+        </p:spPr>
+        <p:style>
+          <a:lnRef idx="2">
+            <a:schemeClr val="accent1">
+              <a:shade val="50000"/>
+            </a:schemeClr>
+          </a:lnRef>
+          <a:fillRef idx="1">
+            <a:schemeClr val="accent1"/>
+          </a:fillRef>
+          <a:effectRef idx="0">
+            <a:schemeClr val="accent1"/>
+          </a:effectRef>
+          <a:fontRef idx="minor">
+            <a:schemeClr val="lt1"/>
+          </a:fontRef>
+        </p:style>
+        <p:txBody>
+          <a:bodyPr rtlCol="0" anchor="ctr"/>
+          <a:lstStyle/>
+          <a:p>
+            <a:pPr algn="ctr"/>
+            <a:r>
+              <a:rPr lang="en-IN" b="1" dirty="0"/>
+              <a:t>Child Component 6</a:t>
+            </a:r>
+            <a:endParaRPr lang="en-US" b="1" dirty="0"/>
+          </a:p>
+        </p:txBody>
+      </p:sp>
+      <p:sp>
+        <p:nvSpPr>
+          <p:cNvPr id="36" name="Arrow: Curved Down 35">
+            <a:extLst>
+              <a:ext uri="{FF2B5EF4-FFF2-40B4-BE49-F238E27FC236}">
+                <a16:creationId xmlns:a16="http://schemas.microsoft.com/office/drawing/2014/main" id="{FC307DCD-750F-B561-A358-93698973AD2A}"/>
+              </a:ext>
+            </a:extLst>
+          </p:cNvPr>
+          <p:cNvSpPr/>
+          <p:nvPr/>
+        </p:nvSpPr>
+        <p:spPr>
+          <a:xfrm>
+            <a:off x="10481187" y="2035277"/>
+            <a:ext cx="1150374" cy="285136"/>
+          </a:xfrm>
+          <a:prstGeom prst="curvedDownArrow">
+            <a:avLst/>
+          </a:prstGeom>
+          <a:solidFill>
+            <a:srgbClr val="0070C0"/>
+          </a:solidFill>
+          <a:ln>
+            <a:solidFill>
+              <a:srgbClr val="002060"/>
+            </a:solidFill>
+          </a:ln>
+        </p:spPr>
+        <p:style>
+          <a:lnRef idx="2">
+            <a:schemeClr val="accent1">
+              <a:shade val="50000"/>
+            </a:schemeClr>
+          </a:lnRef>
+          <a:fillRef idx="1">
+            <a:schemeClr val="accent1"/>
+          </a:fillRef>
+          <a:effectRef idx="0">
+            <a:schemeClr val="accent1"/>
+          </a:effectRef>
+          <a:fontRef idx="minor">
+            <a:schemeClr val="lt1"/>
+          </a:fontRef>
+        </p:style>
+        <p:txBody>
+          <a:bodyPr rtlCol="0" anchor="ctr"/>
+          <a:lstStyle/>
+          <a:p>
+            <a:pPr algn="ctr"/>
+            <a:endParaRPr lang="en-US">
+              <a:solidFill>
+                <a:schemeClr val="tx1"/>
+              </a:solidFill>
+            </a:endParaRPr>
+          </a:p>
+        </p:txBody>
+      </p:sp>
+      <p:sp>
+        <p:nvSpPr>
+          <p:cNvPr id="37" name="Arrow: Curved Down 36">
+            <a:extLst>
+              <a:ext uri="{FF2B5EF4-FFF2-40B4-BE49-F238E27FC236}">
+                <a16:creationId xmlns:a16="http://schemas.microsoft.com/office/drawing/2014/main" id="{111322AA-421E-D03F-3CC9-32627FF77194}"/>
+              </a:ext>
+            </a:extLst>
+          </p:cNvPr>
+          <p:cNvSpPr/>
+          <p:nvPr/>
+        </p:nvSpPr>
+        <p:spPr>
+          <a:xfrm rot="10597651">
+            <a:off x="10563935" y="2893979"/>
+            <a:ext cx="1150374" cy="285136"/>
+          </a:xfrm>
+          <a:prstGeom prst="curvedDownArrow">
+            <a:avLst/>
+          </a:prstGeom>
+          <a:solidFill>
+            <a:srgbClr val="0070C0"/>
+          </a:solidFill>
+          <a:ln>
+            <a:solidFill>
+              <a:srgbClr val="002060"/>
+            </a:solidFill>
+          </a:ln>
+        </p:spPr>
+        <p:style>
+          <a:lnRef idx="2">
+            <a:schemeClr val="accent1">
+              <a:shade val="50000"/>
+            </a:schemeClr>
+          </a:lnRef>
+          <a:fillRef idx="1">
+            <a:schemeClr val="accent1"/>
+          </a:fillRef>
+          <a:effectRef idx="0">
+            <a:schemeClr val="accent1"/>
+          </a:effectRef>
+          <a:fontRef idx="minor">
+            <a:schemeClr val="lt1"/>
+          </a:fontRef>
+        </p:style>
+        <p:txBody>
+          <a:bodyPr rtlCol="0" anchor="ctr"/>
+          <a:lstStyle/>
+          <a:p>
+            <a:pPr algn="ctr"/>
+            <a:endParaRPr lang="en-US">
+              <a:solidFill>
+                <a:schemeClr val="tx1"/>
+              </a:solidFill>
+            </a:endParaRPr>
+          </a:p>
+        </p:txBody>
+      </p:sp>
+      <p:sp>
+        <p:nvSpPr>
+          <p:cNvPr id="42" name="Cylinder 41">
+            <a:extLst>
+              <a:ext uri="{FF2B5EF4-FFF2-40B4-BE49-F238E27FC236}">
+                <a16:creationId xmlns:a16="http://schemas.microsoft.com/office/drawing/2014/main" id="{336DF842-E1AB-5777-3CCE-2E9C582B67DC}"/>
+              </a:ext>
+            </a:extLst>
+          </p:cNvPr>
+          <p:cNvSpPr/>
+          <p:nvPr/>
+        </p:nvSpPr>
+        <p:spPr>
+          <a:xfrm>
+            <a:off x="932416" y="5671816"/>
+            <a:ext cx="10492668" cy="542171"/>
+          </a:xfrm>
+          <a:prstGeom prst="can">
+            <a:avLst/>
+          </a:prstGeom>
+          <a:solidFill>
+            <a:srgbClr val="FF0000"/>
+          </a:solidFill>
+        </p:spPr>
+        <p:style>
+          <a:lnRef idx="2">
+            <a:schemeClr val="accent1">
+              <a:shade val="50000"/>
+            </a:schemeClr>
+          </a:lnRef>
+          <a:fillRef idx="1">
+            <a:schemeClr val="accent1"/>
+          </a:fillRef>
+          <a:effectRef idx="0">
+            <a:schemeClr val="accent1"/>
+          </a:effectRef>
+          <a:fontRef idx="minor">
+            <a:schemeClr val="lt1"/>
+          </a:fontRef>
+        </p:style>
+        <p:txBody>
+          <a:bodyPr rtlCol="0" anchor="ctr"/>
+          <a:lstStyle/>
+          <a:p>
+            <a:pPr algn="ctr"/>
+            <a:r>
+              <a:rPr lang="en-IN" b="1" dirty="0"/>
+              <a:t>Application State Container for Compositional Apps (Multiple Components)</a:t>
+            </a:r>
+            <a:endParaRPr lang="en-US" b="1" dirty="0"/>
+          </a:p>
+        </p:txBody>
+      </p:sp>
+      <p:sp>
+        <p:nvSpPr>
+          <p:cNvPr id="47" name="Arrow: Up-Down 46">
+            <a:extLst>
+              <a:ext uri="{FF2B5EF4-FFF2-40B4-BE49-F238E27FC236}">
+                <a16:creationId xmlns:a16="http://schemas.microsoft.com/office/drawing/2014/main" id="{16357D52-D6EB-39A1-3585-EF6F3B58233E}"/>
+              </a:ext>
+            </a:extLst>
+          </p:cNvPr>
+          <p:cNvSpPr/>
+          <p:nvPr/>
+        </p:nvSpPr>
+        <p:spPr>
+          <a:xfrm>
+            <a:off x="1081548" y="3212705"/>
+            <a:ext cx="303184" cy="2593243"/>
+          </a:xfrm>
+          <a:prstGeom prst="upDownArrow">
+            <a:avLst/>
+          </a:prstGeom>
+          <a:solidFill>
+            <a:srgbClr val="002060"/>
+          </a:solidFill>
+        </p:spPr>
+        <p:style>
+          <a:lnRef idx="2">
+            <a:schemeClr val="accent1">
+              <a:shade val="50000"/>
+            </a:schemeClr>
+          </a:lnRef>
+          <a:fillRef idx="1">
+            <a:schemeClr val="accent1"/>
+          </a:fillRef>
+          <a:effectRef idx="0">
+            <a:schemeClr val="accent1"/>
+          </a:effectRef>
+          <a:fontRef idx="minor">
+            <a:schemeClr val="lt1"/>
+          </a:fontRef>
+        </p:style>
+        <p:txBody>
+          <a:bodyPr rtlCol="0" anchor="ctr"/>
+          <a:lstStyle/>
+          <a:p>
+            <a:pPr algn="ctr"/>
+            <a:endParaRPr lang="en-US"/>
+          </a:p>
+        </p:txBody>
+      </p:sp>
+      <p:sp>
+        <p:nvSpPr>
+          <p:cNvPr id="48" name="Arrow: Up-Down 47">
+            <a:extLst>
+              <a:ext uri="{FF2B5EF4-FFF2-40B4-BE49-F238E27FC236}">
+                <a16:creationId xmlns:a16="http://schemas.microsoft.com/office/drawing/2014/main" id="{D3400891-D8D7-0BC0-6E4C-DD57789CB02B}"/>
+              </a:ext>
+            </a:extLst>
+          </p:cNvPr>
+          <p:cNvSpPr/>
+          <p:nvPr/>
+        </p:nvSpPr>
+        <p:spPr>
+          <a:xfrm>
+            <a:off x="4769488" y="3174740"/>
+            <a:ext cx="303184" cy="2593243"/>
+          </a:xfrm>
+          <a:prstGeom prst="upDownArrow">
+            <a:avLst/>
+          </a:prstGeom>
+          <a:solidFill>
+            <a:srgbClr val="002060"/>
+          </a:solidFill>
+        </p:spPr>
+        <p:style>
+          <a:lnRef idx="2">
+            <a:schemeClr val="accent1">
+              <a:shade val="50000"/>
+            </a:schemeClr>
+          </a:lnRef>
+          <a:fillRef idx="1">
+            <a:schemeClr val="accent1"/>
+          </a:fillRef>
+          <a:effectRef idx="0">
+            <a:schemeClr val="accent1"/>
+          </a:effectRef>
+          <a:fontRef idx="minor">
+            <a:schemeClr val="lt1"/>
+          </a:fontRef>
+        </p:style>
+        <p:txBody>
+          <a:bodyPr rtlCol="0" anchor="ctr"/>
+          <a:lstStyle/>
+          <a:p>
+            <a:pPr algn="ctr"/>
+            <a:endParaRPr lang="en-US"/>
+          </a:p>
+        </p:txBody>
+      </p:sp>
+      <p:sp>
+        <p:nvSpPr>
+          <p:cNvPr id="49" name="Arrow: Up-Down 48">
+            <a:extLst>
+              <a:ext uri="{FF2B5EF4-FFF2-40B4-BE49-F238E27FC236}">
+                <a16:creationId xmlns:a16="http://schemas.microsoft.com/office/drawing/2014/main" id="{E89E95E7-9CAF-5F35-A81C-E87818B2E32A}"/>
+              </a:ext>
+            </a:extLst>
+          </p:cNvPr>
+          <p:cNvSpPr/>
+          <p:nvPr/>
+        </p:nvSpPr>
+        <p:spPr>
+          <a:xfrm>
+            <a:off x="8563440" y="3157632"/>
+            <a:ext cx="303184" cy="2593243"/>
+          </a:xfrm>
+          <a:prstGeom prst="upDownArrow">
+            <a:avLst/>
+          </a:prstGeom>
+          <a:solidFill>
+            <a:srgbClr val="002060"/>
+          </a:solidFill>
+        </p:spPr>
+        <p:style>
+          <a:lnRef idx="2">
+            <a:schemeClr val="accent1">
+              <a:shade val="50000"/>
+            </a:schemeClr>
+          </a:lnRef>
+          <a:fillRef idx="1">
+            <a:schemeClr val="accent1"/>
+          </a:fillRef>
+          <a:effectRef idx="0">
+            <a:schemeClr val="accent1"/>
+          </a:effectRef>
+          <a:fontRef idx="minor">
+            <a:schemeClr val="lt1"/>
+          </a:fontRef>
+        </p:style>
+        <p:txBody>
+          <a:bodyPr rtlCol="0" anchor="ctr"/>
+          <a:lstStyle/>
+          <a:p>
+            <a:pPr algn="ctr"/>
+            <a:endParaRPr lang="en-US"/>
+          </a:p>
+        </p:txBody>
+      </p:sp>
+      <p:sp>
+        <p:nvSpPr>
+          <p:cNvPr id="50" name="Arrow: Up-Down 49">
+            <a:extLst>
+              <a:ext uri="{FF2B5EF4-FFF2-40B4-BE49-F238E27FC236}">
+                <a16:creationId xmlns:a16="http://schemas.microsoft.com/office/drawing/2014/main" id="{00D7365B-799B-3A1E-F6A9-8C0CC00C3555}"/>
+              </a:ext>
+            </a:extLst>
+          </p:cNvPr>
+          <p:cNvSpPr/>
+          <p:nvPr/>
+        </p:nvSpPr>
+        <p:spPr>
+          <a:xfrm>
+            <a:off x="9528422" y="4592897"/>
+            <a:ext cx="303184" cy="1171053"/>
+          </a:xfrm>
+          <a:prstGeom prst="upDownArrow">
+            <a:avLst/>
+          </a:prstGeom>
+          <a:solidFill>
+            <a:srgbClr val="002060"/>
+          </a:solidFill>
+        </p:spPr>
+        <p:style>
+          <a:lnRef idx="2">
+            <a:schemeClr val="accent1">
+              <a:shade val="50000"/>
+            </a:schemeClr>
+          </a:lnRef>
+          <a:fillRef idx="1">
+            <a:schemeClr val="accent1"/>
+          </a:fillRef>
+          <a:effectRef idx="0">
+            <a:schemeClr val="accent1"/>
+          </a:effectRef>
+          <a:fontRef idx="minor">
+            <a:schemeClr val="lt1"/>
+          </a:fontRef>
+        </p:style>
+        <p:txBody>
+          <a:bodyPr rtlCol="0" anchor="ctr"/>
+          <a:lstStyle/>
+          <a:p>
+            <a:pPr algn="ctr"/>
+            <a:endParaRPr lang="en-US"/>
+          </a:p>
+        </p:txBody>
+      </p:sp>
+      <p:sp>
+        <p:nvSpPr>
+          <p:cNvPr id="51" name="Arrow: Up-Down 50">
+            <a:extLst>
+              <a:ext uri="{FF2B5EF4-FFF2-40B4-BE49-F238E27FC236}">
+                <a16:creationId xmlns:a16="http://schemas.microsoft.com/office/drawing/2014/main" id="{C5341A9B-17E6-1A96-177A-39B40C5398B0}"/>
+              </a:ext>
+            </a:extLst>
+          </p:cNvPr>
+          <p:cNvSpPr/>
+          <p:nvPr/>
+        </p:nvSpPr>
+        <p:spPr>
+          <a:xfrm>
+            <a:off x="6120772" y="4588479"/>
+            <a:ext cx="303184" cy="1171053"/>
+          </a:xfrm>
+          <a:prstGeom prst="upDownArrow">
+            <a:avLst/>
+          </a:prstGeom>
+          <a:solidFill>
+            <a:srgbClr val="002060"/>
+          </a:solidFill>
+        </p:spPr>
+        <p:style>
+          <a:lnRef idx="2">
+            <a:schemeClr val="accent1">
+              <a:shade val="50000"/>
+            </a:schemeClr>
+          </a:lnRef>
+          <a:fillRef idx="1">
+            <a:schemeClr val="accent1"/>
+          </a:fillRef>
+          <a:effectRef idx="0">
+            <a:schemeClr val="accent1"/>
+          </a:effectRef>
+          <a:fontRef idx="minor">
+            <a:schemeClr val="lt1"/>
+          </a:fontRef>
+        </p:style>
+        <p:txBody>
+          <a:bodyPr rtlCol="0" anchor="ctr"/>
+          <a:lstStyle/>
+          <a:p>
+            <a:pPr algn="ctr"/>
+            <a:endParaRPr lang="en-US"/>
+          </a:p>
+        </p:txBody>
+      </p:sp>
+      <p:sp>
+        <p:nvSpPr>
+          <p:cNvPr id="52" name="Arrow: Up-Down 51">
+            <a:extLst>
+              <a:ext uri="{FF2B5EF4-FFF2-40B4-BE49-F238E27FC236}">
+                <a16:creationId xmlns:a16="http://schemas.microsoft.com/office/drawing/2014/main" id="{72D72A33-017B-D5FE-4F17-A6EA3E36A597}"/>
+              </a:ext>
+            </a:extLst>
+          </p:cNvPr>
+          <p:cNvSpPr/>
+          <p:nvPr/>
+        </p:nvSpPr>
+        <p:spPr>
+          <a:xfrm>
+            <a:off x="2359741" y="4664803"/>
+            <a:ext cx="303184" cy="1171053"/>
+          </a:xfrm>
+          <a:prstGeom prst="upDownArrow">
+            <a:avLst/>
+          </a:prstGeom>
+          <a:solidFill>
+            <a:srgbClr val="002060"/>
+          </a:solidFill>
+        </p:spPr>
+        <p:style>
+          <a:lnRef idx="2">
+            <a:schemeClr val="accent1">
+              <a:shade val="50000"/>
+            </a:schemeClr>
+          </a:lnRef>
+          <a:fillRef idx="1">
+            <a:schemeClr val="accent1"/>
+          </a:fillRef>
+          <a:effectRef idx="0">
+            <a:schemeClr val="accent1"/>
+          </a:effectRef>
+          <a:fontRef idx="minor">
+            <a:schemeClr val="lt1"/>
+          </a:fontRef>
+        </p:style>
+        <p:txBody>
+          <a:bodyPr rtlCol="0" anchor="ctr"/>
+          <a:lstStyle/>
+          <a:p>
+            <a:pPr algn="ctr"/>
+            <a:endParaRPr lang="en-US"/>
+          </a:p>
+        </p:txBody>
+      </p:sp>
+    </p:spTree>
+    <p:extLst>
+      <p:ext uri="{BB962C8B-B14F-4D97-AF65-F5344CB8AC3E}">
+        <p14:creationId xmlns:p14="http://schemas.microsoft.com/office/powerpoint/2010/main" val="1870954157"/>
+      </p:ext>
+    </p:extLst>
+  </p:cSld>
+  <p:clrMapOvr>
+    <a:masterClrMapping/>
+  </p:clrMapOvr>
+</p:sld>
+</file>
+
+<file path=ppt/slides/slide24.xml><?xml version="1.0" encoding="utf-8"?>
+<p:sld xmlns:a="http://schemas.openxmlformats.org/drawingml/2006/main" xmlns:r="http://schemas.openxmlformats.org/officeDocument/2006/relationships" xmlns:p="http://schemas.openxmlformats.org/presentationml/2006/main">
+  <p:cSld>
+    <p:spTree>
+      <p:nvGrpSpPr>
+        <p:cNvPr id="1" name=""/>
+        <p:cNvGrpSpPr/>
+        <p:nvPr/>
+      </p:nvGrpSpPr>
+      <p:grpSpPr>
+        <a:xfrm>
+          <a:off x="0" y="0"/>
+          <a:ext cx="0" cy="0"/>
+          <a:chOff x="0" y="0"/>
+          <a:chExt cx="0" cy="0"/>
+        </a:xfrm>
+      </p:grpSpPr>
+      <p:sp>
+        <p:nvSpPr>
+          <p:cNvPr id="2" name="Rectangle 1">
+            <a:extLst>
+              <a:ext uri="{FF2B5EF4-FFF2-40B4-BE49-F238E27FC236}">
+                <a16:creationId xmlns:a16="http://schemas.microsoft.com/office/drawing/2014/main" id="{92161766-BE08-B8F9-DD88-9C31BF2723A5}"/>
+              </a:ext>
+            </a:extLst>
+          </p:cNvPr>
+          <p:cNvSpPr/>
+          <p:nvPr/>
+        </p:nvSpPr>
+        <p:spPr>
+          <a:xfrm>
+            <a:off x="137652" y="196645"/>
+            <a:ext cx="11818374" cy="6538452"/>
+          </a:xfrm>
+          <a:prstGeom prst="rect">
+            <a:avLst/>
+          </a:prstGeom>
+        </p:spPr>
+        <p:style>
+          <a:lnRef idx="2">
+            <a:schemeClr val="accent1">
+              <a:shade val="50000"/>
+            </a:schemeClr>
+          </a:lnRef>
+          <a:fillRef idx="1">
+            <a:schemeClr val="accent1"/>
+          </a:fillRef>
+          <a:effectRef idx="0">
+            <a:schemeClr val="accent1"/>
+          </a:effectRef>
+          <a:fontRef idx="minor">
+            <a:schemeClr val="lt1"/>
+          </a:fontRef>
+        </p:style>
+        <p:txBody>
+          <a:bodyPr rtlCol="0" anchor="ctr"/>
+          <a:lstStyle/>
+          <a:p>
+            <a:pPr algn="ctr"/>
+            <a:endParaRPr lang="en-US" dirty="0"/>
+          </a:p>
+        </p:txBody>
+      </p:sp>
+      <p:sp>
+        <p:nvSpPr>
+          <p:cNvPr id="3" name="TextBox 2">
+            <a:extLst>
+              <a:ext uri="{FF2B5EF4-FFF2-40B4-BE49-F238E27FC236}">
+                <a16:creationId xmlns:a16="http://schemas.microsoft.com/office/drawing/2014/main" id="{432B8B52-1B16-EA6F-5B52-02CDD36DD558}"/>
+              </a:ext>
+            </a:extLst>
+          </p:cNvPr>
+          <p:cNvSpPr txBox="1"/>
+          <p:nvPr/>
+        </p:nvSpPr>
+        <p:spPr>
+          <a:xfrm>
+            <a:off x="235974" y="294968"/>
+            <a:ext cx="3588774" cy="646331"/>
+          </a:xfrm>
+          <a:prstGeom prst="rect">
+            <a:avLst/>
+          </a:prstGeom>
+          <a:noFill/>
+        </p:spPr>
+        <p:txBody>
+          <a:bodyPr wrap="square" rtlCol="0">
+            <a:spAutoFit/>
+          </a:bodyPr>
+          <a:lstStyle/>
+          <a:p>
+            <a:r>
+              <a:rPr lang="en-IN" dirty="0"/>
+              <a:t>Provider with Store, and store has reducer</a:t>
+            </a:r>
+            <a:endParaRPr lang="en-US" dirty="0"/>
+          </a:p>
+        </p:txBody>
+      </p:sp>
+      <p:sp>
+        <p:nvSpPr>
+          <p:cNvPr id="4" name="Rectangle 3">
+            <a:extLst>
+              <a:ext uri="{FF2B5EF4-FFF2-40B4-BE49-F238E27FC236}">
+                <a16:creationId xmlns:a16="http://schemas.microsoft.com/office/drawing/2014/main" id="{49409946-166F-E180-33A8-1F140D52C47D}"/>
+              </a:ext>
+            </a:extLst>
+          </p:cNvPr>
+          <p:cNvSpPr/>
+          <p:nvPr/>
+        </p:nvSpPr>
+        <p:spPr>
+          <a:xfrm>
+            <a:off x="334297" y="1209368"/>
+            <a:ext cx="11297264" cy="5353664"/>
+          </a:xfrm>
+          <a:prstGeom prst="rect">
+            <a:avLst/>
+          </a:prstGeom>
+          <a:solidFill>
+            <a:srgbClr val="FFC000"/>
+          </a:solidFill>
+        </p:spPr>
+        <p:style>
+          <a:lnRef idx="2">
+            <a:schemeClr val="dk1">
+              <a:shade val="50000"/>
+            </a:schemeClr>
+          </a:lnRef>
+          <a:fillRef idx="1">
+            <a:schemeClr val="dk1"/>
+          </a:fillRef>
+          <a:effectRef idx="0">
+            <a:schemeClr val="dk1"/>
+          </a:effectRef>
+          <a:fontRef idx="minor">
+            <a:schemeClr val="lt1"/>
+          </a:fontRef>
+        </p:style>
+        <p:txBody>
+          <a:bodyPr rtlCol="0" anchor="ctr"/>
+          <a:lstStyle/>
+          <a:p>
+            <a:pPr algn="ctr"/>
+            <a:endParaRPr lang="en-US"/>
+          </a:p>
+        </p:txBody>
+      </p:sp>
+      <p:sp>
+        <p:nvSpPr>
+          <p:cNvPr id="5" name="TextBox 4">
+            <a:extLst>
+              <a:ext uri="{FF2B5EF4-FFF2-40B4-BE49-F238E27FC236}">
+                <a16:creationId xmlns:a16="http://schemas.microsoft.com/office/drawing/2014/main" id="{E369781E-315D-887A-F172-3BE8FD19B5D9}"/>
+              </a:ext>
+            </a:extLst>
+          </p:cNvPr>
+          <p:cNvSpPr txBox="1"/>
+          <p:nvPr/>
+        </p:nvSpPr>
+        <p:spPr>
+          <a:xfrm>
+            <a:off x="471948" y="1278194"/>
+            <a:ext cx="3913239" cy="369332"/>
+          </a:xfrm>
+          <a:prstGeom prst="rect">
+            <a:avLst/>
+          </a:prstGeom>
+          <a:noFill/>
+        </p:spPr>
+        <p:txBody>
+          <a:bodyPr wrap="square" rtlCol="0">
+            <a:spAutoFit/>
+          </a:bodyPr>
+          <a:lstStyle/>
+          <a:p>
+            <a:r>
+              <a:rPr lang="en-IN" dirty="0" err="1"/>
+              <a:t>MainReduxComponent</a:t>
+            </a:r>
+            <a:endParaRPr lang="en-US" dirty="0"/>
+          </a:p>
+        </p:txBody>
+      </p:sp>
+      <p:sp>
+        <p:nvSpPr>
+          <p:cNvPr id="6" name="Rectangle: Rounded Corners 5">
+            <a:extLst>
+              <a:ext uri="{FF2B5EF4-FFF2-40B4-BE49-F238E27FC236}">
+                <a16:creationId xmlns:a16="http://schemas.microsoft.com/office/drawing/2014/main" id="{FCC50CE0-E9AE-D76F-FA83-462AB0F768EE}"/>
+              </a:ext>
+            </a:extLst>
+          </p:cNvPr>
+          <p:cNvSpPr/>
+          <p:nvPr/>
+        </p:nvSpPr>
+        <p:spPr>
+          <a:xfrm>
+            <a:off x="560439" y="2359742"/>
+            <a:ext cx="3087329" cy="2517058"/>
+          </a:xfrm>
+          <a:prstGeom prst="roundRect">
+            <a:avLst/>
+          </a:prstGeom>
+          <a:solidFill>
+            <a:srgbClr val="92D050"/>
+          </a:solidFill>
+        </p:spPr>
+        <p:style>
+          <a:lnRef idx="2">
+            <a:schemeClr val="accent1">
+              <a:shade val="50000"/>
+            </a:schemeClr>
+          </a:lnRef>
+          <a:fillRef idx="1">
+            <a:schemeClr val="accent1"/>
+          </a:fillRef>
+          <a:effectRef idx="0">
+            <a:schemeClr val="accent1"/>
+          </a:effectRef>
+          <a:fontRef idx="minor">
+            <a:schemeClr val="lt1"/>
+          </a:fontRef>
+        </p:style>
+        <p:txBody>
+          <a:bodyPr rtlCol="0" anchor="ctr"/>
+          <a:lstStyle/>
+          <a:p>
+            <a:pPr algn="ctr"/>
+            <a:r>
+              <a:rPr lang="en-IN" b="1" dirty="0" err="1"/>
+              <a:t>AddComponent</a:t>
+            </a:r>
+            <a:endParaRPr lang="en-US" b="1" dirty="0"/>
+          </a:p>
+        </p:txBody>
+      </p:sp>
+      <p:sp>
+        <p:nvSpPr>
+          <p:cNvPr id="7" name="Rectangle: Rounded Corners 6">
+            <a:extLst>
+              <a:ext uri="{FF2B5EF4-FFF2-40B4-BE49-F238E27FC236}">
+                <a16:creationId xmlns:a16="http://schemas.microsoft.com/office/drawing/2014/main" id="{E310D7F1-265E-FB1D-D893-1E8F56311187}"/>
+              </a:ext>
+            </a:extLst>
+          </p:cNvPr>
+          <p:cNvSpPr/>
+          <p:nvPr/>
+        </p:nvSpPr>
+        <p:spPr>
+          <a:xfrm>
+            <a:off x="7890387" y="2512142"/>
+            <a:ext cx="3087329" cy="2517058"/>
+          </a:xfrm>
+          <a:prstGeom prst="roundRect">
+            <a:avLst/>
+          </a:prstGeom>
+          <a:solidFill>
+            <a:srgbClr val="92D050"/>
+          </a:solidFill>
+        </p:spPr>
+        <p:style>
+          <a:lnRef idx="2">
+            <a:schemeClr val="accent1">
+              <a:shade val="50000"/>
+            </a:schemeClr>
+          </a:lnRef>
+          <a:fillRef idx="1">
+            <a:schemeClr val="accent1"/>
+          </a:fillRef>
+          <a:effectRef idx="0">
+            <a:schemeClr val="accent1"/>
+          </a:effectRef>
+          <a:fontRef idx="minor">
+            <a:schemeClr val="lt1"/>
+          </a:fontRef>
+        </p:style>
+        <p:txBody>
+          <a:bodyPr rtlCol="0" anchor="ctr"/>
+          <a:lstStyle/>
+          <a:p>
+            <a:pPr algn="ctr"/>
+            <a:r>
+              <a:rPr lang="en-IN" b="1" dirty="0" err="1"/>
+              <a:t>ListComponent</a:t>
+            </a:r>
+            <a:endParaRPr lang="en-US" b="1" dirty="0"/>
+          </a:p>
+        </p:txBody>
+      </p:sp>
+      <p:sp>
+        <p:nvSpPr>
+          <p:cNvPr id="8" name="Arrow: Down 7">
+            <a:extLst>
+              <a:ext uri="{FF2B5EF4-FFF2-40B4-BE49-F238E27FC236}">
+                <a16:creationId xmlns:a16="http://schemas.microsoft.com/office/drawing/2014/main" id="{B8739302-1D51-1A7C-D266-1907D50C65D3}"/>
+              </a:ext>
+            </a:extLst>
+          </p:cNvPr>
+          <p:cNvSpPr/>
+          <p:nvPr/>
+        </p:nvSpPr>
+        <p:spPr>
+          <a:xfrm>
+            <a:off x="1897626" y="4296697"/>
+            <a:ext cx="481780" cy="1091380"/>
+          </a:xfrm>
+          <a:prstGeom prst="downArrow">
+            <a:avLst/>
+          </a:prstGeom>
+          <a:solidFill>
+            <a:srgbClr val="002060"/>
+          </a:solidFill>
+        </p:spPr>
+        <p:style>
+          <a:lnRef idx="2">
+            <a:schemeClr val="accent1">
+              <a:shade val="50000"/>
+            </a:schemeClr>
+          </a:lnRef>
+          <a:fillRef idx="1">
+            <a:schemeClr val="accent1"/>
+          </a:fillRef>
+          <a:effectRef idx="0">
+            <a:schemeClr val="accent1"/>
+          </a:effectRef>
+          <a:fontRef idx="minor">
+            <a:schemeClr val="lt1"/>
+          </a:fontRef>
+        </p:style>
+        <p:txBody>
+          <a:bodyPr rtlCol="0" anchor="ctr"/>
+          <a:lstStyle/>
+          <a:p>
+            <a:pPr algn="ctr"/>
+            <a:r>
+              <a:rPr lang="en-IN" dirty="0"/>
+              <a:t>1</a:t>
+            </a:r>
+            <a:endParaRPr lang="en-US" dirty="0"/>
+          </a:p>
+        </p:txBody>
+      </p:sp>
+      <p:sp>
+        <p:nvSpPr>
+          <p:cNvPr id="9" name="TextBox 8">
+            <a:extLst>
+              <a:ext uri="{FF2B5EF4-FFF2-40B4-BE49-F238E27FC236}">
+                <a16:creationId xmlns:a16="http://schemas.microsoft.com/office/drawing/2014/main" id="{542CBD8C-02C8-E4E1-AD29-939C2934DA1A}"/>
+              </a:ext>
+            </a:extLst>
+          </p:cNvPr>
+          <p:cNvSpPr txBox="1"/>
+          <p:nvPr/>
+        </p:nvSpPr>
+        <p:spPr>
+          <a:xfrm>
+            <a:off x="1106128" y="5289444"/>
+            <a:ext cx="2064775" cy="646331"/>
+          </a:xfrm>
+          <a:prstGeom prst="rect">
+            <a:avLst/>
+          </a:prstGeom>
+          <a:noFill/>
+        </p:spPr>
+        <p:txBody>
+          <a:bodyPr wrap="square" rtlCol="0">
+            <a:spAutoFit/>
+          </a:bodyPr>
+          <a:lstStyle/>
+          <a:p>
+            <a:r>
+              <a:rPr lang="en-IN" dirty="0"/>
+              <a:t>2. Dispatch the Action</a:t>
+            </a:r>
+            <a:endParaRPr lang="en-US" dirty="0"/>
+          </a:p>
+        </p:txBody>
+      </p:sp>
+      <p:sp>
+        <p:nvSpPr>
+          <p:cNvPr id="10" name="Arrow: Right 9">
+            <a:extLst>
+              <a:ext uri="{FF2B5EF4-FFF2-40B4-BE49-F238E27FC236}">
+                <a16:creationId xmlns:a16="http://schemas.microsoft.com/office/drawing/2014/main" id="{74A63054-0EDE-595E-640A-8FF6F834BF77}"/>
+              </a:ext>
+            </a:extLst>
+          </p:cNvPr>
+          <p:cNvSpPr/>
+          <p:nvPr/>
+        </p:nvSpPr>
+        <p:spPr>
+          <a:xfrm>
+            <a:off x="3156155" y="5314024"/>
+            <a:ext cx="983226" cy="369332"/>
+          </a:xfrm>
+          <a:prstGeom prst="rightArrow">
+            <a:avLst/>
+          </a:prstGeom>
+        </p:spPr>
+        <p:style>
+          <a:lnRef idx="2">
+            <a:schemeClr val="accent1">
+              <a:shade val="50000"/>
+            </a:schemeClr>
+          </a:lnRef>
+          <a:fillRef idx="1">
+            <a:schemeClr val="accent1"/>
+          </a:fillRef>
+          <a:effectRef idx="0">
+            <a:schemeClr val="accent1"/>
+          </a:effectRef>
+          <a:fontRef idx="minor">
+            <a:schemeClr val="lt1"/>
+          </a:fontRef>
+        </p:style>
+        <p:txBody>
+          <a:bodyPr rtlCol="0" anchor="ctr"/>
+          <a:lstStyle/>
+          <a:p>
+            <a:pPr algn="ctr"/>
+            <a:endParaRPr lang="en-US"/>
+          </a:p>
+        </p:txBody>
+      </p:sp>
+      <p:sp>
+        <p:nvSpPr>
+          <p:cNvPr id="11" name="TextBox 10">
+            <a:extLst>
+              <a:ext uri="{FF2B5EF4-FFF2-40B4-BE49-F238E27FC236}">
+                <a16:creationId xmlns:a16="http://schemas.microsoft.com/office/drawing/2014/main" id="{88886FC7-0A34-8E2C-0ACC-925065C18416}"/>
+              </a:ext>
+            </a:extLst>
+          </p:cNvPr>
+          <p:cNvSpPr txBox="1"/>
+          <p:nvPr/>
+        </p:nvSpPr>
+        <p:spPr>
+          <a:xfrm>
+            <a:off x="4139381" y="5316483"/>
+            <a:ext cx="2064775" cy="923330"/>
+          </a:xfrm>
+          <a:prstGeom prst="rect">
+            <a:avLst/>
+          </a:prstGeom>
+          <a:noFill/>
+        </p:spPr>
+        <p:txBody>
+          <a:bodyPr wrap="square" rtlCol="0">
+            <a:spAutoFit/>
+          </a:bodyPr>
+          <a:lstStyle/>
+          <a:p>
+            <a:pPr algn="ctr"/>
+            <a:r>
+              <a:rPr lang="en-IN" b="1" dirty="0"/>
+              <a:t>3. Output Action with</a:t>
+            </a:r>
+          </a:p>
+          <a:p>
+            <a:pPr algn="ctr"/>
+            <a:r>
+              <a:rPr lang="en-IN" b="1" dirty="0"/>
+              <a:t>Payload</a:t>
+            </a:r>
+            <a:endParaRPr lang="en-US" b="1" dirty="0"/>
+          </a:p>
+        </p:txBody>
+      </p:sp>
+      <p:sp>
+        <p:nvSpPr>
+          <p:cNvPr id="12" name="Arrow: Down 11">
+            <a:extLst>
+              <a:ext uri="{FF2B5EF4-FFF2-40B4-BE49-F238E27FC236}">
+                <a16:creationId xmlns:a16="http://schemas.microsoft.com/office/drawing/2014/main" id="{EF714B71-7A9E-F9E3-7814-7541CA0A458F}"/>
+              </a:ext>
+            </a:extLst>
+          </p:cNvPr>
+          <p:cNvSpPr/>
+          <p:nvPr/>
+        </p:nvSpPr>
+        <p:spPr>
+          <a:xfrm>
+            <a:off x="5437239" y="4021394"/>
+            <a:ext cx="481780" cy="1292630"/>
+          </a:xfrm>
+          <a:prstGeom prst="downArrow">
+            <a:avLst/>
+          </a:prstGeom>
+        </p:spPr>
+        <p:style>
+          <a:lnRef idx="2">
+            <a:schemeClr val="accent1">
+              <a:shade val="50000"/>
+            </a:schemeClr>
+          </a:lnRef>
+          <a:fillRef idx="1">
+            <a:schemeClr val="accent1"/>
+          </a:fillRef>
+          <a:effectRef idx="0">
+            <a:schemeClr val="accent1"/>
+          </a:effectRef>
+          <a:fontRef idx="minor">
+            <a:schemeClr val="lt1"/>
+          </a:fontRef>
+        </p:style>
+        <p:txBody>
+          <a:bodyPr rtlCol="0" anchor="ctr"/>
+          <a:lstStyle/>
+          <a:p>
+            <a:pPr algn="ctr"/>
+            <a:endParaRPr lang="en-US"/>
+          </a:p>
+        </p:txBody>
+      </p:sp>
+      <p:sp>
+        <p:nvSpPr>
+          <p:cNvPr id="13" name="Arrow: Up 12">
+            <a:extLst>
+              <a:ext uri="{FF2B5EF4-FFF2-40B4-BE49-F238E27FC236}">
+                <a16:creationId xmlns:a16="http://schemas.microsoft.com/office/drawing/2014/main" id="{DCFD3079-EC1C-C56F-F65B-C8D0DF03446D}"/>
+              </a:ext>
+            </a:extLst>
+          </p:cNvPr>
+          <p:cNvSpPr/>
+          <p:nvPr/>
+        </p:nvSpPr>
+        <p:spPr>
+          <a:xfrm>
+            <a:off x="4729317" y="3996814"/>
+            <a:ext cx="481780" cy="1292630"/>
+          </a:xfrm>
+          <a:prstGeom prst="upArrow">
+            <a:avLst/>
+          </a:prstGeom>
+        </p:spPr>
+        <p:style>
+          <a:lnRef idx="2">
+            <a:schemeClr val="accent1">
+              <a:shade val="50000"/>
+            </a:schemeClr>
+          </a:lnRef>
+          <a:fillRef idx="1">
+            <a:schemeClr val="accent1"/>
+          </a:fillRef>
+          <a:effectRef idx="0">
+            <a:schemeClr val="accent1"/>
+          </a:effectRef>
+          <a:fontRef idx="minor">
+            <a:schemeClr val="lt1"/>
+          </a:fontRef>
+        </p:style>
+        <p:txBody>
+          <a:bodyPr rtlCol="0" anchor="ctr"/>
+          <a:lstStyle/>
+          <a:p>
+            <a:pPr algn="ctr"/>
+            <a:endParaRPr lang="en-US"/>
+          </a:p>
+        </p:txBody>
+      </p:sp>
+      <p:sp>
+        <p:nvSpPr>
+          <p:cNvPr id="14" name="Rectangle: Rounded Corners 13">
+            <a:extLst>
+              <a:ext uri="{FF2B5EF4-FFF2-40B4-BE49-F238E27FC236}">
+                <a16:creationId xmlns:a16="http://schemas.microsoft.com/office/drawing/2014/main" id="{927D7E65-B07E-441E-35C2-AAB45E645FE2}"/>
+              </a:ext>
+            </a:extLst>
+          </p:cNvPr>
+          <p:cNvSpPr/>
+          <p:nvPr/>
+        </p:nvSpPr>
+        <p:spPr>
+          <a:xfrm>
+            <a:off x="4424516" y="2993922"/>
+            <a:ext cx="1853381" cy="1000433"/>
+          </a:xfrm>
+          <a:prstGeom prst="roundRect">
+            <a:avLst/>
+          </a:prstGeom>
+          <a:solidFill>
+            <a:srgbClr val="002060"/>
+          </a:solidFill>
+        </p:spPr>
+        <p:style>
+          <a:lnRef idx="2">
+            <a:schemeClr val="accent1">
+              <a:shade val="50000"/>
+            </a:schemeClr>
+          </a:lnRef>
+          <a:fillRef idx="1">
+            <a:schemeClr val="accent1"/>
+          </a:fillRef>
+          <a:effectRef idx="0">
+            <a:schemeClr val="accent1"/>
+          </a:effectRef>
+          <a:fontRef idx="minor">
+            <a:schemeClr val="lt1"/>
+          </a:fontRef>
+        </p:style>
+        <p:txBody>
+          <a:bodyPr rtlCol="0" anchor="ctr"/>
+          <a:lstStyle/>
+          <a:p>
+            <a:pPr algn="ctr"/>
+            <a:r>
+              <a:rPr lang="en-IN" sz="1400" b="1" dirty="0"/>
+              <a:t>4. Reducer will Listen the Output Action with Payload</a:t>
+            </a:r>
+            <a:endParaRPr lang="en-US" sz="1400" b="1" dirty="0"/>
+          </a:p>
+        </p:txBody>
+      </p:sp>
+      <p:sp>
+        <p:nvSpPr>
+          <p:cNvPr id="15" name="Flowchart: Magnetic Disk 14">
+            <a:extLst>
+              <a:ext uri="{FF2B5EF4-FFF2-40B4-BE49-F238E27FC236}">
+                <a16:creationId xmlns:a16="http://schemas.microsoft.com/office/drawing/2014/main" id="{94BC29BA-B50B-D9BF-C539-955A84AE5B39}"/>
+              </a:ext>
+            </a:extLst>
+          </p:cNvPr>
+          <p:cNvSpPr/>
+          <p:nvPr/>
+        </p:nvSpPr>
+        <p:spPr>
+          <a:xfrm>
+            <a:off x="6395885" y="337914"/>
+            <a:ext cx="1725561" cy="737420"/>
+          </a:xfrm>
+          <a:prstGeom prst="flowChartMagneticDisk">
+            <a:avLst/>
+          </a:prstGeom>
+        </p:spPr>
+        <p:style>
+          <a:lnRef idx="3">
+            <a:schemeClr val="lt1"/>
+          </a:lnRef>
+          <a:fillRef idx="1">
+            <a:schemeClr val="accent3"/>
+          </a:fillRef>
+          <a:effectRef idx="1">
+            <a:schemeClr val="accent3"/>
+          </a:effectRef>
+          <a:fontRef idx="minor">
+            <a:schemeClr val="lt1"/>
+          </a:fontRef>
+        </p:style>
+        <p:txBody>
+          <a:bodyPr rtlCol="0" anchor="ctr"/>
+          <a:lstStyle/>
+          <a:p>
+            <a:pPr algn="ctr"/>
+            <a:r>
+              <a:rPr lang="en-IN" b="1" dirty="0"/>
+              <a:t>Store</a:t>
+            </a:r>
+            <a:endParaRPr lang="en-US" b="1" dirty="0"/>
+          </a:p>
+        </p:txBody>
+      </p:sp>
+      <p:cxnSp>
+        <p:nvCxnSpPr>
+          <p:cNvPr id="17" name="Connector: Elbow 16">
+            <a:extLst>
+              <a:ext uri="{FF2B5EF4-FFF2-40B4-BE49-F238E27FC236}">
+                <a16:creationId xmlns:a16="http://schemas.microsoft.com/office/drawing/2014/main" id="{67D75690-C354-2162-2BDA-9E986CC4C800}"/>
+              </a:ext>
+            </a:extLst>
+          </p:cNvPr>
+          <p:cNvCxnSpPr>
+            <a:stCxn id="14" idx="0"/>
+            <a:endCxn id="15" idx="2"/>
+          </p:cNvCxnSpPr>
+          <p:nvPr/>
+        </p:nvCxnSpPr>
+        <p:spPr>
+          <a:xfrm rot="5400000" flipH="1" flipV="1">
+            <a:off x="4729897" y="1327934"/>
+            <a:ext cx="2287298" cy="1044678"/>
+          </a:xfrm>
+          <a:prstGeom prst="bentConnector2">
+            <a:avLst/>
+          </a:prstGeom>
+          <a:ln w="76200">
+            <a:solidFill>
+              <a:srgbClr val="002060"/>
+            </a:solidFill>
+            <a:tailEnd type="triangle"/>
+          </a:ln>
+        </p:spPr>
+        <p:style>
+          <a:lnRef idx="1">
+            <a:schemeClr val="accent1"/>
+          </a:lnRef>
+          <a:fillRef idx="0">
+            <a:schemeClr val="accent1"/>
+          </a:fillRef>
+          <a:effectRef idx="0">
+            <a:schemeClr val="accent1"/>
+          </a:effectRef>
+          <a:fontRef idx="minor">
+            <a:schemeClr val="tx1"/>
+          </a:fontRef>
+        </p:style>
+      </p:cxnSp>
+      <p:sp>
+        <p:nvSpPr>
+          <p:cNvPr id="18" name="TextBox 17">
+            <a:extLst>
+              <a:ext uri="{FF2B5EF4-FFF2-40B4-BE49-F238E27FC236}">
+                <a16:creationId xmlns:a16="http://schemas.microsoft.com/office/drawing/2014/main" id="{0E6862EF-07B9-D024-A777-D150452325FD}"/>
+              </a:ext>
+            </a:extLst>
+          </p:cNvPr>
+          <p:cNvSpPr txBox="1"/>
+          <p:nvPr/>
+        </p:nvSpPr>
+        <p:spPr>
+          <a:xfrm>
+            <a:off x="4611329" y="1647526"/>
+            <a:ext cx="2212258" cy="646331"/>
+          </a:xfrm>
+          <a:prstGeom prst="rect">
+            <a:avLst/>
+          </a:prstGeom>
+          <a:noFill/>
+        </p:spPr>
+        <p:txBody>
+          <a:bodyPr wrap="square" rtlCol="0">
+            <a:spAutoFit/>
+          </a:bodyPr>
+          <a:lstStyle/>
+          <a:p>
+            <a:r>
+              <a:rPr lang="en-IN" b="1" dirty="0"/>
+              <a:t>5. Update Latest Data in Store</a:t>
+            </a:r>
+            <a:endParaRPr lang="en-US" b="1" dirty="0"/>
+          </a:p>
+        </p:txBody>
+      </p:sp>
+      <p:cxnSp>
+        <p:nvCxnSpPr>
+          <p:cNvPr id="20" name="Connector: Elbow 19">
+            <a:extLst>
+              <a:ext uri="{FF2B5EF4-FFF2-40B4-BE49-F238E27FC236}">
+                <a16:creationId xmlns:a16="http://schemas.microsoft.com/office/drawing/2014/main" id="{9E470735-55BD-4D11-3787-03DAF2E87ADB}"/>
+              </a:ext>
+            </a:extLst>
+          </p:cNvPr>
+          <p:cNvCxnSpPr>
+            <a:endCxn id="15" idx="4"/>
+          </p:cNvCxnSpPr>
+          <p:nvPr/>
+        </p:nvCxnSpPr>
+        <p:spPr>
+          <a:xfrm rot="16200000" flipV="1">
+            <a:off x="7884822" y="943248"/>
+            <a:ext cx="1805518" cy="1332270"/>
+          </a:xfrm>
+          <a:prstGeom prst="bentConnector2">
+            <a:avLst/>
+          </a:prstGeom>
+          <a:ln w="76200">
+            <a:solidFill>
+              <a:srgbClr val="7030A0"/>
+            </a:solidFill>
+            <a:tailEnd type="triangle"/>
+          </a:ln>
+        </p:spPr>
+        <p:style>
+          <a:lnRef idx="1">
+            <a:schemeClr val="accent1"/>
+          </a:lnRef>
+          <a:fillRef idx="0">
+            <a:schemeClr val="accent1"/>
+          </a:fillRef>
+          <a:effectRef idx="0">
+            <a:schemeClr val="accent1"/>
+          </a:effectRef>
+          <a:fontRef idx="minor">
+            <a:schemeClr val="tx1"/>
+          </a:fontRef>
+        </p:style>
+      </p:cxnSp>
+      <p:sp>
+        <p:nvSpPr>
+          <p:cNvPr id="21" name="TextBox 20">
+            <a:extLst>
+              <a:ext uri="{FF2B5EF4-FFF2-40B4-BE49-F238E27FC236}">
+                <a16:creationId xmlns:a16="http://schemas.microsoft.com/office/drawing/2014/main" id="{487888AA-1970-4BF7-2FB1-55C36A42E07A}"/>
+              </a:ext>
+            </a:extLst>
+          </p:cNvPr>
+          <p:cNvSpPr txBox="1"/>
+          <p:nvPr/>
+        </p:nvSpPr>
+        <p:spPr>
+          <a:xfrm>
+            <a:off x="9166124" y="1444044"/>
+            <a:ext cx="2013153" cy="646331"/>
+          </a:xfrm>
+          <a:prstGeom prst="rect">
+            <a:avLst/>
+          </a:prstGeom>
+          <a:noFill/>
+        </p:spPr>
+        <p:txBody>
+          <a:bodyPr wrap="square" rtlCol="0">
+            <a:spAutoFit/>
+          </a:bodyPr>
+          <a:lstStyle/>
+          <a:p>
+            <a:r>
+              <a:rPr lang="en-IN" b="1" dirty="0"/>
+              <a:t>6. Store Subscription</a:t>
+            </a:r>
+            <a:endParaRPr lang="en-US" b="1" dirty="0"/>
+          </a:p>
+        </p:txBody>
+      </p:sp>
+      <p:cxnSp>
+        <p:nvCxnSpPr>
+          <p:cNvPr id="23" name="Connector: Elbow 22">
+            <a:extLst>
+              <a:ext uri="{FF2B5EF4-FFF2-40B4-BE49-F238E27FC236}">
+                <a16:creationId xmlns:a16="http://schemas.microsoft.com/office/drawing/2014/main" id="{DEEA5323-5D13-DB3A-4E25-4CCD16A1EBAC}"/>
+              </a:ext>
+            </a:extLst>
+          </p:cNvPr>
+          <p:cNvCxnSpPr>
+            <a:stCxn id="15" idx="3"/>
+            <a:endCxn id="7" idx="1"/>
+          </p:cNvCxnSpPr>
+          <p:nvPr/>
+        </p:nvCxnSpPr>
+        <p:spPr>
+          <a:xfrm rot="16200000" flipH="1">
+            <a:off x="6226858" y="2107141"/>
+            <a:ext cx="2695337" cy="631721"/>
+          </a:xfrm>
+          <a:prstGeom prst="bentConnector2">
+            <a:avLst/>
+          </a:prstGeom>
+          <a:ln w="76200">
+            <a:solidFill>
+              <a:schemeClr val="tx2">
+                <a:lumMod val="50000"/>
+              </a:schemeClr>
+            </a:solidFill>
+            <a:tailEnd type="triangle"/>
+          </a:ln>
+        </p:spPr>
+        <p:style>
+          <a:lnRef idx="1">
+            <a:schemeClr val="accent1"/>
+          </a:lnRef>
+          <a:fillRef idx="0">
+            <a:schemeClr val="accent1"/>
+          </a:fillRef>
+          <a:effectRef idx="0">
+            <a:schemeClr val="accent1"/>
+          </a:effectRef>
+          <a:fontRef idx="minor">
+            <a:schemeClr val="tx1"/>
+          </a:fontRef>
+        </p:style>
+      </p:cxnSp>
+      <p:sp>
+        <p:nvSpPr>
+          <p:cNvPr id="24" name="TextBox 23">
+            <a:extLst>
+              <a:ext uri="{FF2B5EF4-FFF2-40B4-BE49-F238E27FC236}">
+                <a16:creationId xmlns:a16="http://schemas.microsoft.com/office/drawing/2014/main" id="{79115DA6-C818-921D-B8B8-98CF09DF8DDC}"/>
+              </a:ext>
+            </a:extLst>
+          </p:cNvPr>
+          <p:cNvSpPr txBox="1"/>
+          <p:nvPr/>
+        </p:nvSpPr>
+        <p:spPr>
+          <a:xfrm>
+            <a:off x="6356555" y="2378108"/>
+            <a:ext cx="2010698" cy="923330"/>
+          </a:xfrm>
+          <a:prstGeom prst="rect">
+            <a:avLst/>
+          </a:prstGeom>
+          <a:noFill/>
+        </p:spPr>
+        <p:txBody>
+          <a:bodyPr wrap="square" rtlCol="0">
+            <a:spAutoFit/>
+          </a:bodyPr>
+          <a:lstStyle/>
+          <a:p>
+            <a:r>
+              <a:rPr lang="en-IN" b="1" dirty="0"/>
+              <a:t>7. Latest State to other component</a:t>
+            </a:r>
+            <a:endParaRPr lang="en-US" b="1" dirty="0"/>
+          </a:p>
+        </p:txBody>
+      </p:sp>
+    </p:spTree>
+    <p:extLst>
+      <p:ext uri="{BB962C8B-B14F-4D97-AF65-F5344CB8AC3E}">
+        <p14:creationId xmlns:p14="http://schemas.microsoft.com/office/powerpoint/2010/main" val="935456960"/>
+      </p:ext>
+    </p:extLst>
+  </p:cSld>
+  <p:clrMapOvr>
+    <a:masterClrMapping/>
+  </p:clrMapOvr>
+</p:sld>
+</file>
+
 <file path=ppt/slides/slide3.xml><?xml version="1.0" encoding="utf-8"?>
 <p:sld xmlns:a="http://schemas.openxmlformats.org/drawingml/2006/main" xmlns:r="http://schemas.openxmlformats.org/officeDocument/2006/relationships" xmlns:p="http://schemas.openxmlformats.org/presentationml/2006/main">
   <p:cSld>

--- a/training_images.pptx
+++ b/training_images.pptx
@@ -29,6 +29,10 @@
     <p:sldId id="277" r:id="rId23"/>
     <p:sldId id="278" r:id="rId24"/>
     <p:sldId id="279" r:id="rId25"/>
+    <p:sldId id="280" r:id="rId26"/>
+    <p:sldId id="281" r:id="rId27"/>
+    <p:sldId id="282" r:id="rId28"/>
+    <p:sldId id="283" r:id="rId29"/>
   </p:sldIdLst>
   <p:sldSz cx="12192000" cy="6858000"/>
   <p:notesSz cx="6858000" cy="9144000"/>
@@ -298,7 +302,7 @@
           <a:p>
             <a:fld id="{822AF85D-11A4-42B9-B7D1-A5D0AD529DB2}" type="datetimeFigureOut">
               <a:rPr lang="en-US" smtClean="0"/>
-              <a:t>5/3/2022</a:t>
+              <a:t>5/11/2022</a:t>
             </a:fld>
             <a:endParaRPr lang="en-US"/>
           </a:p>
@@ -468,7 +472,7 @@
           <a:p>
             <a:fld id="{822AF85D-11A4-42B9-B7D1-A5D0AD529DB2}" type="datetimeFigureOut">
               <a:rPr lang="en-US" smtClean="0"/>
-              <a:t>5/3/2022</a:t>
+              <a:t>5/11/2022</a:t>
             </a:fld>
             <a:endParaRPr lang="en-US"/>
           </a:p>
@@ -648,7 +652,7 @@
           <a:p>
             <a:fld id="{822AF85D-11A4-42B9-B7D1-A5D0AD529DB2}" type="datetimeFigureOut">
               <a:rPr lang="en-US" smtClean="0"/>
-              <a:t>5/3/2022</a:t>
+              <a:t>5/11/2022</a:t>
             </a:fld>
             <a:endParaRPr lang="en-US"/>
           </a:p>
@@ -818,7 +822,7 @@
           <a:p>
             <a:fld id="{822AF85D-11A4-42B9-B7D1-A5D0AD529DB2}" type="datetimeFigureOut">
               <a:rPr lang="en-US" smtClean="0"/>
-              <a:t>5/3/2022</a:t>
+              <a:t>5/11/2022</a:t>
             </a:fld>
             <a:endParaRPr lang="en-US"/>
           </a:p>
@@ -1086,7 +1090,7 @@
           <a:p>
             <a:fld id="{822AF85D-11A4-42B9-B7D1-A5D0AD529DB2}" type="datetimeFigureOut">
               <a:rPr lang="en-US" smtClean="0"/>
-              <a:t>5/3/2022</a:t>
+              <a:t>5/11/2022</a:t>
             </a:fld>
             <a:endParaRPr lang="en-US"/>
           </a:p>
@@ -1318,7 +1322,7 @@
           <a:p>
             <a:fld id="{822AF85D-11A4-42B9-B7D1-A5D0AD529DB2}" type="datetimeFigureOut">
               <a:rPr lang="en-US" smtClean="0"/>
-              <a:t>5/3/2022</a:t>
+              <a:t>5/11/2022</a:t>
             </a:fld>
             <a:endParaRPr lang="en-US"/>
           </a:p>
@@ -1677,7 +1681,7 @@
           <a:p>
             <a:fld id="{822AF85D-11A4-42B9-B7D1-A5D0AD529DB2}" type="datetimeFigureOut">
               <a:rPr lang="en-US" smtClean="0"/>
-              <a:t>5/3/2022</a:t>
+              <a:t>5/11/2022</a:t>
             </a:fld>
             <a:endParaRPr lang="en-US"/>
           </a:p>
@@ -1818,7 +1822,7 @@
           <a:p>
             <a:fld id="{822AF85D-11A4-42B9-B7D1-A5D0AD529DB2}" type="datetimeFigureOut">
               <a:rPr lang="en-US" smtClean="0"/>
-              <a:t>5/3/2022</a:t>
+              <a:t>5/11/2022</a:t>
             </a:fld>
             <a:endParaRPr lang="en-US"/>
           </a:p>
@@ -1913,7 +1917,7 @@
           <a:p>
             <a:fld id="{822AF85D-11A4-42B9-B7D1-A5D0AD529DB2}" type="datetimeFigureOut">
               <a:rPr lang="en-US" smtClean="0"/>
-              <a:t>5/3/2022</a:t>
+              <a:t>5/11/2022</a:t>
             </a:fld>
             <a:endParaRPr lang="en-US"/>
           </a:p>
@@ -2270,7 +2274,7 @@
           <a:p>
             <a:fld id="{822AF85D-11A4-42B9-B7D1-A5D0AD529DB2}" type="datetimeFigureOut">
               <a:rPr lang="en-US" smtClean="0"/>
-              <a:t>5/3/2022</a:t>
+              <a:t>5/11/2022</a:t>
             </a:fld>
             <a:endParaRPr lang="en-US"/>
           </a:p>
@@ -2627,7 +2631,7 @@
           <a:p>
             <a:fld id="{822AF85D-11A4-42B9-B7D1-A5D0AD529DB2}" type="datetimeFigureOut">
               <a:rPr lang="en-US" smtClean="0"/>
-              <a:t>5/3/2022</a:t>
+              <a:t>5/11/2022</a:t>
             </a:fld>
             <a:endParaRPr lang="en-US"/>
           </a:p>
@@ -2869,7 +2873,7 @@
           <a:p>
             <a:fld id="{822AF85D-11A4-42B9-B7D1-A5D0AD529DB2}" type="datetimeFigureOut">
               <a:rPr lang="en-US" smtClean="0"/>
-              <a:t>5/3/2022</a:t>
+              <a:t>5/11/2022</a:t>
             </a:fld>
             <a:endParaRPr lang="en-US"/>
           </a:p>
@@ -14640,6 +14644,6213 @@
     <p:extLst>
       <p:ext uri="{BB962C8B-B14F-4D97-AF65-F5344CB8AC3E}">
         <p14:creationId xmlns:p14="http://schemas.microsoft.com/office/powerpoint/2010/main" val="935456960"/>
+      </p:ext>
+    </p:extLst>
+  </p:cSld>
+  <p:clrMapOvr>
+    <a:masterClrMapping/>
+  </p:clrMapOvr>
+</p:sld>
+</file>
+
+<file path=ppt/slides/slide25.xml><?xml version="1.0" encoding="utf-8"?>
+<p:sld xmlns:a="http://schemas.openxmlformats.org/drawingml/2006/main" xmlns:r="http://schemas.openxmlformats.org/officeDocument/2006/relationships" xmlns:p="http://schemas.openxmlformats.org/presentationml/2006/main">
+  <p:cSld>
+    <p:spTree>
+      <p:nvGrpSpPr>
+        <p:cNvPr id="1" name=""/>
+        <p:cNvGrpSpPr/>
+        <p:nvPr/>
+      </p:nvGrpSpPr>
+      <p:grpSpPr>
+        <a:xfrm>
+          <a:off x="0" y="0"/>
+          <a:ext cx="0" cy="0"/>
+          <a:chOff x="0" y="0"/>
+          <a:chExt cx="0" cy="0"/>
+        </a:xfrm>
+      </p:grpSpPr>
+      <p:sp>
+        <p:nvSpPr>
+          <p:cNvPr id="2" name="Rectangle: Rounded Corners 1">
+            <a:extLst>
+              <a:ext uri="{FF2B5EF4-FFF2-40B4-BE49-F238E27FC236}">
+                <a16:creationId xmlns:a16="http://schemas.microsoft.com/office/drawing/2014/main" id="{CD718B90-2A19-50C3-7383-53E782D35B34}"/>
+              </a:ext>
+            </a:extLst>
+          </p:cNvPr>
+          <p:cNvSpPr/>
+          <p:nvPr/>
+        </p:nvSpPr>
+        <p:spPr>
+          <a:xfrm>
+            <a:off x="4444180" y="127819"/>
+            <a:ext cx="2694040" cy="1396181"/>
+          </a:xfrm>
+          <a:prstGeom prst="roundRect">
+            <a:avLst/>
+          </a:prstGeom>
+        </p:spPr>
+        <p:style>
+          <a:lnRef idx="2">
+            <a:schemeClr val="accent1">
+              <a:shade val="50000"/>
+            </a:schemeClr>
+          </a:lnRef>
+          <a:fillRef idx="1">
+            <a:schemeClr val="accent1"/>
+          </a:fillRef>
+          <a:effectRef idx="0">
+            <a:schemeClr val="accent1"/>
+          </a:effectRef>
+          <a:fontRef idx="minor">
+            <a:schemeClr val="lt1"/>
+          </a:fontRef>
+        </p:style>
+        <p:txBody>
+          <a:bodyPr rtlCol="0" anchor="ctr"/>
+          <a:lstStyle/>
+          <a:p>
+            <a:pPr algn="ctr"/>
+            <a:r>
+              <a:rPr lang="en-IN" b="1" dirty="0"/>
+              <a:t>Business Requirements</a:t>
+            </a:r>
+            <a:endParaRPr lang="en-US" b="1" dirty="0"/>
+          </a:p>
+        </p:txBody>
+      </p:sp>
+      <p:sp>
+        <p:nvSpPr>
+          <p:cNvPr id="3" name="Rectangle: Rounded Corners 2">
+            <a:extLst>
+              <a:ext uri="{FF2B5EF4-FFF2-40B4-BE49-F238E27FC236}">
+                <a16:creationId xmlns:a16="http://schemas.microsoft.com/office/drawing/2014/main" id="{82482F2D-9D62-3F09-25E3-A1F6D57D9A62}"/>
+              </a:ext>
+            </a:extLst>
+          </p:cNvPr>
+          <p:cNvSpPr/>
+          <p:nvPr/>
+        </p:nvSpPr>
+        <p:spPr>
+          <a:xfrm>
+            <a:off x="1578077" y="1524000"/>
+            <a:ext cx="2694040" cy="1396181"/>
+          </a:xfrm>
+          <a:prstGeom prst="roundRect">
+            <a:avLst/>
+          </a:prstGeom>
+        </p:spPr>
+        <p:style>
+          <a:lnRef idx="2">
+            <a:schemeClr val="accent1">
+              <a:shade val="50000"/>
+            </a:schemeClr>
+          </a:lnRef>
+          <a:fillRef idx="1">
+            <a:schemeClr val="accent1"/>
+          </a:fillRef>
+          <a:effectRef idx="0">
+            <a:schemeClr val="accent1"/>
+          </a:effectRef>
+          <a:fontRef idx="minor">
+            <a:schemeClr val="lt1"/>
+          </a:fontRef>
+        </p:style>
+        <p:txBody>
+          <a:bodyPr rtlCol="0" anchor="ctr"/>
+          <a:lstStyle/>
+          <a:p>
+            <a:pPr algn="ctr"/>
+            <a:r>
+              <a:rPr lang="en-IN" b="1" dirty="0"/>
+              <a:t>Validations of Requirements</a:t>
+            </a:r>
+            <a:endParaRPr lang="en-US" b="1" dirty="0"/>
+          </a:p>
+        </p:txBody>
+      </p:sp>
+      <p:sp>
+        <p:nvSpPr>
+          <p:cNvPr id="4" name="Rectangle: Rounded Corners 3">
+            <a:extLst>
+              <a:ext uri="{FF2B5EF4-FFF2-40B4-BE49-F238E27FC236}">
+                <a16:creationId xmlns:a16="http://schemas.microsoft.com/office/drawing/2014/main" id="{B9CBCC98-B59B-813D-0FBC-D384610B2740}"/>
+              </a:ext>
+            </a:extLst>
+          </p:cNvPr>
+          <p:cNvSpPr/>
+          <p:nvPr/>
+        </p:nvSpPr>
+        <p:spPr>
+          <a:xfrm>
+            <a:off x="1578077" y="3593688"/>
+            <a:ext cx="2694040" cy="1396181"/>
+          </a:xfrm>
+          <a:prstGeom prst="roundRect">
+            <a:avLst/>
+          </a:prstGeom>
+        </p:spPr>
+        <p:style>
+          <a:lnRef idx="2">
+            <a:schemeClr val="accent1">
+              <a:shade val="50000"/>
+            </a:schemeClr>
+          </a:lnRef>
+          <a:fillRef idx="1">
+            <a:schemeClr val="accent1"/>
+          </a:fillRef>
+          <a:effectRef idx="0">
+            <a:schemeClr val="accent1"/>
+          </a:effectRef>
+          <a:fontRef idx="minor">
+            <a:schemeClr val="lt1"/>
+          </a:fontRef>
+        </p:style>
+        <p:txBody>
+          <a:bodyPr rtlCol="0" anchor="ctr"/>
+          <a:lstStyle/>
+          <a:p>
+            <a:pPr algn="ctr"/>
+            <a:r>
+              <a:rPr lang="en-IN" b="1" dirty="0"/>
+              <a:t>Feasibility</a:t>
+            </a:r>
+            <a:endParaRPr lang="en-US" b="1" dirty="0"/>
+          </a:p>
+        </p:txBody>
+      </p:sp>
+      <p:sp>
+        <p:nvSpPr>
+          <p:cNvPr id="5" name="Rectangle: Rounded Corners 4">
+            <a:extLst>
+              <a:ext uri="{FF2B5EF4-FFF2-40B4-BE49-F238E27FC236}">
+                <a16:creationId xmlns:a16="http://schemas.microsoft.com/office/drawing/2014/main" id="{817E4084-1356-8199-4BD2-9E4CB765C6AB}"/>
+              </a:ext>
+            </a:extLst>
+          </p:cNvPr>
+          <p:cNvSpPr/>
+          <p:nvPr/>
+        </p:nvSpPr>
+        <p:spPr>
+          <a:xfrm>
+            <a:off x="4591664" y="5073444"/>
+            <a:ext cx="2694040" cy="1396181"/>
+          </a:xfrm>
+          <a:prstGeom prst="roundRect">
+            <a:avLst/>
+          </a:prstGeom>
+        </p:spPr>
+        <p:style>
+          <a:lnRef idx="2">
+            <a:schemeClr val="accent1">
+              <a:shade val="50000"/>
+            </a:schemeClr>
+          </a:lnRef>
+          <a:fillRef idx="1">
+            <a:schemeClr val="accent1"/>
+          </a:fillRef>
+          <a:effectRef idx="0">
+            <a:schemeClr val="accent1"/>
+          </a:effectRef>
+          <a:fontRef idx="minor">
+            <a:schemeClr val="lt1"/>
+          </a:fontRef>
+        </p:style>
+        <p:txBody>
+          <a:bodyPr rtlCol="0" anchor="ctr"/>
+          <a:lstStyle/>
+          <a:p>
+            <a:pPr algn="ctr"/>
+            <a:r>
+              <a:rPr lang="en-IN" b="1" dirty="0"/>
+              <a:t>Technology Planning</a:t>
+            </a:r>
+            <a:endParaRPr lang="en-US" b="1" dirty="0"/>
+          </a:p>
+        </p:txBody>
+      </p:sp>
+      <p:sp>
+        <p:nvSpPr>
+          <p:cNvPr id="6" name="Rectangle: Rounded Corners 5">
+            <a:extLst>
+              <a:ext uri="{FF2B5EF4-FFF2-40B4-BE49-F238E27FC236}">
+                <a16:creationId xmlns:a16="http://schemas.microsoft.com/office/drawing/2014/main" id="{737B107A-C971-3611-801D-A62ADC7B5701}"/>
+              </a:ext>
+            </a:extLst>
+          </p:cNvPr>
+          <p:cNvSpPr/>
+          <p:nvPr/>
+        </p:nvSpPr>
+        <p:spPr>
+          <a:xfrm>
+            <a:off x="7644580" y="3593689"/>
+            <a:ext cx="2694040" cy="1396181"/>
+          </a:xfrm>
+          <a:prstGeom prst="roundRect">
+            <a:avLst/>
+          </a:prstGeom>
+        </p:spPr>
+        <p:style>
+          <a:lnRef idx="2">
+            <a:schemeClr val="accent1">
+              <a:shade val="50000"/>
+            </a:schemeClr>
+          </a:lnRef>
+          <a:fillRef idx="1">
+            <a:schemeClr val="accent1"/>
+          </a:fillRef>
+          <a:effectRef idx="0">
+            <a:schemeClr val="accent1"/>
+          </a:effectRef>
+          <a:fontRef idx="minor">
+            <a:schemeClr val="lt1"/>
+          </a:fontRef>
+        </p:style>
+        <p:txBody>
+          <a:bodyPr rtlCol="0" anchor="ctr"/>
+          <a:lstStyle/>
+          <a:p>
+            <a:pPr algn="ctr"/>
+            <a:r>
+              <a:rPr lang="en-IN" b="1" dirty="0"/>
+              <a:t>Implementation and Testing</a:t>
+            </a:r>
+            <a:endParaRPr lang="en-US" b="1" dirty="0"/>
+          </a:p>
+        </p:txBody>
+      </p:sp>
+      <p:sp>
+        <p:nvSpPr>
+          <p:cNvPr id="7" name="Rectangle: Rounded Corners 6">
+            <a:extLst>
+              <a:ext uri="{FF2B5EF4-FFF2-40B4-BE49-F238E27FC236}">
+                <a16:creationId xmlns:a16="http://schemas.microsoft.com/office/drawing/2014/main" id="{72592A63-E712-7E90-6F74-C0CBA5CE80AE}"/>
+              </a:ext>
+            </a:extLst>
+          </p:cNvPr>
+          <p:cNvSpPr/>
+          <p:nvPr/>
+        </p:nvSpPr>
+        <p:spPr>
+          <a:xfrm>
+            <a:off x="7644580" y="1622321"/>
+            <a:ext cx="2694040" cy="1396181"/>
+          </a:xfrm>
+          <a:prstGeom prst="roundRect">
+            <a:avLst/>
+          </a:prstGeom>
+        </p:spPr>
+        <p:style>
+          <a:lnRef idx="2">
+            <a:schemeClr val="accent1">
+              <a:shade val="50000"/>
+            </a:schemeClr>
+          </a:lnRef>
+          <a:fillRef idx="1">
+            <a:schemeClr val="accent1"/>
+          </a:fillRef>
+          <a:effectRef idx="0">
+            <a:schemeClr val="accent1"/>
+          </a:effectRef>
+          <a:fontRef idx="minor">
+            <a:schemeClr val="lt1"/>
+          </a:fontRef>
+        </p:style>
+        <p:txBody>
+          <a:bodyPr rtlCol="0" anchor="ctr"/>
+          <a:lstStyle/>
+          <a:p>
+            <a:pPr algn="ctr"/>
+            <a:r>
+              <a:rPr lang="en-IN" b="1" dirty="0"/>
+              <a:t>Deployment</a:t>
+            </a:r>
+            <a:endParaRPr lang="en-US" b="1" dirty="0"/>
+          </a:p>
+        </p:txBody>
+      </p:sp>
+      <p:cxnSp>
+        <p:nvCxnSpPr>
+          <p:cNvPr id="9" name="Connector: Elbow 8">
+            <a:extLst>
+              <a:ext uri="{FF2B5EF4-FFF2-40B4-BE49-F238E27FC236}">
+                <a16:creationId xmlns:a16="http://schemas.microsoft.com/office/drawing/2014/main" id="{6AFB701B-F33A-8EA8-DD87-83EDCECBA563}"/>
+              </a:ext>
+            </a:extLst>
+          </p:cNvPr>
+          <p:cNvCxnSpPr>
+            <a:stCxn id="2" idx="1"/>
+            <a:endCxn id="3" idx="0"/>
+          </p:cNvCxnSpPr>
+          <p:nvPr/>
+        </p:nvCxnSpPr>
+        <p:spPr>
+          <a:xfrm rot="10800000" flipV="1">
+            <a:off x="2925098" y="825910"/>
+            <a:ext cx="1519083" cy="698090"/>
+          </a:xfrm>
+          <a:prstGeom prst="bentConnector2">
+            <a:avLst/>
+          </a:prstGeom>
+          <a:ln w="76200">
+            <a:solidFill>
+              <a:srgbClr val="002060"/>
+            </a:solidFill>
+            <a:tailEnd type="triangle"/>
+          </a:ln>
+        </p:spPr>
+        <p:style>
+          <a:lnRef idx="1">
+            <a:schemeClr val="accent1"/>
+          </a:lnRef>
+          <a:fillRef idx="0">
+            <a:schemeClr val="accent1"/>
+          </a:fillRef>
+          <a:effectRef idx="0">
+            <a:schemeClr val="accent1"/>
+          </a:effectRef>
+          <a:fontRef idx="minor">
+            <a:schemeClr val="tx1"/>
+          </a:fontRef>
+        </p:style>
+      </p:cxnSp>
+      <p:cxnSp>
+        <p:nvCxnSpPr>
+          <p:cNvPr id="11" name="Straight Arrow Connector 10">
+            <a:extLst>
+              <a:ext uri="{FF2B5EF4-FFF2-40B4-BE49-F238E27FC236}">
+                <a16:creationId xmlns:a16="http://schemas.microsoft.com/office/drawing/2014/main" id="{076DF23E-7916-9EDA-155D-CDD3600F83CF}"/>
+              </a:ext>
+            </a:extLst>
+          </p:cNvPr>
+          <p:cNvCxnSpPr>
+            <a:stCxn id="3" idx="2"/>
+            <a:endCxn id="4" idx="0"/>
+          </p:cNvCxnSpPr>
+          <p:nvPr/>
+        </p:nvCxnSpPr>
+        <p:spPr>
+          <a:xfrm>
+            <a:off x="2925097" y="2920181"/>
+            <a:ext cx="0" cy="673507"/>
+          </a:xfrm>
+          <a:prstGeom prst="straightConnector1">
+            <a:avLst/>
+          </a:prstGeom>
+          <a:ln w="76200">
+            <a:solidFill>
+              <a:srgbClr val="002060"/>
+            </a:solidFill>
+            <a:tailEnd type="triangle"/>
+          </a:ln>
+        </p:spPr>
+        <p:style>
+          <a:lnRef idx="1">
+            <a:schemeClr val="accent1"/>
+          </a:lnRef>
+          <a:fillRef idx="0">
+            <a:schemeClr val="accent1"/>
+          </a:fillRef>
+          <a:effectRef idx="0">
+            <a:schemeClr val="accent1"/>
+          </a:effectRef>
+          <a:fontRef idx="minor">
+            <a:schemeClr val="tx1"/>
+          </a:fontRef>
+        </p:style>
+      </p:cxnSp>
+      <p:cxnSp>
+        <p:nvCxnSpPr>
+          <p:cNvPr id="13" name="Connector: Elbow 12">
+            <a:extLst>
+              <a:ext uri="{FF2B5EF4-FFF2-40B4-BE49-F238E27FC236}">
+                <a16:creationId xmlns:a16="http://schemas.microsoft.com/office/drawing/2014/main" id="{75DEE0E7-3C2F-AD0A-B660-15311D0F5722}"/>
+              </a:ext>
+            </a:extLst>
+          </p:cNvPr>
+          <p:cNvCxnSpPr>
+            <a:stCxn id="4" idx="2"/>
+            <a:endCxn id="5" idx="1"/>
+          </p:cNvCxnSpPr>
+          <p:nvPr/>
+        </p:nvCxnSpPr>
+        <p:spPr>
+          <a:xfrm rot="16200000" flipH="1">
+            <a:off x="3367547" y="4547418"/>
+            <a:ext cx="781666" cy="1666567"/>
+          </a:xfrm>
+          <a:prstGeom prst="bentConnector2">
+            <a:avLst/>
+          </a:prstGeom>
+          <a:ln w="76200">
+            <a:solidFill>
+              <a:srgbClr val="002060"/>
+            </a:solidFill>
+            <a:tailEnd type="triangle"/>
+          </a:ln>
+        </p:spPr>
+        <p:style>
+          <a:lnRef idx="1">
+            <a:schemeClr val="accent1"/>
+          </a:lnRef>
+          <a:fillRef idx="0">
+            <a:schemeClr val="accent1"/>
+          </a:fillRef>
+          <a:effectRef idx="0">
+            <a:schemeClr val="accent1"/>
+          </a:effectRef>
+          <a:fontRef idx="minor">
+            <a:schemeClr val="tx1"/>
+          </a:fontRef>
+        </p:style>
+      </p:cxnSp>
+      <p:cxnSp>
+        <p:nvCxnSpPr>
+          <p:cNvPr id="15" name="Connector: Elbow 14">
+            <a:extLst>
+              <a:ext uri="{FF2B5EF4-FFF2-40B4-BE49-F238E27FC236}">
+                <a16:creationId xmlns:a16="http://schemas.microsoft.com/office/drawing/2014/main" id="{70E4F012-E174-8DE0-D0E0-92C357A2365F}"/>
+              </a:ext>
+            </a:extLst>
+          </p:cNvPr>
+          <p:cNvCxnSpPr>
+            <a:stCxn id="5" idx="3"/>
+            <a:endCxn id="6" idx="2"/>
+          </p:cNvCxnSpPr>
+          <p:nvPr/>
+        </p:nvCxnSpPr>
+        <p:spPr>
+          <a:xfrm flipV="1">
+            <a:off x="7285704" y="4989870"/>
+            <a:ext cx="1705896" cy="781665"/>
+          </a:xfrm>
+          <a:prstGeom prst="bentConnector2">
+            <a:avLst/>
+          </a:prstGeom>
+          <a:ln w="76200">
+            <a:solidFill>
+              <a:srgbClr val="002060"/>
+            </a:solidFill>
+            <a:tailEnd type="triangle"/>
+          </a:ln>
+        </p:spPr>
+        <p:style>
+          <a:lnRef idx="1">
+            <a:schemeClr val="accent1"/>
+          </a:lnRef>
+          <a:fillRef idx="0">
+            <a:schemeClr val="accent1"/>
+          </a:fillRef>
+          <a:effectRef idx="0">
+            <a:schemeClr val="accent1"/>
+          </a:effectRef>
+          <a:fontRef idx="minor">
+            <a:schemeClr val="tx1"/>
+          </a:fontRef>
+        </p:style>
+      </p:cxnSp>
+      <p:cxnSp>
+        <p:nvCxnSpPr>
+          <p:cNvPr id="17" name="Straight Arrow Connector 16">
+            <a:extLst>
+              <a:ext uri="{FF2B5EF4-FFF2-40B4-BE49-F238E27FC236}">
+                <a16:creationId xmlns:a16="http://schemas.microsoft.com/office/drawing/2014/main" id="{DD2A61C3-87B0-5158-F640-1AA982C5A69A}"/>
+              </a:ext>
+            </a:extLst>
+          </p:cNvPr>
+          <p:cNvCxnSpPr>
+            <a:stCxn id="6" idx="0"/>
+            <a:endCxn id="7" idx="2"/>
+          </p:cNvCxnSpPr>
+          <p:nvPr/>
+        </p:nvCxnSpPr>
+        <p:spPr>
+          <a:xfrm flipV="1">
+            <a:off x="8991600" y="3018502"/>
+            <a:ext cx="0" cy="575187"/>
+          </a:xfrm>
+          <a:prstGeom prst="straightConnector1">
+            <a:avLst/>
+          </a:prstGeom>
+          <a:ln w="76200">
+            <a:solidFill>
+              <a:srgbClr val="002060"/>
+            </a:solidFill>
+            <a:tailEnd type="triangle"/>
+          </a:ln>
+        </p:spPr>
+        <p:style>
+          <a:lnRef idx="1">
+            <a:schemeClr val="accent1"/>
+          </a:lnRef>
+          <a:fillRef idx="0">
+            <a:schemeClr val="accent1"/>
+          </a:fillRef>
+          <a:effectRef idx="0">
+            <a:schemeClr val="accent1"/>
+          </a:effectRef>
+          <a:fontRef idx="minor">
+            <a:schemeClr val="tx1"/>
+          </a:fontRef>
+        </p:style>
+      </p:cxnSp>
+      <p:cxnSp>
+        <p:nvCxnSpPr>
+          <p:cNvPr id="20" name="Connector: Elbow 19">
+            <a:extLst>
+              <a:ext uri="{FF2B5EF4-FFF2-40B4-BE49-F238E27FC236}">
+                <a16:creationId xmlns:a16="http://schemas.microsoft.com/office/drawing/2014/main" id="{6CB69E6F-5569-42B6-1934-CBCF6CB3F297}"/>
+              </a:ext>
+            </a:extLst>
+          </p:cNvPr>
+          <p:cNvCxnSpPr>
+            <a:stCxn id="7" idx="0"/>
+            <a:endCxn id="2" idx="3"/>
+          </p:cNvCxnSpPr>
+          <p:nvPr/>
+        </p:nvCxnSpPr>
+        <p:spPr>
+          <a:xfrm rot="16200000" flipV="1">
+            <a:off x="7666705" y="297426"/>
+            <a:ext cx="796411" cy="1853380"/>
+          </a:xfrm>
+          <a:prstGeom prst="bentConnector2">
+            <a:avLst/>
+          </a:prstGeom>
+          <a:ln w="76200">
+            <a:solidFill>
+              <a:srgbClr val="002060"/>
+            </a:solidFill>
+            <a:tailEnd type="triangle"/>
+          </a:ln>
+        </p:spPr>
+        <p:style>
+          <a:lnRef idx="1">
+            <a:schemeClr val="accent1"/>
+          </a:lnRef>
+          <a:fillRef idx="0">
+            <a:schemeClr val="accent1"/>
+          </a:fillRef>
+          <a:effectRef idx="0">
+            <a:schemeClr val="accent1"/>
+          </a:effectRef>
+          <a:fontRef idx="minor">
+            <a:schemeClr val="tx1"/>
+          </a:fontRef>
+        </p:style>
+      </p:cxnSp>
+      <p:sp>
+        <p:nvSpPr>
+          <p:cNvPr id="25" name="TextBox 24">
+            <a:extLst>
+              <a:ext uri="{FF2B5EF4-FFF2-40B4-BE49-F238E27FC236}">
+                <a16:creationId xmlns:a16="http://schemas.microsoft.com/office/drawing/2014/main" id="{B6C8CEF9-CFFB-2BCC-C888-E717C9A20312}"/>
+              </a:ext>
+            </a:extLst>
+          </p:cNvPr>
+          <p:cNvSpPr txBox="1"/>
+          <p:nvPr/>
+        </p:nvSpPr>
+        <p:spPr>
+          <a:xfrm>
+            <a:off x="1951702" y="96003"/>
+            <a:ext cx="1278194" cy="646331"/>
+          </a:xfrm>
+          <a:prstGeom prst="rect">
+            <a:avLst/>
+          </a:prstGeom>
+          <a:noFill/>
+        </p:spPr>
+        <p:txBody>
+          <a:bodyPr wrap="square" rtlCol="0">
+            <a:spAutoFit/>
+          </a:bodyPr>
+          <a:lstStyle/>
+          <a:p>
+            <a:pPr algn="ctr"/>
+            <a:r>
+              <a:rPr lang="en-IN" b="1" dirty="0"/>
+              <a:t>Client and BA</a:t>
+            </a:r>
+            <a:endParaRPr lang="en-US" b="1" dirty="0"/>
+          </a:p>
+        </p:txBody>
+      </p:sp>
+      <p:sp>
+        <p:nvSpPr>
+          <p:cNvPr id="26" name="TextBox 25">
+            <a:extLst>
+              <a:ext uri="{FF2B5EF4-FFF2-40B4-BE49-F238E27FC236}">
+                <a16:creationId xmlns:a16="http://schemas.microsoft.com/office/drawing/2014/main" id="{3A419926-FEB8-2D1C-2FD5-89A91C23176F}"/>
+              </a:ext>
+            </a:extLst>
+          </p:cNvPr>
+          <p:cNvSpPr txBox="1"/>
+          <p:nvPr/>
+        </p:nvSpPr>
+        <p:spPr>
+          <a:xfrm>
+            <a:off x="1022553" y="5107859"/>
+            <a:ext cx="1823885" cy="1200329"/>
+          </a:xfrm>
+          <a:prstGeom prst="rect">
+            <a:avLst/>
+          </a:prstGeom>
+          <a:noFill/>
+        </p:spPr>
+        <p:txBody>
+          <a:bodyPr wrap="square" rtlCol="0">
+            <a:spAutoFit/>
+          </a:bodyPr>
+          <a:lstStyle/>
+          <a:p>
+            <a:pPr algn="ctr"/>
+            <a:r>
+              <a:rPr lang="en-IN" b="1" dirty="0"/>
+              <a:t>Solution Architect, Manager, Project Owner</a:t>
+            </a:r>
+            <a:endParaRPr lang="en-US" b="1" dirty="0"/>
+          </a:p>
+        </p:txBody>
+      </p:sp>
+      <p:sp>
+        <p:nvSpPr>
+          <p:cNvPr id="27" name="TextBox 26">
+            <a:extLst>
+              <a:ext uri="{FF2B5EF4-FFF2-40B4-BE49-F238E27FC236}">
+                <a16:creationId xmlns:a16="http://schemas.microsoft.com/office/drawing/2014/main" id="{5E755E3F-EE34-7B76-DA64-ACE3E26B399D}"/>
+              </a:ext>
+            </a:extLst>
+          </p:cNvPr>
+          <p:cNvSpPr txBox="1"/>
+          <p:nvPr/>
+        </p:nvSpPr>
+        <p:spPr>
+          <a:xfrm>
+            <a:off x="8753168" y="5289756"/>
+            <a:ext cx="1823885" cy="923330"/>
+          </a:xfrm>
+          <a:prstGeom prst="rect">
+            <a:avLst/>
+          </a:prstGeom>
+          <a:noFill/>
+        </p:spPr>
+        <p:txBody>
+          <a:bodyPr wrap="square" rtlCol="0">
+            <a:spAutoFit/>
+          </a:bodyPr>
+          <a:lstStyle/>
+          <a:p>
+            <a:pPr algn="ctr"/>
+            <a:r>
+              <a:rPr lang="en-IN" b="1" dirty="0"/>
+              <a:t>Developer, Engineers, Testers</a:t>
+            </a:r>
+            <a:endParaRPr lang="en-US" b="1" dirty="0"/>
+          </a:p>
+        </p:txBody>
+      </p:sp>
+      <p:sp>
+        <p:nvSpPr>
+          <p:cNvPr id="28" name="TextBox 27">
+            <a:extLst>
+              <a:ext uri="{FF2B5EF4-FFF2-40B4-BE49-F238E27FC236}">
+                <a16:creationId xmlns:a16="http://schemas.microsoft.com/office/drawing/2014/main" id="{D8CA113B-6231-EAEA-1B2B-CE962A0FF86A}"/>
+              </a:ext>
+            </a:extLst>
+          </p:cNvPr>
+          <p:cNvSpPr txBox="1"/>
+          <p:nvPr/>
+        </p:nvSpPr>
+        <p:spPr>
+          <a:xfrm>
+            <a:off x="8920316" y="900950"/>
+            <a:ext cx="1823885" cy="646331"/>
+          </a:xfrm>
+          <a:prstGeom prst="rect">
+            <a:avLst/>
+          </a:prstGeom>
+          <a:noFill/>
+        </p:spPr>
+        <p:txBody>
+          <a:bodyPr wrap="square" rtlCol="0">
+            <a:spAutoFit/>
+          </a:bodyPr>
+          <a:lstStyle/>
+          <a:p>
+            <a:pPr algn="ctr"/>
+            <a:r>
+              <a:rPr lang="en-IN" b="1" dirty="0"/>
+              <a:t>Operation Team</a:t>
+            </a:r>
+            <a:endParaRPr lang="en-US" b="1" dirty="0"/>
+          </a:p>
+        </p:txBody>
+      </p:sp>
+      <p:sp>
+        <p:nvSpPr>
+          <p:cNvPr id="29" name="TextBox 28">
+            <a:extLst>
+              <a:ext uri="{FF2B5EF4-FFF2-40B4-BE49-F238E27FC236}">
+                <a16:creationId xmlns:a16="http://schemas.microsoft.com/office/drawing/2014/main" id="{BD7674EB-C6A1-C02A-76FB-BF8BB01599E5}"/>
+              </a:ext>
+            </a:extLst>
+          </p:cNvPr>
+          <p:cNvSpPr txBox="1"/>
+          <p:nvPr/>
+        </p:nvSpPr>
+        <p:spPr>
+          <a:xfrm>
+            <a:off x="4906297" y="2320411"/>
+            <a:ext cx="2379406" cy="2308324"/>
+          </a:xfrm>
+          <a:prstGeom prst="rect">
+            <a:avLst/>
+          </a:prstGeom>
+          <a:noFill/>
+        </p:spPr>
+        <p:txBody>
+          <a:bodyPr wrap="square" rtlCol="0">
+            <a:spAutoFit/>
+          </a:bodyPr>
+          <a:lstStyle/>
+          <a:p>
+            <a:pPr algn="ctr"/>
+            <a:r>
+              <a:rPr lang="en-IN" b="1" dirty="0"/>
+              <a:t>Continues</a:t>
+            </a:r>
+          </a:p>
+          <a:p>
+            <a:pPr algn="ctr"/>
+            <a:r>
+              <a:rPr lang="en-IN" b="1" dirty="0"/>
+              <a:t>Development</a:t>
+            </a:r>
+          </a:p>
+          <a:p>
+            <a:pPr algn="ctr"/>
+            <a:r>
+              <a:rPr lang="en-IN" b="1" dirty="0"/>
+              <a:t>+</a:t>
+            </a:r>
+          </a:p>
+          <a:p>
+            <a:pPr algn="ctr"/>
+            <a:r>
+              <a:rPr lang="en-IN" b="1" dirty="0"/>
+              <a:t>Continues </a:t>
+            </a:r>
+          </a:p>
+          <a:p>
+            <a:pPr algn="ctr"/>
+            <a:r>
+              <a:rPr lang="en-IN" b="1" dirty="0"/>
+              <a:t>Testing</a:t>
+            </a:r>
+          </a:p>
+          <a:p>
+            <a:pPr algn="ctr"/>
+            <a:r>
+              <a:rPr lang="en-IN" b="1" dirty="0"/>
+              <a:t>+ </a:t>
+            </a:r>
+          </a:p>
+          <a:p>
+            <a:pPr algn="ctr"/>
+            <a:r>
+              <a:rPr lang="en-IN" b="1" dirty="0"/>
+              <a:t>Continues Integration </a:t>
+            </a:r>
+            <a:endParaRPr lang="en-US" b="1" dirty="0"/>
+          </a:p>
+        </p:txBody>
+      </p:sp>
+    </p:spTree>
+    <p:extLst>
+      <p:ext uri="{BB962C8B-B14F-4D97-AF65-F5344CB8AC3E}">
+        <p14:creationId xmlns:p14="http://schemas.microsoft.com/office/powerpoint/2010/main" val="2659202325"/>
+      </p:ext>
+    </p:extLst>
+  </p:cSld>
+  <p:clrMapOvr>
+    <a:masterClrMapping/>
+  </p:clrMapOvr>
+</p:sld>
+</file>
+
+<file path=ppt/slides/slide26.xml><?xml version="1.0" encoding="utf-8"?>
+<p:sld xmlns:a="http://schemas.openxmlformats.org/drawingml/2006/main" xmlns:r="http://schemas.openxmlformats.org/officeDocument/2006/relationships" xmlns:p="http://schemas.openxmlformats.org/presentationml/2006/main">
+  <p:cSld>
+    <p:spTree>
+      <p:nvGrpSpPr>
+        <p:cNvPr id="1" name=""/>
+        <p:cNvGrpSpPr/>
+        <p:nvPr/>
+      </p:nvGrpSpPr>
+      <p:grpSpPr>
+        <a:xfrm>
+          <a:off x="0" y="0"/>
+          <a:ext cx="0" cy="0"/>
+          <a:chOff x="0" y="0"/>
+          <a:chExt cx="0" cy="0"/>
+        </a:xfrm>
+      </p:grpSpPr>
+      <p:sp>
+        <p:nvSpPr>
+          <p:cNvPr id="2" name="TextBox 1">
+            <a:extLst>
+              <a:ext uri="{FF2B5EF4-FFF2-40B4-BE49-F238E27FC236}">
+                <a16:creationId xmlns:a16="http://schemas.microsoft.com/office/drawing/2014/main" id="{149D681A-C9F9-F2BE-99F4-DE3C41C8360E}"/>
+              </a:ext>
+            </a:extLst>
+          </p:cNvPr>
+          <p:cNvSpPr txBox="1"/>
+          <p:nvPr/>
+        </p:nvSpPr>
+        <p:spPr>
+          <a:xfrm>
+            <a:off x="3106994" y="0"/>
+            <a:ext cx="6322141" cy="369332"/>
+          </a:xfrm>
+          <a:prstGeom prst="rect">
+            <a:avLst/>
+          </a:prstGeom>
+          <a:noFill/>
+        </p:spPr>
+        <p:txBody>
+          <a:bodyPr wrap="square" rtlCol="0">
+            <a:spAutoFit/>
+          </a:bodyPr>
+          <a:lstStyle/>
+          <a:p>
+            <a:pPr algn="ctr"/>
+            <a:r>
+              <a:rPr lang="en-IN" b="1" dirty="0"/>
+              <a:t>Data Center Clusters </a:t>
+            </a:r>
+            <a:endParaRPr lang="en-US" b="1" dirty="0"/>
+          </a:p>
+        </p:txBody>
+      </p:sp>
+      <p:sp>
+        <p:nvSpPr>
+          <p:cNvPr id="3" name="Cube 2">
+            <a:extLst>
+              <a:ext uri="{FF2B5EF4-FFF2-40B4-BE49-F238E27FC236}">
+                <a16:creationId xmlns:a16="http://schemas.microsoft.com/office/drawing/2014/main" id="{B1163633-F972-DAEB-76B9-77A6C4651D62}"/>
+              </a:ext>
+            </a:extLst>
+          </p:cNvPr>
+          <p:cNvSpPr/>
+          <p:nvPr/>
+        </p:nvSpPr>
+        <p:spPr>
+          <a:xfrm>
+            <a:off x="176980" y="776748"/>
+            <a:ext cx="3814916" cy="5122607"/>
+          </a:xfrm>
+          <a:prstGeom prst="cube">
+            <a:avLst>
+              <a:gd name="adj" fmla="val 4897"/>
+            </a:avLst>
+          </a:prstGeom>
+        </p:spPr>
+        <p:style>
+          <a:lnRef idx="2">
+            <a:schemeClr val="accent1">
+              <a:shade val="50000"/>
+            </a:schemeClr>
+          </a:lnRef>
+          <a:fillRef idx="1">
+            <a:schemeClr val="accent1"/>
+          </a:fillRef>
+          <a:effectRef idx="0">
+            <a:schemeClr val="accent1"/>
+          </a:effectRef>
+          <a:fontRef idx="minor">
+            <a:schemeClr val="lt1"/>
+          </a:fontRef>
+        </p:style>
+        <p:txBody>
+          <a:bodyPr rtlCol="0" anchor="ctr"/>
+          <a:lstStyle/>
+          <a:p>
+            <a:pPr algn="ctr"/>
+            <a:endParaRPr lang="en-US"/>
+          </a:p>
+        </p:txBody>
+      </p:sp>
+      <p:sp>
+        <p:nvSpPr>
+          <p:cNvPr id="4" name="Cube 3">
+            <a:extLst>
+              <a:ext uri="{FF2B5EF4-FFF2-40B4-BE49-F238E27FC236}">
+                <a16:creationId xmlns:a16="http://schemas.microsoft.com/office/drawing/2014/main" id="{6634F064-F457-E4C3-0F23-6366693C0420}"/>
+              </a:ext>
+            </a:extLst>
+          </p:cNvPr>
+          <p:cNvSpPr/>
+          <p:nvPr/>
+        </p:nvSpPr>
+        <p:spPr>
+          <a:xfrm>
+            <a:off x="4176251" y="776746"/>
+            <a:ext cx="3814916" cy="5122607"/>
+          </a:xfrm>
+          <a:prstGeom prst="cube">
+            <a:avLst>
+              <a:gd name="adj" fmla="val 4897"/>
+            </a:avLst>
+          </a:prstGeom>
+        </p:spPr>
+        <p:style>
+          <a:lnRef idx="2">
+            <a:schemeClr val="accent1">
+              <a:shade val="50000"/>
+            </a:schemeClr>
+          </a:lnRef>
+          <a:fillRef idx="1">
+            <a:schemeClr val="accent1"/>
+          </a:fillRef>
+          <a:effectRef idx="0">
+            <a:schemeClr val="accent1"/>
+          </a:effectRef>
+          <a:fontRef idx="minor">
+            <a:schemeClr val="lt1"/>
+          </a:fontRef>
+        </p:style>
+        <p:txBody>
+          <a:bodyPr rtlCol="0" anchor="ctr"/>
+          <a:lstStyle/>
+          <a:p>
+            <a:pPr algn="ctr"/>
+            <a:endParaRPr lang="en-US"/>
+          </a:p>
+        </p:txBody>
+      </p:sp>
+      <p:sp>
+        <p:nvSpPr>
+          <p:cNvPr id="5" name="Cube 4">
+            <a:extLst>
+              <a:ext uri="{FF2B5EF4-FFF2-40B4-BE49-F238E27FC236}">
+                <a16:creationId xmlns:a16="http://schemas.microsoft.com/office/drawing/2014/main" id="{44DA95E4-D394-DB8E-3752-AD63ACA486A0}"/>
+              </a:ext>
+            </a:extLst>
+          </p:cNvPr>
+          <p:cNvSpPr/>
+          <p:nvPr/>
+        </p:nvSpPr>
+        <p:spPr>
+          <a:xfrm>
+            <a:off x="8175522" y="776747"/>
+            <a:ext cx="3814916" cy="5122607"/>
+          </a:xfrm>
+          <a:prstGeom prst="cube">
+            <a:avLst>
+              <a:gd name="adj" fmla="val 4897"/>
+            </a:avLst>
+          </a:prstGeom>
+        </p:spPr>
+        <p:style>
+          <a:lnRef idx="2">
+            <a:schemeClr val="accent1">
+              <a:shade val="50000"/>
+            </a:schemeClr>
+          </a:lnRef>
+          <a:fillRef idx="1">
+            <a:schemeClr val="accent1"/>
+          </a:fillRef>
+          <a:effectRef idx="0">
+            <a:schemeClr val="accent1"/>
+          </a:effectRef>
+          <a:fontRef idx="minor">
+            <a:schemeClr val="lt1"/>
+          </a:fontRef>
+        </p:style>
+        <p:txBody>
+          <a:bodyPr rtlCol="0" anchor="ctr"/>
+          <a:lstStyle/>
+          <a:p>
+            <a:pPr algn="ctr"/>
+            <a:endParaRPr lang="en-US"/>
+          </a:p>
+        </p:txBody>
+      </p:sp>
+      <p:sp>
+        <p:nvSpPr>
+          <p:cNvPr id="6" name="Rectangle: Rounded Corners 5">
+            <a:extLst>
+              <a:ext uri="{FF2B5EF4-FFF2-40B4-BE49-F238E27FC236}">
+                <a16:creationId xmlns:a16="http://schemas.microsoft.com/office/drawing/2014/main" id="{A5F6624B-20C2-9828-45AB-03E8FA28DBDE}"/>
+              </a:ext>
+            </a:extLst>
+          </p:cNvPr>
+          <p:cNvSpPr/>
+          <p:nvPr/>
+        </p:nvSpPr>
+        <p:spPr>
+          <a:xfrm>
+            <a:off x="227371" y="1248696"/>
+            <a:ext cx="983225" cy="737419"/>
+          </a:xfrm>
+          <a:prstGeom prst="roundRect">
+            <a:avLst/>
+          </a:prstGeom>
+        </p:spPr>
+        <p:style>
+          <a:lnRef idx="2">
+            <a:schemeClr val="dk1">
+              <a:shade val="50000"/>
+            </a:schemeClr>
+          </a:lnRef>
+          <a:fillRef idx="1">
+            <a:schemeClr val="dk1"/>
+          </a:fillRef>
+          <a:effectRef idx="0">
+            <a:schemeClr val="dk1"/>
+          </a:effectRef>
+          <a:fontRef idx="minor">
+            <a:schemeClr val="lt1"/>
+          </a:fontRef>
+        </p:style>
+        <p:txBody>
+          <a:bodyPr rtlCol="0" anchor="ctr"/>
+          <a:lstStyle/>
+          <a:p>
+            <a:pPr algn="ctr"/>
+            <a:r>
+              <a:rPr lang="en-IN" b="1" dirty="0"/>
+              <a:t>VM1</a:t>
+            </a:r>
+            <a:endParaRPr lang="en-US" b="1" dirty="0"/>
+          </a:p>
+        </p:txBody>
+      </p:sp>
+      <p:sp>
+        <p:nvSpPr>
+          <p:cNvPr id="7" name="Rectangle: Rounded Corners 6">
+            <a:extLst>
+              <a:ext uri="{FF2B5EF4-FFF2-40B4-BE49-F238E27FC236}">
+                <a16:creationId xmlns:a16="http://schemas.microsoft.com/office/drawing/2014/main" id="{8F4428EF-1323-6C84-3528-83D195D70F03}"/>
+              </a:ext>
+            </a:extLst>
+          </p:cNvPr>
+          <p:cNvSpPr/>
+          <p:nvPr/>
+        </p:nvSpPr>
+        <p:spPr>
+          <a:xfrm>
+            <a:off x="1479754" y="1248696"/>
+            <a:ext cx="983225" cy="737419"/>
+          </a:xfrm>
+          <a:prstGeom prst="roundRect">
+            <a:avLst/>
+          </a:prstGeom>
+        </p:spPr>
+        <p:style>
+          <a:lnRef idx="2">
+            <a:schemeClr val="dk1">
+              <a:shade val="50000"/>
+            </a:schemeClr>
+          </a:lnRef>
+          <a:fillRef idx="1">
+            <a:schemeClr val="dk1"/>
+          </a:fillRef>
+          <a:effectRef idx="0">
+            <a:schemeClr val="dk1"/>
+          </a:effectRef>
+          <a:fontRef idx="minor">
+            <a:schemeClr val="lt1"/>
+          </a:fontRef>
+        </p:style>
+        <p:txBody>
+          <a:bodyPr rtlCol="0" anchor="ctr"/>
+          <a:lstStyle/>
+          <a:p>
+            <a:pPr algn="ctr"/>
+            <a:endParaRPr lang="en-US"/>
+          </a:p>
+        </p:txBody>
+      </p:sp>
+      <p:sp>
+        <p:nvSpPr>
+          <p:cNvPr id="8" name="Rectangle: Rounded Corners 7">
+            <a:extLst>
+              <a:ext uri="{FF2B5EF4-FFF2-40B4-BE49-F238E27FC236}">
+                <a16:creationId xmlns:a16="http://schemas.microsoft.com/office/drawing/2014/main" id="{647119D6-2118-967C-39A7-9B4EF1029354}"/>
+              </a:ext>
+            </a:extLst>
+          </p:cNvPr>
+          <p:cNvSpPr/>
+          <p:nvPr/>
+        </p:nvSpPr>
+        <p:spPr>
+          <a:xfrm>
+            <a:off x="2735825" y="1248697"/>
+            <a:ext cx="983225" cy="737419"/>
+          </a:xfrm>
+          <a:prstGeom prst="roundRect">
+            <a:avLst/>
+          </a:prstGeom>
+        </p:spPr>
+        <p:style>
+          <a:lnRef idx="2">
+            <a:schemeClr val="dk1">
+              <a:shade val="50000"/>
+            </a:schemeClr>
+          </a:lnRef>
+          <a:fillRef idx="1">
+            <a:schemeClr val="dk1"/>
+          </a:fillRef>
+          <a:effectRef idx="0">
+            <a:schemeClr val="dk1"/>
+          </a:effectRef>
+          <a:fontRef idx="minor">
+            <a:schemeClr val="lt1"/>
+          </a:fontRef>
+        </p:style>
+        <p:txBody>
+          <a:bodyPr rtlCol="0" anchor="ctr"/>
+          <a:lstStyle/>
+          <a:p>
+            <a:pPr algn="ctr"/>
+            <a:endParaRPr lang="en-US"/>
+          </a:p>
+        </p:txBody>
+      </p:sp>
+      <p:sp>
+        <p:nvSpPr>
+          <p:cNvPr id="9" name="Rectangle: Rounded Corners 8">
+            <a:extLst>
+              <a:ext uri="{FF2B5EF4-FFF2-40B4-BE49-F238E27FC236}">
+                <a16:creationId xmlns:a16="http://schemas.microsoft.com/office/drawing/2014/main" id="{3DD85622-F2A4-6ADB-32D7-EA04A505B1FD}"/>
+              </a:ext>
+            </a:extLst>
+          </p:cNvPr>
+          <p:cNvSpPr/>
+          <p:nvPr/>
+        </p:nvSpPr>
+        <p:spPr>
+          <a:xfrm>
+            <a:off x="227371" y="2276167"/>
+            <a:ext cx="983225" cy="737419"/>
+          </a:xfrm>
+          <a:prstGeom prst="roundRect">
+            <a:avLst/>
+          </a:prstGeom>
+        </p:spPr>
+        <p:style>
+          <a:lnRef idx="2">
+            <a:schemeClr val="dk1">
+              <a:shade val="50000"/>
+            </a:schemeClr>
+          </a:lnRef>
+          <a:fillRef idx="1">
+            <a:schemeClr val="dk1"/>
+          </a:fillRef>
+          <a:effectRef idx="0">
+            <a:schemeClr val="dk1"/>
+          </a:effectRef>
+          <a:fontRef idx="minor">
+            <a:schemeClr val="lt1"/>
+          </a:fontRef>
+        </p:style>
+        <p:txBody>
+          <a:bodyPr rtlCol="0" anchor="ctr"/>
+          <a:lstStyle/>
+          <a:p>
+            <a:pPr algn="ctr"/>
+            <a:endParaRPr lang="en-US"/>
+          </a:p>
+        </p:txBody>
+      </p:sp>
+      <p:sp>
+        <p:nvSpPr>
+          <p:cNvPr id="10" name="Rectangle: Rounded Corners 9">
+            <a:extLst>
+              <a:ext uri="{FF2B5EF4-FFF2-40B4-BE49-F238E27FC236}">
+                <a16:creationId xmlns:a16="http://schemas.microsoft.com/office/drawing/2014/main" id="{72518334-2D31-8EE1-AE9F-09AB0A522F3D}"/>
+              </a:ext>
+            </a:extLst>
+          </p:cNvPr>
+          <p:cNvSpPr/>
+          <p:nvPr/>
+        </p:nvSpPr>
+        <p:spPr>
+          <a:xfrm>
+            <a:off x="1479754" y="2276167"/>
+            <a:ext cx="983225" cy="737419"/>
+          </a:xfrm>
+          <a:prstGeom prst="roundRect">
+            <a:avLst/>
+          </a:prstGeom>
+        </p:spPr>
+        <p:style>
+          <a:lnRef idx="2">
+            <a:schemeClr val="dk1">
+              <a:shade val="50000"/>
+            </a:schemeClr>
+          </a:lnRef>
+          <a:fillRef idx="1">
+            <a:schemeClr val="dk1"/>
+          </a:fillRef>
+          <a:effectRef idx="0">
+            <a:schemeClr val="dk1"/>
+          </a:effectRef>
+          <a:fontRef idx="minor">
+            <a:schemeClr val="lt1"/>
+          </a:fontRef>
+        </p:style>
+        <p:txBody>
+          <a:bodyPr rtlCol="0" anchor="ctr"/>
+          <a:lstStyle/>
+          <a:p>
+            <a:pPr algn="ctr"/>
+            <a:endParaRPr lang="en-US"/>
+          </a:p>
+        </p:txBody>
+      </p:sp>
+      <p:sp>
+        <p:nvSpPr>
+          <p:cNvPr id="11" name="Rectangle: Rounded Corners 10">
+            <a:extLst>
+              <a:ext uri="{FF2B5EF4-FFF2-40B4-BE49-F238E27FC236}">
+                <a16:creationId xmlns:a16="http://schemas.microsoft.com/office/drawing/2014/main" id="{F07E114F-3DB5-8754-9F45-5D36094D1403}"/>
+              </a:ext>
+            </a:extLst>
+          </p:cNvPr>
+          <p:cNvSpPr/>
+          <p:nvPr/>
+        </p:nvSpPr>
+        <p:spPr>
+          <a:xfrm>
+            <a:off x="2735825" y="2276168"/>
+            <a:ext cx="983225" cy="737419"/>
+          </a:xfrm>
+          <a:prstGeom prst="roundRect">
+            <a:avLst/>
+          </a:prstGeom>
+        </p:spPr>
+        <p:style>
+          <a:lnRef idx="2">
+            <a:schemeClr val="dk1">
+              <a:shade val="50000"/>
+            </a:schemeClr>
+          </a:lnRef>
+          <a:fillRef idx="1">
+            <a:schemeClr val="dk1"/>
+          </a:fillRef>
+          <a:effectRef idx="0">
+            <a:schemeClr val="dk1"/>
+          </a:effectRef>
+          <a:fontRef idx="minor">
+            <a:schemeClr val="lt1"/>
+          </a:fontRef>
+        </p:style>
+        <p:txBody>
+          <a:bodyPr rtlCol="0" anchor="ctr"/>
+          <a:lstStyle/>
+          <a:p>
+            <a:pPr algn="ctr"/>
+            <a:endParaRPr lang="en-US"/>
+          </a:p>
+        </p:txBody>
+      </p:sp>
+      <p:sp>
+        <p:nvSpPr>
+          <p:cNvPr id="12" name="Rectangle: Rounded Corners 11">
+            <a:extLst>
+              <a:ext uri="{FF2B5EF4-FFF2-40B4-BE49-F238E27FC236}">
+                <a16:creationId xmlns:a16="http://schemas.microsoft.com/office/drawing/2014/main" id="{4CCBD8A7-6601-EBB7-6383-8A044E6019AA}"/>
+              </a:ext>
+            </a:extLst>
+          </p:cNvPr>
+          <p:cNvSpPr/>
+          <p:nvPr/>
+        </p:nvSpPr>
+        <p:spPr>
+          <a:xfrm>
+            <a:off x="201562" y="3195483"/>
+            <a:ext cx="983225" cy="737419"/>
+          </a:xfrm>
+          <a:prstGeom prst="roundRect">
+            <a:avLst/>
+          </a:prstGeom>
+        </p:spPr>
+        <p:style>
+          <a:lnRef idx="2">
+            <a:schemeClr val="dk1">
+              <a:shade val="50000"/>
+            </a:schemeClr>
+          </a:lnRef>
+          <a:fillRef idx="1">
+            <a:schemeClr val="dk1"/>
+          </a:fillRef>
+          <a:effectRef idx="0">
+            <a:schemeClr val="dk1"/>
+          </a:effectRef>
+          <a:fontRef idx="minor">
+            <a:schemeClr val="lt1"/>
+          </a:fontRef>
+        </p:style>
+        <p:txBody>
+          <a:bodyPr rtlCol="0" anchor="ctr"/>
+          <a:lstStyle/>
+          <a:p>
+            <a:pPr algn="ctr"/>
+            <a:endParaRPr lang="en-US"/>
+          </a:p>
+        </p:txBody>
+      </p:sp>
+      <p:sp>
+        <p:nvSpPr>
+          <p:cNvPr id="13" name="Rectangle: Rounded Corners 12">
+            <a:extLst>
+              <a:ext uri="{FF2B5EF4-FFF2-40B4-BE49-F238E27FC236}">
+                <a16:creationId xmlns:a16="http://schemas.microsoft.com/office/drawing/2014/main" id="{567AA686-06A9-3B57-840F-207E83F9E892}"/>
+              </a:ext>
+            </a:extLst>
+          </p:cNvPr>
+          <p:cNvSpPr/>
+          <p:nvPr/>
+        </p:nvSpPr>
+        <p:spPr>
+          <a:xfrm>
+            <a:off x="1453945" y="3195483"/>
+            <a:ext cx="983225" cy="737419"/>
+          </a:xfrm>
+          <a:prstGeom prst="roundRect">
+            <a:avLst/>
+          </a:prstGeom>
+        </p:spPr>
+        <p:style>
+          <a:lnRef idx="2">
+            <a:schemeClr val="dk1">
+              <a:shade val="50000"/>
+            </a:schemeClr>
+          </a:lnRef>
+          <a:fillRef idx="1">
+            <a:schemeClr val="dk1"/>
+          </a:fillRef>
+          <a:effectRef idx="0">
+            <a:schemeClr val="dk1"/>
+          </a:effectRef>
+          <a:fontRef idx="minor">
+            <a:schemeClr val="lt1"/>
+          </a:fontRef>
+        </p:style>
+        <p:txBody>
+          <a:bodyPr rtlCol="0" anchor="ctr"/>
+          <a:lstStyle/>
+          <a:p>
+            <a:pPr algn="ctr"/>
+            <a:endParaRPr lang="en-US"/>
+          </a:p>
+        </p:txBody>
+      </p:sp>
+      <p:sp>
+        <p:nvSpPr>
+          <p:cNvPr id="14" name="Rectangle: Rounded Corners 13">
+            <a:extLst>
+              <a:ext uri="{FF2B5EF4-FFF2-40B4-BE49-F238E27FC236}">
+                <a16:creationId xmlns:a16="http://schemas.microsoft.com/office/drawing/2014/main" id="{19C332CB-9748-396E-7B14-805D8E002D60}"/>
+              </a:ext>
+            </a:extLst>
+          </p:cNvPr>
+          <p:cNvSpPr/>
+          <p:nvPr/>
+        </p:nvSpPr>
+        <p:spPr>
+          <a:xfrm>
+            <a:off x="2710016" y="3195484"/>
+            <a:ext cx="983225" cy="737419"/>
+          </a:xfrm>
+          <a:prstGeom prst="roundRect">
+            <a:avLst/>
+          </a:prstGeom>
+        </p:spPr>
+        <p:style>
+          <a:lnRef idx="2">
+            <a:schemeClr val="dk1">
+              <a:shade val="50000"/>
+            </a:schemeClr>
+          </a:lnRef>
+          <a:fillRef idx="1">
+            <a:schemeClr val="dk1"/>
+          </a:fillRef>
+          <a:effectRef idx="0">
+            <a:schemeClr val="dk1"/>
+          </a:effectRef>
+          <a:fontRef idx="minor">
+            <a:schemeClr val="lt1"/>
+          </a:fontRef>
+        </p:style>
+        <p:txBody>
+          <a:bodyPr rtlCol="0" anchor="ctr"/>
+          <a:lstStyle/>
+          <a:p>
+            <a:pPr algn="ctr"/>
+            <a:endParaRPr lang="en-US"/>
+          </a:p>
+        </p:txBody>
+      </p:sp>
+      <p:sp>
+        <p:nvSpPr>
+          <p:cNvPr id="15" name="Rectangle: Rounded Corners 14">
+            <a:extLst>
+              <a:ext uri="{FF2B5EF4-FFF2-40B4-BE49-F238E27FC236}">
+                <a16:creationId xmlns:a16="http://schemas.microsoft.com/office/drawing/2014/main" id="{7F4F0748-E2F4-9D7F-DFE1-9B312113B79B}"/>
+              </a:ext>
+            </a:extLst>
+          </p:cNvPr>
+          <p:cNvSpPr/>
+          <p:nvPr/>
+        </p:nvSpPr>
+        <p:spPr>
+          <a:xfrm>
+            <a:off x="227371" y="5098023"/>
+            <a:ext cx="983225" cy="737419"/>
+          </a:xfrm>
+          <a:prstGeom prst="roundRect">
+            <a:avLst/>
+          </a:prstGeom>
+        </p:spPr>
+        <p:style>
+          <a:lnRef idx="2">
+            <a:schemeClr val="dk1">
+              <a:shade val="50000"/>
+            </a:schemeClr>
+          </a:lnRef>
+          <a:fillRef idx="1">
+            <a:schemeClr val="dk1"/>
+          </a:fillRef>
+          <a:effectRef idx="0">
+            <a:schemeClr val="dk1"/>
+          </a:effectRef>
+          <a:fontRef idx="minor">
+            <a:schemeClr val="lt1"/>
+          </a:fontRef>
+        </p:style>
+        <p:txBody>
+          <a:bodyPr rtlCol="0" anchor="ctr"/>
+          <a:lstStyle/>
+          <a:p>
+            <a:pPr algn="ctr"/>
+            <a:endParaRPr lang="en-US"/>
+          </a:p>
+        </p:txBody>
+      </p:sp>
+      <p:sp>
+        <p:nvSpPr>
+          <p:cNvPr id="16" name="Rectangle: Rounded Corners 15">
+            <a:extLst>
+              <a:ext uri="{FF2B5EF4-FFF2-40B4-BE49-F238E27FC236}">
+                <a16:creationId xmlns:a16="http://schemas.microsoft.com/office/drawing/2014/main" id="{F2F8BC6C-C6E0-0BE7-D227-8CA87A2B5F4D}"/>
+              </a:ext>
+            </a:extLst>
+          </p:cNvPr>
+          <p:cNvSpPr/>
+          <p:nvPr/>
+        </p:nvSpPr>
+        <p:spPr>
+          <a:xfrm>
+            <a:off x="1479754" y="5098023"/>
+            <a:ext cx="983225" cy="737419"/>
+          </a:xfrm>
+          <a:prstGeom prst="roundRect">
+            <a:avLst/>
+          </a:prstGeom>
+        </p:spPr>
+        <p:style>
+          <a:lnRef idx="2">
+            <a:schemeClr val="dk1">
+              <a:shade val="50000"/>
+            </a:schemeClr>
+          </a:lnRef>
+          <a:fillRef idx="1">
+            <a:schemeClr val="dk1"/>
+          </a:fillRef>
+          <a:effectRef idx="0">
+            <a:schemeClr val="dk1"/>
+          </a:effectRef>
+          <a:fontRef idx="minor">
+            <a:schemeClr val="lt1"/>
+          </a:fontRef>
+        </p:style>
+        <p:txBody>
+          <a:bodyPr rtlCol="0" anchor="ctr"/>
+          <a:lstStyle/>
+          <a:p>
+            <a:pPr algn="ctr"/>
+            <a:endParaRPr lang="en-US"/>
+          </a:p>
+        </p:txBody>
+      </p:sp>
+      <p:sp>
+        <p:nvSpPr>
+          <p:cNvPr id="17" name="Rectangle: Rounded Corners 16">
+            <a:extLst>
+              <a:ext uri="{FF2B5EF4-FFF2-40B4-BE49-F238E27FC236}">
+                <a16:creationId xmlns:a16="http://schemas.microsoft.com/office/drawing/2014/main" id="{4A18DEDB-1EF4-6C8C-D980-542872AAF12A}"/>
+              </a:ext>
+            </a:extLst>
+          </p:cNvPr>
+          <p:cNvSpPr/>
+          <p:nvPr/>
+        </p:nvSpPr>
+        <p:spPr>
+          <a:xfrm>
+            <a:off x="2735825" y="5098024"/>
+            <a:ext cx="983225" cy="737419"/>
+          </a:xfrm>
+          <a:prstGeom prst="roundRect">
+            <a:avLst/>
+          </a:prstGeom>
+        </p:spPr>
+        <p:style>
+          <a:lnRef idx="2">
+            <a:schemeClr val="dk1">
+              <a:shade val="50000"/>
+            </a:schemeClr>
+          </a:lnRef>
+          <a:fillRef idx="1">
+            <a:schemeClr val="dk1"/>
+          </a:fillRef>
+          <a:effectRef idx="0">
+            <a:schemeClr val="dk1"/>
+          </a:effectRef>
+          <a:fontRef idx="minor">
+            <a:schemeClr val="lt1"/>
+          </a:fontRef>
+        </p:style>
+        <p:txBody>
+          <a:bodyPr rtlCol="0" anchor="ctr"/>
+          <a:lstStyle/>
+          <a:p>
+            <a:pPr algn="ctr"/>
+            <a:endParaRPr lang="en-US"/>
+          </a:p>
+        </p:txBody>
+      </p:sp>
+      <p:sp>
+        <p:nvSpPr>
+          <p:cNvPr id="18" name="Rectangle: Rounded Corners 17">
+            <a:extLst>
+              <a:ext uri="{FF2B5EF4-FFF2-40B4-BE49-F238E27FC236}">
+                <a16:creationId xmlns:a16="http://schemas.microsoft.com/office/drawing/2014/main" id="{4D4EADC1-94A5-5C5D-C103-0EB37B6678C3}"/>
+              </a:ext>
+            </a:extLst>
+          </p:cNvPr>
+          <p:cNvSpPr/>
+          <p:nvPr/>
+        </p:nvSpPr>
+        <p:spPr>
+          <a:xfrm>
+            <a:off x="227371" y="4178708"/>
+            <a:ext cx="983225" cy="737419"/>
+          </a:xfrm>
+          <a:prstGeom prst="roundRect">
+            <a:avLst/>
+          </a:prstGeom>
+        </p:spPr>
+        <p:style>
+          <a:lnRef idx="2">
+            <a:schemeClr val="dk1">
+              <a:shade val="50000"/>
+            </a:schemeClr>
+          </a:lnRef>
+          <a:fillRef idx="1">
+            <a:schemeClr val="dk1"/>
+          </a:fillRef>
+          <a:effectRef idx="0">
+            <a:schemeClr val="dk1"/>
+          </a:effectRef>
+          <a:fontRef idx="minor">
+            <a:schemeClr val="lt1"/>
+          </a:fontRef>
+        </p:style>
+        <p:txBody>
+          <a:bodyPr rtlCol="0" anchor="ctr"/>
+          <a:lstStyle/>
+          <a:p>
+            <a:pPr algn="ctr"/>
+            <a:endParaRPr lang="en-US"/>
+          </a:p>
+        </p:txBody>
+      </p:sp>
+      <p:sp>
+        <p:nvSpPr>
+          <p:cNvPr id="19" name="Rectangle: Rounded Corners 18">
+            <a:extLst>
+              <a:ext uri="{FF2B5EF4-FFF2-40B4-BE49-F238E27FC236}">
+                <a16:creationId xmlns:a16="http://schemas.microsoft.com/office/drawing/2014/main" id="{C7B3DFDD-3A4E-CBDD-8F9E-1D0E28FBDC05}"/>
+              </a:ext>
+            </a:extLst>
+          </p:cNvPr>
+          <p:cNvSpPr/>
+          <p:nvPr/>
+        </p:nvSpPr>
+        <p:spPr>
+          <a:xfrm>
+            <a:off x="1479754" y="4178708"/>
+            <a:ext cx="983225" cy="737419"/>
+          </a:xfrm>
+          <a:prstGeom prst="roundRect">
+            <a:avLst/>
+          </a:prstGeom>
+        </p:spPr>
+        <p:style>
+          <a:lnRef idx="2">
+            <a:schemeClr val="dk1">
+              <a:shade val="50000"/>
+            </a:schemeClr>
+          </a:lnRef>
+          <a:fillRef idx="1">
+            <a:schemeClr val="dk1"/>
+          </a:fillRef>
+          <a:effectRef idx="0">
+            <a:schemeClr val="dk1"/>
+          </a:effectRef>
+          <a:fontRef idx="minor">
+            <a:schemeClr val="lt1"/>
+          </a:fontRef>
+        </p:style>
+        <p:txBody>
+          <a:bodyPr rtlCol="0" anchor="ctr"/>
+          <a:lstStyle/>
+          <a:p>
+            <a:pPr algn="ctr"/>
+            <a:endParaRPr lang="en-US"/>
+          </a:p>
+        </p:txBody>
+      </p:sp>
+      <p:sp>
+        <p:nvSpPr>
+          <p:cNvPr id="20" name="Rectangle: Rounded Corners 19">
+            <a:extLst>
+              <a:ext uri="{FF2B5EF4-FFF2-40B4-BE49-F238E27FC236}">
+                <a16:creationId xmlns:a16="http://schemas.microsoft.com/office/drawing/2014/main" id="{795F68A8-F48D-8407-B8B2-C361088E6EB0}"/>
+              </a:ext>
+            </a:extLst>
+          </p:cNvPr>
+          <p:cNvSpPr/>
+          <p:nvPr/>
+        </p:nvSpPr>
+        <p:spPr>
+          <a:xfrm>
+            <a:off x="2735825" y="4178709"/>
+            <a:ext cx="983225" cy="737419"/>
+          </a:xfrm>
+          <a:prstGeom prst="roundRect">
+            <a:avLst/>
+          </a:prstGeom>
+        </p:spPr>
+        <p:style>
+          <a:lnRef idx="2">
+            <a:schemeClr val="dk1">
+              <a:shade val="50000"/>
+            </a:schemeClr>
+          </a:lnRef>
+          <a:fillRef idx="1">
+            <a:schemeClr val="dk1"/>
+          </a:fillRef>
+          <a:effectRef idx="0">
+            <a:schemeClr val="dk1"/>
+          </a:effectRef>
+          <a:fontRef idx="minor">
+            <a:schemeClr val="lt1"/>
+          </a:fontRef>
+        </p:style>
+        <p:txBody>
+          <a:bodyPr rtlCol="0" anchor="ctr"/>
+          <a:lstStyle/>
+          <a:p>
+            <a:pPr algn="ctr"/>
+            <a:endParaRPr lang="en-US"/>
+          </a:p>
+        </p:txBody>
+      </p:sp>
+      <p:sp>
+        <p:nvSpPr>
+          <p:cNvPr id="21" name="Rectangle: Rounded Corners 20">
+            <a:extLst>
+              <a:ext uri="{FF2B5EF4-FFF2-40B4-BE49-F238E27FC236}">
+                <a16:creationId xmlns:a16="http://schemas.microsoft.com/office/drawing/2014/main" id="{FE399E78-95FA-4CC0-89DE-F35FE59F792C}"/>
+              </a:ext>
+            </a:extLst>
+          </p:cNvPr>
+          <p:cNvSpPr/>
+          <p:nvPr/>
+        </p:nvSpPr>
+        <p:spPr>
+          <a:xfrm>
+            <a:off x="4286863" y="1076632"/>
+            <a:ext cx="983225" cy="737419"/>
+          </a:xfrm>
+          <a:prstGeom prst="roundRect">
+            <a:avLst/>
+          </a:prstGeom>
+        </p:spPr>
+        <p:style>
+          <a:lnRef idx="2">
+            <a:schemeClr val="dk1">
+              <a:shade val="50000"/>
+            </a:schemeClr>
+          </a:lnRef>
+          <a:fillRef idx="1">
+            <a:schemeClr val="dk1"/>
+          </a:fillRef>
+          <a:effectRef idx="0">
+            <a:schemeClr val="dk1"/>
+          </a:effectRef>
+          <a:fontRef idx="minor">
+            <a:schemeClr val="lt1"/>
+          </a:fontRef>
+        </p:style>
+        <p:txBody>
+          <a:bodyPr rtlCol="0" anchor="ctr"/>
+          <a:lstStyle/>
+          <a:p>
+            <a:pPr algn="ctr"/>
+            <a:endParaRPr lang="en-US"/>
+          </a:p>
+        </p:txBody>
+      </p:sp>
+      <p:sp>
+        <p:nvSpPr>
+          <p:cNvPr id="22" name="Rectangle: Rounded Corners 21">
+            <a:extLst>
+              <a:ext uri="{FF2B5EF4-FFF2-40B4-BE49-F238E27FC236}">
+                <a16:creationId xmlns:a16="http://schemas.microsoft.com/office/drawing/2014/main" id="{7EAF6EC2-FD14-ED96-ABCE-5CE25767E429}"/>
+              </a:ext>
+            </a:extLst>
+          </p:cNvPr>
+          <p:cNvSpPr/>
+          <p:nvPr/>
+        </p:nvSpPr>
+        <p:spPr>
+          <a:xfrm>
+            <a:off x="5539246" y="1076632"/>
+            <a:ext cx="983225" cy="737419"/>
+          </a:xfrm>
+          <a:prstGeom prst="roundRect">
+            <a:avLst/>
+          </a:prstGeom>
+        </p:spPr>
+        <p:style>
+          <a:lnRef idx="2">
+            <a:schemeClr val="dk1">
+              <a:shade val="50000"/>
+            </a:schemeClr>
+          </a:lnRef>
+          <a:fillRef idx="1">
+            <a:schemeClr val="dk1"/>
+          </a:fillRef>
+          <a:effectRef idx="0">
+            <a:schemeClr val="dk1"/>
+          </a:effectRef>
+          <a:fontRef idx="minor">
+            <a:schemeClr val="lt1"/>
+          </a:fontRef>
+        </p:style>
+        <p:txBody>
+          <a:bodyPr rtlCol="0" anchor="ctr"/>
+          <a:lstStyle/>
+          <a:p>
+            <a:pPr algn="ctr"/>
+            <a:endParaRPr lang="en-US"/>
+          </a:p>
+        </p:txBody>
+      </p:sp>
+      <p:sp>
+        <p:nvSpPr>
+          <p:cNvPr id="23" name="Rectangle: Rounded Corners 22">
+            <a:extLst>
+              <a:ext uri="{FF2B5EF4-FFF2-40B4-BE49-F238E27FC236}">
+                <a16:creationId xmlns:a16="http://schemas.microsoft.com/office/drawing/2014/main" id="{D5750715-FE82-48F9-1AFA-8BC32AD47CAD}"/>
+              </a:ext>
+            </a:extLst>
+          </p:cNvPr>
+          <p:cNvSpPr/>
+          <p:nvPr/>
+        </p:nvSpPr>
+        <p:spPr>
+          <a:xfrm>
+            <a:off x="6795317" y="1076633"/>
+            <a:ext cx="983225" cy="737419"/>
+          </a:xfrm>
+          <a:prstGeom prst="roundRect">
+            <a:avLst/>
+          </a:prstGeom>
+        </p:spPr>
+        <p:style>
+          <a:lnRef idx="2">
+            <a:schemeClr val="dk1">
+              <a:shade val="50000"/>
+            </a:schemeClr>
+          </a:lnRef>
+          <a:fillRef idx="1">
+            <a:schemeClr val="dk1"/>
+          </a:fillRef>
+          <a:effectRef idx="0">
+            <a:schemeClr val="dk1"/>
+          </a:effectRef>
+          <a:fontRef idx="minor">
+            <a:schemeClr val="lt1"/>
+          </a:fontRef>
+        </p:style>
+        <p:txBody>
+          <a:bodyPr rtlCol="0" anchor="ctr"/>
+          <a:lstStyle/>
+          <a:p>
+            <a:pPr algn="ctr"/>
+            <a:endParaRPr lang="en-US"/>
+          </a:p>
+        </p:txBody>
+      </p:sp>
+      <p:sp>
+        <p:nvSpPr>
+          <p:cNvPr id="24" name="Rectangle: Rounded Corners 23">
+            <a:extLst>
+              <a:ext uri="{FF2B5EF4-FFF2-40B4-BE49-F238E27FC236}">
+                <a16:creationId xmlns:a16="http://schemas.microsoft.com/office/drawing/2014/main" id="{C34A3CED-1EDB-A950-C45E-C8851C68D44B}"/>
+              </a:ext>
+            </a:extLst>
+          </p:cNvPr>
+          <p:cNvSpPr/>
+          <p:nvPr/>
+        </p:nvSpPr>
+        <p:spPr>
+          <a:xfrm>
+            <a:off x="4286863" y="2104103"/>
+            <a:ext cx="983225" cy="737419"/>
+          </a:xfrm>
+          <a:prstGeom prst="roundRect">
+            <a:avLst/>
+          </a:prstGeom>
+        </p:spPr>
+        <p:style>
+          <a:lnRef idx="2">
+            <a:schemeClr val="dk1">
+              <a:shade val="50000"/>
+            </a:schemeClr>
+          </a:lnRef>
+          <a:fillRef idx="1">
+            <a:schemeClr val="dk1"/>
+          </a:fillRef>
+          <a:effectRef idx="0">
+            <a:schemeClr val="dk1"/>
+          </a:effectRef>
+          <a:fontRef idx="minor">
+            <a:schemeClr val="lt1"/>
+          </a:fontRef>
+        </p:style>
+        <p:txBody>
+          <a:bodyPr rtlCol="0" anchor="ctr"/>
+          <a:lstStyle/>
+          <a:p>
+            <a:pPr algn="ctr"/>
+            <a:endParaRPr lang="en-US"/>
+          </a:p>
+        </p:txBody>
+      </p:sp>
+      <p:sp>
+        <p:nvSpPr>
+          <p:cNvPr id="25" name="Rectangle: Rounded Corners 24">
+            <a:extLst>
+              <a:ext uri="{FF2B5EF4-FFF2-40B4-BE49-F238E27FC236}">
+                <a16:creationId xmlns:a16="http://schemas.microsoft.com/office/drawing/2014/main" id="{05F7595E-F290-CEFB-6F6B-C2DF452150C7}"/>
+              </a:ext>
+            </a:extLst>
+          </p:cNvPr>
+          <p:cNvSpPr/>
+          <p:nvPr/>
+        </p:nvSpPr>
+        <p:spPr>
+          <a:xfrm>
+            <a:off x="5539246" y="2104103"/>
+            <a:ext cx="983225" cy="737419"/>
+          </a:xfrm>
+          <a:prstGeom prst="roundRect">
+            <a:avLst/>
+          </a:prstGeom>
+        </p:spPr>
+        <p:style>
+          <a:lnRef idx="2">
+            <a:schemeClr val="dk1">
+              <a:shade val="50000"/>
+            </a:schemeClr>
+          </a:lnRef>
+          <a:fillRef idx="1">
+            <a:schemeClr val="dk1"/>
+          </a:fillRef>
+          <a:effectRef idx="0">
+            <a:schemeClr val="dk1"/>
+          </a:effectRef>
+          <a:fontRef idx="minor">
+            <a:schemeClr val="lt1"/>
+          </a:fontRef>
+        </p:style>
+        <p:txBody>
+          <a:bodyPr rtlCol="0" anchor="ctr"/>
+          <a:lstStyle/>
+          <a:p>
+            <a:pPr algn="ctr"/>
+            <a:endParaRPr lang="en-US"/>
+          </a:p>
+        </p:txBody>
+      </p:sp>
+      <p:sp>
+        <p:nvSpPr>
+          <p:cNvPr id="26" name="Rectangle: Rounded Corners 25">
+            <a:extLst>
+              <a:ext uri="{FF2B5EF4-FFF2-40B4-BE49-F238E27FC236}">
+                <a16:creationId xmlns:a16="http://schemas.microsoft.com/office/drawing/2014/main" id="{A6B3F9A3-E4DD-1F5B-7AA2-3BC42672FED8}"/>
+              </a:ext>
+            </a:extLst>
+          </p:cNvPr>
+          <p:cNvSpPr/>
+          <p:nvPr/>
+        </p:nvSpPr>
+        <p:spPr>
+          <a:xfrm>
+            <a:off x="6795317" y="2104104"/>
+            <a:ext cx="983225" cy="737419"/>
+          </a:xfrm>
+          <a:prstGeom prst="roundRect">
+            <a:avLst/>
+          </a:prstGeom>
+        </p:spPr>
+        <p:style>
+          <a:lnRef idx="2">
+            <a:schemeClr val="dk1">
+              <a:shade val="50000"/>
+            </a:schemeClr>
+          </a:lnRef>
+          <a:fillRef idx="1">
+            <a:schemeClr val="dk1"/>
+          </a:fillRef>
+          <a:effectRef idx="0">
+            <a:schemeClr val="dk1"/>
+          </a:effectRef>
+          <a:fontRef idx="minor">
+            <a:schemeClr val="lt1"/>
+          </a:fontRef>
+        </p:style>
+        <p:txBody>
+          <a:bodyPr rtlCol="0" anchor="ctr"/>
+          <a:lstStyle/>
+          <a:p>
+            <a:pPr algn="ctr"/>
+            <a:endParaRPr lang="en-US"/>
+          </a:p>
+        </p:txBody>
+      </p:sp>
+      <p:sp>
+        <p:nvSpPr>
+          <p:cNvPr id="27" name="Rectangle: Rounded Corners 26">
+            <a:extLst>
+              <a:ext uri="{FF2B5EF4-FFF2-40B4-BE49-F238E27FC236}">
+                <a16:creationId xmlns:a16="http://schemas.microsoft.com/office/drawing/2014/main" id="{91D0855A-437D-F677-74FB-8C70D43D2C29}"/>
+              </a:ext>
+            </a:extLst>
+          </p:cNvPr>
+          <p:cNvSpPr/>
+          <p:nvPr/>
+        </p:nvSpPr>
+        <p:spPr>
+          <a:xfrm>
+            <a:off x="4261054" y="3023419"/>
+            <a:ext cx="983225" cy="737419"/>
+          </a:xfrm>
+          <a:prstGeom prst="roundRect">
+            <a:avLst/>
+          </a:prstGeom>
+        </p:spPr>
+        <p:style>
+          <a:lnRef idx="2">
+            <a:schemeClr val="dk1">
+              <a:shade val="50000"/>
+            </a:schemeClr>
+          </a:lnRef>
+          <a:fillRef idx="1">
+            <a:schemeClr val="dk1"/>
+          </a:fillRef>
+          <a:effectRef idx="0">
+            <a:schemeClr val="dk1"/>
+          </a:effectRef>
+          <a:fontRef idx="minor">
+            <a:schemeClr val="lt1"/>
+          </a:fontRef>
+        </p:style>
+        <p:txBody>
+          <a:bodyPr rtlCol="0" anchor="ctr"/>
+          <a:lstStyle/>
+          <a:p>
+            <a:pPr algn="ctr"/>
+            <a:endParaRPr lang="en-US"/>
+          </a:p>
+        </p:txBody>
+      </p:sp>
+      <p:sp>
+        <p:nvSpPr>
+          <p:cNvPr id="28" name="Rectangle: Rounded Corners 27">
+            <a:extLst>
+              <a:ext uri="{FF2B5EF4-FFF2-40B4-BE49-F238E27FC236}">
+                <a16:creationId xmlns:a16="http://schemas.microsoft.com/office/drawing/2014/main" id="{A63414EA-2F90-26DC-8A22-C7C0F265A36B}"/>
+              </a:ext>
+            </a:extLst>
+          </p:cNvPr>
+          <p:cNvSpPr/>
+          <p:nvPr/>
+        </p:nvSpPr>
+        <p:spPr>
+          <a:xfrm>
+            <a:off x="5513437" y="3023419"/>
+            <a:ext cx="983225" cy="737419"/>
+          </a:xfrm>
+          <a:prstGeom prst="roundRect">
+            <a:avLst/>
+          </a:prstGeom>
+        </p:spPr>
+        <p:style>
+          <a:lnRef idx="2">
+            <a:schemeClr val="dk1">
+              <a:shade val="50000"/>
+            </a:schemeClr>
+          </a:lnRef>
+          <a:fillRef idx="1">
+            <a:schemeClr val="dk1"/>
+          </a:fillRef>
+          <a:effectRef idx="0">
+            <a:schemeClr val="dk1"/>
+          </a:effectRef>
+          <a:fontRef idx="minor">
+            <a:schemeClr val="lt1"/>
+          </a:fontRef>
+        </p:style>
+        <p:txBody>
+          <a:bodyPr rtlCol="0" anchor="ctr"/>
+          <a:lstStyle/>
+          <a:p>
+            <a:pPr algn="ctr"/>
+            <a:endParaRPr lang="en-US"/>
+          </a:p>
+        </p:txBody>
+      </p:sp>
+      <p:sp>
+        <p:nvSpPr>
+          <p:cNvPr id="29" name="Rectangle: Rounded Corners 28">
+            <a:extLst>
+              <a:ext uri="{FF2B5EF4-FFF2-40B4-BE49-F238E27FC236}">
+                <a16:creationId xmlns:a16="http://schemas.microsoft.com/office/drawing/2014/main" id="{2BDEEDFD-0464-828A-A22C-152A2AAE2743}"/>
+              </a:ext>
+            </a:extLst>
+          </p:cNvPr>
+          <p:cNvSpPr/>
+          <p:nvPr/>
+        </p:nvSpPr>
+        <p:spPr>
+          <a:xfrm>
+            <a:off x="6769508" y="3023420"/>
+            <a:ext cx="983225" cy="737419"/>
+          </a:xfrm>
+          <a:prstGeom prst="roundRect">
+            <a:avLst/>
+          </a:prstGeom>
+        </p:spPr>
+        <p:style>
+          <a:lnRef idx="2">
+            <a:schemeClr val="dk1">
+              <a:shade val="50000"/>
+            </a:schemeClr>
+          </a:lnRef>
+          <a:fillRef idx="1">
+            <a:schemeClr val="dk1"/>
+          </a:fillRef>
+          <a:effectRef idx="0">
+            <a:schemeClr val="dk1"/>
+          </a:effectRef>
+          <a:fontRef idx="minor">
+            <a:schemeClr val="lt1"/>
+          </a:fontRef>
+        </p:style>
+        <p:txBody>
+          <a:bodyPr rtlCol="0" anchor="ctr"/>
+          <a:lstStyle/>
+          <a:p>
+            <a:pPr algn="ctr"/>
+            <a:endParaRPr lang="en-US"/>
+          </a:p>
+        </p:txBody>
+      </p:sp>
+      <p:sp>
+        <p:nvSpPr>
+          <p:cNvPr id="30" name="Rectangle: Rounded Corners 29">
+            <a:extLst>
+              <a:ext uri="{FF2B5EF4-FFF2-40B4-BE49-F238E27FC236}">
+                <a16:creationId xmlns:a16="http://schemas.microsoft.com/office/drawing/2014/main" id="{15FA8169-2F6C-C96A-69DD-36F0836350D8}"/>
+              </a:ext>
+            </a:extLst>
+          </p:cNvPr>
+          <p:cNvSpPr/>
+          <p:nvPr/>
+        </p:nvSpPr>
+        <p:spPr>
+          <a:xfrm>
+            <a:off x="4286863" y="4925959"/>
+            <a:ext cx="983225" cy="737419"/>
+          </a:xfrm>
+          <a:prstGeom prst="roundRect">
+            <a:avLst/>
+          </a:prstGeom>
+        </p:spPr>
+        <p:style>
+          <a:lnRef idx="2">
+            <a:schemeClr val="dk1">
+              <a:shade val="50000"/>
+            </a:schemeClr>
+          </a:lnRef>
+          <a:fillRef idx="1">
+            <a:schemeClr val="dk1"/>
+          </a:fillRef>
+          <a:effectRef idx="0">
+            <a:schemeClr val="dk1"/>
+          </a:effectRef>
+          <a:fontRef idx="minor">
+            <a:schemeClr val="lt1"/>
+          </a:fontRef>
+        </p:style>
+        <p:txBody>
+          <a:bodyPr rtlCol="0" anchor="ctr"/>
+          <a:lstStyle/>
+          <a:p>
+            <a:pPr algn="ctr"/>
+            <a:endParaRPr lang="en-US"/>
+          </a:p>
+        </p:txBody>
+      </p:sp>
+      <p:sp>
+        <p:nvSpPr>
+          <p:cNvPr id="31" name="Rectangle: Rounded Corners 30">
+            <a:extLst>
+              <a:ext uri="{FF2B5EF4-FFF2-40B4-BE49-F238E27FC236}">
+                <a16:creationId xmlns:a16="http://schemas.microsoft.com/office/drawing/2014/main" id="{63FDDDED-C5CF-4901-E1FE-851E8B1655BA}"/>
+              </a:ext>
+            </a:extLst>
+          </p:cNvPr>
+          <p:cNvSpPr/>
+          <p:nvPr/>
+        </p:nvSpPr>
+        <p:spPr>
+          <a:xfrm>
+            <a:off x="5539246" y="4925959"/>
+            <a:ext cx="983225" cy="737419"/>
+          </a:xfrm>
+          <a:prstGeom prst="roundRect">
+            <a:avLst/>
+          </a:prstGeom>
+        </p:spPr>
+        <p:style>
+          <a:lnRef idx="2">
+            <a:schemeClr val="dk1">
+              <a:shade val="50000"/>
+            </a:schemeClr>
+          </a:lnRef>
+          <a:fillRef idx="1">
+            <a:schemeClr val="dk1"/>
+          </a:fillRef>
+          <a:effectRef idx="0">
+            <a:schemeClr val="dk1"/>
+          </a:effectRef>
+          <a:fontRef idx="minor">
+            <a:schemeClr val="lt1"/>
+          </a:fontRef>
+        </p:style>
+        <p:txBody>
+          <a:bodyPr rtlCol="0" anchor="ctr"/>
+          <a:lstStyle/>
+          <a:p>
+            <a:pPr algn="ctr"/>
+            <a:endParaRPr lang="en-US"/>
+          </a:p>
+        </p:txBody>
+      </p:sp>
+      <p:sp>
+        <p:nvSpPr>
+          <p:cNvPr id="32" name="Rectangle: Rounded Corners 31">
+            <a:extLst>
+              <a:ext uri="{FF2B5EF4-FFF2-40B4-BE49-F238E27FC236}">
+                <a16:creationId xmlns:a16="http://schemas.microsoft.com/office/drawing/2014/main" id="{27BACA38-58D3-E488-D0A4-04CC1286A4A4}"/>
+              </a:ext>
+            </a:extLst>
+          </p:cNvPr>
+          <p:cNvSpPr/>
+          <p:nvPr/>
+        </p:nvSpPr>
+        <p:spPr>
+          <a:xfrm>
+            <a:off x="6795317" y="4925960"/>
+            <a:ext cx="983225" cy="737419"/>
+          </a:xfrm>
+          <a:prstGeom prst="roundRect">
+            <a:avLst/>
+          </a:prstGeom>
+        </p:spPr>
+        <p:style>
+          <a:lnRef idx="2">
+            <a:schemeClr val="dk1">
+              <a:shade val="50000"/>
+            </a:schemeClr>
+          </a:lnRef>
+          <a:fillRef idx="1">
+            <a:schemeClr val="dk1"/>
+          </a:fillRef>
+          <a:effectRef idx="0">
+            <a:schemeClr val="dk1"/>
+          </a:effectRef>
+          <a:fontRef idx="minor">
+            <a:schemeClr val="lt1"/>
+          </a:fontRef>
+        </p:style>
+        <p:txBody>
+          <a:bodyPr rtlCol="0" anchor="ctr"/>
+          <a:lstStyle/>
+          <a:p>
+            <a:pPr algn="ctr"/>
+            <a:endParaRPr lang="en-US"/>
+          </a:p>
+        </p:txBody>
+      </p:sp>
+      <p:sp>
+        <p:nvSpPr>
+          <p:cNvPr id="33" name="Rectangle: Rounded Corners 32">
+            <a:extLst>
+              <a:ext uri="{FF2B5EF4-FFF2-40B4-BE49-F238E27FC236}">
+                <a16:creationId xmlns:a16="http://schemas.microsoft.com/office/drawing/2014/main" id="{D90B438E-84B5-1FC2-E8EE-8F5F7A5D4E24}"/>
+              </a:ext>
+            </a:extLst>
+          </p:cNvPr>
+          <p:cNvSpPr/>
+          <p:nvPr/>
+        </p:nvSpPr>
+        <p:spPr>
+          <a:xfrm>
+            <a:off x="4286863" y="4006644"/>
+            <a:ext cx="983225" cy="737419"/>
+          </a:xfrm>
+          <a:prstGeom prst="roundRect">
+            <a:avLst/>
+          </a:prstGeom>
+        </p:spPr>
+        <p:style>
+          <a:lnRef idx="2">
+            <a:schemeClr val="dk1">
+              <a:shade val="50000"/>
+            </a:schemeClr>
+          </a:lnRef>
+          <a:fillRef idx="1">
+            <a:schemeClr val="dk1"/>
+          </a:fillRef>
+          <a:effectRef idx="0">
+            <a:schemeClr val="dk1"/>
+          </a:effectRef>
+          <a:fontRef idx="minor">
+            <a:schemeClr val="lt1"/>
+          </a:fontRef>
+        </p:style>
+        <p:txBody>
+          <a:bodyPr rtlCol="0" anchor="ctr"/>
+          <a:lstStyle/>
+          <a:p>
+            <a:pPr algn="ctr"/>
+            <a:endParaRPr lang="en-US"/>
+          </a:p>
+        </p:txBody>
+      </p:sp>
+      <p:sp>
+        <p:nvSpPr>
+          <p:cNvPr id="34" name="Rectangle: Rounded Corners 33">
+            <a:extLst>
+              <a:ext uri="{FF2B5EF4-FFF2-40B4-BE49-F238E27FC236}">
+                <a16:creationId xmlns:a16="http://schemas.microsoft.com/office/drawing/2014/main" id="{2CDCF4C3-8286-D4E6-4EA3-2400297F04E9}"/>
+              </a:ext>
+            </a:extLst>
+          </p:cNvPr>
+          <p:cNvSpPr/>
+          <p:nvPr/>
+        </p:nvSpPr>
+        <p:spPr>
+          <a:xfrm>
+            <a:off x="5539246" y="4006644"/>
+            <a:ext cx="983225" cy="737419"/>
+          </a:xfrm>
+          <a:prstGeom prst="roundRect">
+            <a:avLst/>
+          </a:prstGeom>
+        </p:spPr>
+        <p:style>
+          <a:lnRef idx="2">
+            <a:schemeClr val="dk1">
+              <a:shade val="50000"/>
+            </a:schemeClr>
+          </a:lnRef>
+          <a:fillRef idx="1">
+            <a:schemeClr val="dk1"/>
+          </a:fillRef>
+          <a:effectRef idx="0">
+            <a:schemeClr val="dk1"/>
+          </a:effectRef>
+          <a:fontRef idx="minor">
+            <a:schemeClr val="lt1"/>
+          </a:fontRef>
+        </p:style>
+        <p:txBody>
+          <a:bodyPr rtlCol="0" anchor="ctr"/>
+          <a:lstStyle/>
+          <a:p>
+            <a:pPr algn="ctr"/>
+            <a:endParaRPr lang="en-US"/>
+          </a:p>
+        </p:txBody>
+      </p:sp>
+      <p:sp>
+        <p:nvSpPr>
+          <p:cNvPr id="35" name="Rectangle: Rounded Corners 34">
+            <a:extLst>
+              <a:ext uri="{FF2B5EF4-FFF2-40B4-BE49-F238E27FC236}">
+                <a16:creationId xmlns:a16="http://schemas.microsoft.com/office/drawing/2014/main" id="{46F3953A-A0E7-7812-6DE1-B5065D80C8C4}"/>
+              </a:ext>
+            </a:extLst>
+          </p:cNvPr>
+          <p:cNvSpPr/>
+          <p:nvPr/>
+        </p:nvSpPr>
+        <p:spPr>
+          <a:xfrm>
+            <a:off x="6795317" y="4006645"/>
+            <a:ext cx="983225" cy="737419"/>
+          </a:xfrm>
+          <a:prstGeom prst="roundRect">
+            <a:avLst/>
+          </a:prstGeom>
+        </p:spPr>
+        <p:style>
+          <a:lnRef idx="2">
+            <a:schemeClr val="dk1">
+              <a:shade val="50000"/>
+            </a:schemeClr>
+          </a:lnRef>
+          <a:fillRef idx="1">
+            <a:schemeClr val="dk1"/>
+          </a:fillRef>
+          <a:effectRef idx="0">
+            <a:schemeClr val="dk1"/>
+          </a:effectRef>
+          <a:fontRef idx="minor">
+            <a:schemeClr val="lt1"/>
+          </a:fontRef>
+        </p:style>
+        <p:txBody>
+          <a:bodyPr rtlCol="0" anchor="ctr"/>
+          <a:lstStyle/>
+          <a:p>
+            <a:pPr algn="ctr"/>
+            <a:endParaRPr lang="en-US"/>
+          </a:p>
+        </p:txBody>
+      </p:sp>
+      <p:sp>
+        <p:nvSpPr>
+          <p:cNvPr id="36" name="Rectangle: Rounded Corners 35">
+            <a:extLst>
+              <a:ext uri="{FF2B5EF4-FFF2-40B4-BE49-F238E27FC236}">
+                <a16:creationId xmlns:a16="http://schemas.microsoft.com/office/drawing/2014/main" id="{44ADFA00-A4DB-BA0C-BA88-C82E2CDEFAD0}"/>
+              </a:ext>
+            </a:extLst>
+          </p:cNvPr>
+          <p:cNvSpPr/>
+          <p:nvPr/>
+        </p:nvSpPr>
+        <p:spPr>
+          <a:xfrm>
+            <a:off x="8286134" y="1076632"/>
+            <a:ext cx="983225" cy="737419"/>
+          </a:xfrm>
+          <a:prstGeom prst="roundRect">
+            <a:avLst/>
+          </a:prstGeom>
+        </p:spPr>
+        <p:style>
+          <a:lnRef idx="2">
+            <a:schemeClr val="dk1">
+              <a:shade val="50000"/>
+            </a:schemeClr>
+          </a:lnRef>
+          <a:fillRef idx="1">
+            <a:schemeClr val="dk1"/>
+          </a:fillRef>
+          <a:effectRef idx="0">
+            <a:schemeClr val="dk1"/>
+          </a:effectRef>
+          <a:fontRef idx="minor">
+            <a:schemeClr val="lt1"/>
+          </a:fontRef>
+        </p:style>
+        <p:txBody>
+          <a:bodyPr rtlCol="0" anchor="ctr"/>
+          <a:lstStyle/>
+          <a:p>
+            <a:pPr algn="ctr"/>
+            <a:endParaRPr lang="en-US"/>
+          </a:p>
+        </p:txBody>
+      </p:sp>
+      <p:sp>
+        <p:nvSpPr>
+          <p:cNvPr id="37" name="Rectangle: Rounded Corners 36">
+            <a:extLst>
+              <a:ext uri="{FF2B5EF4-FFF2-40B4-BE49-F238E27FC236}">
+                <a16:creationId xmlns:a16="http://schemas.microsoft.com/office/drawing/2014/main" id="{0A769AC8-9AFE-2E19-6856-16746CC26D46}"/>
+              </a:ext>
+            </a:extLst>
+          </p:cNvPr>
+          <p:cNvSpPr/>
+          <p:nvPr/>
+        </p:nvSpPr>
+        <p:spPr>
+          <a:xfrm>
+            <a:off x="9538517" y="1076632"/>
+            <a:ext cx="983225" cy="737419"/>
+          </a:xfrm>
+          <a:prstGeom prst="roundRect">
+            <a:avLst/>
+          </a:prstGeom>
+        </p:spPr>
+        <p:style>
+          <a:lnRef idx="2">
+            <a:schemeClr val="dk1">
+              <a:shade val="50000"/>
+            </a:schemeClr>
+          </a:lnRef>
+          <a:fillRef idx="1">
+            <a:schemeClr val="dk1"/>
+          </a:fillRef>
+          <a:effectRef idx="0">
+            <a:schemeClr val="dk1"/>
+          </a:effectRef>
+          <a:fontRef idx="minor">
+            <a:schemeClr val="lt1"/>
+          </a:fontRef>
+        </p:style>
+        <p:txBody>
+          <a:bodyPr rtlCol="0" anchor="ctr"/>
+          <a:lstStyle/>
+          <a:p>
+            <a:pPr algn="ctr"/>
+            <a:endParaRPr lang="en-US"/>
+          </a:p>
+        </p:txBody>
+      </p:sp>
+      <p:sp>
+        <p:nvSpPr>
+          <p:cNvPr id="38" name="Rectangle: Rounded Corners 37">
+            <a:extLst>
+              <a:ext uri="{FF2B5EF4-FFF2-40B4-BE49-F238E27FC236}">
+                <a16:creationId xmlns:a16="http://schemas.microsoft.com/office/drawing/2014/main" id="{374AF929-DF70-909A-2553-D7F5B5BCBD9C}"/>
+              </a:ext>
+            </a:extLst>
+          </p:cNvPr>
+          <p:cNvSpPr/>
+          <p:nvPr/>
+        </p:nvSpPr>
+        <p:spPr>
+          <a:xfrm>
+            <a:off x="10794588" y="1076633"/>
+            <a:ext cx="983225" cy="737419"/>
+          </a:xfrm>
+          <a:prstGeom prst="roundRect">
+            <a:avLst/>
+          </a:prstGeom>
+        </p:spPr>
+        <p:style>
+          <a:lnRef idx="2">
+            <a:schemeClr val="dk1">
+              <a:shade val="50000"/>
+            </a:schemeClr>
+          </a:lnRef>
+          <a:fillRef idx="1">
+            <a:schemeClr val="dk1"/>
+          </a:fillRef>
+          <a:effectRef idx="0">
+            <a:schemeClr val="dk1"/>
+          </a:effectRef>
+          <a:fontRef idx="minor">
+            <a:schemeClr val="lt1"/>
+          </a:fontRef>
+        </p:style>
+        <p:txBody>
+          <a:bodyPr rtlCol="0" anchor="ctr"/>
+          <a:lstStyle/>
+          <a:p>
+            <a:pPr algn="ctr"/>
+            <a:endParaRPr lang="en-US"/>
+          </a:p>
+        </p:txBody>
+      </p:sp>
+      <p:sp>
+        <p:nvSpPr>
+          <p:cNvPr id="39" name="Rectangle: Rounded Corners 38">
+            <a:extLst>
+              <a:ext uri="{FF2B5EF4-FFF2-40B4-BE49-F238E27FC236}">
+                <a16:creationId xmlns:a16="http://schemas.microsoft.com/office/drawing/2014/main" id="{6CB79F4E-7373-6A66-0E64-B04D81B3D36B}"/>
+              </a:ext>
+            </a:extLst>
+          </p:cNvPr>
+          <p:cNvSpPr/>
+          <p:nvPr/>
+        </p:nvSpPr>
+        <p:spPr>
+          <a:xfrm>
+            <a:off x="8286134" y="2104103"/>
+            <a:ext cx="983225" cy="737419"/>
+          </a:xfrm>
+          <a:prstGeom prst="roundRect">
+            <a:avLst/>
+          </a:prstGeom>
+        </p:spPr>
+        <p:style>
+          <a:lnRef idx="2">
+            <a:schemeClr val="dk1">
+              <a:shade val="50000"/>
+            </a:schemeClr>
+          </a:lnRef>
+          <a:fillRef idx="1">
+            <a:schemeClr val="dk1"/>
+          </a:fillRef>
+          <a:effectRef idx="0">
+            <a:schemeClr val="dk1"/>
+          </a:effectRef>
+          <a:fontRef idx="minor">
+            <a:schemeClr val="lt1"/>
+          </a:fontRef>
+        </p:style>
+        <p:txBody>
+          <a:bodyPr rtlCol="0" anchor="ctr"/>
+          <a:lstStyle/>
+          <a:p>
+            <a:pPr algn="ctr"/>
+            <a:endParaRPr lang="en-US"/>
+          </a:p>
+        </p:txBody>
+      </p:sp>
+      <p:sp>
+        <p:nvSpPr>
+          <p:cNvPr id="40" name="Rectangle: Rounded Corners 39">
+            <a:extLst>
+              <a:ext uri="{FF2B5EF4-FFF2-40B4-BE49-F238E27FC236}">
+                <a16:creationId xmlns:a16="http://schemas.microsoft.com/office/drawing/2014/main" id="{076E4202-B36B-0B9C-E496-4796B4866F6C}"/>
+              </a:ext>
+            </a:extLst>
+          </p:cNvPr>
+          <p:cNvSpPr/>
+          <p:nvPr/>
+        </p:nvSpPr>
+        <p:spPr>
+          <a:xfrm>
+            <a:off x="9538517" y="2104103"/>
+            <a:ext cx="983225" cy="737419"/>
+          </a:xfrm>
+          <a:prstGeom prst="roundRect">
+            <a:avLst/>
+          </a:prstGeom>
+        </p:spPr>
+        <p:style>
+          <a:lnRef idx="2">
+            <a:schemeClr val="dk1">
+              <a:shade val="50000"/>
+            </a:schemeClr>
+          </a:lnRef>
+          <a:fillRef idx="1">
+            <a:schemeClr val="dk1"/>
+          </a:fillRef>
+          <a:effectRef idx="0">
+            <a:schemeClr val="dk1"/>
+          </a:effectRef>
+          <a:fontRef idx="minor">
+            <a:schemeClr val="lt1"/>
+          </a:fontRef>
+        </p:style>
+        <p:txBody>
+          <a:bodyPr rtlCol="0" anchor="ctr"/>
+          <a:lstStyle/>
+          <a:p>
+            <a:pPr algn="ctr"/>
+            <a:endParaRPr lang="en-US"/>
+          </a:p>
+        </p:txBody>
+      </p:sp>
+      <p:sp>
+        <p:nvSpPr>
+          <p:cNvPr id="41" name="Rectangle: Rounded Corners 40">
+            <a:extLst>
+              <a:ext uri="{FF2B5EF4-FFF2-40B4-BE49-F238E27FC236}">
+                <a16:creationId xmlns:a16="http://schemas.microsoft.com/office/drawing/2014/main" id="{AE8BC6C1-AC2B-77CF-2E9A-AEB62897EB8F}"/>
+              </a:ext>
+            </a:extLst>
+          </p:cNvPr>
+          <p:cNvSpPr/>
+          <p:nvPr/>
+        </p:nvSpPr>
+        <p:spPr>
+          <a:xfrm>
+            <a:off x="10794588" y="2104104"/>
+            <a:ext cx="983225" cy="737419"/>
+          </a:xfrm>
+          <a:prstGeom prst="roundRect">
+            <a:avLst/>
+          </a:prstGeom>
+        </p:spPr>
+        <p:style>
+          <a:lnRef idx="2">
+            <a:schemeClr val="dk1">
+              <a:shade val="50000"/>
+            </a:schemeClr>
+          </a:lnRef>
+          <a:fillRef idx="1">
+            <a:schemeClr val="dk1"/>
+          </a:fillRef>
+          <a:effectRef idx="0">
+            <a:schemeClr val="dk1"/>
+          </a:effectRef>
+          <a:fontRef idx="minor">
+            <a:schemeClr val="lt1"/>
+          </a:fontRef>
+        </p:style>
+        <p:txBody>
+          <a:bodyPr rtlCol="0" anchor="ctr"/>
+          <a:lstStyle/>
+          <a:p>
+            <a:pPr algn="ctr"/>
+            <a:endParaRPr lang="en-US"/>
+          </a:p>
+        </p:txBody>
+      </p:sp>
+      <p:sp>
+        <p:nvSpPr>
+          <p:cNvPr id="42" name="Rectangle: Rounded Corners 41">
+            <a:extLst>
+              <a:ext uri="{FF2B5EF4-FFF2-40B4-BE49-F238E27FC236}">
+                <a16:creationId xmlns:a16="http://schemas.microsoft.com/office/drawing/2014/main" id="{AC65E9AA-ADCC-7AC0-C69C-AB643816D735}"/>
+              </a:ext>
+            </a:extLst>
+          </p:cNvPr>
+          <p:cNvSpPr/>
+          <p:nvPr/>
+        </p:nvSpPr>
+        <p:spPr>
+          <a:xfrm>
+            <a:off x="8260325" y="3023419"/>
+            <a:ext cx="983225" cy="737419"/>
+          </a:xfrm>
+          <a:prstGeom prst="roundRect">
+            <a:avLst/>
+          </a:prstGeom>
+        </p:spPr>
+        <p:style>
+          <a:lnRef idx="2">
+            <a:schemeClr val="dk1">
+              <a:shade val="50000"/>
+            </a:schemeClr>
+          </a:lnRef>
+          <a:fillRef idx="1">
+            <a:schemeClr val="dk1"/>
+          </a:fillRef>
+          <a:effectRef idx="0">
+            <a:schemeClr val="dk1"/>
+          </a:effectRef>
+          <a:fontRef idx="minor">
+            <a:schemeClr val="lt1"/>
+          </a:fontRef>
+        </p:style>
+        <p:txBody>
+          <a:bodyPr rtlCol="0" anchor="ctr"/>
+          <a:lstStyle/>
+          <a:p>
+            <a:pPr algn="ctr"/>
+            <a:endParaRPr lang="en-US"/>
+          </a:p>
+        </p:txBody>
+      </p:sp>
+      <p:sp>
+        <p:nvSpPr>
+          <p:cNvPr id="43" name="Rectangle: Rounded Corners 42">
+            <a:extLst>
+              <a:ext uri="{FF2B5EF4-FFF2-40B4-BE49-F238E27FC236}">
+                <a16:creationId xmlns:a16="http://schemas.microsoft.com/office/drawing/2014/main" id="{EEDE50C2-01B8-7D44-4030-2C9FBC6319CF}"/>
+              </a:ext>
+            </a:extLst>
+          </p:cNvPr>
+          <p:cNvSpPr/>
+          <p:nvPr/>
+        </p:nvSpPr>
+        <p:spPr>
+          <a:xfrm>
+            <a:off x="9512708" y="3023419"/>
+            <a:ext cx="983225" cy="737419"/>
+          </a:xfrm>
+          <a:prstGeom prst="roundRect">
+            <a:avLst/>
+          </a:prstGeom>
+        </p:spPr>
+        <p:style>
+          <a:lnRef idx="2">
+            <a:schemeClr val="dk1">
+              <a:shade val="50000"/>
+            </a:schemeClr>
+          </a:lnRef>
+          <a:fillRef idx="1">
+            <a:schemeClr val="dk1"/>
+          </a:fillRef>
+          <a:effectRef idx="0">
+            <a:schemeClr val="dk1"/>
+          </a:effectRef>
+          <a:fontRef idx="minor">
+            <a:schemeClr val="lt1"/>
+          </a:fontRef>
+        </p:style>
+        <p:txBody>
+          <a:bodyPr rtlCol="0" anchor="ctr"/>
+          <a:lstStyle/>
+          <a:p>
+            <a:pPr algn="ctr"/>
+            <a:endParaRPr lang="en-US"/>
+          </a:p>
+        </p:txBody>
+      </p:sp>
+      <p:sp>
+        <p:nvSpPr>
+          <p:cNvPr id="44" name="Rectangle: Rounded Corners 43">
+            <a:extLst>
+              <a:ext uri="{FF2B5EF4-FFF2-40B4-BE49-F238E27FC236}">
+                <a16:creationId xmlns:a16="http://schemas.microsoft.com/office/drawing/2014/main" id="{E4DA5CCB-7B99-0A72-715F-4427C4D40AAC}"/>
+              </a:ext>
+            </a:extLst>
+          </p:cNvPr>
+          <p:cNvSpPr/>
+          <p:nvPr/>
+        </p:nvSpPr>
+        <p:spPr>
+          <a:xfrm>
+            <a:off x="10768779" y="3023420"/>
+            <a:ext cx="983225" cy="737419"/>
+          </a:xfrm>
+          <a:prstGeom prst="roundRect">
+            <a:avLst/>
+          </a:prstGeom>
+        </p:spPr>
+        <p:style>
+          <a:lnRef idx="2">
+            <a:schemeClr val="dk1">
+              <a:shade val="50000"/>
+            </a:schemeClr>
+          </a:lnRef>
+          <a:fillRef idx="1">
+            <a:schemeClr val="dk1"/>
+          </a:fillRef>
+          <a:effectRef idx="0">
+            <a:schemeClr val="dk1"/>
+          </a:effectRef>
+          <a:fontRef idx="minor">
+            <a:schemeClr val="lt1"/>
+          </a:fontRef>
+        </p:style>
+        <p:txBody>
+          <a:bodyPr rtlCol="0" anchor="ctr"/>
+          <a:lstStyle/>
+          <a:p>
+            <a:pPr algn="ctr"/>
+            <a:endParaRPr lang="en-US"/>
+          </a:p>
+        </p:txBody>
+      </p:sp>
+      <p:sp>
+        <p:nvSpPr>
+          <p:cNvPr id="45" name="Rectangle: Rounded Corners 44">
+            <a:extLst>
+              <a:ext uri="{FF2B5EF4-FFF2-40B4-BE49-F238E27FC236}">
+                <a16:creationId xmlns:a16="http://schemas.microsoft.com/office/drawing/2014/main" id="{9E10C74C-E3E1-CF3D-6EBE-E06738F2F99A}"/>
+              </a:ext>
+            </a:extLst>
+          </p:cNvPr>
+          <p:cNvSpPr/>
+          <p:nvPr/>
+        </p:nvSpPr>
+        <p:spPr>
+          <a:xfrm>
+            <a:off x="8286134" y="4925959"/>
+            <a:ext cx="983225" cy="737419"/>
+          </a:xfrm>
+          <a:prstGeom prst="roundRect">
+            <a:avLst/>
+          </a:prstGeom>
+        </p:spPr>
+        <p:style>
+          <a:lnRef idx="2">
+            <a:schemeClr val="dk1">
+              <a:shade val="50000"/>
+            </a:schemeClr>
+          </a:lnRef>
+          <a:fillRef idx="1">
+            <a:schemeClr val="dk1"/>
+          </a:fillRef>
+          <a:effectRef idx="0">
+            <a:schemeClr val="dk1"/>
+          </a:effectRef>
+          <a:fontRef idx="minor">
+            <a:schemeClr val="lt1"/>
+          </a:fontRef>
+        </p:style>
+        <p:txBody>
+          <a:bodyPr rtlCol="0" anchor="ctr"/>
+          <a:lstStyle/>
+          <a:p>
+            <a:pPr algn="ctr"/>
+            <a:endParaRPr lang="en-US"/>
+          </a:p>
+        </p:txBody>
+      </p:sp>
+      <p:sp>
+        <p:nvSpPr>
+          <p:cNvPr id="46" name="Rectangle: Rounded Corners 45">
+            <a:extLst>
+              <a:ext uri="{FF2B5EF4-FFF2-40B4-BE49-F238E27FC236}">
+                <a16:creationId xmlns:a16="http://schemas.microsoft.com/office/drawing/2014/main" id="{C9EB95C8-F94D-0FF0-4876-22AEC2A50A3D}"/>
+              </a:ext>
+            </a:extLst>
+          </p:cNvPr>
+          <p:cNvSpPr/>
+          <p:nvPr/>
+        </p:nvSpPr>
+        <p:spPr>
+          <a:xfrm>
+            <a:off x="9538517" y="4925959"/>
+            <a:ext cx="983225" cy="737419"/>
+          </a:xfrm>
+          <a:prstGeom prst="roundRect">
+            <a:avLst/>
+          </a:prstGeom>
+        </p:spPr>
+        <p:style>
+          <a:lnRef idx="2">
+            <a:schemeClr val="dk1">
+              <a:shade val="50000"/>
+            </a:schemeClr>
+          </a:lnRef>
+          <a:fillRef idx="1">
+            <a:schemeClr val="dk1"/>
+          </a:fillRef>
+          <a:effectRef idx="0">
+            <a:schemeClr val="dk1"/>
+          </a:effectRef>
+          <a:fontRef idx="minor">
+            <a:schemeClr val="lt1"/>
+          </a:fontRef>
+        </p:style>
+        <p:txBody>
+          <a:bodyPr rtlCol="0" anchor="ctr"/>
+          <a:lstStyle/>
+          <a:p>
+            <a:pPr algn="ctr"/>
+            <a:endParaRPr lang="en-US"/>
+          </a:p>
+        </p:txBody>
+      </p:sp>
+      <p:sp>
+        <p:nvSpPr>
+          <p:cNvPr id="47" name="Rectangle: Rounded Corners 46">
+            <a:extLst>
+              <a:ext uri="{FF2B5EF4-FFF2-40B4-BE49-F238E27FC236}">
+                <a16:creationId xmlns:a16="http://schemas.microsoft.com/office/drawing/2014/main" id="{948C1F4E-A2A9-8F2D-CE22-33709A97CBB6}"/>
+              </a:ext>
+            </a:extLst>
+          </p:cNvPr>
+          <p:cNvSpPr/>
+          <p:nvPr/>
+        </p:nvSpPr>
+        <p:spPr>
+          <a:xfrm>
+            <a:off x="10794588" y="4925960"/>
+            <a:ext cx="983225" cy="737419"/>
+          </a:xfrm>
+          <a:prstGeom prst="roundRect">
+            <a:avLst/>
+          </a:prstGeom>
+        </p:spPr>
+        <p:style>
+          <a:lnRef idx="2">
+            <a:schemeClr val="dk1">
+              <a:shade val="50000"/>
+            </a:schemeClr>
+          </a:lnRef>
+          <a:fillRef idx="1">
+            <a:schemeClr val="dk1"/>
+          </a:fillRef>
+          <a:effectRef idx="0">
+            <a:schemeClr val="dk1"/>
+          </a:effectRef>
+          <a:fontRef idx="minor">
+            <a:schemeClr val="lt1"/>
+          </a:fontRef>
+        </p:style>
+        <p:txBody>
+          <a:bodyPr rtlCol="0" anchor="ctr"/>
+          <a:lstStyle/>
+          <a:p>
+            <a:pPr algn="ctr"/>
+            <a:endParaRPr lang="en-US"/>
+          </a:p>
+        </p:txBody>
+      </p:sp>
+      <p:sp>
+        <p:nvSpPr>
+          <p:cNvPr id="48" name="Rectangle: Rounded Corners 47">
+            <a:extLst>
+              <a:ext uri="{FF2B5EF4-FFF2-40B4-BE49-F238E27FC236}">
+                <a16:creationId xmlns:a16="http://schemas.microsoft.com/office/drawing/2014/main" id="{BCEDF2EC-F48E-2239-9B18-054634A3399E}"/>
+              </a:ext>
+            </a:extLst>
+          </p:cNvPr>
+          <p:cNvSpPr/>
+          <p:nvPr/>
+        </p:nvSpPr>
+        <p:spPr>
+          <a:xfrm>
+            <a:off x="8286134" y="4006644"/>
+            <a:ext cx="983225" cy="737419"/>
+          </a:xfrm>
+          <a:prstGeom prst="roundRect">
+            <a:avLst/>
+          </a:prstGeom>
+        </p:spPr>
+        <p:style>
+          <a:lnRef idx="2">
+            <a:schemeClr val="dk1">
+              <a:shade val="50000"/>
+            </a:schemeClr>
+          </a:lnRef>
+          <a:fillRef idx="1">
+            <a:schemeClr val="dk1"/>
+          </a:fillRef>
+          <a:effectRef idx="0">
+            <a:schemeClr val="dk1"/>
+          </a:effectRef>
+          <a:fontRef idx="minor">
+            <a:schemeClr val="lt1"/>
+          </a:fontRef>
+        </p:style>
+        <p:txBody>
+          <a:bodyPr rtlCol="0" anchor="ctr"/>
+          <a:lstStyle/>
+          <a:p>
+            <a:pPr algn="ctr"/>
+            <a:endParaRPr lang="en-US"/>
+          </a:p>
+        </p:txBody>
+      </p:sp>
+      <p:sp>
+        <p:nvSpPr>
+          <p:cNvPr id="49" name="Rectangle: Rounded Corners 48">
+            <a:extLst>
+              <a:ext uri="{FF2B5EF4-FFF2-40B4-BE49-F238E27FC236}">
+                <a16:creationId xmlns:a16="http://schemas.microsoft.com/office/drawing/2014/main" id="{EF3DFDD6-9DBA-8231-AA08-89526A46EE68}"/>
+              </a:ext>
+            </a:extLst>
+          </p:cNvPr>
+          <p:cNvSpPr/>
+          <p:nvPr/>
+        </p:nvSpPr>
+        <p:spPr>
+          <a:xfrm>
+            <a:off x="9538517" y="4006644"/>
+            <a:ext cx="983225" cy="737419"/>
+          </a:xfrm>
+          <a:prstGeom prst="roundRect">
+            <a:avLst/>
+          </a:prstGeom>
+        </p:spPr>
+        <p:style>
+          <a:lnRef idx="2">
+            <a:schemeClr val="dk1">
+              <a:shade val="50000"/>
+            </a:schemeClr>
+          </a:lnRef>
+          <a:fillRef idx="1">
+            <a:schemeClr val="dk1"/>
+          </a:fillRef>
+          <a:effectRef idx="0">
+            <a:schemeClr val="dk1"/>
+          </a:effectRef>
+          <a:fontRef idx="minor">
+            <a:schemeClr val="lt1"/>
+          </a:fontRef>
+        </p:style>
+        <p:txBody>
+          <a:bodyPr rtlCol="0" anchor="ctr"/>
+          <a:lstStyle/>
+          <a:p>
+            <a:pPr algn="ctr"/>
+            <a:endParaRPr lang="en-US"/>
+          </a:p>
+        </p:txBody>
+      </p:sp>
+      <p:sp>
+        <p:nvSpPr>
+          <p:cNvPr id="50" name="Rectangle: Rounded Corners 49">
+            <a:extLst>
+              <a:ext uri="{FF2B5EF4-FFF2-40B4-BE49-F238E27FC236}">
+                <a16:creationId xmlns:a16="http://schemas.microsoft.com/office/drawing/2014/main" id="{0BB76E22-80CC-0757-98E1-719B0B45B2B3}"/>
+              </a:ext>
+            </a:extLst>
+          </p:cNvPr>
+          <p:cNvSpPr/>
+          <p:nvPr/>
+        </p:nvSpPr>
+        <p:spPr>
+          <a:xfrm>
+            <a:off x="10794588" y="4006645"/>
+            <a:ext cx="983225" cy="737419"/>
+          </a:xfrm>
+          <a:prstGeom prst="roundRect">
+            <a:avLst/>
+          </a:prstGeom>
+        </p:spPr>
+        <p:style>
+          <a:lnRef idx="2">
+            <a:schemeClr val="dk1">
+              <a:shade val="50000"/>
+            </a:schemeClr>
+          </a:lnRef>
+          <a:fillRef idx="1">
+            <a:schemeClr val="dk1"/>
+          </a:fillRef>
+          <a:effectRef idx="0">
+            <a:schemeClr val="dk1"/>
+          </a:effectRef>
+          <a:fontRef idx="minor">
+            <a:schemeClr val="lt1"/>
+          </a:fontRef>
+        </p:style>
+        <p:txBody>
+          <a:bodyPr rtlCol="0" anchor="ctr"/>
+          <a:lstStyle/>
+          <a:p>
+            <a:pPr algn="ctr"/>
+            <a:endParaRPr lang="en-US"/>
+          </a:p>
+        </p:txBody>
+      </p:sp>
+      <p:sp>
+        <p:nvSpPr>
+          <p:cNvPr id="51" name="Rectangle: Rounded Corners 50">
+            <a:extLst>
+              <a:ext uri="{FF2B5EF4-FFF2-40B4-BE49-F238E27FC236}">
+                <a16:creationId xmlns:a16="http://schemas.microsoft.com/office/drawing/2014/main" id="{E6A786C5-6B5E-3C88-8456-A8798077A732}"/>
+              </a:ext>
+            </a:extLst>
+          </p:cNvPr>
+          <p:cNvSpPr/>
+          <p:nvPr/>
+        </p:nvSpPr>
+        <p:spPr>
+          <a:xfrm>
+            <a:off x="4916129" y="6194323"/>
+            <a:ext cx="1606342" cy="491612"/>
+          </a:xfrm>
+          <a:prstGeom prst="roundRect">
+            <a:avLst/>
+          </a:prstGeom>
+        </p:spPr>
+        <p:style>
+          <a:lnRef idx="2">
+            <a:schemeClr val="accent1">
+              <a:shade val="50000"/>
+            </a:schemeClr>
+          </a:lnRef>
+          <a:fillRef idx="1">
+            <a:schemeClr val="accent1"/>
+          </a:fillRef>
+          <a:effectRef idx="0">
+            <a:schemeClr val="accent1"/>
+          </a:effectRef>
+          <a:fontRef idx="minor">
+            <a:schemeClr val="lt1"/>
+          </a:fontRef>
+        </p:style>
+        <p:txBody>
+          <a:bodyPr rtlCol="0" anchor="ctr"/>
+          <a:lstStyle/>
+          <a:p>
+            <a:pPr algn="ctr"/>
+            <a:r>
+              <a:rPr lang="en-IN" b="1" dirty="0"/>
+              <a:t>Load</a:t>
+            </a:r>
+          </a:p>
+          <a:p>
+            <a:pPr algn="ctr"/>
+            <a:r>
+              <a:rPr lang="en-IN" b="1" dirty="0"/>
+              <a:t>Balancer</a:t>
+            </a:r>
+            <a:endParaRPr lang="en-US" b="1" dirty="0"/>
+          </a:p>
+        </p:txBody>
+      </p:sp>
+      <p:cxnSp>
+        <p:nvCxnSpPr>
+          <p:cNvPr id="53" name="Connector: Elbow 52">
+            <a:extLst>
+              <a:ext uri="{FF2B5EF4-FFF2-40B4-BE49-F238E27FC236}">
+                <a16:creationId xmlns:a16="http://schemas.microsoft.com/office/drawing/2014/main" id="{88434295-E9D9-CA70-3075-CC76205D7B4C}"/>
+              </a:ext>
+            </a:extLst>
+          </p:cNvPr>
+          <p:cNvCxnSpPr>
+            <a:stCxn id="51" idx="1"/>
+            <a:endCxn id="3" idx="3"/>
+          </p:cNvCxnSpPr>
+          <p:nvPr/>
+        </p:nvCxnSpPr>
+        <p:spPr>
+          <a:xfrm rot="10800000">
+            <a:off x="1991031" y="5899355"/>
+            <a:ext cx="2925099" cy="540774"/>
+          </a:xfrm>
+          <a:prstGeom prst="bentConnector2">
+            <a:avLst/>
+          </a:prstGeom>
+          <a:ln w="76200">
+            <a:solidFill>
+              <a:srgbClr val="002060"/>
+            </a:solidFill>
+            <a:tailEnd type="triangle"/>
+          </a:ln>
+        </p:spPr>
+        <p:style>
+          <a:lnRef idx="1">
+            <a:schemeClr val="accent1"/>
+          </a:lnRef>
+          <a:fillRef idx="0">
+            <a:schemeClr val="accent1"/>
+          </a:fillRef>
+          <a:effectRef idx="0">
+            <a:schemeClr val="accent1"/>
+          </a:effectRef>
+          <a:fontRef idx="minor">
+            <a:schemeClr val="tx1"/>
+          </a:fontRef>
+        </p:style>
+      </p:cxnSp>
+      <p:cxnSp>
+        <p:nvCxnSpPr>
+          <p:cNvPr id="55" name="Connector: Elbow 54">
+            <a:extLst>
+              <a:ext uri="{FF2B5EF4-FFF2-40B4-BE49-F238E27FC236}">
+                <a16:creationId xmlns:a16="http://schemas.microsoft.com/office/drawing/2014/main" id="{9C77ECF8-00FC-6C85-74BB-18D6F976F427}"/>
+              </a:ext>
+            </a:extLst>
+          </p:cNvPr>
+          <p:cNvCxnSpPr>
+            <a:stCxn id="51" idx="3"/>
+            <a:endCxn id="5" idx="3"/>
+          </p:cNvCxnSpPr>
+          <p:nvPr/>
+        </p:nvCxnSpPr>
+        <p:spPr>
+          <a:xfrm flipV="1">
+            <a:off x="6522471" y="5899354"/>
+            <a:ext cx="3467101" cy="540775"/>
+          </a:xfrm>
+          <a:prstGeom prst="bentConnector2">
+            <a:avLst/>
+          </a:prstGeom>
+          <a:ln w="76200">
+            <a:solidFill>
+              <a:srgbClr val="002060"/>
+            </a:solidFill>
+            <a:tailEnd type="triangle"/>
+          </a:ln>
+        </p:spPr>
+        <p:style>
+          <a:lnRef idx="1">
+            <a:schemeClr val="accent1"/>
+          </a:lnRef>
+          <a:fillRef idx="0">
+            <a:schemeClr val="accent1"/>
+          </a:fillRef>
+          <a:effectRef idx="0">
+            <a:schemeClr val="accent1"/>
+          </a:effectRef>
+          <a:fontRef idx="minor">
+            <a:schemeClr val="tx1"/>
+          </a:fontRef>
+        </p:style>
+      </p:cxnSp>
+      <p:cxnSp>
+        <p:nvCxnSpPr>
+          <p:cNvPr id="57" name="Straight Arrow Connector 56">
+            <a:extLst>
+              <a:ext uri="{FF2B5EF4-FFF2-40B4-BE49-F238E27FC236}">
+                <a16:creationId xmlns:a16="http://schemas.microsoft.com/office/drawing/2014/main" id="{3A190E68-4E34-DC2B-CD46-4C82488360CA}"/>
+              </a:ext>
+            </a:extLst>
+          </p:cNvPr>
+          <p:cNvCxnSpPr>
+            <a:stCxn id="51" idx="0"/>
+            <a:endCxn id="4" idx="3"/>
+          </p:cNvCxnSpPr>
+          <p:nvPr/>
+        </p:nvCxnSpPr>
+        <p:spPr>
+          <a:xfrm flipV="1">
+            <a:off x="5719300" y="5899353"/>
+            <a:ext cx="271001" cy="294970"/>
+          </a:xfrm>
+          <a:prstGeom prst="straightConnector1">
+            <a:avLst/>
+          </a:prstGeom>
+          <a:ln w="76200">
+            <a:solidFill>
+              <a:srgbClr val="002060"/>
+            </a:solidFill>
+            <a:tailEnd type="triangle"/>
+          </a:ln>
+        </p:spPr>
+        <p:style>
+          <a:lnRef idx="1">
+            <a:schemeClr val="accent1"/>
+          </a:lnRef>
+          <a:fillRef idx="0">
+            <a:schemeClr val="accent1"/>
+          </a:fillRef>
+          <a:effectRef idx="0">
+            <a:schemeClr val="accent1"/>
+          </a:effectRef>
+          <a:fontRef idx="minor">
+            <a:schemeClr val="tx1"/>
+          </a:fontRef>
+        </p:style>
+      </p:cxnSp>
+      <p:sp>
+        <p:nvSpPr>
+          <p:cNvPr id="58" name="Rectangle 57">
+            <a:extLst>
+              <a:ext uri="{FF2B5EF4-FFF2-40B4-BE49-F238E27FC236}">
+                <a16:creationId xmlns:a16="http://schemas.microsoft.com/office/drawing/2014/main" id="{F4A7C050-9F8D-5468-BA41-33640D13FEF1}"/>
+              </a:ext>
+            </a:extLst>
+          </p:cNvPr>
+          <p:cNvSpPr/>
+          <p:nvPr/>
+        </p:nvSpPr>
+        <p:spPr>
+          <a:xfrm>
+            <a:off x="658761" y="369331"/>
+            <a:ext cx="11331677" cy="343501"/>
+          </a:xfrm>
+          <a:prstGeom prst="rect">
+            <a:avLst/>
+          </a:prstGeom>
+        </p:spPr>
+        <p:style>
+          <a:lnRef idx="2">
+            <a:schemeClr val="accent1">
+              <a:shade val="50000"/>
+            </a:schemeClr>
+          </a:lnRef>
+          <a:fillRef idx="1">
+            <a:schemeClr val="accent1"/>
+          </a:fillRef>
+          <a:effectRef idx="0">
+            <a:schemeClr val="accent1"/>
+          </a:effectRef>
+          <a:fontRef idx="minor">
+            <a:schemeClr val="lt1"/>
+          </a:fontRef>
+        </p:style>
+        <p:txBody>
+          <a:bodyPr rtlCol="0" anchor="ctr"/>
+          <a:lstStyle/>
+          <a:p>
+            <a:pPr algn="ctr"/>
+            <a:r>
+              <a:rPr lang="en-IN" b="1" dirty="0"/>
+              <a:t>Network Topology</a:t>
+            </a:r>
+            <a:endParaRPr lang="en-US" b="1" dirty="0"/>
+          </a:p>
+        </p:txBody>
+      </p:sp>
+      <p:sp>
+        <p:nvSpPr>
+          <p:cNvPr id="59" name="Arrow: Down 58">
+            <a:extLst>
+              <a:ext uri="{FF2B5EF4-FFF2-40B4-BE49-F238E27FC236}">
+                <a16:creationId xmlns:a16="http://schemas.microsoft.com/office/drawing/2014/main" id="{4E9589CD-923F-FD1D-998A-0351D2C325F2}"/>
+              </a:ext>
+            </a:extLst>
+          </p:cNvPr>
+          <p:cNvSpPr/>
+          <p:nvPr/>
+        </p:nvSpPr>
+        <p:spPr>
+          <a:xfrm>
+            <a:off x="1991031" y="594849"/>
+            <a:ext cx="319550" cy="363795"/>
+          </a:xfrm>
+          <a:prstGeom prst="downArrow">
+            <a:avLst/>
+          </a:prstGeom>
+        </p:spPr>
+        <p:style>
+          <a:lnRef idx="2">
+            <a:schemeClr val="dk1">
+              <a:shade val="50000"/>
+            </a:schemeClr>
+          </a:lnRef>
+          <a:fillRef idx="1">
+            <a:schemeClr val="dk1"/>
+          </a:fillRef>
+          <a:effectRef idx="0">
+            <a:schemeClr val="dk1"/>
+          </a:effectRef>
+          <a:fontRef idx="minor">
+            <a:schemeClr val="lt1"/>
+          </a:fontRef>
+        </p:style>
+        <p:txBody>
+          <a:bodyPr rtlCol="0" anchor="ctr"/>
+          <a:lstStyle/>
+          <a:p>
+            <a:pPr algn="ctr"/>
+            <a:endParaRPr lang="en-US"/>
+          </a:p>
+        </p:txBody>
+      </p:sp>
+      <p:sp>
+        <p:nvSpPr>
+          <p:cNvPr id="60" name="Arrow: Down 59">
+            <a:extLst>
+              <a:ext uri="{FF2B5EF4-FFF2-40B4-BE49-F238E27FC236}">
+                <a16:creationId xmlns:a16="http://schemas.microsoft.com/office/drawing/2014/main" id="{9C707D42-3F06-31CD-2F0A-C464F5805F00}"/>
+              </a:ext>
+            </a:extLst>
+          </p:cNvPr>
+          <p:cNvSpPr/>
+          <p:nvPr/>
+        </p:nvSpPr>
+        <p:spPr>
+          <a:xfrm>
+            <a:off x="5923934" y="658759"/>
+            <a:ext cx="319550" cy="363795"/>
+          </a:xfrm>
+          <a:prstGeom prst="downArrow">
+            <a:avLst/>
+          </a:prstGeom>
+        </p:spPr>
+        <p:style>
+          <a:lnRef idx="2">
+            <a:schemeClr val="dk1">
+              <a:shade val="50000"/>
+            </a:schemeClr>
+          </a:lnRef>
+          <a:fillRef idx="1">
+            <a:schemeClr val="dk1"/>
+          </a:fillRef>
+          <a:effectRef idx="0">
+            <a:schemeClr val="dk1"/>
+          </a:effectRef>
+          <a:fontRef idx="minor">
+            <a:schemeClr val="lt1"/>
+          </a:fontRef>
+        </p:style>
+        <p:txBody>
+          <a:bodyPr rtlCol="0" anchor="ctr"/>
+          <a:lstStyle/>
+          <a:p>
+            <a:pPr algn="ctr"/>
+            <a:endParaRPr lang="en-US"/>
+          </a:p>
+        </p:txBody>
+      </p:sp>
+      <p:sp>
+        <p:nvSpPr>
+          <p:cNvPr id="61" name="Arrow: Down 60">
+            <a:extLst>
+              <a:ext uri="{FF2B5EF4-FFF2-40B4-BE49-F238E27FC236}">
+                <a16:creationId xmlns:a16="http://schemas.microsoft.com/office/drawing/2014/main" id="{4428FCD6-6BF5-0C61-5B28-059DF8B8C89F}"/>
+              </a:ext>
+            </a:extLst>
+          </p:cNvPr>
+          <p:cNvSpPr/>
+          <p:nvPr/>
+        </p:nvSpPr>
+        <p:spPr>
+          <a:xfrm>
+            <a:off x="10041194" y="585013"/>
+            <a:ext cx="319550" cy="363795"/>
+          </a:xfrm>
+          <a:prstGeom prst="downArrow">
+            <a:avLst/>
+          </a:prstGeom>
+        </p:spPr>
+        <p:style>
+          <a:lnRef idx="2">
+            <a:schemeClr val="dk1">
+              <a:shade val="50000"/>
+            </a:schemeClr>
+          </a:lnRef>
+          <a:fillRef idx="1">
+            <a:schemeClr val="dk1"/>
+          </a:fillRef>
+          <a:effectRef idx="0">
+            <a:schemeClr val="dk1"/>
+          </a:effectRef>
+          <a:fontRef idx="minor">
+            <a:schemeClr val="lt1"/>
+          </a:fontRef>
+        </p:style>
+        <p:txBody>
+          <a:bodyPr rtlCol="0" anchor="ctr"/>
+          <a:lstStyle/>
+          <a:p>
+            <a:pPr algn="ctr"/>
+            <a:endParaRPr lang="en-US"/>
+          </a:p>
+        </p:txBody>
+      </p:sp>
+    </p:spTree>
+    <p:extLst>
+      <p:ext uri="{BB962C8B-B14F-4D97-AF65-F5344CB8AC3E}">
+        <p14:creationId xmlns:p14="http://schemas.microsoft.com/office/powerpoint/2010/main" val="1853536138"/>
+      </p:ext>
+    </p:extLst>
+  </p:cSld>
+  <p:clrMapOvr>
+    <a:masterClrMapping/>
+  </p:clrMapOvr>
+</p:sld>
+</file>
+
+<file path=ppt/slides/slide27.xml><?xml version="1.0" encoding="utf-8"?>
+<p:sld xmlns:a="http://schemas.openxmlformats.org/drawingml/2006/main" xmlns:r="http://schemas.openxmlformats.org/officeDocument/2006/relationships" xmlns:p="http://schemas.openxmlformats.org/presentationml/2006/main">
+  <p:cSld>
+    <p:spTree>
+      <p:nvGrpSpPr>
+        <p:cNvPr id="1" name=""/>
+        <p:cNvGrpSpPr/>
+        <p:nvPr/>
+      </p:nvGrpSpPr>
+      <p:grpSpPr>
+        <a:xfrm>
+          <a:off x="0" y="0"/>
+          <a:ext cx="0" cy="0"/>
+          <a:chOff x="0" y="0"/>
+          <a:chExt cx="0" cy="0"/>
+        </a:xfrm>
+      </p:grpSpPr>
+      <p:sp>
+        <p:nvSpPr>
+          <p:cNvPr id="2" name="TextBox 1">
+            <a:extLst>
+              <a:ext uri="{FF2B5EF4-FFF2-40B4-BE49-F238E27FC236}">
+                <a16:creationId xmlns:a16="http://schemas.microsoft.com/office/drawing/2014/main" id="{99969F9D-53D6-DA4F-169E-0FE1368D2A00}"/>
+              </a:ext>
+            </a:extLst>
+          </p:cNvPr>
+          <p:cNvSpPr txBox="1"/>
+          <p:nvPr/>
+        </p:nvSpPr>
+        <p:spPr>
+          <a:xfrm>
+            <a:off x="3126658" y="137652"/>
+            <a:ext cx="6548284" cy="369332"/>
+          </a:xfrm>
+          <a:prstGeom prst="rect">
+            <a:avLst/>
+          </a:prstGeom>
+          <a:noFill/>
+        </p:spPr>
+        <p:txBody>
+          <a:bodyPr wrap="square" rtlCol="0">
+            <a:spAutoFit/>
+          </a:bodyPr>
+          <a:lstStyle/>
+          <a:p>
+            <a:pPr algn="ctr"/>
+            <a:r>
+              <a:rPr lang="en-IN" b="1" dirty="0"/>
+              <a:t>Virtual Machine in Practice</a:t>
+            </a:r>
+            <a:endParaRPr lang="en-US" b="1" dirty="0"/>
+          </a:p>
+        </p:txBody>
+      </p:sp>
+      <p:sp>
+        <p:nvSpPr>
+          <p:cNvPr id="3" name="Rectangle 2">
+            <a:extLst>
+              <a:ext uri="{FF2B5EF4-FFF2-40B4-BE49-F238E27FC236}">
+                <a16:creationId xmlns:a16="http://schemas.microsoft.com/office/drawing/2014/main" id="{32A74FD0-BEE3-DA8B-E56F-D11006CB7FEC}"/>
+              </a:ext>
+            </a:extLst>
+          </p:cNvPr>
+          <p:cNvSpPr/>
+          <p:nvPr/>
+        </p:nvSpPr>
+        <p:spPr>
+          <a:xfrm>
+            <a:off x="589935" y="506984"/>
+            <a:ext cx="11080955" cy="5722374"/>
+          </a:xfrm>
+          <a:prstGeom prst="rect">
+            <a:avLst/>
+          </a:prstGeom>
+        </p:spPr>
+        <p:style>
+          <a:lnRef idx="2">
+            <a:schemeClr val="accent6"/>
+          </a:lnRef>
+          <a:fillRef idx="1">
+            <a:schemeClr val="lt1"/>
+          </a:fillRef>
+          <a:effectRef idx="0">
+            <a:schemeClr val="accent6"/>
+          </a:effectRef>
+          <a:fontRef idx="minor">
+            <a:schemeClr val="dk1"/>
+          </a:fontRef>
+        </p:style>
+        <p:txBody>
+          <a:bodyPr rtlCol="0" anchor="ctr"/>
+          <a:lstStyle/>
+          <a:p>
+            <a:pPr algn="ctr"/>
+            <a:endParaRPr lang="en-US"/>
+          </a:p>
+        </p:txBody>
+      </p:sp>
+      <p:sp>
+        <p:nvSpPr>
+          <p:cNvPr id="4" name="TextBox 3">
+            <a:extLst>
+              <a:ext uri="{FF2B5EF4-FFF2-40B4-BE49-F238E27FC236}">
+                <a16:creationId xmlns:a16="http://schemas.microsoft.com/office/drawing/2014/main" id="{9EA7D755-5546-629C-2A4E-10328073C73D}"/>
+              </a:ext>
+            </a:extLst>
+          </p:cNvPr>
+          <p:cNvSpPr txBox="1"/>
+          <p:nvPr/>
+        </p:nvSpPr>
+        <p:spPr>
+          <a:xfrm>
+            <a:off x="3480619" y="6381135"/>
+            <a:ext cx="4847304" cy="369332"/>
+          </a:xfrm>
+          <a:prstGeom prst="rect">
+            <a:avLst/>
+          </a:prstGeom>
+          <a:noFill/>
+        </p:spPr>
+        <p:txBody>
+          <a:bodyPr wrap="square" rtlCol="0">
+            <a:spAutoFit/>
+          </a:bodyPr>
+          <a:lstStyle/>
+          <a:p>
+            <a:pPr algn="ctr"/>
+            <a:r>
+              <a:rPr lang="en-IN" b="1" dirty="0"/>
+              <a:t>HOST Physical Machine</a:t>
+            </a:r>
+            <a:endParaRPr lang="en-US" b="1" dirty="0"/>
+          </a:p>
+        </p:txBody>
+      </p:sp>
+      <p:sp>
+        <p:nvSpPr>
+          <p:cNvPr id="5" name="Rectangle 4">
+            <a:extLst>
+              <a:ext uri="{FF2B5EF4-FFF2-40B4-BE49-F238E27FC236}">
+                <a16:creationId xmlns:a16="http://schemas.microsoft.com/office/drawing/2014/main" id="{C42B33DB-8156-2B56-2BF8-6887DBC00F47}"/>
+              </a:ext>
+            </a:extLst>
+          </p:cNvPr>
+          <p:cNvSpPr/>
+          <p:nvPr/>
+        </p:nvSpPr>
+        <p:spPr>
+          <a:xfrm>
+            <a:off x="589935" y="5211097"/>
+            <a:ext cx="11080955" cy="1018261"/>
+          </a:xfrm>
+          <a:prstGeom prst="rect">
+            <a:avLst/>
+          </a:prstGeom>
+        </p:spPr>
+        <p:style>
+          <a:lnRef idx="2">
+            <a:schemeClr val="accent1">
+              <a:shade val="50000"/>
+            </a:schemeClr>
+          </a:lnRef>
+          <a:fillRef idx="1">
+            <a:schemeClr val="accent1"/>
+          </a:fillRef>
+          <a:effectRef idx="0">
+            <a:schemeClr val="accent1"/>
+          </a:effectRef>
+          <a:fontRef idx="minor">
+            <a:schemeClr val="lt1"/>
+          </a:fontRef>
+        </p:style>
+        <p:txBody>
+          <a:bodyPr rtlCol="0" anchor="ctr"/>
+          <a:lstStyle/>
+          <a:p>
+            <a:pPr algn="ctr"/>
+            <a:endParaRPr lang="en-US"/>
+          </a:p>
+        </p:txBody>
+      </p:sp>
+      <p:sp>
+        <p:nvSpPr>
+          <p:cNvPr id="6" name="Rectangle: Rounded Corners 5">
+            <a:extLst>
+              <a:ext uri="{FF2B5EF4-FFF2-40B4-BE49-F238E27FC236}">
+                <a16:creationId xmlns:a16="http://schemas.microsoft.com/office/drawing/2014/main" id="{7CC39682-3FD1-24D1-EFFA-FD7FF6A0B062}"/>
+              </a:ext>
+            </a:extLst>
+          </p:cNvPr>
+          <p:cNvSpPr/>
+          <p:nvPr/>
+        </p:nvSpPr>
+        <p:spPr>
+          <a:xfrm>
+            <a:off x="1189703" y="5388077"/>
+            <a:ext cx="1671484" cy="678426"/>
+          </a:xfrm>
+          <a:prstGeom prst="roundRect">
+            <a:avLst/>
+          </a:prstGeom>
+        </p:spPr>
+        <p:style>
+          <a:lnRef idx="2">
+            <a:schemeClr val="dk1">
+              <a:shade val="50000"/>
+            </a:schemeClr>
+          </a:lnRef>
+          <a:fillRef idx="1">
+            <a:schemeClr val="dk1"/>
+          </a:fillRef>
+          <a:effectRef idx="0">
+            <a:schemeClr val="dk1"/>
+          </a:effectRef>
+          <a:fontRef idx="minor">
+            <a:schemeClr val="lt1"/>
+          </a:fontRef>
+        </p:style>
+        <p:txBody>
+          <a:bodyPr rtlCol="0" anchor="ctr"/>
+          <a:lstStyle/>
+          <a:p>
+            <a:pPr algn="ctr"/>
+            <a:r>
+              <a:rPr lang="en-IN" b="1" dirty="0"/>
+              <a:t>Memory</a:t>
+            </a:r>
+            <a:endParaRPr lang="en-US" b="1" dirty="0"/>
+          </a:p>
+        </p:txBody>
+      </p:sp>
+      <p:sp>
+        <p:nvSpPr>
+          <p:cNvPr id="7" name="Rectangle: Rounded Corners 6">
+            <a:extLst>
+              <a:ext uri="{FF2B5EF4-FFF2-40B4-BE49-F238E27FC236}">
+                <a16:creationId xmlns:a16="http://schemas.microsoft.com/office/drawing/2014/main" id="{1D1C3A97-888F-2821-C79B-348459B04630}"/>
+              </a:ext>
+            </a:extLst>
+          </p:cNvPr>
+          <p:cNvSpPr/>
+          <p:nvPr/>
+        </p:nvSpPr>
+        <p:spPr>
+          <a:xfrm>
+            <a:off x="4699819" y="5381014"/>
+            <a:ext cx="1671484" cy="678426"/>
+          </a:xfrm>
+          <a:prstGeom prst="roundRect">
+            <a:avLst/>
+          </a:prstGeom>
+        </p:spPr>
+        <p:style>
+          <a:lnRef idx="2">
+            <a:schemeClr val="dk1">
+              <a:shade val="50000"/>
+            </a:schemeClr>
+          </a:lnRef>
+          <a:fillRef idx="1">
+            <a:schemeClr val="dk1"/>
+          </a:fillRef>
+          <a:effectRef idx="0">
+            <a:schemeClr val="dk1"/>
+          </a:effectRef>
+          <a:fontRef idx="minor">
+            <a:schemeClr val="lt1"/>
+          </a:fontRef>
+        </p:style>
+        <p:txBody>
+          <a:bodyPr rtlCol="0" anchor="ctr"/>
+          <a:lstStyle/>
+          <a:p>
+            <a:pPr algn="ctr"/>
+            <a:r>
+              <a:rPr lang="en-IN" b="1" dirty="0"/>
+              <a:t>Storage</a:t>
+            </a:r>
+            <a:endParaRPr lang="en-US" b="1" dirty="0"/>
+          </a:p>
+        </p:txBody>
+      </p:sp>
+      <p:sp>
+        <p:nvSpPr>
+          <p:cNvPr id="8" name="Rectangle: Rounded Corners 7">
+            <a:extLst>
+              <a:ext uri="{FF2B5EF4-FFF2-40B4-BE49-F238E27FC236}">
+                <a16:creationId xmlns:a16="http://schemas.microsoft.com/office/drawing/2014/main" id="{EBC435BF-EAF9-C892-856F-7A2A5AC4915A}"/>
+              </a:ext>
+            </a:extLst>
+          </p:cNvPr>
+          <p:cNvSpPr/>
+          <p:nvPr/>
+        </p:nvSpPr>
+        <p:spPr>
+          <a:xfrm>
+            <a:off x="8809703" y="5375335"/>
+            <a:ext cx="1671484" cy="678426"/>
+          </a:xfrm>
+          <a:prstGeom prst="roundRect">
+            <a:avLst/>
+          </a:prstGeom>
+        </p:spPr>
+        <p:style>
+          <a:lnRef idx="2">
+            <a:schemeClr val="dk1">
+              <a:shade val="50000"/>
+            </a:schemeClr>
+          </a:lnRef>
+          <a:fillRef idx="1">
+            <a:schemeClr val="dk1"/>
+          </a:fillRef>
+          <a:effectRef idx="0">
+            <a:schemeClr val="dk1"/>
+          </a:effectRef>
+          <a:fontRef idx="minor">
+            <a:schemeClr val="lt1"/>
+          </a:fontRef>
+        </p:style>
+        <p:txBody>
+          <a:bodyPr rtlCol="0" anchor="ctr"/>
+          <a:lstStyle/>
+          <a:p>
+            <a:pPr algn="ctr"/>
+            <a:r>
+              <a:rPr lang="en-IN" b="1" dirty="0"/>
+              <a:t>Networking</a:t>
+            </a:r>
+            <a:endParaRPr lang="en-US" b="1" dirty="0"/>
+          </a:p>
+        </p:txBody>
+      </p:sp>
+      <p:sp>
+        <p:nvSpPr>
+          <p:cNvPr id="9" name="Rectangle 8">
+            <a:extLst>
+              <a:ext uri="{FF2B5EF4-FFF2-40B4-BE49-F238E27FC236}">
+                <a16:creationId xmlns:a16="http://schemas.microsoft.com/office/drawing/2014/main" id="{DBA67D49-545A-6AF6-89C8-EC5F09EC61A6}"/>
+              </a:ext>
+            </a:extLst>
+          </p:cNvPr>
+          <p:cNvSpPr/>
+          <p:nvPr/>
+        </p:nvSpPr>
+        <p:spPr>
+          <a:xfrm>
+            <a:off x="589935" y="4312967"/>
+            <a:ext cx="11080955" cy="800707"/>
+          </a:xfrm>
+          <a:prstGeom prst="rect">
+            <a:avLst/>
+          </a:prstGeom>
+        </p:spPr>
+        <p:style>
+          <a:lnRef idx="2">
+            <a:schemeClr val="accent3">
+              <a:shade val="50000"/>
+            </a:schemeClr>
+          </a:lnRef>
+          <a:fillRef idx="1">
+            <a:schemeClr val="accent3"/>
+          </a:fillRef>
+          <a:effectRef idx="0">
+            <a:schemeClr val="accent3"/>
+          </a:effectRef>
+          <a:fontRef idx="minor">
+            <a:schemeClr val="lt1"/>
+          </a:fontRef>
+        </p:style>
+        <p:txBody>
+          <a:bodyPr rtlCol="0" anchor="ctr"/>
+          <a:lstStyle/>
+          <a:p>
+            <a:pPr algn="ctr"/>
+            <a:r>
+              <a:rPr lang="en-IN" b="1" dirty="0"/>
+              <a:t>HOST Operating Interface Layer aka Kernel </a:t>
+            </a:r>
+            <a:endParaRPr lang="en-US" b="1" dirty="0"/>
+          </a:p>
+        </p:txBody>
+      </p:sp>
+      <p:sp>
+        <p:nvSpPr>
+          <p:cNvPr id="10" name="Rectangle 9">
+            <a:extLst>
+              <a:ext uri="{FF2B5EF4-FFF2-40B4-BE49-F238E27FC236}">
+                <a16:creationId xmlns:a16="http://schemas.microsoft.com/office/drawing/2014/main" id="{38DC4A21-A46F-675B-0B8E-82B2B77612E8}"/>
+              </a:ext>
+            </a:extLst>
+          </p:cNvPr>
+          <p:cNvSpPr/>
+          <p:nvPr/>
+        </p:nvSpPr>
+        <p:spPr>
+          <a:xfrm>
+            <a:off x="589934" y="3423770"/>
+            <a:ext cx="11080955" cy="800707"/>
+          </a:xfrm>
+          <a:prstGeom prst="rect">
+            <a:avLst/>
+          </a:prstGeom>
+        </p:spPr>
+        <p:style>
+          <a:lnRef idx="2">
+            <a:schemeClr val="accent2">
+              <a:shade val="50000"/>
+            </a:schemeClr>
+          </a:lnRef>
+          <a:fillRef idx="1">
+            <a:schemeClr val="accent2"/>
+          </a:fillRef>
+          <a:effectRef idx="0">
+            <a:schemeClr val="accent2"/>
+          </a:effectRef>
+          <a:fontRef idx="minor">
+            <a:schemeClr val="lt1"/>
+          </a:fontRef>
+        </p:style>
+        <p:txBody>
+          <a:bodyPr rtlCol="0" anchor="ctr"/>
+          <a:lstStyle/>
+          <a:p>
+            <a:pPr algn="ctr"/>
+            <a:r>
+              <a:rPr lang="en-IN" b="1" dirty="0"/>
+              <a:t>Virtualization Software e.g. Hyper-V, VMWare, Virtual Box</a:t>
+            </a:r>
+            <a:endParaRPr lang="en-US" b="1" dirty="0"/>
+          </a:p>
+        </p:txBody>
+      </p:sp>
+      <p:sp>
+        <p:nvSpPr>
+          <p:cNvPr id="11" name="Rectangle 10">
+            <a:extLst>
+              <a:ext uri="{FF2B5EF4-FFF2-40B4-BE49-F238E27FC236}">
+                <a16:creationId xmlns:a16="http://schemas.microsoft.com/office/drawing/2014/main" id="{865678A4-1054-7BF6-6739-43594406B86E}"/>
+              </a:ext>
+            </a:extLst>
+          </p:cNvPr>
+          <p:cNvSpPr/>
+          <p:nvPr/>
+        </p:nvSpPr>
+        <p:spPr>
+          <a:xfrm>
+            <a:off x="589934" y="2525640"/>
+            <a:ext cx="11080955" cy="800707"/>
+          </a:xfrm>
+          <a:prstGeom prst="rect">
+            <a:avLst/>
+          </a:prstGeom>
+        </p:spPr>
+        <p:style>
+          <a:lnRef idx="3">
+            <a:schemeClr val="lt1"/>
+          </a:lnRef>
+          <a:fillRef idx="1">
+            <a:schemeClr val="accent5"/>
+          </a:fillRef>
+          <a:effectRef idx="1">
+            <a:schemeClr val="accent5"/>
+          </a:effectRef>
+          <a:fontRef idx="minor">
+            <a:schemeClr val="lt1"/>
+          </a:fontRef>
+        </p:style>
+        <p:txBody>
+          <a:bodyPr rtlCol="0" anchor="ctr"/>
+          <a:lstStyle/>
+          <a:p>
+            <a:pPr algn="ctr"/>
+            <a:r>
+              <a:rPr lang="en-IN" b="1" dirty="0"/>
+              <a:t>Virtualized Networking, Memory and Storage Interfaces</a:t>
+            </a:r>
+            <a:endParaRPr lang="en-US" b="1" dirty="0"/>
+          </a:p>
+        </p:txBody>
+      </p:sp>
+      <p:sp>
+        <p:nvSpPr>
+          <p:cNvPr id="12" name="Rectangle: Rounded Corners 11">
+            <a:extLst>
+              <a:ext uri="{FF2B5EF4-FFF2-40B4-BE49-F238E27FC236}">
+                <a16:creationId xmlns:a16="http://schemas.microsoft.com/office/drawing/2014/main" id="{AD8300D1-E889-A24E-936D-04DC007513D9}"/>
+              </a:ext>
+            </a:extLst>
+          </p:cNvPr>
+          <p:cNvSpPr/>
+          <p:nvPr/>
+        </p:nvSpPr>
+        <p:spPr>
+          <a:xfrm>
+            <a:off x="845574" y="595474"/>
+            <a:ext cx="3923071" cy="1841676"/>
+          </a:xfrm>
+          <a:prstGeom prst="roundRect">
+            <a:avLst/>
+          </a:prstGeom>
+          <a:solidFill>
+            <a:srgbClr val="7030A0"/>
+          </a:solidFill>
+        </p:spPr>
+        <p:style>
+          <a:lnRef idx="2">
+            <a:schemeClr val="accent1">
+              <a:shade val="50000"/>
+            </a:schemeClr>
+          </a:lnRef>
+          <a:fillRef idx="1">
+            <a:schemeClr val="accent1"/>
+          </a:fillRef>
+          <a:effectRef idx="0">
+            <a:schemeClr val="accent1"/>
+          </a:effectRef>
+          <a:fontRef idx="minor">
+            <a:schemeClr val="lt1"/>
+          </a:fontRef>
+        </p:style>
+        <p:txBody>
+          <a:bodyPr rtlCol="0" anchor="ctr"/>
+          <a:lstStyle/>
+          <a:p>
+            <a:pPr algn="ctr"/>
+            <a:endParaRPr lang="en-US"/>
+          </a:p>
+        </p:txBody>
+      </p:sp>
+      <p:sp>
+        <p:nvSpPr>
+          <p:cNvPr id="13" name="TextBox 12">
+            <a:extLst>
+              <a:ext uri="{FF2B5EF4-FFF2-40B4-BE49-F238E27FC236}">
+                <a16:creationId xmlns:a16="http://schemas.microsoft.com/office/drawing/2014/main" id="{EF1A46DA-EFE2-9AE4-DA9A-A614ECB5A56E}"/>
+              </a:ext>
+            </a:extLst>
+          </p:cNvPr>
+          <p:cNvSpPr txBox="1"/>
+          <p:nvPr/>
+        </p:nvSpPr>
+        <p:spPr>
+          <a:xfrm>
+            <a:off x="1907458" y="658761"/>
+            <a:ext cx="1573161" cy="369332"/>
+          </a:xfrm>
+          <a:prstGeom prst="rect">
+            <a:avLst/>
+          </a:prstGeom>
+          <a:noFill/>
+        </p:spPr>
+        <p:txBody>
+          <a:bodyPr wrap="square" rtlCol="0">
+            <a:spAutoFit/>
+          </a:bodyPr>
+          <a:lstStyle/>
+          <a:p>
+            <a:pPr algn="ctr"/>
+            <a:r>
+              <a:rPr lang="en-IN" b="1" dirty="0">
+                <a:solidFill>
+                  <a:srgbClr val="FFFF00"/>
+                </a:solidFill>
+              </a:rPr>
+              <a:t>VM 1</a:t>
+            </a:r>
+            <a:endParaRPr lang="en-US" b="1" dirty="0">
+              <a:solidFill>
+                <a:srgbClr val="FFFF00"/>
+              </a:solidFill>
+            </a:endParaRPr>
+          </a:p>
+        </p:txBody>
+      </p:sp>
+      <p:sp>
+        <p:nvSpPr>
+          <p:cNvPr id="14" name="Rectangle 13">
+            <a:extLst>
+              <a:ext uri="{FF2B5EF4-FFF2-40B4-BE49-F238E27FC236}">
+                <a16:creationId xmlns:a16="http://schemas.microsoft.com/office/drawing/2014/main" id="{98012C7A-6EAD-AE48-9BAE-86D2E5AE5C15}"/>
+              </a:ext>
+            </a:extLst>
+          </p:cNvPr>
+          <p:cNvSpPr/>
+          <p:nvPr/>
+        </p:nvSpPr>
+        <p:spPr>
+          <a:xfrm>
+            <a:off x="594850" y="3411443"/>
+            <a:ext cx="11080955" cy="800707"/>
+          </a:xfrm>
+          <a:prstGeom prst="rect">
+            <a:avLst/>
+          </a:prstGeom>
+        </p:spPr>
+        <p:style>
+          <a:lnRef idx="2">
+            <a:schemeClr val="accent2">
+              <a:shade val="50000"/>
+            </a:schemeClr>
+          </a:lnRef>
+          <a:fillRef idx="1">
+            <a:schemeClr val="accent2"/>
+          </a:fillRef>
+          <a:effectRef idx="0">
+            <a:schemeClr val="accent2"/>
+          </a:effectRef>
+          <a:fontRef idx="minor">
+            <a:schemeClr val="lt1"/>
+          </a:fontRef>
+        </p:style>
+        <p:txBody>
+          <a:bodyPr rtlCol="0" anchor="ctr"/>
+          <a:lstStyle/>
+          <a:p>
+            <a:pPr algn="ctr"/>
+            <a:r>
+              <a:rPr lang="en-IN" b="1" dirty="0"/>
+              <a:t>Virtualization Software e.g. Hyper-V, VMWare, Virtual Box</a:t>
+            </a:r>
+            <a:endParaRPr lang="en-US" b="1" dirty="0"/>
+          </a:p>
+        </p:txBody>
+      </p:sp>
+      <p:sp>
+        <p:nvSpPr>
+          <p:cNvPr id="15" name="Rectangle 14">
+            <a:extLst>
+              <a:ext uri="{FF2B5EF4-FFF2-40B4-BE49-F238E27FC236}">
+                <a16:creationId xmlns:a16="http://schemas.microsoft.com/office/drawing/2014/main" id="{549A539C-D13E-04C9-BB14-21D3B6A79C7A}"/>
+              </a:ext>
+            </a:extLst>
+          </p:cNvPr>
+          <p:cNvSpPr/>
+          <p:nvPr/>
+        </p:nvSpPr>
+        <p:spPr>
+          <a:xfrm>
+            <a:off x="993058" y="2014713"/>
+            <a:ext cx="3559277" cy="348072"/>
+          </a:xfrm>
+          <a:prstGeom prst="rect">
+            <a:avLst/>
+          </a:prstGeom>
+        </p:spPr>
+        <p:style>
+          <a:lnRef idx="2">
+            <a:schemeClr val="accent1">
+              <a:shade val="50000"/>
+            </a:schemeClr>
+          </a:lnRef>
+          <a:fillRef idx="1">
+            <a:schemeClr val="accent1"/>
+          </a:fillRef>
+          <a:effectRef idx="0">
+            <a:schemeClr val="accent1"/>
+          </a:effectRef>
+          <a:fontRef idx="minor">
+            <a:schemeClr val="lt1"/>
+          </a:fontRef>
+        </p:style>
+        <p:txBody>
+          <a:bodyPr rtlCol="0" anchor="ctr"/>
+          <a:lstStyle/>
+          <a:p>
+            <a:pPr algn="ctr"/>
+            <a:r>
+              <a:rPr lang="en-IN" sz="1200" b="1" dirty="0"/>
+              <a:t>OS Services aka Kernel</a:t>
+            </a:r>
+            <a:endParaRPr lang="en-US" sz="1200" b="1" dirty="0"/>
+          </a:p>
+        </p:txBody>
+      </p:sp>
+      <p:sp>
+        <p:nvSpPr>
+          <p:cNvPr id="16" name="Rectangle 15">
+            <a:extLst>
+              <a:ext uri="{FF2B5EF4-FFF2-40B4-BE49-F238E27FC236}">
+                <a16:creationId xmlns:a16="http://schemas.microsoft.com/office/drawing/2014/main" id="{9B6580C3-BE06-4C43-7849-2D79C20C37FC}"/>
+              </a:ext>
+            </a:extLst>
+          </p:cNvPr>
+          <p:cNvSpPr/>
+          <p:nvPr/>
+        </p:nvSpPr>
+        <p:spPr>
+          <a:xfrm>
+            <a:off x="993058" y="1346432"/>
+            <a:ext cx="3559277" cy="623411"/>
+          </a:xfrm>
+          <a:prstGeom prst="rect">
+            <a:avLst/>
+          </a:prstGeom>
+        </p:spPr>
+        <p:style>
+          <a:lnRef idx="0">
+            <a:schemeClr val="accent3"/>
+          </a:lnRef>
+          <a:fillRef idx="3">
+            <a:schemeClr val="accent3"/>
+          </a:fillRef>
+          <a:effectRef idx="3">
+            <a:schemeClr val="accent3"/>
+          </a:effectRef>
+          <a:fontRef idx="minor">
+            <a:schemeClr val="lt1"/>
+          </a:fontRef>
+        </p:style>
+        <p:txBody>
+          <a:bodyPr rtlCol="0" anchor="ctr"/>
+          <a:lstStyle/>
+          <a:p>
+            <a:pPr algn="ctr"/>
+            <a:r>
+              <a:rPr lang="en-IN" sz="1200" b="1" dirty="0"/>
+              <a:t>Runtime and Application Server, e.g. Database, Web Server, other application Packages</a:t>
+            </a:r>
+            <a:endParaRPr lang="en-US" sz="1200" b="1" dirty="0"/>
+          </a:p>
+        </p:txBody>
+      </p:sp>
+      <p:sp>
+        <p:nvSpPr>
+          <p:cNvPr id="17" name="Rectangle 16">
+            <a:extLst>
+              <a:ext uri="{FF2B5EF4-FFF2-40B4-BE49-F238E27FC236}">
+                <a16:creationId xmlns:a16="http://schemas.microsoft.com/office/drawing/2014/main" id="{1D065BEB-5C38-7F92-3F10-EAAF55C2BB8D}"/>
+              </a:ext>
+            </a:extLst>
+          </p:cNvPr>
+          <p:cNvSpPr/>
+          <p:nvPr/>
+        </p:nvSpPr>
+        <p:spPr>
+          <a:xfrm>
+            <a:off x="993057" y="958234"/>
+            <a:ext cx="3559277" cy="348072"/>
+          </a:xfrm>
+          <a:prstGeom prst="rect">
+            <a:avLst/>
+          </a:prstGeom>
+        </p:spPr>
+        <p:style>
+          <a:lnRef idx="2">
+            <a:schemeClr val="accent1">
+              <a:shade val="50000"/>
+            </a:schemeClr>
+          </a:lnRef>
+          <a:fillRef idx="1">
+            <a:schemeClr val="accent1"/>
+          </a:fillRef>
+          <a:effectRef idx="0">
+            <a:schemeClr val="accent1"/>
+          </a:effectRef>
+          <a:fontRef idx="minor">
+            <a:schemeClr val="lt1"/>
+          </a:fontRef>
+        </p:style>
+        <p:txBody>
+          <a:bodyPr rtlCol="0" anchor="ctr"/>
+          <a:lstStyle/>
+          <a:p>
+            <a:pPr algn="ctr"/>
+            <a:r>
+              <a:rPr lang="en-IN" sz="1200" b="1" dirty="0"/>
+              <a:t>Customer’s Application</a:t>
+            </a:r>
+            <a:endParaRPr lang="en-US" sz="1200" b="1" dirty="0"/>
+          </a:p>
+        </p:txBody>
+      </p:sp>
+      <p:sp>
+        <p:nvSpPr>
+          <p:cNvPr id="18" name="Rectangle: Rounded Corners 17">
+            <a:extLst>
+              <a:ext uri="{FF2B5EF4-FFF2-40B4-BE49-F238E27FC236}">
+                <a16:creationId xmlns:a16="http://schemas.microsoft.com/office/drawing/2014/main" id="{71D879D1-625E-BDE6-DF5D-61D376288F6F}"/>
+              </a:ext>
+            </a:extLst>
+          </p:cNvPr>
+          <p:cNvSpPr/>
+          <p:nvPr/>
+        </p:nvSpPr>
+        <p:spPr>
+          <a:xfrm>
+            <a:off x="7423354" y="566810"/>
+            <a:ext cx="3923071" cy="1841676"/>
+          </a:xfrm>
+          <a:prstGeom prst="roundRect">
+            <a:avLst/>
+          </a:prstGeom>
+          <a:solidFill>
+            <a:srgbClr val="7030A0"/>
+          </a:solidFill>
+        </p:spPr>
+        <p:style>
+          <a:lnRef idx="2">
+            <a:schemeClr val="accent1">
+              <a:shade val="50000"/>
+            </a:schemeClr>
+          </a:lnRef>
+          <a:fillRef idx="1">
+            <a:schemeClr val="accent1"/>
+          </a:fillRef>
+          <a:effectRef idx="0">
+            <a:schemeClr val="accent1"/>
+          </a:effectRef>
+          <a:fontRef idx="minor">
+            <a:schemeClr val="lt1"/>
+          </a:fontRef>
+        </p:style>
+        <p:txBody>
+          <a:bodyPr rtlCol="0" anchor="ctr"/>
+          <a:lstStyle/>
+          <a:p>
+            <a:pPr algn="ctr"/>
+            <a:endParaRPr lang="en-US"/>
+          </a:p>
+        </p:txBody>
+      </p:sp>
+      <p:sp>
+        <p:nvSpPr>
+          <p:cNvPr id="19" name="TextBox 18">
+            <a:extLst>
+              <a:ext uri="{FF2B5EF4-FFF2-40B4-BE49-F238E27FC236}">
+                <a16:creationId xmlns:a16="http://schemas.microsoft.com/office/drawing/2014/main" id="{9FEBC142-7C0A-0DDB-F835-0C763EEC9F77}"/>
+              </a:ext>
+            </a:extLst>
+          </p:cNvPr>
+          <p:cNvSpPr txBox="1"/>
+          <p:nvPr/>
+        </p:nvSpPr>
+        <p:spPr>
+          <a:xfrm>
+            <a:off x="8485238" y="630097"/>
+            <a:ext cx="1573161" cy="369332"/>
+          </a:xfrm>
+          <a:prstGeom prst="rect">
+            <a:avLst/>
+          </a:prstGeom>
+          <a:noFill/>
+        </p:spPr>
+        <p:txBody>
+          <a:bodyPr wrap="square" rtlCol="0">
+            <a:spAutoFit/>
+          </a:bodyPr>
+          <a:lstStyle/>
+          <a:p>
+            <a:pPr algn="ctr"/>
+            <a:r>
+              <a:rPr lang="en-IN" b="1" dirty="0">
+                <a:solidFill>
+                  <a:srgbClr val="FFFF00"/>
+                </a:solidFill>
+              </a:rPr>
+              <a:t>VM </a:t>
+            </a:r>
+            <a:endParaRPr lang="en-US" b="1" dirty="0">
+              <a:solidFill>
+                <a:srgbClr val="FFFF00"/>
+              </a:solidFill>
+            </a:endParaRPr>
+          </a:p>
+        </p:txBody>
+      </p:sp>
+      <p:sp>
+        <p:nvSpPr>
+          <p:cNvPr id="20" name="Rectangle 19">
+            <a:extLst>
+              <a:ext uri="{FF2B5EF4-FFF2-40B4-BE49-F238E27FC236}">
+                <a16:creationId xmlns:a16="http://schemas.microsoft.com/office/drawing/2014/main" id="{49E9F6F5-9130-13F9-7957-D70B2054B096}"/>
+              </a:ext>
+            </a:extLst>
+          </p:cNvPr>
+          <p:cNvSpPr/>
+          <p:nvPr/>
+        </p:nvSpPr>
+        <p:spPr>
+          <a:xfrm>
+            <a:off x="7570838" y="1986049"/>
+            <a:ext cx="3559277" cy="348072"/>
+          </a:xfrm>
+          <a:prstGeom prst="rect">
+            <a:avLst/>
+          </a:prstGeom>
+        </p:spPr>
+        <p:style>
+          <a:lnRef idx="2">
+            <a:schemeClr val="accent1">
+              <a:shade val="50000"/>
+            </a:schemeClr>
+          </a:lnRef>
+          <a:fillRef idx="1">
+            <a:schemeClr val="accent1"/>
+          </a:fillRef>
+          <a:effectRef idx="0">
+            <a:schemeClr val="accent1"/>
+          </a:effectRef>
+          <a:fontRef idx="minor">
+            <a:schemeClr val="lt1"/>
+          </a:fontRef>
+        </p:style>
+        <p:txBody>
+          <a:bodyPr rtlCol="0" anchor="ctr"/>
+          <a:lstStyle/>
+          <a:p>
+            <a:pPr algn="ctr"/>
+            <a:r>
+              <a:rPr lang="en-IN" sz="1200" b="1" dirty="0"/>
+              <a:t>OS Services aka Kernel</a:t>
+            </a:r>
+            <a:endParaRPr lang="en-US" sz="1200" b="1" dirty="0"/>
+          </a:p>
+        </p:txBody>
+      </p:sp>
+      <p:sp>
+        <p:nvSpPr>
+          <p:cNvPr id="21" name="Rectangle 20">
+            <a:extLst>
+              <a:ext uri="{FF2B5EF4-FFF2-40B4-BE49-F238E27FC236}">
+                <a16:creationId xmlns:a16="http://schemas.microsoft.com/office/drawing/2014/main" id="{D0B1706D-6F88-E5C1-2629-8A6F1E126051}"/>
+              </a:ext>
+            </a:extLst>
+          </p:cNvPr>
+          <p:cNvSpPr/>
+          <p:nvPr/>
+        </p:nvSpPr>
+        <p:spPr>
+          <a:xfrm>
+            <a:off x="7570838" y="1317768"/>
+            <a:ext cx="3559277" cy="623411"/>
+          </a:xfrm>
+          <a:prstGeom prst="rect">
+            <a:avLst/>
+          </a:prstGeom>
+        </p:spPr>
+        <p:style>
+          <a:lnRef idx="0">
+            <a:schemeClr val="accent3"/>
+          </a:lnRef>
+          <a:fillRef idx="3">
+            <a:schemeClr val="accent3"/>
+          </a:fillRef>
+          <a:effectRef idx="3">
+            <a:schemeClr val="accent3"/>
+          </a:effectRef>
+          <a:fontRef idx="minor">
+            <a:schemeClr val="lt1"/>
+          </a:fontRef>
+        </p:style>
+        <p:txBody>
+          <a:bodyPr rtlCol="0" anchor="ctr"/>
+          <a:lstStyle/>
+          <a:p>
+            <a:pPr algn="ctr"/>
+            <a:r>
+              <a:rPr lang="en-IN" sz="1200" b="1" dirty="0"/>
+              <a:t>Runtime and Application Server, e.g. Database, Web Server, other application Packages</a:t>
+            </a:r>
+            <a:endParaRPr lang="en-US" sz="1200" b="1" dirty="0"/>
+          </a:p>
+        </p:txBody>
+      </p:sp>
+      <p:sp>
+        <p:nvSpPr>
+          <p:cNvPr id="22" name="Rectangle 21">
+            <a:extLst>
+              <a:ext uri="{FF2B5EF4-FFF2-40B4-BE49-F238E27FC236}">
+                <a16:creationId xmlns:a16="http://schemas.microsoft.com/office/drawing/2014/main" id="{1CF15798-A14C-307D-E650-DB9940E96F2B}"/>
+              </a:ext>
+            </a:extLst>
+          </p:cNvPr>
+          <p:cNvSpPr/>
+          <p:nvPr/>
+        </p:nvSpPr>
+        <p:spPr>
+          <a:xfrm>
+            <a:off x="7570837" y="929570"/>
+            <a:ext cx="3559277" cy="348072"/>
+          </a:xfrm>
+          <a:prstGeom prst="rect">
+            <a:avLst/>
+          </a:prstGeom>
+        </p:spPr>
+        <p:style>
+          <a:lnRef idx="2">
+            <a:schemeClr val="accent1">
+              <a:shade val="50000"/>
+            </a:schemeClr>
+          </a:lnRef>
+          <a:fillRef idx="1">
+            <a:schemeClr val="accent1"/>
+          </a:fillRef>
+          <a:effectRef idx="0">
+            <a:schemeClr val="accent1"/>
+          </a:effectRef>
+          <a:fontRef idx="minor">
+            <a:schemeClr val="lt1"/>
+          </a:fontRef>
+        </p:style>
+        <p:txBody>
+          <a:bodyPr rtlCol="0" anchor="ctr"/>
+          <a:lstStyle/>
+          <a:p>
+            <a:pPr algn="ctr"/>
+            <a:r>
+              <a:rPr lang="en-IN" sz="1200" b="1" dirty="0"/>
+              <a:t>Customer’s Application</a:t>
+            </a:r>
+            <a:endParaRPr lang="en-US" sz="1200" b="1" dirty="0"/>
+          </a:p>
+        </p:txBody>
+      </p:sp>
+      <p:sp>
+        <p:nvSpPr>
+          <p:cNvPr id="23" name="Arrow: Up-Down 22">
+            <a:extLst>
+              <a:ext uri="{FF2B5EF4-FFF2-40B4-BE49-F238E27FC236}">
+                <a16:creationId xmlns:a16="http://schemas.microsoft.com/office/drawing/2014/main" id="{72B8D618-F219-36F2-E1C4-2F808BF50223}"/>
+              </a:ext>
+            </a:extLst>
+          </p:cNvPr>
+          <p:cNvSpPr/>
+          <p:nvPr/>
+        </p:nvSpPr>
+        <p:spPr>
+          <a:xfrm>
+            <a:off x="2438400" y="2408486"/>
+            <a:ext cx="324465" cy="547977"/>
+          </a:xfrm>
+          <a:prstGeom prst="upDownArrow">
+            <a:avLst/>
+          </a:prstGeom>
+          <a:solidFill>
+            <a:srgbClr val="FF0000"/>
+          </a:solidFill>
+        </p:spPr>
+        <p:style>
+          <a:lnRef idx="2">
+            <a:schemeClr val="accent1">
+              <a:shade val="50000"/>
+            </a:schemeClr>
+          </a:lnRef>
+          <a:fillRef idx="1">
+            <a:schemeClr val="accent1"/>
+          </a:fillRef>
+          <a:effectRef idx="0">
+            <a:schemeClr val="accent1"/>
+          </a:effectRef>
+          <a:fontRef idx="minor">
+            <a:schemeClr val="lt1"/>
+          </a:fontRef>
+        </p:style>
+        <p:txBody>
+          <a:bodyPr rtlCol="0" anchor="ctr"/>
+          <a:lstStyle/>
+          <a:p>
+            <a:pPr algn="ctr"/>
+            <a:endParaRPr lang="en-US"/>
+          </a:p>
+        </p:txBody>
+      </p:sp>
+      <p:sp>
+        <p:nvSpPr>
+          <p:cNvPr id="24" name="Arrow: Up-Down 23">
+            <a:extLst>
+              <a:ext uri="{FF2B5EF4-FFF2-40B4-BE49-F238E27FC236}">
+                <a16:creationId xmlns:a16="http://schemas.microsoft.com/office/drawing/2014/main" id="{0986DA1A-F659-C6BA-0BC2-5F7F67A807B3}"/>
+              </a:ext>
+            </a:extLst>
+          </p:cNvPr>
+          <p:cNvSpPr/>
+          <p:nvPr/>
+        </p:nvSpPr>
+        <p:spPr>
+          <a:xfrm>
+            <a:off x="9399638" y="2334121"/>
+            <a:ext cx="324465" cy="547977"/>
+          </a:xfrm>
+          <a:prstGeom prst="upDownArrow">
+            <a:avLst/>
+          </a:prstGeom>
+          <a:solidFill>
+            <a:srgbClr val="FF0000"/>
+          </a:solidFill>
+        </p:spPr>
+        <p:style>
+          <a:lnRef idx="2">
+            <a:schemeClr val="accent1">
+              <a:shade val="50000"/>
+            </a:schemeClr>
+          </a:lnRef>
+          <a:fillRef idx="1">
+            <a:schemeClr val="accent1"/>
+          </a:fillRef>
+          <a:effectRef idx="0">
+            <a:schemeClr val="accent1"/>
+          </a:effectRef>
+          <a:fontRef idx="minor">
+            <a:schemeClr val="lt1"/>
+          </a:fontRef>
+        </p:style>
+        <p:txBody>
+          <a:bodyPr rtlCol="0" anchor="ctr"/>
+          <a:lstStyle/>
+          <a:p>
+            <a:pPr algn="ctr"/>
+            <a:endParaRPr lang="en-US"/>
+          </a:p>
+        </p:txBody>
+      </p:sp>
+      <p:sp>
+        <p:nvSpPr>
+          <p:cNvPr id="25" name="Arrow: Up-Down 24">
+            <a:extLst>
+              <a:ext uri="{FF2B5EF4-FFF2-40B4-BE49-F238E27FC236}">
+                <a16:creationId xmlns:a16="http://schemas.microsoft.com/office/drawing/2014/main" id="{75A1592B-7D39-1228-EF6A-C8E8B777B538}"/>
+              </a:ext>
+            </a:extLst>
+          </p:cNvPr>
+          <p:cNvSpPr/>
+          <p:nvPr/>
+        </p:nvSpPr>
+        <p:spPr>
+          <a:xfrm>
+            <a:off x="2389239" y="3121117"/>
+            <a:ext cx="324465" cy="547977"/>
+          </a:xfrm>
+          <a:prstGeom prst="upDownArrow">
+            <a:avLst/>
+          </a:prstGeom>
+          <a:solidFill>
+            <a:srgbClr val="FF0000"/>
+          </a:solidFill>
+        </p:spPr>
+        <p:style>
+          <a:lnRef idx="2">
+            <a:schemeClr val="accent1">
+              <a:shade val="50000"/>
+            </a:schemeClr>
+          </a:lnRef>
+          <a:fillRef idx="1">
+            <a:schemeClr val="accent1"/>
+          </a:fillRef>
+          <a:effectRef idx="0">
+            <a:schemeClr val="accent1"/>
+          </a:effectRef>
+          <a:fontRef idx="minor">
+            <a:schemeClr val="lt1"/>
+          </a:fontRef>
+        </p:style>
+        <p:txBody>
+          <a:bodyPr rtlCol="0" anchor="ctr"/>
+          <a:lstStyle/>
+          <a:p>
+            <a:pPr algn="ctr"/>
+            <a:endParaRPr lang="en-US"/>
+          </a:p>
+        </p:txBody>
+      </p:sp>
+      <p:sp>
+        <p:nvSpPr>
+          <p:cNvPr id="26" name="Arrow: Up-Down 25">
+            <a:extLst>
+              <a:ext uri="{FF2B5EF4-FFF2-40B4-BE49-F238E27FC236}">
+                <a16:creationId xmlns:a16="http://schemas.microsoft.com/office/drawing/2014/main" id="{33D91EA7-E015-E368-4510-40B0701D9F7A}"/>
+              </a:ext>
+            </a:extLst>
+          </p:cNvPr>
+          <p:cNvSpPr/>
+          <p:nvPr/>
+        </p:nvSpPr>
+        <p:spPr>
+          <a:xfrm>
+            <a:off x="9350477" y="3046752"/>
+            <a:ext cx="324465" cy="547977"/>
+          </a:xfrm>
+          <a:prstGeom prst="upDownArrow">
+            <a:avLst/>
+          </a:prstGeom>
+          <a:solidFill>
+            <a:srgbClr val="FF0000"/>
+          </a:solidFill>
+        </p:spPr>
+        <p:style>
+          <a:lnRef idx="2">
+            <a:schemeClr val="accent1">
+              <a:shade val="50000"/>
+            </a:schemeClr>
+          </a:lnRef>
+          <a:fillRef idx="1">
+            <a:schemeClr val="accent1"/>
+          </a:fillRef>
+          <a:effectRef idx="0">
+            <a:schemeClr val="accent1"/>
+          </a:effectRef>
+          <a:fontRef idx="minor">
+            <a:schemeClr val="lt1"/>
+          </a:fontRef>
+        </p:style>
+        <p:txBody>
+          <a:bodyPr rtlCol="0" anchor="ctr"/>
+          <a:lstStyle/>
+          <a:p>
+            <a:pPr algn="ctr"/>
+            <a:endParaRPr lang="en-US"/>
+          </a:p>
+        </p:txBody>
+      </p:sp>
+      <p:sp>
+        <p:nvSpPr>
+          <p:cNvPr id="27" name="Arrow: Up-Down 26">
+            <a:extLst>
+              <a:ext uri="{FF2B5EF4-FFF2-40B4-BE49-F238E27FC236}">
+                <a16:creationId xmlns:a16="http://schemas.microsoft.com/office/drawing/2014/main" id="{01179995-5B5C-5C8B-C824-C245E239D83E}"/>
+              </a:ext>
+            </a:extLst>
+          </p:cNvPr>
+          <p:cNvSpPr/>
+          <p:nvPr/>
+        </p:nvSpPr>
+        <p:spPr>
+          <a:xfrm>
+            <a:off x="2389239" y="4119579"/>
+            <a:ext cx="324465" cy="547977"/>
+          </a:xfrm>
+          <a:prstGeom prst="upDownArrow">
+            <a:avLst/>
+          </a:prstGeom>
+          <a:solidFill>
+            <a:srgbClr val="FF0000"/>
+          </a:solidFill>
+        </p:spPr>
+        <p:style>
+          <a:lnRef idx="2">
+            <a:schemeClr val="accent1">
+              <a:shade val="50000"/>
+            </a:schemeClr>
+          </a:lnRef>
+          <a:fillRef idx="1">
+            <a:schemeClr val="accent1"/>
+          </a:fillRef>
+          <a:effectRef idx="0">
+            <a:schemeClr val="accent1"/>
+          </a:effectRef>
+          <a:fontRef idx="minor">
+            <a:schemeClr val="lt1"/>
+          </a:fontRef>
+        </p:style>
+        <p:txBody>
+          <a:bodyPr rtlCol="0" anchor="ctr"/>
+          <a:lstStyle/>
+          <a:p>
+            <a:pPr algn="ctr"/>
+            <a:endParaRPr lang="en-US"/>
+          </a:p>
+        </p:txBody>
+      </p:sp>
+      <p:sp>
+        <p:nvSpPr>
+          <p:cNvPr id="28" name="Arrow: Up-Down 27">
+            <a:extLst>
+              <a:ext uri="{FF2B5EF4-FFF2-40B4-BE49-F238E27FC236}">
+                <a16:creationId xmlns:a16="http://schemas.microsoft.com/office/drawing/2014/main" id="{5F4BA396-3E9D-1DDC-4A40-5D0322C9A3F8}"/>
+              </a:ext>
+            </a:extLst>
+          </p:cNvPr>
+          <p:cNvSpPr/>
+          <p:nvPr/>
+        </p:nvSpPr>
+        <p:spPr>
+          <a:xfrm>
+            <a:off x="9350477" y="4045214"/>
+            <a:ext cx="324465" cy="547977"/>
+          </a:xfrm>
+          <a:prstGeom prst="upDownArrow">
+            <a:avLst/>
+          </a:prstGeom>
+          <a:solidFill>
+            <a:srgbClr val="FF0000"/>
+          </a:solidFill>
+        </p:spPr>
+        <p:style>
+          <a:lnRef idx="2">
+            <a:schemeClr val="accent1">
+              <a:shade val="50000"/>
+            </a:schemeClr>
+          </a:lnRef>
+          <a:fillRef idx="1">
+            <a:schemeClr val="accent1"/>
+          </a:fillRef>
+          <a:effectRef idx="0">
+            <a:schemeClr val="accent1"/>
+          </a:effectRef>
+          <a:fontRef idx="minor">
+            <a:schemeClr val="lt1"/>
+          </a:fontRef>
+        </p:style>
+        <p:txBody>
+          <a:bodyPr rtlCol="0" anchor="ctr"/>
+          <a:lstStyle/>
+          <a:p>
+            <a:pPr algn="ctr"/>
+            <a:endParaRPr lang="en-US"/>
+          </a:p>
+        </p:txBody>
+      </p:sp>
+    </p:spTree>
+    <p:extLst>
+      <p:ext uri="{BB962C8B-B14F-4D97-AF65-F5344CB8AC3E}">
+        <p14:creationId xmlns:p14="http://schemas.microsoft.com/office/powerpoint/2010/main" val="3271025416"/>
+      </p:ext>
+    </p:extLst>
+  </p:cSld>
+  <p:clrMapOvr>
+    <a:masterClrMapping/>
+  </p:clrMapOvr>
+</p:sld>
+</file>
+
+<file path=ppt/slides/slide28.xml><?xml version="1.0" encoding="utf-8"?>
+<p:sld xmlns:a="http://schemas.openxmlformats.org/drawingml/2006/main" xmlns:r="http://schemas.openxmlformats.org/officeDocument/2006/relationships" xmlns:p="http://schemas.openxmlformats.org/presentationml/2006/main">
+  <p:cSld>
+    <p:spTree>
+      <p:nvGrpSpPr>
+        <p:cNvPr id="1" name=""/>
+        <p:cNvGrpSpPr/>
+        <p:nvPr/>
+      </p:nvGrpSpPr>
+      <p:grpSpPr>
+        <a:xfrm>
+          <a:off x="0" y="0"/>
+          <a:ext cx="0" cy="0"/>
+          <a:chOff x="0" y="0"/>
+          <a:chExt cx="0" cy="0"/>
+        </a:xfrm>
+      </p:grpSpPr>
+      <p:sp>
+        <p:nvSpPr>
+          <p:cNvPr id="2" name="TextBox 1">
+            <a:extLst>
+              <a:ext uri="{FF2B5EF4-FFF2-40B4-BE49-F238E27FC236}">
+                <a16:creationId xmlns:a16="http://schemas.microsoft.com/office/drawing/2014/main" id="{99969F9D-53D6-DA4F-169E-0FE1368D2A00}"/>
+              </a:ext>
+            </a:extLst>
+          </p:cNvPr>
+          <p:cNvSpPr txBox="1"/>
+          <p:nvPr/>
+        </p:nvSpPr>
+        <p:spPr>
+          <a:xfrm>
+            <a:off x="3126658" y="137652"/>
+            <a:ext cx="6548284" cy="369332"/>
+          </a:xfrm>
+          <a:prstGeom prst="rect">
+            <a:avLst/>
+          </a:prstGeom>
+          <a:noFill/>
+        </p:spPr>
+        <p:txBody>
+          <a:bodyPr wrap="square" rtlCol="0">
+            <a:spAutoFit/>
+          </a:bodyPr>
+          <a:lstStyle/>
+          <a:p>
+            <a:pPr algn="ctr"/>
+            <a:r>
+              <a:rPr lang="en-IN" b="1" dirty="0"/>
+              <a:t>Using Docker</a:t>
+            </a:r>
+            <a:endParaRPr lang="en-US" b="1" dirty="0"/>
+          </a:p>
+        </p:txBody>
+      </p:sp>
+      <p:sp>
+        <p:nvSpPr>
+          <p:cNvPr id="3" name="Rectangle 2">
+            <a:extLst>
+              <a:ext uri="{FF2B5EF4-FFF2-40B4-BE49-F238E27FC236}">
+                <a16:creationId xmlns:a16="http://schemas.microsoft.com/office/drawing/2014/main" id="{32A74FD0-BEE3-DA8B-E56F-D11006CB7FEC}"/>
+              </a:ext>
+            </a:extLst>
+          </p:cNvPr>
+          <p:cNvSpPr/>
+          <p:nvPr/>
+        </p:nvSpPr>
+        <p:spPr>
+          <a:xfrm>
+            <a:off x="589935" y="506984"/>
+            <a:ext cx="11080955" cy="5722374"/>
+          </a:xfrm>
+          <a:prstGeom prst="rect">
+            <a:avLst/>
+          </a:prstGeom>
+        </p:spPr>
+        <p:style>
+          <a:lnRef idx="2">
+            <a:schemeClr val="accent6"/>
+          </a:lnRef>
+          <a:fillRef idx="1">
+            <a:schemeClr val="lt1"/>
+          </a:fillRef>
+          <a:effectRef idx="0">
+            <a:schemeClr val="accent6"/>
+          </a:effectRef>
+          <a:fontRef idx="minor">
+            <a:schemeClr val="dk1"/>
+          </a:fontRef>
+        </p:style>
+        <p:txBody>
+          <a:bodyPr rtlCol="0" anchor="ctr"/>
+          <a:lstStyle/>
+          <a:p>
+            <a:pPr algn="ctr"/>
+            <a:endParaRPr lang="en-US"/>
+          </a:p>
+        </p:txBody>
+      </p:sp>
+      <p:sp>
+        <p:nvSpPr>
+          <p:cNvPr id="4" name="TextBox 3">
+            <a:extLst>
+              <a:ext uri="{FF2B5EF4-FFF2-40B4-BE49-F238E27FC236}">
+                <a16:creationId xmlns:a16="http://schemas.microsoft.com/office/drawing/2014/main" id="{9EA7D755-5546-629C-2A4E-10328073C73D}"/>
+              </a:ext>
+            </a:extLst>
+          </p:cNvPr>
+          <p:cNvSpPr txBox="1"/>
+          <p:nvPr/>
+        </p:nvSpPr>
+        <p:spPr>
+          <a:xfrm>
+            <a:off x="3480619" y="6381135"/>
+            <a:ext cx="4847304" cy="369332"/>
+          </a:xfrm>
+          <a:prstGeom prst="rect">
+            <a:avLst/>
+          </a:prstGeom>
+          <a:noFill/>
+        </p:spPr>
+        <p:txBody>
+          <a:bodyPr wrap="square" rtlCol="0">
+            <a:spAutoFit/>
+          </a:bodyPr>
+          <a:lstStyle/>
+          <a:p>
+            <a:pPr algn="ctr"/>
+            <a:r>
+              <a:rPr lang="en-IN" b="1" dirty="0"/>
+              <a:t>HOST Physical Machine</a:t>
+            </a:r>
+            <a:endParaRPr lang="en-US" b="1" dirty="0"/>
+          </a:p>
+        </p:txBody>
+      </p:sp>
+      <p:sp>
+        <p:nvSpPr>
+          <p:cNvPr id="5" name="Rectangle 4">
+            <a:extLst>
+              <a:ext uri="{FF2B5EF4-FFF2-40B4-BE49-F238E27FC236}">
+                <a16:creationId xmlns:a16="http://schemas.microsoft.com/office/drawing/2014/main" id="{C42B33DB-8156-2B56-2BF8-6887DBC00F47}"/>
+              </a:ext>
+            </a:extLst>
+          </p:cNvPr>
+          <p:cNvSpPr/>
+          <p:nvPr/>
+        </p:nvSpPr>
+        <p:spPr>
+          <a:xfrm>
+            <a:off x="589935" y="5211097"/>
+            <a:ext cx="11080955" cy="1018261"/>
+          </a:xfrm>
+          <a:prstGeom prst="rect">
+            <a:avLst/>
+          </a:prstGeom>
+        </p:spPr>
+        <p:style>
+          <a:lnRef idx="2">
+            <a:schemeClr val="accent1">
+              <a:shade val="50000"/>
+            </a:schemeClr>
+          </a:lnRef>
+          <a:fillRef idx="1">
+            <a:schemeClr val="accent1"/>
+          </a:fillRef>
+          <a:effectRef idx="0">
+            <a:schemeClr val="accent1"/>
+          </a:effectRef>
+          <a:fontRef idx="minor">
+            <a:schemeClr val="lt1"/>
+          </a:fontRef>
+        </p:style>
+        <p:txBody>
+          <a:bodyPr rtlCol="0" anchor="ctr"/>
+          <a:lstStyle/>
+          <a:p>
+            <a:pPr algn="ctr"/>
+            <a:endParaRPr lang="en-US"/>
+          </a:p>
+        </p:txBody>
+      </p:sp>
+      <p:sp>
+        <p:nvSpPr>
+          <p:cNvPr id="6" name="Rectangle: Rounded Corners 5">
+            <a:extLst>
+              <a:ext uri="{FF2B5EF4-FFF2-40B4-BE49-F238E27FC236}">
+                <a16:creationId xmlns:a16="http://schemas.microsoft.com/office/drawing/2014/main" id="{7CC39682-3FD1-24D1-EFFA-FD7FF6A0B062}"/>
+              </a:ext>
+            </a:extLst>
+          </p:cNvPr>
+          <p:cNvSpPr/>
+          <p:nvPr/>
+        </p:nvSpPr>
+        <p:spPr>
+          <a:xfrm>
+            <a:off x="1189703" y="5388077"/>
+            <a:ext cx="1671484" cy="678426"/>
+          </a:xfrm>
+          <a:prstGeom prst="roundRect">
+            <a:avLst/>
+          </a:prstGeom>
+        </p:spPr>
+        <p:style>
+          <a:lnRef idx="2">
+            <a:schemeClr val="dk1">
+              <a:shade val="50000"/>
+            </a:schemeClr>
+          </a:lnRef>
+          <a:fillRef idx="1">
+            <a:schemeClr val="dk1"/>
+          </a:fillRef>
+          <a:effectRef idx="0">
+            <a:schemeClr val="dk1"/>
+          </a:effectRef>
+          <a:fontRef idx="minor">
+            <a:schemeClr val="lt1"/>
+          </a:fontRef>
+        </p:style>
+        <p:txBody>
+          <a:bodyPr rtlCol="0" anchor="ctr"/>
+          <a:lstStyle/>
+          <a:p>
+            <a:pPr algn="ctr"/>
+            <a:r>
+              <a:rPr lang="en-IN" b="1" dirty="0"/>
+              <a:t>Memory</a:t>
+            </a:r>
+            <a:endParaRPr lang="en-US" b="1" dirty="0"/>
+          </a:p>
+        </p:txBody>
+      </p:sp>
+      <p:sp>
+        <p:nvSpPr>
+          <p:cNvPr id="7" name="Rectangle: Rounded Corners 6">
+            <a:extLst>
+              <a:ext uri="{FF2B5EF4-FFF2-40B4-BE49-F238E27FC236}">
+                <a16:creationId xmlns:a16="http://schemas.microsoft.com/office/drawing/2014/main" id="{1D1C3A97-888F-2821-C79B-348459B04630}"/>
+              </a:ext>
+            </a:extLst>
+          </p:cNvPr>
+          <p:cNvSpPr/>
+          <p:nvPr/>
+        </p:nvSpPr>
+        <p:spPr>
+          <a:xfrm>
+            <a:off x="4699819" y="5381014"/>
+            <a:ext cx="1671484" cy="678426"/>
+          </a:xfrm>
+          <a:prstGeom prst="roundRect">
+            <a:avLst/>
+          </a:prstGeom>
+        </p:spPr>
+        <p:style>
+          <a:lnRef idx="2">
+            <a:schemeClr val="dk1">
+              <a:shade val="50000"/>
+            </a:schemeClr>
+          </a:lnRef>
+          <a:fillRef idx="1">
+            <a:schemeClr val="dk1"/>
+          </a:fillRef>
+          <a:effectRef idx="0">
+            <a:schemeClr val="dk1"/>
+          </a:effectRef>
+          <a:fontRef idx="minor">
+            <a:schemeClr val="lt1"/>
+          </a:fontRef>
+        </p:style>
+        <p:txBody>
+          <a:bodyPr rtlCol="0" anchor="ctr"/>
+          <a:lstStyle/>
+          <a:p>
+            <a:pPr algn="ctr"/>
+            <a:r>
+              <a:rPr lang="en-IN" b="1" dirty="0"/>
+              <a:t>Storage</a:t>
+            </a:r>
+            <a:endParaRPr lang="en-US" b="1" dirty="0"/>
+          </a:p>
+        </p:txBody>
+      </p:sp>
+      <p:sp>
+        <p:nvSpPr>
+          <p:cNvPr id="8" name="Rectangle: Rounded Corners 7">
+            <a:extLst>
+              <a:ext uri="{FF2B5EF4-FFF2-40B4-BE49-F238E27FC236}">
+                <a16:creationId xmlns:a16="http://schemas.microsoft.com/office/drawing/2014/main" id="{EBC435BF-EAF9-C892-856F-7A2A5AC4915A}"/>
+              </a:ext>
+            </a:extLst>
+          </p:cNvPr>
+          <p:cNvSpPr/>
+          <p:nvPr/>
+        </p:nvSpPr>
+        <p:spPr>
+          <a:xfrm>
+            <a:off x="8809703" y="5375335"/>
+            <a:ext cx="1671484" cy="678426"/>
+          </a:xfrm>
+          <a:prstGeom prst="roundRect">
+            <a:avLst/>
+          </a:prstGeom>
+        </p:spPr>
+        <p:style>
+          <a:lnRef idx="2">
+            <a:schemeClr val="dk1">
+              <a:shade val="50000"/>
+            </a:schemeClr>
+          </a:lnRef>
+          <a:fillRef idx="1">
+            <a:schemeClr val="dk1"/>
+          </a:fillRef>
+          <a:effectRef idx="0">
+            <a:schemeClr val="dk1"/>
+          </a:effectRef>
+          <a:fontRef idx="minor">
+            <a:schemeClr val="lt1"/>
+          </a:fontRef>
+        </p:style>
+        <p:txBody>
+          <a:bodyPr rtlCol="0" anchor="ctr"/>
+          <a:lstStyle/>
+          <a:p>
+            <a:pPr algn="ctr"/>
+            <a:r>
+              <a:rPr lang="en-IN" b="1" dirty="0"/>
+              <a:t>Networking</a:t>
+            </a:r>
+            <a:endParaRPr lang="en-US" b="1" dirty="0"/>
+          </a:p>
+        </p:txBody>
+      </p:sp>
+      <p:sp>
+        <p:nvSpPr>
+          <p:cNvPr id="9" name="Rectangle 8">
+            <a:extLst>
+              <a:ext uri="{FF2B5EF4-FFF2-40B4-BE49-F238E27FC236}">
+                <a16:creationId xmlns:a16="http://schemas.microsoft.com/office/drawing/2014/main" id="{DBA67D49-545A-6AF6-89C8-EC5F09EC61A6}"/>
+              </a:ext>
+            </a:extLst>
+          </p:cNvPr>
+          <p:cNvSpPr/>
+          <p:nvPr/>
+        </p:nvSpPr>
+        <p:spPr>
+          <a:xfrm>
+            <a:off x="589935" y="4312967"/>
+            <a:ext cx="11080955" cy="800707"/>
+          </a:xfrm>
+          <a:prstGeom prst="rect">
+            <a:avLst/>
+          </a:prstGeom>
+        </p:spPr>
+        <p:style>
+          <a:lnRef idx="2">
+            <a:schemeClr val="accent3">
+              <a:shade val="50000"/>
+            </a:schemeClr>
+          </a:lnRef>
+          <a:fillRef idx="1">
+            <a:schemeClr val="accent3"/>
+          </a:fillRef>
+          <a:effectRef idx="0">
+            <a:schemeClr val="accent3"/>
+          </a:effectRef>
+          <a:fontRef idx="minor">
+            <a:schemeClr val="lt1"/>
+          </a:fontRef>
+        </p:style>
+        <p:txBody>
+          <a:bodyPr rtlCol="0" anchor="ctr"/>
+          <a:lstStyle/>
+          <a:p>
+            <a:pPr algn="ctr"/>
+            <a:r>
+              <a:rPr lang="en-IN" b="1" dirty="0"/>
+              <a:t>HOST Operating Interface Layer aka Kernel </a:t>
+            </a:r>
+            <a:endParaRPr lang="en-US" b="1" dirty="0"/>
+          </a:p>
+        </p:txBody>
+      </p:sp>
+      <p:sp>
+        <p:nvSpPr>
+          <p:cNvPr id="10" name="Rectangle 9">
+            <a:extLst>
+              <a:ext uri="{FF2B5EF4-FFF2-40B4-BE49-F238E27FC236}">
+                <a16:creationId xmlns:a16="http://schemas.microsoft.com/office/drawing/2014/main" id="{38DC4A21-A46F-675B-0B8E-82B2B77612E8}"/>
+              </a:ext>
+            </a:extLst>
+          </p:cNvPr>
+          <p:cNvSpPr/>
+          <p:nvPr/>
+        </p:nvSpPr>
+        <p:spPr>
+          <a:xfrm>
+            <a:off x="589934" y="3423770"/>
+            <a:ext cx="11080955" cy="800707"/>
+          </a:xfrm>
+          <a:prstGeom prst="rect">
+            <a:avLst/>
+          </a:prstGeom>
+        </p:spPr>
+        <p:style>
+          <a:lnRef idx="2">
+            <a:schemeClr val="accent2">
+              <a:shade val="50000"/>
+            </a:schemeClr>
+          </a:lnRef>
+          <a:fillRef idx="1">
+            <a:schemeClr val="accent2"/>
+          </a:fillRef>
+          <a:effectRef idx="0">
+            <a:schemeClr val="accent2"/>
+          </a:effectRef>
+          <a:fontRef idx="minor">
+            <a:schemeClr val="lt1"/>
+          </a:fontRef>
+        </p:style>
+        <p:txBody>
+          <a:bodyPr rtlCol="0" anchor="ctr"/>
+          <a:lstStyle/>
+          <a:p>
+            <a:pPr algn="ctr"/>
+            <a:r>
+              <a:rPr lang="en-IN" b="1" dirty="0"/>
+              <a:t>Virtualization Software e.g. Hyper-V, VMWare, Virtual Box</a:t>
+            </a:r>
+            <a:endParaRPr lang="en-US" b="1" dirty="0"/>
+          </a:p>
+        </p:txBody>
+      </p:sp>
+      <p:sp>
+        <p:nvSpPr>
+          <p:cNvPr id="11" name="Rectangle 10">
+            <a:extLst>
+              <a:ext uri="{FF2B5EF4-FFF2-40B4-BE49-F238E27FC236}">
+                <a16:creationId xmlns:a16="http://schemas.microsoft.com/office/drawing/2014/main" id="{865678A4-1054-7BF6-6739-43594406B86E}"/>
+              </a:ext>
+            </a:extLst>
+          </p:cNvPr>
+          <p:cNvSpPr/>
+          <p:nvPr/>
+        </p:nvSpPr>
+        <p:spPr>
+          <a:xfrm>
+            <a:off x="589934" y="2525640"/>
+            <a:ext cx="11080955" cy="800707"/>
+          </a:xfrm>
+          <a:prstGeom prst="rect">
+            <a:avLst/>
+          </a:prstGeom>
+        </p:spPr>
+        <p:style>
+          <a:lnRef idx="3">
+            <a:schemeClr val="lt1"/>
+          </a:lnRef>
+          <a:fillRef idx="1">
+            <a:schemeClr val="accent5"/>
+          </a:fillRef>
+          <a:effectRef idx="1">
+            <a:schemeClr val="accent5"/>
+          </a:effectRef>
+          <a:fontRef idx="minor">
+            <a:schemeClr val="lt1"/>
+          </a:fontRef>
+        </p:style>
+        <p:txBody>
+          <a:bodyPr rtlCol="0" anchor="ctr"/>
+          <a:lstStyle/>
+          <a:p>
+            <a:pPr algn="ctr"/>
+            <a:r>
+              <a:rPr lang="en-IN" b="1" dirty="0"/>
+              <a:t>Docker Desktop or Docker Service</a:t>
+            </a:r>
+          </a:p>
+          <a:p>
+            <a:pPr algn="ctr"/>
+            <a:r>
+              <a:rPr lang="en-IN" b="1" dirty="0"/>
+              <a:t>CPU, Memory, Storage and Networking Virtualization</a:t>
+            </a:r>
+            <a:endParaRPr lang="en-US" b="1" dirty="0"/>
+          </a:p>
+        </p:txBody>
+      </p:sp>
+      <p:sp>
+        <p:nvSpPr>
+          <p:cNvPr id="12" name="Rectangle: Rounded Corners 11">
+            <a:extLst>
+              <a:ext uri="{FF2B5EF4-FFF2-40B4-BE49-F238E27FC236}">
+                <a16:creationId xmlns:a16="http://schemas.microsoft.com/office/drawing/2014/main" id="{AD8300D1-E889-A24E-936D-04DC007513D9}"/>
+              </a:ext>
+            </a:extLst>
+          </p:cNvPr>
+          <p:cNvSpPr/>
+          <p:nvPr/>
+        </p:nvSpPr>
+        <p:spPr>
+          <a:xfrm>
+            <a:off x="845574" y="595474"/>
+            <a:ext cx="3923071" cy="1841676"/>
+          </a:xfrm>
+          <a:prstGeom prst="roundRect">
+            <a:avLst/>
+          </a:prstGeom>
+          <a:solidFill>
+            <a:srgbClr val="7030A0"/>
+          </a:solidFill>
+        </p:spPr>
+        <p:style>
+          <a:lnRef idx="2">
+            <a:schemeClr val="accent1">
+              <a:shade val="50000"/>
+            </a:schemeClr>
+          </a:lnRef>
+          <a:fillRef idx="1">
+            <a:schemeClr val="accent1"/>
+          </a:fillRef>
+          <a:effectRef idx="0">
+            <a:schemeClr val="accent1"/>
+          </a:effectRef>
+          <a:fontRef idx="minor">
+            <a:schemeClr val="lt1"/>
+          </a:fontRef>
+        </p:style>
+        <p:txBody>
+          <a:bodyPr rtlCol="0" anchor="ctr"/>
+          <a:lstStyle/>
+          <a:p>
+            <a:pPr algn="ctr"/>
+            <a:endParaRPr lang="en-US"/>
+          </a:p>
+        </p:txBody>
+      </p:sp>
+      <p:sp>
+        <p:nvSpPr>
+          <p:cNvPr id="13" name="TextBox 12">
+            <a:extLst>
+              <a:ext uri="{FF2B5EF4-FFF2-40B4-BE49-F238E27FC236}">
+                <a16:creationId xmlns:a16="http://schemas.microsoft.com/office/drawing/2014/main" id="{EF1A46DA-EFE2-9AE4-DA9A-A614ECB5A56E}"/>
+              </a:ext>
+            </a:extLst>
+          </p:cNvPr>
+          <p:cNvSpPr txBox="1"/>
+          <p:nvPr/>
+        </p:nvSpPr>
+        <p:spPr>
+          <a:xfrm>
+            <a:off x="1366684" y="691650"/>
+            <a:ext cx="2792361" cy="369332"/>
+          </a:xfrm>
+          <a:prstGeom prst="rect">
+            <a:avLst/>
+          </a:prstGeom>
+          <a:noFill/>
+        </p:spPr>
+        <p:txBody>
+          <a:bodyPr wrap="square" rtlCol="0">
+            <a:spAutoFit/>
+          </a:bodyPr>
+          <a:lstStyle/>
+          <a:p>
+            <a:pPr algn="ctr"/>
+            <a:r>
+              <a:rPr lang="en-IN" b="1" dirty="0">
+                <a:solidFill>
+                  <a:srgbClr val="FFFF00"/>
+                </a:solidFill>
+              </a:rPr>
+              <a:t>Image Container </a:t>
+            </a:r>
+            <a:endParaRPr lang="en-US" b="1" dirty="0">
+              <a:solidFill>
+                <a:srgbClr val="FFFF00"/>
+              </a:solidFill>
+            </a:endParaRPr>
+          </a:p>
+        </p:txBody>
+      </p:sp>
+      <p:sp>
+        <p:nvSpPr>
+          <p:cNvPr id="14" name="Rectangle 13">
+            <a:extLst>
+              <a:ext uri="{FF2B5EF4-FFF2-40B4-BE49-F238E27FC236}">
+                <a16:creationId xmlns:a16="http://schemas.microsoft.com/office/drawing/2014/main" id="{98012C7A-6EAD-AE48-9BAE-86D2E5AE5C15}"/>
+              </a:ext>
+            </a:extLst>
+          </p:cNvPr>
+          <p:cNvSpPr/>
+          <p:nvPr/>
+        </p:nvSpPr>
+        <p:spPr>
+          <a:xfrm>
+            <a:off x="594850" y="3411443"/>
+            <a:ext cx="11080955" cy="800707"/>
+          </a:xfrm>
+          <a:prstGeom prst="rect">
+            <a:avLst/>
+          </a:prstGeom>
+        </p:spPr>
+        <p:style>
+          <a:lnRef idx="2">
+            <a:schemeClr val="accent2">
+              <a:shade val="50000"/>
+            </a:schemeClr>
+          </a:lnRef>
+          <a:fillRef idx="1">
+            <a:schemeClr val="accent2"/>
+          </a:fillRef>
+          <a:effectRef idx="0">
+            <a:schemeClr val="accent2"/>
+          </a:effectRef>
+          <a:fontRef idx="minor">
+            <a:schemeClr val="lt1"/>
+          </a:fontRef>
+        </p:style>
+        <p:txBody>
+          <a:bodyPr rtlCol="0" anchor="ctr"/>
+          <a:lstStyle/>
+          <a:p>
+            <a:pPr algn="ctr"/>
+            <a:r>
+              <a:rPr lang="en-IN" b="1" dirty="0"/>
+              <a:t>Hardware Virtualization</a:t>
+            </a:r>
+            <a:endParaRPr lang="en-US" b="1" dirty="0"/>
+          </a:p>
+        </p:txBody>
+      </p:sp>
+      <p:sp>
+        <p:nvSpPr>
+          <p:cNvPr id="15" name="Rectangle 14">
+            <a:extLst>
+              <a:ext uri="{FF2B5EF4-FFF2-40B4-BE49-F238E27FC236}">
+                <a16:creationId xmlns:a16="http://schemas.microsoft.com/office/drawing/2014/main" id="{549A539C-D13E-04C9-BB14-21D3B6A79C7A}"/>
+              </a:ext>
+            </a:extLst>
+          </p:cNvPr>
+          <p:cNvSpPr/>
+          <p:nvPr/>
+        </p:nvSpPr>
+        <p:spPr>
+          <a:xfrm>
+            <a:off x="993058" y="1719812"/>
+            <a:ext cx="3559277" cy="642973"/>
+          </a:xfrm>
+          <a:prstGeom prst="rect">
+            <a:avLst/>
+          </a:prstGeom>
+        </p:spPr>
+        <p:style>
+          <a:lnRef idx="2">
+            <a:schemeClr val="accent1">
+              <a:shade val="50000"/>
+            </a:schemeClr>
+          </a:lnRef>
+          <a:fillRef idx="1">
+            <a:schemeClr val="accent1"/>
+          </a:fillRef>
+          <a:effectRef idx="0">
+            <a:schemeClr val="accent1"/>
+          </a:effectRef>
+          <a:fontRef idx="minor">
+            <a:schemeClr val="lt1"/>
+          </a:fontRef>
+        </p:style>
+        <p:txBody>
+          <a:bodyPr rtlCol="0" anchor="ctr"/>
+          <a:lstStyle/>
+          <a:p>
+            <a:pPr algn="ctr"/>
+            <a:r>
+              <a:rPr lang="en-IN" sz="1200" b="1" dirty="0"/>
+              <a:t>OS Image</a:t>
+            </a:r>
+            <a:endParaRPr lang="en-US" sz="1200" b="1" dirty="0"/>
+          </a:p>
+        </p:txBody>
+      </p:sp>
+      <p:sp>
+        <p:nvSpPr>
+          <p:cNvPr id="18" name="Rectangle: Rounded Corners 17">
+            <a:extLst>
+              <a:ext uri="{FF2B5EF4-FFF2-40B4-BE49-F238E27FC236}">
+                <a16:creationId xmlns:a16="http://schemas.microsoft.com/office/drawing/2014/main" id="{71D879D1-625E-BDE6-DF5D-61D376288F6F}"/>
+              </a:ext>
+            </a:extLst>
+          </p:cNvPr>
+          <p:cNvSpPr/>
+          <p:nvPr/>
+        </p:nvSpPr>
+        <p:spPr>
+          <a:xfrm>
+            <a:off x="7423354" y="566810"/>
+            <a:ext cx="3923071" cy="1841676"/>
+          </a:xfrm>
+          <a:prstGeom prst="roundRect">
+            <a:avLst/>
+          </a:prstGeom>
+          <a:solidFill>
+            <a:srgbClr val="7030A0"/>
+          </a:solidFill>
+        </p:spPr>
+        <p:style>
+          <a:lnRef idx="2">
+            <a:schemeClr val="accent1">
+              <a:shade val="50000"/>
+            </a:schemeClr>
+          </a:lnRef>
+          <a:fillRef idx="1">
+            <a:schemeClr val="accent1"/>
+          </a:fillRef>
+          <a:effectRef idx="0">
+            <a:schemeClr val="accent1"/>
+          </a:effectRef>
+          <a:fontRef idx="minor">
+            <a:schemeClr val="lt1"/>
+          </a:fontRef>
+        </p:style>
+        <p:txBody>
+          <a:bodyPr rtlCol="0" anchor="ctr"/>
+          <a:lstStyle/>
+          <a:p>
+            <a:pPr algn="ctr"/>
+            <a:endParaRPr lang="en-US"/>
+          </a:p>
+        </p:txBody>
+      </p:sp>
+      <p:sp>
+        <p:nvSpPr>
+          <p:cNvPr id="20" name="Rectangle 19">
+            <a:extLst>
+              <a:ext uri="{FF2B5EF4-FFF2-40B4-BE49-F238E27FC236}">
+                <a16:creationId xmlns:a16="http://schemas.microsoft.com/office/drawing/2014/main" id="{49E9F6F5-9130-13F9-7957-D70B2054B096}"/>
+              </a:ext>
+            </a:extLst>
+          </p:cNvPr>
+          <p:cNvSpPr/>
+          <p:nvPr/>
+        </p:nvSpPr>
+        <p:spPr>
+          <a:xfrm>
+            <a:off x="7570838" y="1691148"/>
+            <a:ext cx="3559277" cy="642973"/>
+          </a:xfrm>
+          <a:prstGeom prst="rect">
+            <a:avLst/>
+          </a:prstGeom>
+        </p:spPr>
+        <p:style>
+          <a:lnRef idx="2">
+            <a:schemeClr val="accent1">
+              <a:shade val="50000"/>
+            </a:schemeClr>
+          </a:lnRef>
+          <a:fillRef idx="1">
+            <a:schemeClr val="accent1"/>
+          </a:fillRef>
+          <a:effectRef idx="0">
+            <a:schemeClr val="accent1"/>
+          </a:effectRef>
+          <a:fontRef idx="minor">
+            <a:schemeClr val="lt1"/>
+          </a:fontRef>
+        </p:style>
+        <p:txBody>
+          <a:bodyPr rtlCol="0" anchor="ctr"/>
+          <a:lstStyle/>
+          <a:p>
+            <a:pPr algn="ctr"/>
+            <a:r>
+              <a:rPr lang="en-IN" sz="1200" b="1" dirty="0"/>
+              <a:t>OS Image</a:t>
+            </a:r>
+            <a:endParaRPr lang="en-US" sz="1200" b="1" dirty="0"/>
+          </a:p>
+        </p:txBody>
+      </p:sp>
+      <p:sp>
+        <p:nvSpPr>
+          <p:cNvPr id="23" name="Arrow: Up-Down 22">
+            <a:extLst>
+              <a:ext uri="{FF2B5EF4-FFF2-40B4-BE49-F238E27FC236}">
+                <a16:creationId xmlns:a16="http://schemas.microsoft.com/office/drawing/2014/main" id="{72B8D618-F219-36F2-E1C4-2F808BF50223}"/>
+              </a:ext>
+            </a:extLst>
+          </p:cNvPr>
+          <p:cNvSpPr/>
+          <p:nvPr/>
+        </p:nvSpPr>
+        <p:spPr>
+          <a:xfrm>
+            <a:off x="2438400" y="2408486"/>
+            <a:ext cx="324465" cy="547977"/>
+          </a:xfrm>
+          <a:prstGeom prst="upDownArrow">
+            <a:avLst/>
+          </a:prstGeom>
+          <a:solidFill>
+            <a:srgbClr val="FF0000"/>
+          </a:solidFill>
+        </p:spPr>
+        <p:style>
+          <a:lnRef idx="2">
+            <a:schemeClr val="accent1">
+              <a:shade val="50000"/>
+            </a:schemeClr>
+          </a:lnRef>
+          <a:fillRef idx="1">
+            <a:schemeClr val="accent1"/>
+          </a:fillRef>
+          <a:effectRef idx="0">
+            <a:schemeClr val="accent1"/>
+          </a:effectRef>
+          <a:fontRef idx="minor">
+            <a:schemeClr val="lt1"/>
+          </a:fontRef>
+        </p:style>
+        <p:txBody>
+          <a:bodyPr rtlCol="0" anchor="ctr"/>
+          <a:lstStyle/>
+          <a:p>
+            <a:pPr algn="ctr"/>
+            <a:endParaRPr lang="en-US"/>
+          </a:p>
+        </p:txBody>
+      </p:sp>
+      <p:sp>
+        <p:nvSpPr>
+          <p:cNvPr id="24" name="Arrow: Up-Down 23">
+            <a:extLst>
+              <a:ext uri="{FF2B5EF4-FFF2-40B4-BE49-F238E27FC236}">
+                <a16:creationId xmlns:a16="http://schemas.microsoft.com/office/drawing/2014/main" id="{0986DA1A-F659-C6BA-0BC2-5F7F67A807B3}"/>
+              </a:ext>
+            </a:extLst>
+          </p:cNvPr>
+          <p:cNvSpPr/>
+          <p:nvPr/>
+        </p:nvSpPr>
+        <p:spPr>
+          <a:xfrm>
+            <a:off x="9399638" y="2334121"/>
+            <a:ext cx="324465" cy="547977"/>
+          </a:xfrm>
+          <a:prstGeom prst="upDownArrow">
+            <a:avLst/>
+          </a:prstGeom>
+          <a:solidFill>
+            <a:srgbClr val="FF0000"/>
+          </a:solidFill>
+        </p:spPr>
+        <p:style>
+          <a:lnRef idx="2">
+            <a:schemeClr val="accent1">
+              <a:shade val="50000"/>
+            </a:schemeClr>
+          </a:lnRef>
+          <a:fillRef idx="1">
+            <a:schemeClr val="accent1"/>
+          </a:fillRef>
+          <a:effectRef idx="0">
+            <a:schemeClr val="accent1"/>
+          </a:effectRef>
+          <a:fontRef idx="minor">
+            <a:schemeClr val="lt1"/>
+          </a:fontRef>
+        </p:style>
+        <p:txBody>
+          <a:bodyPr rtlCol="0" anchor="ctr"/>
+          <a:lstStyle/>
+          <a:p>
+            <a:pPr algn="ctr"/>
+            <a:endParaRPr lang="en-US"/>
+          </a:p>
+        </p:txBody>
+      </p:sp>
+      <p:sp>
+        <p:nvSpPr>
+          <p:cNvPr id="25" name="Arrow: Up-Down 24">
+            <a:extLst>
+              <a:ext uri="{FF2B5EF4-FFF2-40B4-BE49-F238E27FC236}">
+                <a16:creationId xmlns:a16="http://schemas.microsoft.com/office/drawing/2014/main" id="{75A1592B-7D39-1228-EF6A-C8E8B777B538}"/>
+              </a:ext>
+            </a:extLst>
+          </p:cNvPr>
+          <p:cNvSpPr/>
+          <p:nvPr/>
+        </p:nvSpPr>
+        <p:spPr>
+          <a:xfrm>
+            <a:off x="2389239" y="3121117"/>
+            <a:ext cx="324465" cy="547977"/>
+          </a:xfrm>
+          <a:prstGeom prst="upDownArrow">
+            <a:avLst/>
+          </a:prstGeom>
+          <a:solidFill>
+            <a:srgbClr val="FF0000"/>
+          </a:solidFill>
+        </p:spPr>
+        <p:style>
+          <a:lnRef idx="2">
+            <a:schemeClr val="accent1">
+              <a:shade val="50000"/>
+            </a:schemeClr>
+          </a:lnRef>
+          <a:fillRef idx="1">
+            <a:schemeClr val="accent1"/>
+          </a:fillRef>
+          <a:effectRef idx="0">
+            <a:schemeClr val="accent1"/>
+          </a:effectRef>
+          <a:fontRef idx="minor">
+            <a:schemeClr val="lt1"/>
+          </a:fontRef>
+        </p:style>
+        <p:txBody>
+          <a:bodyPr rtlCol="0" anchor="ctr"/>
+          <a:lstStyle/>
+          <a:p>
+            <a:pPr algn="ctr"/>
+            <a:endParaRPr lang="en-US"/>
+          </a:p>
+        </p:txBody>
+      </p:sp>
+      <p:sp>
+        <p:nvSpPr>
+          <p:cNvPr id="26" name="Arrow: Up-Down 25">
+            <a:extLst>
+              <a:ext uri="{FF2B5EF4-FFF2-40B4-BE49-F238E27FC236}">
+                <a16:creationId xmlns:a16="http://schemas.microsoft.com/office/drawing/2014/main" id="{33D91EA7-E015-E368-4510-40B0701D9F7A}"/>
+              </a:ext>
+            </a:extLst>
+          </p:cNvPr>
+          <p:cNvSpPr/>
+          <p:nvPr/>
+        </p:nvSpPr>
+        <p:spPr>
+          <a:xfrm>
+            <a:off x="9350477" y="3046752"/>
+            <a:ext cx="324465" cy="547977"/>
+          </a:xfrm>
+          <a:prstGeom prst="upDownArrow">
+            <a:avLst/>
+          </a:prstGeom>
+          <a:solidFill>
+            <a:srgbClr val="FF0000"/>
+          </a:solidFill>
+        </p:spPr>
+        <p:style>
+          <a:lnRef idx="2">
+            <a:schemeClr val="accent1">
+              <a:shade val="50000"/>
+            </a:schemeClr>
+          </a:lnRef>
+          <a:fillRef idx="1">
+            <a:schemeClr val="accent1"/>
+          </a:fillRef>
+          <a:effectRef idx="0">
+            <a:schemeClr val="accent1"/>
+          </a:effectRef>
+          <a:fontRef idx="minor">
+            <a:schemeClr val="lt1"/>
+          </a:fontRef>
+        </p:style>
+        <p:txBody>
+          <a:bodyPr rtlCol="0" anchor="ctr"/>
+          <a:lstStyle/>
+          <a:p>
+            <a:pPr algn="ctr"/>
+            <a:endParaRPr lang="en-US"/>
+          </a:p>
+        </p:txBody>
+      </p:sp>
+      <p:sp>
+        <p:nvSpPr>
+          <p:cNvPr id="27" name="Arrow: Up-Down 26">
+            <a:extLst>
+              <a:ext uri="{FF2B5EF4-FFF2-40B4-BE49-F238E27FC236}">
+                <a16:creationId xmlns:a16="http://schemas.microsoft.com/office/drawing/2014/main" id="{01179995-5B5C-5C8B-C824-C245E239D83E}"/>
+              </a:ext>
+            </a:extLst>
+          </p:cNvPr>
+          <p:cNvSpPr/>
+          <p:nvPr/>
+        </p:nvSpPr>
+        <p:spPr>
+          <a:xfrm>
+            <a:off x="2389239" y="4119579"/>
+            <a:ext cx="324465" cy="547977"/>
+          </a:xfrm>
+          <a:prstGeom prst="upDownArrow">
+            <a:avLst/>
+          </a:prstGeom>
+          <a:solidFill>
+            <a:srgbClr val="FF0000"/>
+          </a:solidFill>
+        </p:spPr>
+        <p:style>
+          <a:lnRef idx="2">
+            <a:schemeClr val="accent1">
+              <a:shade val="50000"/>
+            </a:schemeClr>
+          </a:lnRef>
+          <a:fillRef idx="1">
+            <a:schemeClr val="accent1"/>
+          </a:fillRef>
+          <a:effectRef idx="0">
+            <a:schemeClr val="accent1"/>
+          </a:effectRef>
+          <a:fontRef idx="minor">
+            <a:schemeClr val="lt1"/>
+          </a:fontRef>
+        </p:style>
+        <p:txBody>
+          <a:bodyPr rtlCol="0" anchor="ctr"/>
+          <a:lstStyle/>
+          <a:p>
+            <a:pPr algn="ctr"/>
+            <a:endParaRPr lang="en-US"/>
+          </a:p>
+        </p:txBody>
+      </p:sp>
+      <p:sp>
+        <p:nvSpPr>
+          <p:cNvPr id="28" name="Arrow: Up-Down 27">
+            <a:extLst>
+              <a:ext uri="{FF2B5EF4-FFF2-40B4-BE49-F238E27FC236}">
+                <a16:creationId xmlns:a16="http://schemas.microsoft.com/office/drawing/2014/main" id="{5F4BA396-3E9D-1DDC-4A40-5D0322C9A3F8}"/>
+              </a:ext>
+            </a:extLst>
+          </p:cNvPr>
+          <p:cNvSpPr/>
+          <p:nvPr/>
+        </p:nvSpPr>
+        <p:spPr>
+          <a:xfrm>
+            <a:off x="9350477" y="4045214"/>
+            <a:ext cx="324465" cy="547977"/>
+          </a:xfrm>
+          <a:prstGeom prst="upDownArrow">
+            <a:avLst/>
+          </a:prstGeom>
+          <a:solidFill>
+            <a:srgbClr val="FF0000"/>
+          </a:solidFill>
+        </p:spPr>
+        <p:style>
+          <a:lnRef idx="2">
+            <a:schemeClr val="accent1">
+              <a:shade val="50000"/>
+            </a:schemeClr>
+          </a:lnRef>
+          <a:fillRef idx="1">
+            <a:schemeClr val="accent1"/>
+          </a:fillRef>
+          <a:effectRef idx="0">
+            <a:schemeClr val="accent1"/>
+          </a:effectRef>
+          <a:fontRef idx="minor">
+            <a:schemeClr val="lt1"/>
+          </a:fontRef>
+        </p:style>
+        <p:txBody>
+          <a:bodyPr rtlCol="0" anchor="ctr"/>
+          <a:lstStyle/>
+          <a:p>
+            <a:pPr algn="ctr"/>
+            <a:endParaRPr lang="en-US"/>
+          </a:p>
+        </p:txBody>
+      </p:sp>
+      <p:sp>
+        <p:nvSpPr>
+          <p:cNvPr id="29" name="Rectangle 28">
+            <a:extLst>
+              <a:ext uri="{FF2B5EF4-FFF2-40B4-BE49-F238E27FC236}">
+                <a16:creationId xmlns:a16="http://schemas.microsoft.com/office/drawing/2014/main" id="{A49A09BB-1868-86F1-3242-9544E0D8F528}"/>
+              </a:ext>
+            </a:extLst>
+          </p:cNvPr>
+          <p:cNvSpPr/>
+          <p:nvPr/>
+        </p:nvSpPr>
+        <p:spPr>
+          <a:xfrm>
+            <a:off x="993058" y="1048175"/>
+            <a:ext cx="3559277" cy="642973"/>
+          </a:xfrm>
+          <a:prstGeom prst="rect">
+            <a:avLst/>
+          </a:prstGeom>
+        </p:spPr>
+        <p:style>
+          <a:lnRef idx="2">
+            <a:schemeClr val="accent1">
+              <a:shade val="50000"/>
+            </a:schemeClr>
+          </a:lnRef>
+          <a:fillRef idx="1">
+            <a:schemeClr val="accent1"/>
+          </a:fillRef>
+          <a:effectRef idx="0">
+            <a:schemeClr val="accent1"/>
+          </a:effectRef>
+          <a:fontRef idx="minor">
+            <a:schemeClr val="lt1"/>
+          </a:fontRef>
+        </p:style>
+        <p:txBody>
+          <a:bodyPr rtlCol="0" anchor="ctr"/>
+          <a:lstStyle/>
+          <a:p>
+            <a:pPr algn="ctr"/>
+            <a:r>
+              <a:rPr lang="en-IN" sz="1200" b="1" dirty="0"/>
+              <a:t>Application Image with all dependencies</a:t>
+            </a:r>
+            <a:endParaRPr lang="en-US" sz="1200" b="1" dirty="0"/>
+          </a:p>
+        </p:txBody>
+      </p:sp>
+      <p:sp>
+        <p:nvSpPr>
+          <p:cNvPr id="30" name="Rectangle 29">
+            <a:extLst>
+              <a:ext uri="{FF2B5EF4-FFF2-40B4-BE49-F238E27FC236}">
+                <a16:creationId xmlns:a16="http://schemas.microsoft.com/office/drawing/2014/main" id="{9EAE5978-147B-5A61-380E-C6E07E1B69DB}"/>
+              </a:ext>
+            </a:extLst>
+          </p:cNvPr>
+          <p:cNvSpPr/>
+          <p:nvPr/>
+        </p:nvSpPr>
+        <p:spPr>
+          <a:xfrm>
+            <a:off x="7570838" y="1004617"/>
+            <a:ext cx="3559277" cy="642973"/>
+          </a:xfrm>
+          <a:prstGeom prst="rect">
+            <a:avLst/>
+          </a:prstGeom>
+        </p:spPr>
+        <p:style>
+          <a:lnRef idx="2">
+            <a:schemeClr val="accent1">
+              <a:shade val="50000"/>
+            </a:schemeClr>
+          </a:lnRef>
+          <a:fillRef idx="1">
+            <a:schemeClr val="accent1"/>
+          </a:fillRef>
+          <a:effectRef idx="0">
+            <a:schemeClr val="accent1"/>
+          </a:effectRef>
+          <a:fontRef idx="minor">
+            <a:schemeClr val="lt1"/>
+          </a:fontRef>
+        </p:style>
+        <p:txBody>
+          <a:bodyPr rtlCol="0" anchor="ctr"/>
+          <a:lstStyle/>
+          <a:p>
+            <a:pPr algn="ctr"/>
+            <a:r>
+              <a:rPr lang="en-IN" sz="1200" b="1" dirty="0"/>
+              <a:t>Application Image with all dependencies</a:t>
+            </a:r>
+            <a:endParaRPr lang="en-US" sz="1200" b="1" dirty="0"/>
+          </a:p>
+        </p:txBody>
+      </p:sp>
+      <p:sp>
+        <p:nvSpPr>
+          <p:cNvPr id="31" name="TextBox 30">
+            <a:extLst>
+              <a:ext uri="{FF2B5EF4-FFF2-40B4-BE49-F238E27FC236}">
+                <a16:creationId xmlns:a16="http://schemas.microsoft.com/office/drawing/2014/main" id="{149AB374-D572-36F3-3CE1-181F7E88920C}"/>
+              </a:ext>
+            </a:extLst>
+          </p:cNvPr>
+          <p:cNvSpPr txBox="1"/>
+          <p:nvPr/>
+        </p:nvSpPr>
+        <p:spPr>
+          <a:xfrm>
+            <a:off x="7787149" y="627875"/>
+            <a:ext cx="2792361" cy="369332"/>
+          </a:xfrm>
+          <a:prstGeom prst="rect">
+            <a:avLst/>
+          </a:prstGeom>
+          <a:noFill/>
+        </p:spPr>
+        <p:txBody>
+          <a:bodyPr wrap="square" rtlCol="0">
+            <a:spAutoFit/>
+          </a:bodyPr>
+          <a:lstStyle/>
+          <a:p>
+            <a:pPr algn="ctr"/>
+            <a:r>
+              <a:rPr lang="en-IN" b="1" dirty="0">
+                <a:solidFill>
+                  <a:srgbClr val="FFFF00"/>
+                </a:solidFill>
+              </a:rPr>
+              <a:t>Image Container </a:t>
+            </a:r>
+            <a:endParaRPr lang="en-US" b="1" dirty="0">
+              <a:solidFill>
+                <a:srgbClr val="FFFF00"/>
+              </a:solidFill>
+            </a:endParaRPr>
+          </a:p>
+        </p:txBody>
+      </p:sp>
+      <p:sp>
+        <p:nvSpPr>
+          <p:cNvPr id="32" name="Callout: Right Arrow 31">
+            <a:extLst>
+              <a:ext uri="{FF2B5EF4-FFF2-40B4-BE49-F238E27FC236}">
+                <a16:creationId xmlns:a16="http://schemas.microsoft.com/office/drawing/2014/main" id="{10225F74-0B9B-6F5F-A1B8-A9E3D0621C3A}"/>
+              </a:ext>
+            </a:extLst>
+          </p:cNvPr>
+          <p:cNvSpPr/>
+          <p:nvPr/>
+        </p:nvSpPr>
+        <p:spPr>
+          <a:xfrm flipH="1">
+            <a:off x="6371303" y="1061119"/>
+            <a:ext cx="1047135" cy="980179"/>
+          </a:xfrm>
+          <a:prstGeom prst="rightArrowCallout">
+            <a:avLst/>
+          </a:prstGeom>
+        </p:spPr>
+        <p:style>
+          <a:lnRef idx="2">
+            <a:schemeClr val="accent1">
+              <a:shade val="50000"/>
+            </a:schemeClr>
+          </a:lnRef>
+          <a:fillRef idx="1">
+            <a:schemeClr val="accent1"/>
+          </a:fillRef>
+          <a:effectRef idx="0">
+            <a:schemeClr val="accent1"/>
+          </a:effectRef>
+          <a:fontRef idx="minor">
+            <a:schemeClr val="lt1"/>
+          </a:fontRef>
+        </p:style>
+        <p:txBody>
+          <a:bodyPr rtlCol="0" anchor="ctr"/>
+          <a:lstStyle/>
+          <a:p>
+            <a:pPr algn="ctr"/>
+            <a:endParaRPr lang="en-US"/>
+          </a:p>
+        </p:txBody>
+      </p:sp>
+      <p:sp>
+        <p:nvSpPr>
+          <p:cNvPr id="33" name="TextBox 32">
+            <a:extLst>
+              <a:ext uri="{FF2B5EF4-FFF2-40B4-BE49-F238E27FC236}">
+                <a16:creationId xmlns:a16="http://schemas.microsoft.com/office/drawing/2014/main" id="{38F3C087-978F-7D6A-5124-C839BB987BD3}"/>
+              </a:ext>
+            </a:extLst>
+          </p:cNvPr>
+          <p:cNvSpPr txBox="1"/>
+          <p:nvPr/>
+        </p:nvSpPr>
+        <p:spPr>
+          <a:xfrm>
+            <a:off x="6813754" y="1386348"/>
+            <a:ext cx="540774" cy="261610"/>
+          </a:xfrm>
+          <a:prstGeom prst="rect">
+            <a:avLst/>
+          </a:prstGeom>
+          <a:noFill/>
+        </p:spPr>
+        <p:txBody>
+          <a:bodyPr wrap="square" rtlCol="0">
+            <a:spAutoFit/>
+          </a:bodyPr>
+          <a:lstStyle/>
+          <a:p>
+            <a:r>
+              <a:rPr lang="en-IN" sz="1100" dirty="0"/>
+              <a:t>PORT</a:t>
+            </a:r>
+            <a:endParaRPr lang="en-US" sz="1100" dirty="0"/>
+          </a:p>
+        </p:txBody>
+      </p:sp>
+      <p:sp>
+        <p:nvSpPr>
+          <p:cNvPr id="34" name="Callout: Right Arrow 33">
+            <a:extLst>
+              <a:ext uri="{FF2B5EF4-FFF2-40B4-BE49-F238E27FC236}">
+                <a16:creationId xmlns:a16="http://schemas.microsoft.com/office/drawing/2014/main" id="{0891B394-6C9D-EE74-70BE-B5C6CF47173C}"/>
+              </a:ext>
+            </a:extLst>
+          </p:cNvPr>
+          <p:cNvSpPr/>
+          <p:nvPr/>
+        </p:nvSpPr>
+        <p:spPr>
+          <a:xfrm>
+            <a:off x="4748980" y="1126339"/>
+            <a:ext cx="737420" cy="800707"/>
+          </a:xfrm>
+          <a:prstGeom prst="rightArrowCallout">
+            <a:avLst/>
+          </a:prstGeom>
+        </p:spPr>
+        <p:style>
+          <a:lnRef idx="2">
+            <a:schemeClr val="accent1">
+              <a:shade val="50000"/>
+            </a:schemeClr>
+          </a:lnRef>
+          <a:fillRef idx="1">
+            <a:schemeClr val="accent1"/>
+          </a:fillRef>
+          <a:effectRef idx="0">
+            <a:schemeClr val="accent1"/>
+          </a:effectRef>
+          <a:fontRef idx="minor">
+            <a:schemeClr val="lt1"/>
+          </a:fontRef>
+        </p:style>
+        <p:txBody>
+          <a:bodyPr rtlCol="0" anchor="ctr"/>
+          <a:lstStyle/>
+          <a:p>
+            <a:pPr algn="ctr"/>
+            <a:endParaRPr lang="en-US"/>
+          </a:p>
+        </p:txBody>
+      </p:sp>
+      <p:sp>
+        <p:nvSpPr>
+          <p:cNvPr id="35" name="TextBox 34">
+            <a:extLst>
+              <a:ext uri="{FF2B5EF4-FFF2-40B4-BE49-F238E27FC236}">
+                <a16:creationId xmlns:a16="http://schemas.microsoft.com/office/drawing/2014/main" id="{D6E16D9F-5653-5361-A370-819607BBF792}"/>
+              </a:ext>
+            </a:extLst>
+          </p:cNvPr>
+          <p:cNvSpPr txBox="1"/>
+          <p:nvPr/>
+        </p:nvSpPr>
+        <p:spPr>
+          <a:xfrm>
+            <a:off x="4744063" y="1488749"/>
+            <a:ext cx="540774" cy="261610"/>
+          </a:xfrm>
+          <a:prstGeom prst="rect">
+            <a:avLst/>
+          </a:prstGeom>
+          <a:noFill/>
+        </p:spPr>
+        <p:txBody>
+          <a:bodyPr wrap="square" rtlCol="0">
+            <a:spAutoFit/>
+          </a:bodyPr>
+          <a:lstStyle/>
+          <a:p>
+            <a:r>
+              <a:rPr lang="en-IN" sz="1100" dirty="0"/>
+              <a:t>PORT</a:t>
+            </a:r>
+            <a:endParaRPr lang="en-US" sz="1100" dirty="0"/>
+          </a:p>
+        </p:txBody>
+      </p:sp>
+    </p:spTree>
+    <p:extLst>
+      <p:ext uri="{BB962C8B-B14F-4D97-AF65-F5344CB8AC3E}">
+        <p14:creationId xmlns:p14="http://schemas.microsoft.com/office/powerpoint/2010/main" val="1366241313"/>
       </p:ext>
     </p:extLst>
   </p:cSld>

--- a/training_images.pptx
+++ b/training_images.pptx
@@ -33,6 +33,7 @@
     <p:sldId id="281" r:id="rId27"/>
     <p:sldId id="282" r:id="rId28"/>
     <p:sldId id="283" r:id="rId29"/>
+    <p:sldId id="284" r:id="rId30"/>
   </p:sldIdLst>
   <p:sldSz cx="12192000" cy="6858000"/>
   <p:notesSz cx="6858000" cy="9144000"/>
@@ -302,7 +303,7 @@
           <a:p>
             <a:fld id="{822AF85D-11A4-42B9-B7D1-A5D0AD529DB2}" type="datetimeFigureOut">
               <a:rPr lang="en-US" smtClean="0"/>
-              <a:t>5/11/2022</a:t>
+              <a:t>5/12/2022</a:t>
             </a:fld>
             <a:endParaRPr lang="en-US"/>
           </a:p>
@@ -472,7 +473,7 @@
           <a:p>
             <a:fld id="{822AF85D-11A4-42B9-B7D1-A5D0AD529DB2}" type="datetimeFigureOut">
               <a:rPr lang="en-US" smtClean="0"/>
-              <a:t>5/11/2022</a:t>
+              <a:t>5/12/2022</a:t>
             </a:fld>
             <a:endParaRPr lang="en-US"/>
           </a:p>
@@ -652,7 +653,7 @@
           <a:p>
             <a:fld id="{822AF85D-11A4-42B9-B7D1-A5D0AD529DB2}" type="datetimeFigureOut">
               <a:rPr lang="en-US" smtClean="0"/>
-              <a:t>5/11/2022</a:t>
+              <a:t>5/12/2022</a:t>
             </a:fld>
             <a:endParaRPr lang="en-US"/>
           </a:p>
@@ -822,7 +823,7 @@
           <a:p>
             <a:fld id="{822AF85D-11A4-42B9-B7D1-A5D0AD529DB2}" type="datetimeFigureOut">
               <a:rPr lang="en-US" smtClean="0"/>
-              <a:t>5/11/2022</a:t>
+              <a:t>5/12/2022</a:t>
             </a:fld>
             <a:endParaRPr lang="en-US"/>
           </a:p>
@@ -1090,7 +1091,7 @@
           <a:p>
             <a:fld id="{822AF85D-11A4-42B9-B7D1-A5D0AD529DB2}" type="datetimeFigureOut">
               <a:rPr lang="en-US" smtClean="0"/>
-              <a:t>5/11/2022</a:t>
+              <a:t>5/12/2022</a:t>
             </a:fld>
             <a:endParaRPr lang="en-US"/>
           </a:p>
@@ -1322,7 +1323,7 @@
           <a:p>
             <a:fld id="{822AF85D-11A4-42B9-B7D1-A5D0AD529DB2}" type="datetimeFigureOut">
               <a:rPr lang="en-US" smtClean="0"/>
-              <a:t>5/11/2022</a:t>
+              <a:t>5/12/2022</a:t>
             </a:fld>
             <a:endParaRPr lang="en-US"/>
           </a:p>
@@ -1681,7 +1682,7 @@
           <a:p>
             <a:fld id="{822AF85D-11A4-42B9-B7D1-A5D0AD529DB2}" type="datetimeFigureOut">
               <a:rPr lang="en-US" smtClean="0"/>
-              <a:t>5/11/2022</a:t>
+              <a:t>5/12/2022</a:t>
             </a:fld>
             <a:endParaRPr lang="en-US"/>
           </a:p>
@@ -1822,7 +1823,7 @@
           <a:p>
             <a:fld id="{822AF85D-11A4-42B9-B7D1-A5D0AD529DB2}" type="datetimeFigureOut">
               <a:rPr lang="en-US" smtClean="0"/>
-              <a:t>5/11/2022</a:t>
+              <a:t>5/12/2022</a:t>
             </a:fld>
             <a:endParaRPr lang="en-US"/>
           </a:p>
@@ -1917,7 +1918,7 @@
           <a:p>
             <a:fld id="{822AF85D-11A4-42B9-B7D1-A5D0AD529DB2}" type="datetimeFigureOut">
               <a:rPr lang="en-US" smtClean="0"/>
-              <a:t>5/11/2022</a:t>
+              <a:t>5/12/2022</a:t>
             </a:fld>
             <a:endParaRPr lang="en-US"/>
           </a:p>
@@ -2274,7 +2275,7 @@
           <a:p>
             <a:fld id="{822AF85D-11A4-42B9-B7D1-A5D0AD529DB2}" type="datetimeFigureOut">
               <a:rPr lang="en-US" smtClean="0"/>
-              <a:t>5/11/2022</a:t>
+              <a:t>5/12/2022</a:t>
             </a:fld>
             <a:endParaRPr lang="en-US"/>
           </a:p>
@@ -2631,7 +2632,7 @@
           <a:p>
             <a:fld id="{822AF85D-11A4-42B9-B7D1-A5D0AD529DB2}" type="datetimeFigureOut">
               <a:rPr lang="en-US" smtClean="0"/>
-              <a:t>5/11/2022</a:t>
+              <a:t>5/12/2022</a:t>
             </a:fld>
             <a:endParaRPr lang="en-US"/>
           </a:p>
@@ -2873,7 +2874,7 @@
           <a:p>
             <a:fld id="{822AF85D-11A4-42B9-B7D1-A5D0AD529DB2}" type="datetimeFigureOut">
               <a:rPr lang="en-US" smtClean="0"/>
-              <a:t>5/11/2022</a:t>
+              <a:t>5/12/2022</a:t>
             </a:fld>
             <a:endParaRPr lang="en-US"/>
           </a:p>
@@ -20851,6 +20852,2356 @@
     <p:extLst>
       <p:ext uri="{BB962C8B-B14F-4D97-AF65-F5344CB8AC3E}">
         <p14:creationId xmlns:p14="http://schemas.microsoft.com/office/powerpoint/2010/main" val="1366241313"/>
+      </p:ext>
+    </p:extLst>
+  </p:cSld>
+  <p:clrMapOvr>
+    <a:masterClrMapping/>
+  </p:clrMapOvr>
+</p:sld>
+</file>
+
+<file path=ppt/slides/slide29.xml><?xml version="1.0" encoding="utf-8"?>
+<p:sld xmlns:a="http://schemas.openxmlformats.org/drawingml/2006/main" xmlns:r="http://schemas.openxmlformats.org/officeDocument/2006/relationships" xmlns:p="http://schemas.openxmlformats.org/presentationml/2006/main">
+  <p:cSld>
+    <p:spTree>
+      <p:nvGrpSpPr>
+        <p:cNvPr id="1" name=""/>
+        <p:cNvGrpSpPr/>
+        <p:nvPr/>
+      </p:nvGrpSpPr>
+      <p:grpSpPr>
+        <a:xfrm>
+          <a:off x="0" y="0"/>
+          <a:ext cx="0" cy="0"/>
+          <a:chOff x="0" y="0"/>
+          <a:chExt cx="0" cy="0"/>
+        </a:xfrm>
+      </p:grpSpPr>
+      <p:sp>
+        <p:nvSpPr>
+          <p:cNvPr id="2" name="Rectangle 1">
+            <a:extLst>
+              <a:ext uri="{FF2B5EF4-FFF2-40B4-BE49-F238E27FC236}">
+                <a16:creationId xmlns:a16="http://schemas.microsoft.com/office/drawing/2014/main" id="{70B84289-BBE1-CA02-DCA5-DF15C9A47EBA}"/>
+              </a:ext>
+            </a:extLst>
+          </p:cNvPr>
+          <p:cNvSpPr/>
+          <p:nvPr/>
+        </p:nvSpPr>
+        <p:spPr>
+          <a:xfrm>
+            <a:off x="8514735" y="98323"/>
+            <a:ext cx="3480620" cy="5933767"/>
+          </a:xfrm>
+          <a:prstGeom prst="rect">
+            <a:avLst/>
+          </a:prstGeom>
+        </p:spPr>
+        <p:style>
+          <a:lnRef idx="1">
+            <a:schemeClr val="accent2"/>
+          </a:lnRef>
+          <a:fillRef idx="2">
+            <a:schemeClr val="accent2"/>
+          </a:fillRef>
+          <a:effectRef idx="1">
+            <a:schemeClr val="accent2"/>
+          </a:effectRef>
+          <a:fontRef idx="minor">
+            <a:schemeClr val="dk1"/>
+          </a:fontRef>
+        </p:style>
+        <p:txBody>
+          <a:bodyPr rtlCol="0" anchor="ctr"/>
+          <a:lstStyle/>
+          <a:p>
+            <a:pPr algn="ctr"/>
+            <a:endParaRPr lang="en-US"/>
+          </a:p>
+        </p:txBody>
+      </p:sp>
+      <p:sp>
+        <p:nvSpPr>
+          <p:cNvPr id="3" name="TextBox 2">
+            <a:extLst>
+              <a:ext uri="{FF2B5EF4-FFF2-40B4-BE49-F238E27FC236}">
+                <a16:creationId xmlns:a16="http://schemas.microsoft.com/office/drawing/2014/main" id="{BD73D016-3367-9E1E-D016-82020E014046}"/>
+              </a:ext>
+            </a:extLst>
+          </p:cNvPr>
+          <p:cNvSpPr txBox="1"/>
+          <p:nvPr/>
+        </p:nvSpPr>
+        <p:spPr>
+          <a:xfrm>
+            <a:off x="8603226" y="206477"/>
+            <a:ext cx="3244645" cy="369332"/>
+          </a:xfrm>
+          <a:prstGeom prst="rect">
+            <a:avLst/>
+          </a:prstGeom>
+          <a:noFill/>
+        </p:spPr>
+        <p:txBody>
+          <a:bodyPr wrap="square" rtlCol="0">
+            <a:spAutoFit/>
+          </a:bodyPr>
+          <a:lstStyle/>
+          <a:p>
+            <a:pPr algn="ctr"/>
+            <a:r>
+              <a:rPr lang="en-IN" b="1" dirty="0"/>
+              <a:t>Data Persistence Layer</a:t>
+            </a:r>
+            <a:endParaRPr lang="en-US" b="1" dirty="0"/>
+          </a:p>
+        </p:txBody>
+      </p:sp>
+      <p:sp>
+        <p:nvSpPr>
+          <p:cNvPr id="4" name="Flowchart: Magnetic Disk 3">
+            <a:extLst>
+              <a:ext uri="{FF2B5EF4-FFF2-40B4-BE49-F238E27FC236}">
+                <a16:creationId xmlns:a16="http://schemas.microsoft.com/office/drawing/2014/main" id="{7A5416C3-768B-76D6-BBDC-6404EBEF5805}"/>
+              </a:ext>
+            </a:extLst>
+          </p:cNvPr>
+          <p:cNvSpPr/>
+          <p:nvPr/>
+        </p:nvSpPr>
+        <p:spPr>
+          <a:xfrm>
+            <a:off x="9861755" y="825910"/>
+            <a:ext cx="845574" cy="727587"/>
+          </a:xfrm>
+          <a:prstGeom prst="flowChartMagneticDisk">
+            <a:avLst/>
+          </a:prstGeom>
+        </p:spPr>
+        <p:style>
+          <a:lnRef idx="2">
+            <a:schemeClr val="accent1">
+              <a:shade val="50000"/>
+            </a:schemeClr>
+          </a:lnRef>
+          <a:fillRef idx="1">
+            <a:schemeClr val="accent1"/>
+          </a:fillRef>
+          <a:effectRef idx="0">
+            <a:schemeClr val="accent1"/>
+          </a:effectRef>
+          <a:fontRef idx="minor">
+            <a:schemeClr val="lt1"/>
+          </a:fontRef>
+        </p:style>
+        <p:txBody>
+          <a:bodyPr rtlCol="0" anchor="ctr"/>
+          <a:lstStyle/>
+          <a:p>
+            <a:pPr algn="ctr"/>
+            <a:r>
+              <a:rPr lang="en-IN" dirty="0"/>
+              <a:t>SQL</a:t>
+            </a:r>
+            <a:endParaRPr lang="en-US" dirty="0"/>
+          </a:p>
+        </p:txBody>
+      </p:sp>
+      <p:sp>
+        <p:nvSpPr>
+          <p:cNvPr id="5" name="Flowchart: Magnetic Disk 4">
+            <a:extLst>
+              <a:ext uri="{FF2B5EF4-FFF2-40B4-BE49-F238E27FC236}">
+                <a16:creationId xmlns:a16="http://schemas.microsoft.com/office/drawing/2014/main" id="{0688D01E-CB6C-8ABE-5819-4B080ED17B69}"/>
+              </a:ext>
+            </a:extLst>
+          </p:cNvPr>
+          <p:cNvSpPr/>
+          <p:nvPr/>
+        </p:nvSpPr>
+        <p:spPr>
+          <a:xfrm>
+            <a:off x="9092382" y="984469"/>
+            <a:ext cx="845574" cy="727587"/>
+          </a:xfrm>
+          <a:prstGeom prst="flowChartMagneticDisk">
+            <a:avLst/>
+          </a:prstGeom>
+        </p:spPr>
+        <p:style>
+          <a:lnRef idx="2">
+            <a:schemeClr val="accent1">
+              <a:shade val="50000"/>
+            </a:schemeClr>
+          </a:lnRef>
+          <a:fillRef idx="1">
+            <a:schemeClr val="accent1"/>
+          </a:fillRef>
+          <a:effectRef idx="0">
+            <a:schemeClr val="accent1"/>
+          </a:effectRef>
+          <a:fontRef idx="minor">
+            <a:schemeClr val="lt1"/>
+          </a:fontRef>
+        </p:style>
+        <p:txBody>
+          <a:bodyPr rtlCol="0" anchor="ctr"/>
+          <a:lstStyle/>
+          <a:p>
+            <a:pPr algn="ctr"/>
+            <a:r>
+              <a:rPr lang="en-IN" dirty="0"/>
+              <a:t>SQL</a:t>
+            </a:r>
+            <a:endParaRPr lang="en-US" dirty="0"/>
+          </a:p>
+        </p:txBody>
+      </p:sp>
+      <p:sp>
+        <p:nvSpPr>
+          <p:cNvPr id="6" name="Flowchart: Magnetic Disk 5">
+            <a:extLst>
+              <a:ext uri="{FF2B5EF4-FFF2-40B4-BE49-F238E27FC236}">
+                <a16:creationId xmlns:a16="http://schemas.microsoft.com/office/drawing/2014/main" id="{7CB889CD-75FB-2992-65F5-153DFB1A470B}"/>
+              </a:ext>
+            </a:extLst>
+          </p:cNvPr>
+          <p:cNvSpPr/>
+          <p:nvPr/>
+        </p:nvSpPr>
+        <p:spPr>
+          <a:xfrm>
+            <a:off x="10643419" y="960793"/>
+            <a:ext cx="845574" cy="727587"/>
+          </a:xfrm>
+          <a:prstGeom prst="flowChartMagneticDisk">
+            <a:avLst/>
+          </a:prstGeom>
+        </p:spPr>
+        <p:style>
+          <a:lnRef idx="2">
+            <a:schemeClr val="accent1">
+              <a:shade val="50000"/>
+            </a:schemeClr>
+          </a:lnRef>
+          <a:fillRef idx="1">
+            <a:schemeClr val="accent1"/>
+          </a:fillRef>
+          <a:effectRef idx="0">
+            <a:schemeClr val="accent1"/>
+          </a:effectRef>
+          <a:fontRef idx="minor">
+            <a:schemeClr val="lt1"/>
+          </a:fontRef>
+        </p:style>
+        <p:txBody>
+          <a:bodyPr rtlCol="0" anchor="ctr"/>
+          <a:lstStyle/>
+          <a:p>
+            <a:pPr algn="ctr"/>
+            <a:r>
+              <a:rPr lang="en-IN" dirty="0"/>
+              <a:t>SQL</a:t>
+            </a:r>
+            <a:endParaRPr lang="en-US" dirty="0"/>
+          </a:p>
+        </p:txBody>
+      </p:sp>
+      <p:sp>
+        <p:nvSpPr>
+          <p:cNvPr id="7" name="Flowchart: Magnetic Disk 6">
+            <a:extLst>
+              <a:ext uri="{FF2B5EF4-FFF2-40B4-BE49-F238E27FC236}">
+                <a16:creationId xmlns:a16="http://schemas.microsoft.com/office/drawing/2014/main" id="{EB1A1E2D-4E25-F262-7644-E66C782362E0}"/>
+              </a:ext>
+            </a:extLst>
+          </p:cNvPr>
+          <p:cNvSpPr/>
+          <p:nvPr/>
+        </p:nvSpPr>
+        <p:spPr>
+          <a:xfrm>
+            <a:off x="9861755" y="1469301"/>
+            <a:ext cx="845574" cy="727587"/>
+          </a:xfrm>
+          <a:prstGeom prst="flowChartMagneticDisk">
+            <a:avLst/>
+          </a:prstGeom>
+        </p:spPr>
+        <p:style>
+          <a:lnRef idx="2">
+            <a:schemeClr val="accent1">
+              <a:shade val="50000"/>
+            </a:schemeClr>
+          </a:lnRef>
+          <a:fillRef idx="1">
+            <a:schemeClr val="accent1"/>
+          </a:fillRef>
+          <a:effectRef idx="0">
+            <a:schemeClr val="accent1"/>
+          </a:effectRef>
+          <a:fontRef idx="minor">
+            <a:schemeClr val="lt1"/>
+          </a:fontRef>
+        </p:style>
+        <p:txBody>
+          <a:bodyPr rtlCol="0" anchor="ctr"/>
+          <a:lstStyle/>
+          <a:p>
+            <a:pPr algn="ctr"/>
+            <a:r>
+              <a:rPr lang="en-IN" dirty="0"/>
+              <a:t>SQL</a:t>
+            </a:r>
+            <a:endParaRPr lang="en-US" dirty="0"/>
+          </a:p>
+        </p:txBody>
+      </p:sp>
+      <p:sp>
+        <p:nvSpPr>
+          <p:cNvPr id="8" name="Flowchart: Alternate Process 7">
+            <a:extLst>
+              <a:ext uri="{FF2B5EF4-FFF2-40B4-BE49-F238E27FC236}">
+                <a16:creationId xmlns:a16="http://schemas.microsoft.com/office/drawing/2014/main" id="{DE598D61-5EB7-50F8-340C-56DC7FD33192}"/>
+              </a:ext>
+            </a:extLst>
+          </p:cNvPr>
+          <p:cNvSpPr/>
+          <p:nvPr/>
+        </p:nvSpPr>
+        <p:spPr>
+          <a:xfrm>
+            <a:off x="8760542" y="2446989"/>
+            <a:ext cx="2989006" cy="1342725"/>
+          </a:xfrm>
+          <a:prstGeom prst="flowChartAlternateProcess">
+            <a:avLst/>
+          </a:prstGeom>
+        </p:spPr>
+        <p:style>
+          <a:lnRef idx="2">
+            <a:schemeClr val="accent6"/>
+          </a:lnRef>
+          <a:fillRef idx="1">
+            <a:schemeClr val="lt1"/>
+          </a:fillRef>
+          <a:effectRef idx="0">
+            <a:schemeClr val="accent6"/>
+          </a:effectRef>
+          <a:fontRef idx="minor">
+            <a:schemeClr val="dk1"/>
+          </a:fontRef>
+        </p:style>
+        <p:txBody>
+          <a:bodyPr rtlCol="0" anchor="ctr"/>
+          <a:lstStyle/>
+          <a:p>
+            <a:pPr algn="ctr"/>
+            <a:endParaRPr lang="en-US"/>
+          </a:p>
+        </p:txBody>
+      </p:sp>
+      <p:sp>
+        <p:nvSpPr>
+          <p:cNvPr id="9" name="Flowchart: Multidocument 8">
+            <a:extLst>
+              <a:ext uri="{FF2B5EF4-FFF2-40B4-BE49-F238E27FC236}">
+                <a16:creationId xmlns:a16="http://schemas.microsoft.com/office/drawing/2014/main" id="{49E5559E-8C46-9B25-7FDD-17B55FBAA864}"/>
+              </a:ext>
+            </a:extLst>
+          </p:cNvPr>
+          <p:cNvSpPr/>
+          <p:nvPr/>
+        </p:nvSpPr>
+        <p:spPr>
+          <a:xfrm>
+            <a:off x="9006349" y="2654710"/>
+            <a:ext cx="432620" cy="865238"/>
+          </a:xfrm>
+          <a:prstGeom prst="flowChartMultidocument">
+            <a:avLst/>
+          </a:prstGeom>
+        </p:spPr>
+        <p:style>
+          <a:lnRef idx="2">
+            <a:schemeClr val="accent1">
+              <a:shade val="50000"/>
+            </a:schemeClr>
+          </a:lnRef>
+          <a:fillRef idx="1">
+            <a:schemeClr val="accent1"/>
+          </a:fillRef>
+          <a:effectRef idx="0">
+            <a:schemeClr val="accent1"/>
+          </a:effectRef>
+          <a:fontRef idx="minor">
+            <a:schemeClr val="lt1"/>
+          </a:fontRef>
+        </p:style>
+        <p:txBody>
+          <a:bodyPr rtlCol="0" anchor="ctr"/>
+          <a:lstStyle/>
+          <a:p>
+            <a:pPr algn="ctr"/>
+            <a:endParaRPr lang="en-US"/>
+          </a:p>
+        </p:txBody>
+      </p:sp>
+      <p:sp>
+        <p:nvSpPr>
+          <p:cNvPr id="10" name="Flowchart: Multidocument 9">
+            <a:extLst>
+              <a:ext uri="{FF2B5EF4-FFF2-40B4-BE49-F238E27FC236}">
+                <a16:creationId xmlns:a16="http://schemas.microsoft.com/office/drawing/2014/main" id="{DD354FBA-B763-B84E-764E-D61172712D15}"/>
+              </a:ext>
+            </a:extLst>
+          </p:cNvPr>
+          <p:cNvSpPr/>
+          <p:nvPr/>
+        </p:nvSpPr>
+        <p:spPr>
+          <a:xfrm>
+            <a:off x="9505336" y="2654710"/>
+            <a:ext cx="432620" cy="865238"/>
+          </a:xfrm>
+          <a:prstGeom prst="flowChartMultidocument">
+            <a:avLst/>
+          </a:prstGeom>
+        </p:spPr>
+        <p:style>
+          <a:lnRef idx="2">
+            <a:schemeClr val="accent1">
+              <a:shade val="50000"/>
+            </a:schemeClr>
+          </a:lnRef>
+          <a:fillRef idx="1">
+            <a:schemeClr val="accent1"/>
+          </a:fillRef>
+          <a:effectRef idx="0">
+            <a:schemeClr val="accent1"/>
+          </a:effectRef>
+          <a:fontRef idx="minor">
+            <a:schemeClr val="lt1"/>
+          </a:fontRef>
+        </p:style>
+        <p:txBody>
+          <a:bodyPr rtlCol="0" anchor="ctr"/>
+          <a:lstStyle/>
+          <a:p>
+            <a:pPr algn="ctr"/>
+            <a:endParaRPr lang="en-US"/>
+          </a:p>
+        </p:txBody>
+      </p:sp>
+      <p:sp>
+        <p:nvSpPr>
+          <p:cNvPr id="11" name="Flowchart: Multidocument 10">
+            <a:extLst>
+              <a:ext uri="{FF2B5EF4-FFF2-40B4-BE49-F238E27FC236}">
+                <a16:creationId xmlns:a16="http://schemas.microsoft.com/office/drawing/2014/main" id="{EC7491FA-F143-47D0-1B4C-803EADE765CE}"/>
+              </a:ext>
+            </a:extLst>
+          </p:cNvPr>
+          <p:cNvSpPr/>
+          <p:nvPr/>
+        </p:nvSpPr>
+        <p:spPr>
+          <a:xfrm>
+            <a:off x="10004323" y="2659907"/>
+            <a:ext cx="432620" cy="865238"/>
+          </a:xfrm>
+          <a:prstGeom prst="flowChartMultidocument">
+            <a:avLst/>
+          </a:prstGeom>
+        </p:spPr>
+        <p:style>
+          <a:lnRef idx="2">
+            <a:schemeClr val="accent1">
+              <a:shade val="50000"/>
+            </a:schemeClr>
+          </a:lnRef>
+          <a:fillRef idx="1">
+            <a:schemeClr val="accent1"/>
+          </a:fillRef>
+          <a:effectRef idx="0">
+            <a:schemeClr val="accent1"/>
+          </a:effectRef>
+          <a:fontRef idx="minor">
+            <a:schemeClr val="lt1"/>
+          </a:fontRef>
+        </p:style>
+        <p:txBody>
+          <a:bodyPr rtlCol="0" anchor="ctr"/>
+          <a:lstStyle/>
+          <a:p>
+            <a:pPr algn="ctr"/>
+            <a:endParaRPr lang="en-US"/>
+          </a:p>
+        </p:txBody>
+      </p:sp>
+      <p:sp>
+        <p:nvSpPr>
+          <p:cNvPr id="12" name="Flowchart: Multidocument 11">
+            <a:extLst>
+              <a:ext uri="{FF2B5EF4-FFF2-40B4-BE49-F238E27FC236}">
+                <a16:creationId xmlns:a16="http://schemas.microsoft.com/office/drawing/2014/main" id="{DEF98F49-044C-CBD9-78E9-743891C238F4}"/>
+              </a:ext>
+            </a:extLst>
+          </p:cNvPr>
+          <p:cNvSpPr/>
+          <p:nvPr/>
+        </p:nvSpPr>
+        <p:spPr>
+          <a:xfrm>
+            <a:off x="10491019" y="2626738"/>
+            <a:ext cx="432620" cy="865238"/>
+          </a:xfrm>
+          <a:prstGeom prst="flowChartMultidocument">
+            <a:avLst/>
+          </a:prstGeom>
+        </p:spPr>
+        <p:style>
+          <a:lnRef idx="2">
+            <a:schemeClr val="accent1">
+              <a:shade val="50000"/>
+            </a:schemeClr>
+          </a:lnRef>
+          <a:fillRef idx="1">
+            <a:schemeClr val="accent1"/>
+          </a:fillRef>
+          <a:effectRef idx="0">
+            <a:schemeClr val="accent1"/>
+          </a:effectRef>
+          <a:fontRef idx="minor">
+            <a:schemeClr val="lt1"/>
+          </a:fontRef>
+        </p:style>
+        <p:txBody>
+          <a:bodyPr rtlCol="0" anchor="ctr"/>
+          <a:lstStyle/>
+          <a:p>
+            <a:pPr algn="ctr"/>
+            <a:endParaRPr lang="en-US"/>
+          </a:p>
+        </p:txBody>
+      </p:sp>
+      <p:sp>
+        <p:nvSpPr>
+          <p:cNvPr id="13" name="Flowchart: Multidocument 12">
+            <a:extLst>
+              <a:ext uri="{FF2B5EF4-FFF2-40B4-BE49-F238E27FC236}">
+                <a16:creationId xmlns:a16="http://schemas.microsoft.com/office/drawing/2014/main" id="{0E099C58-E271-3C21-02E6-733F00C1DD67}"/>
+              </a:ext>
+            </a:extLst>
+          </p:cNvPr>
+          <p:cNvSpPr/>
+          <p:nvPr/>
+        </p:nvSpPr>
+        <p:spPr>
+          <a:xfrm>
+            <a:off x="11056373" y="2654710"/>
+            <a:ext cx="432620" cy="865238"/>
+          </a:xfrm>
+          <a:prstGeom prst="flowChartMultidocument">
+            <a:avLst/>
+          </a:prstGeom>
+        </p:spPr>
+        <p:style>
+          <a:lnRef idx="2">
+            <a:schemeClr val="accent1">
+              <a:shade val="50000"/>
+            </a:schemeClr>
+          </a:lnRef>
+          <a:fillRef idx="1">
+            <a:schemeClr val="accent1"/>
+          </a:fillRef>
+          <a:effectRef idx="0">
+            <a:schemeClr val="accent1"/>
+          </a:effectRef>
+          <a:fontRef idx="minor">
+            <a:schemeClr val="lt1"/>
+          </a:fontRef>
+        </p:style>
+        <p:txBody>
+          <a:bodyPr rtlCol="0" anchor="ctr"/>
+          <a:lstStyle/>
+          <a:p>
+            <a:pPr algn="ctr"/>
+            <a:endParaRPr lang="en-US"/>
+          </a:p>
+        </p:txBody>
+      </p:sp>
+      <p:sp>
+        <p:nvSpPr>
+          <p:cNvPr id="14" name="TextBox 13">
+            <a:extLst>
+              <a:ext uri="{FF2B5EF4-FFF2-40B4-BE49-F238E27FC236}">
+                <a16:creationId xmlns:a16="http://schemas.microsoft.com/office/drawing/2014/main" id="{2FB14DAE-3C32-190A-794E-92930CCA9A91}"/>
+              </a:ext>
+            </a:extLst>
+          </p:cNvPr>
+          <p:cNvSpPr txBox="1"/>
+          <p:nvPr/>
+        </p:nvSpPr>
+        <p:spPr>
+          <a:xfrm>
+            <a:off x="8760542" y="2376637"/>
+            <a:ext cx="3141405" cy="369332"/>
+          </a:xfrm>
+          <a:prstGeom prst="rect">
+            <a:avLst/>
+          </a:prstGeom>
+          <a:noFill/>
+        </p:spPr>
+        <p:txBody>
+          <a:bodyPr wrap="square" rtlCol="0">
+            <a:spAutoFit/>
+          </a:bodyPr>
+          <a:lstStyle/>
+          <a:p>
+            <a:pPr algn="ctr"/>
+            <a:r>
+              <a:rPr lang="en-IN" b="1" dirty="0"/>
+              <a:t>NoSQL Collections</a:t>
+            </a:r>
+            <a:endParaRPr lang="en-US" b="1" dirty="0"/>
+          </a:p>
+        </p:txBody>
+      </p:sp>
+      <p:sp>
+        <p:nvSpPr>
+          <p:cNvPr id="15" name="Flowchart: Multidocument 14">
+            <a:extLst>
+              <a:ext uri="{FF2B5EF4-FFF2-40B4-BE49-F238E27FC236}">
+                <a16:creationId xmlns:a16="http://schemas.microsoft.com/office/drawing/2014/main" id="{DF110459-FA5A-882B-277F-011C59323803}"/>
+              </a:ext>
+            </a:extLst>
+          </p:cNvPr>
+          <p:cNvSpPr/>
+          <p:nvPr/>
+        </p:nvSpPr>
+        <p:spPr>
+          <a:xfrm>
+            <a:off x="8779584" y="4057360"/>
+            <a:ext cx="1538748" cy="1165122"/>
+          </a:xfrm>
+          <a:prstGeom prst="flowChartMultidocument">
+            <a:avLst/>
+          </a:prstGeom>
+        </p:spPr>
+        <p:style>
+          <a:lnRef idx="2">
+            <a:schemeClr val="accent1">
+              <a:shade val="50000"/>
+            </a:schemeClr>
+          </a:lnRef>
+          <a:fillRef idx="1">
+            <a:schemeClr val="accent1"/>
+          </a:fillRef>
+          <a:effectRef idx="0">
+            <a:schemeClr val="accent1"/>
+          </a:effectRef>
+          <a:fontRef idx="minor">
+            <a:schemeClr val="lt1"/>
+          </a:fontRef>
+        </p:style>
+        <p:txBody>
+          <a:bodyPr rtlCol="0" anchor="ctr"/>
+          <a:lstStyle/>
+          <a:p>
+            <a:pPr algn="ctr"/>
+            <a:r>
+              <a:rPr lang="en-IN" dirty="0"/>
+              <a:t>BLOBS</a:t>
+            </a:r>
+            <a:endParaRPr lang="en-US" dirty="0"/>
+          </a:p>
+        </p:txBody>
+      </p:sp>
+      <p:sp>
+        <p:nvSpPr>
+          <p:cNvPr id="16" name="Flowchart: Multidocument 15">
+            <a:extLst>
+              <a:ext uri="{FF2B5EF4-FFF2-40B4-BE49-F238E27FC236}">
+                <a16:creationId xmlns:a16="http://schemas.microsoft.com/office/drawing/2014/main" id="{E86BE9F2-F4B8-BD61-949B-FDF11642B082}"/>
+              </a:ext>
+            </a:extLst>
+          </p:cNvPr>
+          <p:cNvSpPr/>
+          <p:nvPr/>
+        </p:nvSpPr>
+        <p:spPr>
+          <a:xfrm>
+            <a:off x="10293751" y="3990370"/>
+            <a:ext cx="1538748" cy="1165122"/>
+          </a:xfrm>
+          <a:prstGeom prst="flowChartMultidocument">
+            <a:avLst/>
+          </a:prstGeom>
+        </p:spPr>
+        <p:style>
+          <a:lnRef idx="2">
+            <a:schemeClr val="accent1">
+              <a:shade val="50000"/>
+            </a:schemeClr>
+          </a:lnRef>
+          <a:fillRef idx="1">
+            <a:schemeClr val="accent1"/>
+          </a:fillRef>
+          <a:effectRef idx="0">
+            <a:schemeClr val="accent1"/>
+          </a:effectRef>
+          <a:fontRef idx="minor">
+            <a:schemeClr val="lt1"/>
+          </a:fontRef>
+        </p:style>
+        <p:txBody>
+          <a:bodyPr rtlCol="0" anchor="ctr"/>
+          <a:lstStyle/>
+          <a:p>
+            <a:pPr algn="ctr"/>
+            <a:r>
+              <a:rPr lang="en-IN" dirty="0"/>
+              <a:t>BLOBS</a:t>
+            </a:r>
+            <a:endParaRPr lang="en-US" dirty="0"/>
+          </a:p>
+        </p:txBody>
+      </p:sp>
+      <p:sp>
+        <p:nvSpPr>
+          <p:cNvPr id="17" name="Flowchart: Multidocument 16">
+            <a:extLst>
+              <a:ext uri="{FF2B5EF4-FFF2-40B4-BE49-F238E27FC236}">
+                <a16:creationId xmlns:a16="http://schemas.microsoft.com/office/drawing/2014/main" id="{DA0B854D-984C-2071-27C1-3A6248C4D0B2}"/>
+              </a:ext>
+            </a:extLst>
+          </p:cNvPr>
+          <p:cNvSpPr/>
+          <p:nvPr/>
+        </p:nvSpPr>
+        <p:spPr>
+          <a:xfrm>
+            <a:off x="9611640" y="4764349"/>
+            <a:ext cx="1538748" cy="1165122"/>
+          </a:xfrm>
+          <a:prstGeom prst="flowChartMultidocument">
+            <a:avLst/>
+          </a:prstGeom>
+        </p:spPr>
+        <p:style>
+          <a:lnRef idx="2">
+            <a:schemeClr val="accent1">
+              <a:shade val="50000"/>
+            </a:schemeClr>
+          </a:lnRef>
+          <a:fillRef idx="1">
+            <a:schemeClr val="accent1"/>
+          </a:fillRef>
+          <a:effectRef idx="0">
+            <a:schemeClr val="accent1"/>
+          </a:effectRef>
+          <a:fontRef idx="minor">
+            <a:schemeClr val="lt1"/>
+          </a:fontRef>
+        </p:style>
+        <p:txBody>
+          <a:bodyPr rtlCol="0" anchor="ctr"/>
+          <a:lstStyle/>
+          <a:p>
+            <a:pPr algn="ctr"/>
+            <a:r>
+              <a:rPr lang="en-IN" dirty="0"/>
+              <a:t>BLOBS</a:t>
+            </a:r>
+            <a:endParaRPr lang="en-US" dirty="0"/>
+          </a:p>
+        </p:txBody>
+      </p:sp>
+      <p:sp>
+        <p:nvSpPr>
+          <p:cNvPr id="18" name="Cube 17">
+            <a:extLst>
+              <a:ext uri="{FF2B5EF4-FFF2-40B4-BE49-F238E27FC236}">
+                <a16:creationId xmlns:a16="http://schemas.microsoft.com/office/drawing/2014/main" id="{DDFE951E-49A5-F65B-1DC5-FDCBE8C53286}"/>
+              </a:ext>
+            </a:extLst>
+          </p:cNvPr>
+          <p:cNvSpPr/>
+          <p:nvPr/>
+        </p:nvSpPr>
+        <p:spPr>
+          <a:xfrm>
+            <a:off x="3044928" y="361025"/>
+            <a:ext cx="3419168" cy="5056550"/>
+          </a:xfrm>
+          <a:prstGeom prst="cube">
+            <a:avLst>
+              <a:gd name="adj" fmla="val 14935"/>
+            </a:avLst>
+          </a:prstGeom>
+        </p:spPr>
+        <p:style>
+          <a:lnRef idx="1">
+            <a:schemeClr val="accent4"/>
+          </a:lnRef>
+          <a:fillRef idx="2">
+            <a:schemeClr val="accent4"/>
+          </a:fillRef>
+          <a:effectRef idx="1">
+            <a:schemeClr val="accent4"/>
+          </a:effectRef>
+          <a:fontRef idx="minor">
+            <a:schemeClr val="dk1"/>
+          </a:fontRef>
+        </p:style>
+        <p:txBody>
+          <a:bodyPr rtlCol="0" anchor="ctr"/>
+          <a:lstStyle/>
+          <a:p>
+            <a:pPr algn="ctr"/>
+            <a:endParaRPr lang="en-US"/>
+          </a:p>
+        </p:txBody>
+      </p:sp>
+      <p:sp>
+        <p:nvSpPr>
+          <p:cNvPr id="19" name="TextBox 18">
+            <a:extLst>
+              <a:ext uri="{FF2B5EF4-FFF2-40B4-BE49-F238E27FC236}">
+                <a16:creationId xmlns:a16="http://schemas.microsoft.com/office/drawing/2014/main" id="{2AD463B7-2088-B08C-B717-5A06DD2797FF}"/>
+              </a:ext>
+            </a:extLst>
+          </p:cNvPr>
+          <p:cNvSpPr txBox="1"/>
+          <p:nvPr/>
+        </p:nvSpPr>
+        <p:spPr>
+          <a:xfrm>
+            <a:off x="3669274" y="429506"/>
+            <a:ext cx="2172929" cy="338554"/>
+          </a:xfrm>
+          <a:prstGeom prst="rect">
+            <a:avLst/>
+          </a:prstGeom>
+          <a:noFill/>
+        </p:spPr>
+        <p:txBody>
+          <a:bodyPr wrap="square" rtlCol="0">
+            <a:spAutoFit/>
+          </a:bodyPr>
+          <a:lstStyle/>
+          <a:p>
+            <a:pPr algn="ctr"/>
+            <a:r>
+              <a:rPr lang="en-IN" sz="1600" b="1" dirty="0"/>
+              <a:t>Deployment Cluster</a:t>
+            </a:r>
+            <a:endParaRPr lang="en-US" sz="1600" b="1" dirty="0"/>
+          </a:p>
+        </p:txBody>
+      </p:sp>
+      <p:sp>
+        <p:nvSpPr>
+          <p:cNvPr id="20" name="Cube 19">
+            <a:extLst>
+              <a:ext uri="{FF2B5EF4-FFF2-40B4-BE49-F238E27FC236}">
+                <a16:creationId xmlns:a16="http://schemas.microsoft.com/office/drawing/2014/main" id="{6F623ADB-DB35-B71D-9404-37D32FF6C652}"/>
+              </a:ext>
+            </a:extLst>
+          </p:cNvPr>
+          <p:cNvSpPr/>
+          <p:nvPr/>
+        </p:nvSpPr>
+        <p:spPr>
+          <a:xfrm>
+            <a:off x="3133417" y="1290413"/>
+            <a:ext cx="1406013" cy="1143634"/>
+          </a:xfrm>
+          <a:prstGeom prst="cube">
+            <a:avLst/>
+          </a:prstGeom>
+          <a:solidFill>
+            <a:srgbClr val="00B0F0"/>
+          </a:solidFill>
+        </p:spPr>
+        <p:style>
+          <a:lnRef idx="2">
+            <a:schemeClr val="accent1">
+              <a:shade val="50000"/>
+            </a:schemeClr>
+          </a:lnRef>
+          <a:fillRef idx="1">
+            <a:schemeClr val="accent1"/>
+          </a:fillRef>
+          <a:effectRef idx="0">
+            <a:schemeClr val="accent1"/>
+          </a:effectRef>
+          <a:fontRef idx="minor">
+            <a:schemeClr val="lt1"/>
+          </a:fontRef>
+        </p:style>
+        <p:txBody>
+          <a:bodyPr rtlCol="0" anchor="ctr"/>
+          <a:lstStyle/>
+          <a:p>
+            <a:pPr algn="ctr"/>
+            <a:endParaRPr lang="en-US" dirty="0"/>
+          </a:p>
+        </p:txBody>
+      </p:sp>
+      <p:sp>
+        <p:nvSpPr>
+          <p:cNvPr id="21" name="Cube 20">
+            <a:extLst>
+              <a:ext uri="{FF2B5EF4-FFF2-40B4-BE49-F238E27FC236}">
+                <a16:creationId xmlns:a16="http://schemas.microsoft.com/office/drawing/2014/main" id="{BC7FB175-2D90-4A07-47D4-954B1A38C4FE}"/>
+              </a:ext>
+            </a:extLst>
+          </p:cNvPr>
+          <p:cNvSpPr/>
+          <p:nvPr/>
+        </p:nvSpPr>
+        <p:spPr>
+          <a:xfrm>
+            <a:off x="4455853" y="1290412"/>
+            <a:ext cx="1406013" cy="1143634"/>
+          </a:xfrm>
+          <a:prstGeom prst="cube">
+            <a:avLst/>
+          </a:prstGeom>
+          <a:solidFill>
+            <a:srgbClr val="00B0F0"/>
+          </a:solidFill>
+        </p:spPr>
+        <p:style>
+          <a:lnRef idx="2">
+            <a:schemeClr val="accent1">
+              <a:shade val="50000"/>
+            </a:schemeClr>
+          </a:lnRef>
+          <a:fillRef idx="1">
+            <a:schemeClr val="accent1"/>
+          </a:fillRef>
+          <a:effectRef idx="0">
+            <a:schemeClr val="accent1"/>
+          </a:effectRef>
+          <a:fontRef idx="minor">
+            <a:schemeClr val="lt1"/>
+          </a:fontRef>
+        </p:style>
+        <p:txBody>
+          <a:bodyPr rtlCol="0" anchor="ctr"/>
+          <a:lstStyle/>
+          <a:p>
+            <a:pPr algn="ctr"/>
+            <a:endParaRPr lang="en-US"/>
+          </a:p>
+        </p:txBody>
+      </p:sp>
+      <p:sp>
+        <p:nvSpPr>
+          <p:cNvPr id="22" name="Cube 21">
+            <a:extLst>
+              <a:ext uri="{FF2B5EF4-FFF2-40B4-BE49-F238E27FC236}">
+                <a16:creationId xmlns:a16="http://schemas.microsoft.com/office/drawing/2014/main" id="{4D64B4CD-F542-2298-3DAD-74127914952A}"/>
+              </a:ext>
+            </a:extLst>
+          </p:cNvPr>
+          <p:cNvSpPr/>
+          <p:nvPr/>
+        </p:nvSpPr>
+        <p:spPr>
+          <a:xfrm>
+            <a:off x="3073814" y="2592660"/>
+            <a:ext cx="1406013" cy="1143634"/>
+          </a:xfrm>
+          <a:prstGeom prst="cube">
+            <a:avLst/>
+          </a:prstGeom>
+          <a:solidFill>
+            <a:srgbClr val="00B0F0"/>
+          </a:solidFill>
+        </p:spPr>
+        <p:style>
+          <a:lnRef idx="2">
+            <a:schemeClr val="accent1">
+              <a:shade val="50000"/>
+            </a:schemeClr>
+          </a:lnRef>
+          <a:fillRef idx="1">
+            <a:schemeClr val="accent1"/>
+          </a:fillRef>
+          <a:effectRef idx="0">
+            <a:schemeClr val="accent1"/>
+          </a:effectRef>
+          <a:fontRef idx="minor">
+            <a:schemeClr val="lt1"/>
+          </a:fontRef>
+        </p:style>
+        <p:txBody>
+          <a:bodyPr rtlCol="0" anchor="ctr"/>
+          <a:lstStyle/>
+          <a:p>
+            <a:pPr algn="ctr"/>
+            <a:endParaRPr lang="en-US"/>
+          </a:p>
+        </p:txBody>
+      </p:sp>
+      <p:sp>
+        <p:nvSpPr>
+          <p:cNvPr id="23" name="Cube 22">
+            <a:extLst>
+              <a:ext uri="{FF2B5EF4-FFF2-40B4-BE49-F238E27FC236}">
+                <a16:creationId xmlns:a16="http://schemas.microsoft.com/office/drawing/2014/main" id="{74BA6170-3F9D-BF1A-0C14-1D13DA9E02BA}"/>
+              </a:ext>
+            </a:extLst>
+          </p:cNvPr>
+          <p:cNvSpPr/>
+          <p:nvPr/>
+        </p:nvSpPr>
+        <p:spPr>
+          <a:xfrm>
+            <a:off x="4396250" y="2592659"/>
+            <a:ext cx="1406013" cy="1143634"/>
+          </a:xfrm>
+          <a:prstGeom prst="cube">
+            <a:avLst/>
+          </a:prstGeom>
+          <a:solidFill>
+            <a:srgbClr val="00B0F0"/>
+          </a:solidFill>
+        </p:spPr>
+        <p:style>
+          <a:lnRef idx="2">
+            <a:schemeClr val="accent1">
+              <a:shade val="50000"/>
+            </a:schemeClr>
+          </a:lnRef>
+          <a:fillRef idx="1">
+            <a:schemeClr val="accent1"/>
+          </a:fillRef>
+          <a:effectRef idx="0">
+            <a:schemeClr val="accent1"/>
+          </a:effectRef>
+          <a:fontRef idx="minor">
+            <a:schemeClr val="lt1"/>
+          </a:fontRef>
+        </p:style>
+        <p:txBody>
+          <a:bodyPr rtlCol="0" anchor="ctr"/>
+          <a:lstStyle/>
+          <a:p>
+            <a:pPr algn="ctr"/>
+            <a:endParaRPr lang="en-US"/>
+          </a:p>
+        </p:txBody>
+      </p:sp>
+      <p:sp>
+        <p:nvSpPr>
+          <p:cNvPr id="24" name="Cube 23">
+            <a:extLst>
+              <a:ext uri="{FF2B5EF4-FFF2-40B4-BE49-F238E27FC236}">
+                <a16:creationId xmlns:a16="http://schemas.microsoft.com/office/drawing/2014/main" id="{BBDAFEAF-6370-4C4A-3DE3-F83BB8C680E7}"/>
+              </a:ext>
+            </a:extLst>
+          </p:cNvPr>
+          <p:cNvSpPr/>
+          <p:nvPr/>
+        </p:nvSpPr>
+        <p:spPr>
+          <a:xfrm>
+            <a:off x="3056608" y="3790494"/>
+            <a:ext cx="1406013" cy="1143634"/>
+          </a:xfrm>
+          <a:prstGeom prst="cube">
+            <a:avLst/>
+          </a:prstGeom>
+          <a:solidFill>
+            <a:srgbClr val="00B0F0"/>
+          </a:solidFill>
+        </p:spPr>
+        <p:style>
+          <a:lnRef idx="2">
+            <a:schemeClr val="accent1">
+              <a:shade val="50000"/>
+            </a:schemeClr>
+          </a:lnRef>
+          <a:fillRef idx="1">
+            <a:schemeClr val="accent1"/>
+          </a:fillRef>
+          <a:effectRef idx="0">
+            <a:schemeClr val="accent1"/>
+          </a:effectRef>
+          <a:fontRef idx="minor">
+            <a:schemeClr val="lt1"/>
+          </a:fontRef>
+        </p:style>
+        <p:txBody>
+          <a:bodyPr rtlCol="0" anchor="ctr"/>
+          <a:lstStyle/>
+          <a:p>
+            <a:pPr algn="ctr"/>
+            <a:endParaRPr lang="en-US"/>
+          </a:p>
+        </p:txBody>
+      </p:sp>
+      <p:sp>
+        <p:nvSpPr>
+          <p:cNvPr id="25" name="Cube 24">
+            <a:extLst>
+              <a:ext uri="{FF2B5EF4-FFF2-40B4-BE49-F238E27FC236}">
+                <a16:creationId xmlns:a16="http://schemas.microsoft.com/office/drawing/2014/main" id="{61D62CF0-0C8B-C92C-DF89-41A8D29CF72A}"/>
+              </a:ext>
+            </a:extLst>
+          </p:cNvPr>
+          <p:cNvSpPr/>
+          <p:nvPr/>
+        </p:nvSpPr>
+        <p:spPr>
+          <a:xfrm>
+            <a:off x="4379044" y="3790493"/>
+            <a:ext cx="1406013" cy="1143634"/>
+          </a:xfrm>
+          <a:prstGeom prst="cube">
+            <a:avLst/>
+          </a:prstGeom>
+          <a:solidFill>
+            <a:srgbClr val="00B0F0"/>
+          </a:solidFill>
+        </p:spPr>
+        <p:style>
+          <a:lnRef idx="2">
+            <a:schemeClr val="accent1">
+              <a:shade val="50000"/>
+            </a:schemeClr>
+          </a:lnRef>
+          <a:fillRef idx="1">
+            <a:schemeClr val="accent1"/>
+          </a:fillRef>
+          <a:effectRef idx="0">
+            <a:schemeClr val="accent1"/>
+          </a:effectRef>
+          <a:fontRef idx="minor">
+            <a:schemeClr val="lt1"/>
+          </a:fontRef>
+        </p:style>
+        <p:txBody>
+          <a:bodyPr rtlCol="0" anchor="ctr"/>
+          <a:lstStyle/>
+          <a:p>
+            <a:pPr algn="ctr"/>
+            <a:endParaRPr lang="en-US"/>
+          </a:p>
+        </p:txBody>
+      </p:sp>
+      <p:sp>
+        <p:nvSpPr>
+          <p:cNvPr id="26" name="TextBox 25">
+            <a:extLst>
+              <a:ext uri="{FF2B5EF4-FFF2-40B4-BE49-F238E27FC236}">
+                <a16:creationId xmlns:a16="http://schemas.microsoft.com/office/drawing/2014/main" id="{1F1D4DCA-D608-3A26-CB3F-4BA7EB6B0244}"/>
+              </a:ext>
+            </a:extLst>
+          </p:cNvPr>
+          <p:cNvSpPr txBox="1"/>
+          <p:nvPr/>
+        </p:nvSpPr>
+        <p:spPr>
+          <a:xfrm>
+            <a:off x="3462797" y="1290411"/>
+            <a:ext cx="737419" cy="276999"/>
+          </a:xfrm>
+          <a:prstGeom prst="rect">
+            <a:avLst/>
+          </a:prstGeom>
+          <a:noFill/>
+        </p:spPr>
+        <p:txBody>
+          <a:bodyPr wrap="square" rtlCol="0">
+            <a:spAutoFit/>
+          </a:bodyPr>
+          <a:lstStyle/>
+          <a:p>
+            <a:r>
+              <a:rPr lang="en-IN" sz="1200" b="1" dirty="0"/>
+              <a:t>Node1</a:t>
+            </a:r>
+            <a:endParaRPr lang="en-US" sz="1200" b="1" dirty="0"/>
+          </a:p>
+        </p:txBody>
+      </p:sp>
+      <p:sp>
+        <p:nvSpPr>
+          <p:cNvPr id="27" name="TextBox 26">
+            <a:extLst>
+              <a:ext uri="{FF2B5EF4-FFF2-40B4-BE49-F238E27FC236}">
+                <a16:creationId xmlns:a16="http://schemas.microsoft.com/office/drawing/2014/main" id="{03EDAA4F-AF07-3148-B700-D53F060A578A}"/>
+              </a:ext>
+            </a:extLst>
+          </p:cNvPr>
+          <p:cNvSpPr txBox="1"/>
+          <p:nvPr/>
+        </p:nvSpPr>
+        <p:spPr>
+          <a:xfrm>
+            <a:off x="4725015" y="1353531"/>
+            <a:ext cx="737419" cy="276999"/>
+          </a:xfrm>
+          <a:prstGeom prst="rect">
+            <a:avLst/>
+          </a:prstGeom>
+          <a:noFill/>
+        </p:spPr>
+        <p:txBody>
+          <a:bodyPr wrap="square" rtlCol="0">
+            <a:spAutoFit/>
+          </a:bodyPr>
+          <a:lstStyle/>
+          <a:p>
+            <a:r>
+              <a:rPr lang="en-IN" sz="1200" b="1" dirty="0"/>
+              <a:t>Node2</a:t>
+            </a:r>
+            <a:endParaRPr lang="en-US" sz="1200" b="1" dirty="0"/>
+          </a:p>
+        </p:txBody>
+      </p:sp>
+      <p:sp>
+        <p:nvSpPr>
+          <p:cNvPr id="28" name="TextBox 27">
+            <a:extLst>
+              <a:ext uri="{FF2B5EF4-FFF2-40B4-BE49-F238E27FC236}">
+                <a16:creationId xmlns:a16="http://schemas.microsoft.com/office/drawing/2014/main" id="{AA65257E-473E-4AC2-8F48-B2C850A86843}"/>
+              </a:ext>
+            </a:extLst>
+          </p:cNvPr>
+          <p:cNvSpPr txBox="1"/>
+          <p:nvPr/>
+        </p:nvSpPr>
+        <p:spPr>
+          <a:xfrm>
+            <a:off x="3449898" y="2641843"/>
+            <a:ext cx="737419" cy="276999"/>
+          </a:xfrm>
+          <a:prstGeom prst="rect">
+            <a:avLst/>
+          </a:prstGeom>
+          <a:noFill/>
+        </p:spPr>
+        <p:txBody>
+          <a:bodyPr wrap="square" rtlCol="0">
+            <a:spAutoFit/>
+          </a:bodyPr>
+          <a:lstStyle/>
+          <a:p>
+            <a:r>
+              <a:rPr lang="en-IN" sz="1200" b="1" dirty="0"/>
+              <a:t>Node3</a:t>
+            </a:r>
+            <a:endParaRPr lang="en-US" sz="1200" b="1" dirty="0"/>
+          </a:p>
+        </p:txBody>
+      </p:sp>
+      <p:sp>
+        <p:nvSpPr>
+          <p:cNvPr id="29" name="TextBox 28">
+            <a:extLst>
+              <a:ext uri="{FF2B5EF4-FFF2-40B4-BE49-F238E27FC236}">
+                <a16:creationId xmlns:a16="http://schemas.microsoft.com/office/drawing/2014/main" id="{972D05C7-7695-938A-6C02-3FA83340748C}"/>
+              </a:ext>
+            </a:extLst>
+          </p:cNvPr>
+          <p:cNvSpPr txBox="1"/>
+          <p:nvPr/>
+        </p:nvSpPr>
+        <p:spPr>
+          <a:xfrm>
+            <a:off x="4676471" y="2641842"/>
+            <a:ext cx="737419" cy="276999"/>
+          </a:xfrm>
+          <a:prstGeom prst="rect">
+            <a:avLst/>
+          </a:prstGeom>
+          <a:noFill/>
+        </p:spPr>
+        <p:txBody>
+          <a:bodyPr wrap="square" rtlCol="0">
+            <a:spAutoFit/>
+          </a:bodyPr>
+          <a:lstStyle/>
+          <a:p>
+            <a:r>
+              <a:rPr lang="en-IN" sz="1200" b="1" dirty="0"/>
+              <a:t>Node4</a:t>
+            </a:r>
+            <a:endParaRPr lang="en-US" sz="1200" b="1" dirty="0"/>
+          </a:p>
+        </p:txBody>
+      </p:sp>
+      <p:sp>
+        <p:nvSpPr>
+          <p:cNvPr id="30" name="TextBox 29">
+            <a:extLst>
+              <a:ext uri="{FF2B5EF4-FFF2-40B4-BE49-F238E27FC236}">
+                <a16:creationId xmlns:a16="http://schemas.microsoft.com/office/drawing/2014/main" id="{EF7993F6-6064-02A9-974E-FF9936132E8E}"/>
+              </a:ext>
+            </a:extLst>
+          </p:cNvPr>
+          <p:cNvSpPr txBox="1"/>
+          <p:nvPr/>
+        </p:nvSpPr>
+        <p:spPr>
+          <a:xfrm>
+            <a:off x="3463417" y="3790492"/>
+            <a:ext cx="737419" cy="276999"/>
+          </a:xfrm>
+          <a:prstGeom prst="rect">
+            <a:avLst/>
+          </a:prstGeom>
+          <a:noFill/>
+        </p:spPr>
+        <p:txBody>
+          <a:bodyPr wrap="square" rtlCol="0">
+            <a:spAutoFit/>
+          </a:bodyPr>
+          <a:lstStyle/>
+          <a:p>
+            <a:r>
+              <a:rPr lang="en-IN" sz="1200" b="1" dirty="0"/>
+              <a:t>Node5</a:t>
+            </a:r>
+            <a:endParaRPr lang="en-US" sz="1200" b="1" dirty="0"/>
+          </a:p>
+        </p:txBody>
+      </p:sp>
+      <p:sp>
+        <p:nvSpPr>
+          <p:cNvPr id="31" name="TextBox 30">
+            <a:extLst>
+              <a:ext uri="{FF2B5EF4-FFF2-40B4-BE49-F238E27FC236}">
+                <a16:creationId xmlns:a16="http://schemas.microsoft.com/office/drawing/2014/main" id="{AA20D275-D2B2-4F2D-D552-04E28C662BCD}"/>
+              </a:ext>
+            </a:extLst>
+          </p:cNvPr>
+          <p:cNvSpPr txBox="1"/>
+          <p:nvPr/>
+        </p:nvSpPr>
+        <p:spPr>
+          <a:xfrm>
+            <a:off x="4789539" y="3839949"/>
+            <a:ext cx="737419" cy="276999"/>
+          </a:xfrm>
+          <a:prstGeom prst="rect">
+            <a:avLst/>
+          </a:prstGeom>
+          <a:noFill/>
+        </p:spPr>
+        <p:txBody>
+          <a:bodyPr wrap="square" rtlCol="0">
+            <a:spAutoFit/>
+          </a:bodyPr>
+          <a:lstStyle/>
+          <a:p>
+            <a:r>
+              <a:rPr lang="en-IN" sz="1200" b="1" dirty="0"/>
+              <a:t>Node 6</a:t>
+            </a:r>
+            <a:endParaRPr lang="en-US" sz="1200" b="1" dirty="0"/>
+          </a:p>
+        </p:txBody>
+      </p:sp>
+      <p:sp>
+        <p:nvSpPr>
+          <p:cNvPr id="32" name="Rectangle 31">
+            <a:extLst>
+              <a:ext uri="{FF2B5EF4-FFF2-40B4-BE49-F238E27FC236}">
+                <a16:creationId xmlns:a16="http://schemas.microsoft.com/office/drawing/2014/main" id="{84E6CDE6-6AA5-412B-49D6-18FCEFC095DC}"/>
+              </a:ext>
+            </a:extLst>
+          </p:cNvPr>
+          <p:cNvSpPr/>
+          <p:nvPr/>
+        </p:nvSpPr>
+        <p:spPr>
+          <a:xfrm>
+            <a:off x="3268608" y="1785655"/>
+            <a:ext cx="855406" cy="438751"/>
+          </a:xfrm>
+          <a:prstGeom prst="rect">
+            <a:avLst/>
+          </a:prstGeom>
+        </p:spPr>
+        <p:style>
+          <a:lnRef idx="2">
+            <a:schemeClr val="accent1">
+              <a:shade val="50000"/>
+            </a:schemeClr>
+          </a:lnRef>
+          <a:fillRef idx="1">
+            <a:schemeClr val="accent1"/>
+          </a:fillRef>
+          <a:effectRef idx="0">
+            <a:schemeClr val="accent1"/>
+          </a:effectRef>
+          <a:fontRef idx="minor">
+            <a:schemeClr val="lt1"/>
+          </a:fontRef>
+        </p:style>
+        <p:txBody>
+          <a:bodyPr rtlCol="0" anchor="ctr"/>
+          <a:lstStyle/>
+          <a:p>
+            <a:pPr algn="ctr"/>
+            <a:r>
+              <a:rPr lang="en-IN" b="1" dirty="0"/>
+              <a:t>APP</a:t>
+            </a:r>
+            <a:endParaRPr lang="en-US" b="1" dirty="0"/>
+          </a:p>
+        </p:txBody>
+      </p:sp>
+      <p:sp>
+        <p:nvSpPr>
+          <p:cNvPr id="33" name="Rectangle 32">
+            <a:extLst>
+              <a:ext uri="{FF2B5EF4-FFF2-40B4-BE49-F238E27FC236}">
+                <a16:creationId xmlns:a16="http://schemas.microsoft.com/office/drawing/2014/main" id="{A59E46A5-6169-B3BF-C090-EEB032D2CB53}"/>
+              </a:ext>
+            </a:extLst>
+          </p:cNvPr>
+          <p:cNvSpPr/>
+          <p:nvPr/>
+        </p:nvSpPr>
+        <p:spPr>
+          <a:xfrm>
+            <a:off x="4567700" y="1741071"/>
+            <a:ext cx="855406" cy="438751"/>
+          </a:xfrm>
+          <a:prstGeom prst="rect">
+            <a:avLst/>
+          </a:prstGeom>
+        </p:spPr>
+        <p:style>
+          <a:lnRef idx="2">
+            <a:schemeClr val="accent1">
+              <a:shade val="50000"/>
+            </a:schemeClr>
+          </a:lnRef>
+          <a:fillRef idx="1">
+            <a:schemeClr val="accent1"/>
+          </a:fillRef>
+          <a:effectRef idx="0">
+            <a:schemeClr val="accent1"/>
+          </a:effectRef>
+          <a:fontRef idx="minor">
+            <a:schemeClr val="lt1"/>
+          </a:fontRef>
+        </p:style>
+        <p:txBody>
+          <a:bodyPr rtlCol="0" anchor="ctr"/>
+          <a:lstStyle/>
+          <a:p>
+            <a:pPr algn="ctr"/>
+            <a:r>
+              <a:rPr lang="en-IN" b="1" dirty="0"/>
+              <a:t>APP</a:t>
+            </a:r>
+            <a:endParaRPr lang="en-US" b="1" dirty="0"/>
+          </a:p>
+        </p:txBody>
+      </p:sp>
+      <p:sp>
+        <p:nvSpPr>
+          <p:cNvPr id="34" name="Rectangle 33">
+            <a:extLst>
+              <a:ext uri="{FF2B5EF4-FFF2-40B4-BE49-F238E27FC236}">
+                <a16:creationId xmlns:a16="http://schemas.microsoft.com/office/drawing/2014/main" id="{A826D671-AC96-F620-45A2-477F85176929}"/>
+              </a:ext>
+            </a:extLst>
+          </p:cNvPr>
+          <p:cNvSpPr/>
+          <p:nvPr/>
+        </p:nvSpPr>
+        <p:spPr>
+          <a:xfrm>
+            <a:off x="3211462" y="3045794"/>
+            <a:ext cx="855406" cy="438751"/>
+          </a:xfrm>
+          <a:prstGeom prst="rect">
+            <a:avLst/>
+          </a:prstGeom>
+        </p:spPr>
+        <p:style>
+          <a:lnRef idx="2">
+            <a:schemeClr val="accent1">
+              <a:shade val="50000"/>
+            </a:schemeClr>
+          </a:lnRef>
+          <a:fillRef idx="1">
+            <a:schemeClr val="accent1"/>
+          </a:fillRef>
+          <a:effectRef idx="0">
+            <a:schemeClr val="accent1"/>
+          </a:effectRef>
+          <a:fontRef idx="minor">
+            <a:schemeClr val="lt1"/>
+          </a:fontRef>
+        </p:style>
+        <p:txBody>
+          <a:bodyPr rtlCol="0" anchor="ctr"/>
+          <a:lstStyle/>
+          <a:p>
+            <a:pPr algn="ctr"/>
+            <a:r>
+              <a:rPr lang="en-IN" b="1" dirty="0"/>
+              <a:t>APP</a:t>
+            </a:r>
+            <a:endParaRPr lang="en-US" b="1" dirty="0"/>
+          </a:p>
+        </p:txBody>
+      </p:sp>
+      <p:sp>
+        <p:nvSpPr>
+          <p:cNvPr id="35" name="Rectangle 34">
+            <a:extLst>
+              <a:ext uri="{FF2B5EF4-FFF2-40B4-BE49-F238E27FC236}">
+                <a16:creationId xmlns:a16="http://schemas.microsoft.com/office/drawing/2014/main" id="{6D6B1CBD-A194-E7FA-2B65-6DCD16BB9DCB}"/>
+              </a:ext>
+            </a:extLst>
+          </p:cNvPr>
+          <p:cNvSpPr/>
+          <p:nvPr/>
+        </p:nvSpPr>
+        <p:spPr>
+          <a:xfrm>
+            <a:off x="4533898" y="3078167"/>
+            <a:ext cx="855406" cy="438751"/>
+          </a:xfrm>
+          <a:prstGeom prst="rect">
+            <a:avLst/>
+          </a:prstGeom>
+        </p:spPr>
+        <p:style>
+          <a:lnRef idx="2">
+            <a:schemeClr val="accent1">
+              <a:shade val="50000"/>
+            </a:schemeClr>
+          </a:lnRef>
+          <a:fillRef idx="1">
+            <a:schemeClr val="accent1"/>
+          </a:fillRef>
+          <a:effectRef idx="0">
+            <a:schemeClr val="accent1"/>
+          </a:effectRef>
+          <a:fontRef idx="minor">
+            <a:schemeClr val="lt1"/>
+          </a:fontRef>
+        </p:style>
+        <p:txBody>
+          <a:bodyPr rtlCol="0" anchor="ctr"/>
+          <a:lstStyle/>
+          <a:p>
+            <a:pPr algn="ctr"/>
+            <a:r>
+              <a:rPr lang="en-IN" b="1" dirty="0"/>
+              <a:t>APP</a:t>
+            </a:r>
+            <a:endParaRPr lang="en-US" b="1" dirty="0"/>
+          </a:p>
+        </p:txBody>
+      </p:sp>
+      <p:sp>
+        <p:nvSpPr>
+          <p:cNvPr id="36" name="Rectangle 35">
+            <a:extLst>
+              <a:ext uri="{FF2B5EF4-FFF2-40B4-BE49-F238E27FC236}">
+                <a16:creationId xmlns:a16="http://schemas.microsoft.com/office/drawing/2014/main" id="{A7CEE614-C067-0002-4C01-4387A0D498A5}"/>
+              </a:ext>
+            </a:extLst>
+          </p:cNvPr>
+          <p:cNvSpPr/>
+          <p:nvPr/>
+        </p:nvSpPr>
+        <p:spPr>
+          <a:xfrm>
+            <a:off x="3196720" y="4273889"/>
+            <a:ext cx="855406" cy="438751"/>
+          </a:xfrm>
+          <a:prstGeom prst="rect">
+            <a:avLst/>
+          </a:prstGeom>
+        </p:spPr>
+        <p:style>
+          <a:lnRef idx="2">
+            <a:schemeClr val="accent1">
+              <a:shade val="50000"/>
+            </a:schemeClr>
+          </a:lnRef>
+          <a:fillRef idx="1">
+            <a:schemeClr val="accent1"/>
+          </a:fillRef>
+          <a:effectRef idx="0">
+            <a:schemeClr val="accent1"/>
+          </a:effectRef>
+          <a:fontRef idx="minor">
+            <a:schemeClr val="lt1"/>
+          </a:fontRef>
+        </p:style>
+        <p:txBody>
+          <a:bodyPr rtlCol="0" anchor="ctr"/>
+          <a:lstStyle/>
+          <a:p>
+            <a:pPr algn="ctr"/>
+            <a:r>
+              <a:rPr lang="en-IN" b="1" dirty="0"/>
+              <a:t>APP</a:t>
+            </a:r>
+            <a:endParaRPr lang="en-US" b="1" dirty="0"/>
+          </a:p>
+        </p:txBody>
+      </p:sp>
+      <p:sp>
+        <p:nvSpPr>
+          <p:cNvPr id="37" name="Rectangle 36">
+            <a:extLst>
+              <a:ext uri="{FF2B5EF4-FFF2-40B4-BE49-F238E27FC236}">
+                <a16:creationId xmlns:a16="http://schemas.microsoft.com/office/drawing/2014/main" id="{799F5032-D878-8FA3-4FF8-B5E6393DBA83}"/>
+              </a:ext>
+            </a:extLst>
+          </p:cNvPr>
+          <p:cNvSpPr/>
+          <p:nvPr/>
+        </p:nvSpPr>
+        <p:spPr>
+          <a:xfrm>
+            <a:off x="4510554" y="4257400"/>
+            <a:ext cx="855406" cy="438751"/>
+          </a:xfrm>
+          <a:prstGeom prst="rect">
+            <a:avLst/>
+          </a:prstGeom>
+        </p:spPr>
+        <p:style>
+          <a:lnRef idx="2">
+            <a:schemeClr val="accent1">
+              <a:shade val="50000"/>
+            </a:schemeClr>
+          </a:lnRef>
+          <a:fillRef idx="1">
+            <a:schemeClr val="accent1"/>
+          </a:fillRef>
+          <a:effectRef idx="0">
+            <a:schemeClr val="accent1"/>
+          </a:effectRef>
+          <a:fontRef idx="minor">
+            <a:schemeClr val="lt1"/>
+          </a:fontRef>
+        </p:style>
+        <p:txBody>
+          <a:bodyPr rtlCol="0" anchor="ctr"/>
+          <a:lstStyle/>
+          <a:p>
+            <a:pPr algn="ctr"/>
+            <a:r>
+              <a:rPr lang="en-IN" b="1" dirty="0"/>
+              <a:t>APP</a:t>
+            </a:r>
+            <a:endParaRPr lang="en-US" b="1" dirty="0"/>
+          </a:p>
+        </p:txBody>
+      </p:sp>
+      <p:sp>
+        <p:nvSpPr>
+          <p:cNvPr id="38" name="Arrow: Left-Right 37">
+            <a:extLst>
+              <a:ext uri="{FF2B5EF4-FFF2-40B4-BE49-F238E27FC236}">
+                <a16:creationId xmlns:a16="http://schemas.microsoft.com/office/drawing/2014/main" id="{9FFC23E2-E926-8EF1-877D-EF9591B91C95}"/>
+              </a:ext>
+            </a:extLst>
+          </p:cNvPr>
+          <p:cNvSpPr/>
+          <p:nvPr/>
+        </p:nvSpPr>
+        <p:spPr>
+          <a:xfrm>
+            <a:off x="6207231" y="1160206"/>
+            <a:ext cx="2307504" cy="528174"/>
+          </a:xfrm>
+          <a:prstGeom prst="leftRightArrow">
+            <a:avLst/>
+          </a:prstGeom>
+        </p:spPr>
+        <p:style>
+          <a:lnRef idx="2">
+            <a:schemeClr val="dk1">
+              <a:shade val="50000"/>
+            </a:schemeClr>
+          </a:lnRef>
+          <a:fillRef idx="1">
+            <a:schemeClr val="dk1"/>
+          </a:fillRef>
+          <a:effectRef idx="0">
+            <a:schemeClr val="dk1"/>
+          </a:effectRef>
+          <a:fontRef idx="minor">
+            <a:schemeClr val="lt1"/>
+          </a:fontRef>
+        </p:style>
+        <p:txBody>
+          <a:bodyPr rtlCol="0" anchor="ctr"/>
+          <a:lstStyle/>
+          <a:p>
+            <a:pPr algn="ctr"/>
+            <a:endParaRPr lang="en-US"/>
+          </a:p>
+        </p:txBody>
+      </p:sp>
+      <p:sp>
+        <p:nvSpPr>
+          <p:cNvPr id="39" name="Arrow: Left-Right 38">
+            <a:extLst>
+              <a:ext uri="{FF2B5EF4-FFF2-40B4-BE49-F238E27FC236}">
+                <a16:creationId xmlns:a16="http://schemas.microsoft.com/office/drawing/2014/main" id="{5D5858E6-11BD-2A1F-C63B-66F19E756AF6}"/>
+              </a:ext>
+            </a:extLst>
+          </p:cNvPr>
+          <p:cNvSpPr/>
+          <p:nvPr/>
+        </p:nvSpPr>
+        <p:spPr>
+          <a:xfrm>
+            <a:off x="6184491" y="2629552"/>
+            <a:ext cx="2418735" cy="528174"/>
+          </a:xfrm>
+          <a:prstGeom prst="leftRightArrow">
+            <a:avLst/>
+          </a:prstGeom>
+        </p:spPr>
+        <p:style>
+          <a:lnRef idx="2">
+            <a:schemeClr val="dk1">
+              <a:shade val="50000"/>
+            </a:schemeClr>
+          </a:lnRef>
+          <a:fillRef idx="1">
+            <a:schemeClr val="dk1"/>
+          </a:fillRef>
+          <a:effectRef idx="0">
+            <a:schemeClr val="dk1"/>
+          </a:effectRef>
+          <a:fontRef idx="minor">
+            <a:schemeClr val="lt1"/>
+          </a:fontRef>
+        </p:style>
+        <p:txBody>
+          <a:bodyPr rtlCol="0" anchor="ctr"/>
+          <a:lstStyle/>
+          <a:p>
+            <a:pPr algn="ctr"/>
+            <a:endParaRPr lang="en-US"/>
+          </a:p>
+        </p:txBody>
+      </p:sp>
+      <p:sp>
+        <p:nvSpPr>
+          <p:cNvPr id="40" name="Arrow: Left-Right 39">
+            <a:extLst>
+              <a:ext uri="{FF2B5EF4-FFF2-40B4-BE49-F238E27FC236}">
+                <a16:creationId xmlns:a16="http://schemas.microsoft.com/office/drawing/2014/main" id="{077B03CB-F58E-6D54-7495-568921E802DC}"/>
+              </a:ext>
+            </a:extLst>
+          </p:cNvPr>
+          <p:cNvSpPr/>
+          <p:nvPr/>
+        </p:nvSpPr>
+        <p:spPr>
+          <a:xfrm>
+            <a:off x="6207231" y="4082533"/>
+            <a:ext cx="2418735" cy="528174"/>
+          </a:xfrm>
+          <a:prstGeom prst="leftRightArrow">
+            <a:avLst/>
+          </a:prstGeom>
+        </p:spPr>
+        <p:style>
+          <a:lnRef idx="2">
+            <a:schemeClr val="dk1">
+              <a:shade val="50000"/>
+            </a:schemeClr>
+          </a:lnRef>
+          <a:fillRef idx="1">
+            <a:schemeClr val="dk1"/>
+          </a:fillRef>
+          <a:effectRef idx="0">
+            <a:schemeClr val="dk1"/>
+          </a:effectRef>
+          <a:fontRef idx="minor">
+            <a:schemeClr val="lt1"/>
+          </a:fontRef>
+        </p:style>
+        <p:txBody>
+          <a:bodyPr rtlCol="0" anchor="ctr"/>
+          <a:lstStyle/>
+          <a:p>
+            <a:pPr algn="ctr"/>
+            <a:endParaRPr lang="en-US"/>
+          </a:p>
+        </p:txBody>
+      </p:sp>
+      <p:sp>
+        <p:nvSpPr>
+          <p:cNvPr id="41" name="Rectangle 40">
+            <a:extLst>
+              <a:ext uri="{FF2B5EF4-FFF2-40B4-BE49-F238E27FC236}">
+                <a16:creationId xmlns:a16="http://schemas.microsoft.com/office/drawing/2014/main" id="{A80F454E-EE02-A1BD-F635-E297B13738F3}"/>
+              </a:ext>
+            </a:extLst>
+          </p:cNvPr>
+          <p:cNvSpPr/>
+          <p:nvPr/>
+        </p:nvSpPr>
+        <p:spPr>
+          <a:xfrm>
+            <a:off x="1898249" y="2376637"/>
+            <a:ext cx="994280" cy="2167080"/>
+          </a:xfrm>
+          <a:prstGeom prst="rect">
+            <a:avLst/>
+          </a:prstGeom>
+        </p:spPr>
+        <p:style>
+          <a:lnRef idx="2">
+            <a:schemeClr val="accent1">
+              <a:shade val="50000"/>
+            </a:schemeClr>
+          </a:lnRef>
+          <a:fillRef idx="1">
+            <a:schemeClr val="accent1"/>
+          </a:fillRef>
+          <a:effectRef idx="0">
+            <a:schemeClr val="accent1"/>
+          </a:effectRef>
+          <a:fontRef idx="minor">
+            <a:schemeClr val="lt1"/>
+          </a:fontRef>
+        </p:style>
+        <p:txBody>
+          <a:bodyPr rtlCol="0" anchor="ctr"/>
+          <a:lstStyle/>
+          <a:p>
+            <a:pPr algn="ctr"/>
+            <a:r>
+              <a:rPr lang="en-IN" b="1" dirty="0"/>
+              <a:t>G</a:t>
+            </a:r>
+          </a:p>
+          <a:p>
+            <a:pPr algn="ctr"/>
+            <a:r>
+              <a:rPr lang="en-IN" b="1" dirty="0"/>
+              <a:t>A</a:t>
+            </a:r>
+          </a:p>
+          <a:p>
+            <a:pPr algn="ctr"/>
+            <a:r>
+              <a:rPr lang="en-IN" b="1" dirty="0"/>
+              <a:t>T</a:t>
+            </a:r>
+          </a:p>
+          <a:p>
+            <a:pPr algn="ctr"/>
+            <a:r>
+              <a:rPr lang="en-IN" b="1" dirty="0"/>
+              <a:t>E</a:t>
+            </a:r>
+          </a:p>
+          <a:p>
+            <a:pPr algn="ctr"/>
+            <a:r>
+              <a:rPr lang="en-IN" b="1" dirty="0"/>
+              <a:t>W</a:t>
+            </a:r>
+          </a:p>
+          <a:p>
+            <a:pPr algn="ctr"/>
+            <a:r>
+              <a:rPr lang="en-IN" b="1" dirty="0"/>
+              <a:t>A</a:t>
+            </a:r>
+          </a:p>
+          <a:p>
+            <a:pPr algn="ctr"/>
+            <a:r>
+              <a:rPr lang="en-IN" b="1" dirty="0"/>
+              <a:t>Y</a:t>
+            </a:r>
+            <a:endParaRPr lang="en-US" b="1" dirty="0"/>
+          </a:p>
+        </p:txBody>
+      </p:sp>
+      <p:sp>
+        <p:nvSpPr>
+          <p:cNvPr id="42" name="Arrow: Left-Right 41">
+            <a:extLst>
+              <a:ext uri="{FF2B5EF4-FFF2-40B4-BE49-F238E27FC236}">
+                <a16:creationId xmlns:a16="http://schemas.microsoft.com/office/drawing/2014/main" id="{867E2D26-BB30-1648-6F64-EDD544D53C39}"/>
+              </a:ext>
+            </a:extLst>
+          </p:cNvPr>
+          <p:cNvSpPr/>
+          <p:nvPr/>
+        </p:nvSpPr>
+        <p:spPr>
+          <a:xfrm>
+            <a:off x="2782529" y="3429000"/>
+            <a:ext cx="274079" cy="193858"/>
+          </a:xfrm>
+          <a:prstGeom prst="leftRightArrow">
+            <a:avLst/>
+          </a:prstGeom>
+        </p:spPr>
+        <p:style>
+          <a:lnRef idx="2">
+            <a:schemeClr val="dk1">
+              <a:shade val="50000"/>
+            </a:schemeClr>
+          </a:lnRef>
+          <a:fillRef idx="1">
+            <a:schemeClr val="dk1"/>
+          </a:fillRef>
+          <a:effectRef idx="0">
+            <a:schemeClr val="dk1"/>
+          </a:effectRef>
+          <a:fontRef idx="minor">
+            <a:schemeClr val="lt1"/>
+          </a:fontRef>
+        </p:style>
+        <p:txBody>
+          <a:bodyPr rtlCol="0" anchor="ctr"/>
+          <a:lstStyle/>
+          <a:p>
+            <a:pPr algn="ctr"/>
+            <a:endParaRPr lang="en-US"/>
+          </a:p>
+        </p:txBody>
+      </p:sp>
+      <p:sp>
+        <p:nvSpPr>
+          <p:cNvPr id="43" name="Flowchart: Magnetic Disk 42">
+            <a:extLst>
+              <a:ext uri="{FF2B5EF4-FFF2-40B4-BE49-F238E27FC236}">
+                <a16:creationId xmlns:a16="http://schemas.microsoft.com/office/drawing/2014/main" id="{7DE6CBDA-3F4A-CDEE-27CB-A4BC0861FD16}"/>
+              </a:ext>
+            </a:extLst>
+          </p:cNvPr>
+          <p:cNvSpPr/>
+          <p:nvPr/>
+        </p:nvSpPr>
+        <p:spPr>
+          <a:xfrm>
+            <a:off x="2635660" y="5633631"/>
+            <a:ext cx="2007010" cy="850472"/>
+          </a:xfrm>
+          <a:prstGeom prst="flowChartMagneticDisk">
+            <a:avLst/>
+          </a:prstGeom>
+        </p:spPr>
+        <p:style>
+          <a:lnRef idx="2">
+            <a:schemeClr val="accent1">
+              <a:shade val="50000"/>
+            </a:schemeClr>
+          </a:lnRef>
+          <a:fillRef idx="1">
+            <a:schemeClr val="accent1"/>
+          </a:fillRef>
+          <a:effectRef idx="0">
+            <a:schemeClr val="accent1"/>
+          </a:effectRef>
+          <a:fontRef idx="minor">
+            <a:schemeClr val="lt1"/>
+          </a:fontRef>
+        </p:style>
+        <p:txBody>
+          <a:bodyPr rtlCol="0" anchor="ctr"/>
+          <a:lstStyle/>
+          <a:p>
+            <a:pPr algn="ctr"/>
+            <a:r>
+              <a:rPr lang="en-IN" b="1" dirty="0"/>
+              <a:t>Distributed</a:t>
+            </a:r>
+          </a:p>
+          <a:p>
+            <a:pPr algn="ctr"/>
+            <a:r>
+              <a:rPr lang="en-IN" b="1" dirty="0"/>
+              <a:t>Cache</a:t>
+            </a:r>
+            <a:endParaRPr lang="en-US" b="1" dirty="0"/>
+          </a:p>
+        </p:txBody>
+      </p:sp>
+      <p:sp>
+        <p:nvSpPr>
+          <p:cNvPr id="44" name="Flowchart: Predefined Process 43">
+            <a:extLst>
+              <a:ext uri="{FF2B5EF4-FFF2-40B4-BE49-F238E27FC236}">
+                <a16:creationId xmlns:a16="http://schemas.microsoft.com/office/drawing/2014/main" id="{28BBB317-1274-FCFE-A7B3-D882FFCC37A6}"/>
+              </a:ext>
+            </a:extLst>
+          </p:cNvPr>
+          <p:cNvSpPr/>
+          <p:nvPr/>
+        </p:nvSpPr>
+        <p:spPr>
+          <a:xfrm>
+            <a:off x="4995403" y="5633041"/>
+            <a:ext cx="1965836" cy="779968"/>
+          </a:xfrm>
+          <a:prstGeom prst="flowChartPredefinedProcess">
+            <a:avLst/>
+          </a:prstGeom>
+        </p:spPr>
+        <p:style>
+          <a:lnRef idx="2">
+            <a:schemeClr val="accent1">
+              <a:shade val="50000"/>
+            </a:schemeClr>
+          </a:lnRef>
+          <a:fillRef idx="1">
+            <a:schemeClr val="accent1"/>
+          </a:fillRef>
+          <a:effectRef idx="0">
+            <a:schemeClr val="accent1"/>
+          </a:effectRef>
+          <a:fontRef idx="minor">
+            <a:schemeClr val="lt1"/>
+          </a:fontRef>
+        </p:style>
+        <p:txBody>
+          <a:bodyPr rtlCol="0" anchor="ctr"/>
+          <a:lstStyle/>
+          <a:p>
+            <a:pPr algn="ctr"/>
+            <a:endParaRPr lang="en-US"/>
+          </a:p>
+        </p:txBody>
+      </p:sp>
+      <p:sp>
+        <p:nvSpPr>
+          <p:cNvPr id="45" name="Flowchart: Predefined Process 44">
+            <a:extLst>
+              <a:ext uri="{FF2B5EF4-FFF2-40B4-BE49-F238E27FC236}">
+                <a16:creationId xmlns:a16="http://schemas.microsoft.com/office/drawing/2014/main" id="{1357A6D4-04D8-B3FF-55F3-2FDAFA45DA30}"/>
+              </a:ext>
+            </a:extLst>
+          </p:cNvPr>
+          <p:cNvSpPr/>
+          <p:nvPr/>
+        </p:nvSpPr>
+        <p:spPr>
+          <a:xfrm>
+            <a:off x="5397910" y="5633041"/>
+            <a:ext cx="1066186" cy="779968"/>
+          </a:xfrm>
+          <a:prstGeom prst="flowChartPredefinedProcess">
+            <a:avLst/>
+          </a:prstGeom>
+        </p:spPr>
+        <p:style>
+          <a:lnRef idx="2">
+            <a:schemeClr val="accent1">
+              <a:shade val="50000"/>
+            </a:schemeClr>
+          </a:lnRef>
+          <a:fillRef idx="1">
+            <a:schemeClr val="accent1"/>
+          </a:fillRef>
+          <a:effectRef idx="0">
+            <a:schemeClr val="accent1"/>
+          </a:effectRef>
+          <a:fontRef idx="minor">
+            <a:schemeClr val="lt1"/>
+          </a:fontRef>
+        </p:style>
+        <p:txBody>
+          <a:bodyPr rtlCol="0" anchor="ctr"/>
+          <a:lstStyle/>
+          <a:p>
+            <a:pPr algn="ctr"/>
+            <a:endParaRPr lang="en-US"/>
+          </a:p>
+        </p:txBody>
+      </p:sp>
+      <p:sp>
+        <p:nvSpPr>
+          <p:cNvPr id="46" name="Rectangle 45">
+            <a:extLst>
+              <a:ext uri="{FF2B5EF4-FFF2-40B4-BE49-F238E27FC236}">
+                <a16:creationId xmlns:a16="http://schemas.microsoft.com/office/drawing/2014/main" id="{6268D64D-3B2E-13DC-37B7-8BBF42B4872E}"/>
+              </a:ext>
+            </a:extLst>
+          </p:cNvPr>
+          <p:cNvSpPr/>
+          <p:nvPr/>
+        </p:nvSpPr>
+        <p:spPr>
+          <a:xfrm>
+            <a:off x="5861866" y="5633041"/>
+            <a:ext cx="234134" cy="779968"/>
+          </a:xfrm>
+          <a:prstGeom prst="rect">
+            <a:avLst/>
+          </a:prstGeom>
+        </p:spPr>
+        <p:style>
+          <a:lnRef idx="2">
+            <a:schemeClr val="accent1">
+              <a:shade val="50000"/>
+            </a:schemeClr>
+          </a:lnRef>
+          <a:fillRef idx="1">
+            <a:schemeClr val="accent1"/>
+          </a:fillRef>
+          <a:effectRef idx="0">
+            <a:schemeClr val="accent1"/>
+          </a:effectRef>
+          <a:fontRef idx="minor">
+            <a:schemeClr val="lt1"/>
+          </a:fontRef>
+        </p:style>
+        <p:txBody>
+          <a:bodyPr rtlCol="0" anchor="ctr"/>
+          <a:lstStyle/>
+          <a:p>
+            <a:pPr algn="ctr"/>
+            <a:endParaRPr lang="en-US"/>
+          </a:p>
+        </p:txBody>
+      </p:sp>
+      <p:sp>
+        <p:nvSpPr>
+          <p:cNvPr id="47" name="TextBox 46">
+            <a:extLst>
+              <a:ext uri="{FF2B5EF4-FFF2-40B4-BE49-F238E27FC236}">
+                <a16:creationId xmlns:a16="http://schemas.microsoft.com/office/drawing/2014/main" id="{DF8318AC-C8EB-CF72-C7AA-59B581880967}"/>
+              </a:ext>
+            </a:extLst>
+          </p:cNvPr>
+          <p:cNvSpPr txBox="1"/>
+          <p:nvPr/>
+        </p:nvSpPr>
+        <p:spPr>
+          <a:xfrm>
+            <a:off x="5135515" y="6552333"/>
+            <a:ext cx="2143432" cy="276999"/>
+          </a:xfrm>
+          <a:prstGeom prst="rect">
+            <a:avLst/>
+          </a:prstGeom>
+          <a:noFill/>
+        </p:spPr>
+        <p:txBody>
+          <a:bodyPr wrap="square" rtlCol="0">
+            <a:spAutoFit/>
+          </a:bodyPr>
+          <a:lstStyle/>
+          <a:p>
+            <a:r>
+              <a:rPr lang="en-IN" sz="1200" dirty="0"/>
+              <a:t>Messaging</a:t>
+            </a:r>
+            <a:endParaRPr lang="en-US" sz="1200" dirty="0"/>
+          </a:p>
+        </p:txBody>
+      </p:sp>
+      <p:sp>
+        <p:nvSpPr>
+          <p:cNvPr id="48" name="Arrow: Up-Down 47">
+            <a:extLst>
+              <a:ext uri="{FF2B5EF4-FFF2-40B4-BE49-F238E27FC236}">
+                <a16:creationId xmlns:a16="http://schemas.microsoft.com/office/drawing/2014/main" id="{4F32EA96-C329-3AC2-1E9A-0F13D2872445}"/>
+              </a:ext>
+            </a:extLst>
+          </p:cNvPr>
+          <p:cNvSpPr/>
+          <p:nvPr/>
+        </p:nvSpPr>
+        <p:spPr>
+          <a:xfrm>
+            <a:off x="3575870" y="5102027"/>
+            <a:ext cx="307873" cy="761489"/>
+          </a:xfrm>
+          <a:prstGeom prst="upDownArrow">
+            <a:avLst/>
+          </a:prstGeom>
+          <a:solidFill>
+            <a:srgbClr val="FF0000"/>
+          </a:solidFill>
+        </p:spPr>
+        <p:style>
+          <a:lnRef idx="2">
+            <a:schemeClr val="accent1">
+              <a:shade val="50000"/>
+            </a:schemeClr>
+          </a:lnRef>
+          <a:fillRef idx="1">
+            <a:schemeClr val="accent1"/>
+          </a:fillRef>
+          <a:effectRef idx="0">
+            <a:schemeClr val="accent1"/>
+          </a:effectRef>
+          <a:fontRef idx="minor">
+            <a:schemeClr val="lt1"/>
+          </a:fontRef>
+        </p:style>
+        <p:txBody>
+          <a:bodyPr rtlCol="0" anchor="ctr"/>
+          <a:lstStyle/>
+          <a:p>
+            <a:pPr algn="ctr"/>
+            <a:endParaRPr lang="en-US"/>
+          </a:p>
+        </p:txBody>
+      </p:sp>
+      <p:sp>
+        <p:nvSpPr>
+          <p:cNvPr id="49" name="Arrow: Up-Down 48">
+            <a:extLst>
+              <a:ext uri="{FF2B5EF4-FFF2-40B4-BE49-F238E27FC236}">
+                <a16:creationId xmlns:a16="http://schemas.microsoft.com/office/drawing/2014/main" id="{DCCD0EA4-0981-AACB-7993-C1BBCA42FD65}"/>
+              </a:ext>
+            </a:extLst>
+          </p:cNvPr>
+          <p:cNvSpPr/>
+          <p:nvPr/>
+        </p:nvSpPr>
+        <p:spPr>
+          <a:xfrm>
+            <a:off x="5339833" y="4944286"/>
+            <a:ext cx="307873" cy="761489"/>
+          </a:xfrm>
+          <a:prstGeom prst="upDownArrow">
+            <a:avLst/>
+          </a:prstGeom>
+          <a:solidFill>
+            <a:srgbClr val="FF0000"/>
+          </a:solidFill>
+        </p:spPr>
+        <p:style>
+          <a:lnRef idx="2">
+            <a:schemeClr val="accent1">
+              <a:shade val="50000"/>
+            </a:schemeClr>
+          </a:lnRef>
+          <a:fillRef idx="1">
+            <a:schemeClr val="accent1"/>
+          </a:fillRef>
+          <a:effectRef idx="0">
+            <a:schemeClr val="accent1"/>
+          </a:effectRef>
+          <a:fontRef idx="minor">
+            <a:schemeClr val="lt1"/>
+          </a:fontRef>
+        </p:style>
+        <p:txBody>
+          <a:bodyPr rtlCol="0" anchor="ctr"/>
+          <a:lstStyle/>
+          <a:p>
+            <a:pPr algn="ctr"/>
+            <a:endParaRPr lang="en-US"/>
+          </a:p>
+        </p:txBody>
+      </p:sp>
+      <p:sp>
+        <p:nvSpPr>
+          <p:cNvPr id="50" name="TextBox 49">
+            <a:extLst>
+              <a:ext uri="{FF2B5EF4-FFF2-40B4-BE49-F238E27FC236}">
+                <a16:creationId xmlns:a16="http://schemas.microsoft.com/office/drawing/2014/main" id="{D43FEFF9-40D3-5166-5E0D-ED8318D8C87F}"/>
+              </a:ext>
+            </a:extLst>
+          </p:cNvPr>
+          <p:cNvSpPr txBox="1"/>
+          <p:nvPr/>
+        </p:nvSpPr>
+        <p:spPr>
+          <a:xfrm>
+            <a:off x="-77734" y="3006521"/>
+            <a:ext cx="2253429" cy="2800767"/>
+          </a:xfrm>
+          <a:prstGeom prst="rect">
+            <a:avLst/>
+          </a:prstGeom>
+          <a:noFill/>
+        </p:spPr>
+        <p:txBody>
+          <a:bodyPr wrap="square" rtlCol="0">
+            <a:spAutoFit/>
+          </a:bodyPr>
+          <a:lstStyle/>
+          <a:p>
+            <a:pPr marL="342900" indent="-342900">
+              <a:buFont typeface="+mj-lt"/>
+              <a:buAutoNum type="arabicPeriod"/>
+            </a:pPr>
+            <a:r>
+              <a:rPr lang="en-IN" sz="1600" dirty="0"/>
+              <a:t>Cluster: Kubernetes</a:t>
+            </a:r>
+          </a:p>
+          <a:p>
+            <a:pPr marL="342900" indent="-342900">
+              <a:buFont typeface="+mj-lt"/>
+              <a:buAutoNum type="arabicPeriod"/>
+            </a:pPr>
+            <a:r>
+              <a:rPr lang="en-IN" sz="1600" dirty="0"/>
+              <a:t>Data Persistence Lauer: RDS, DynamoDB, S3</a:t>
+            </a:r>
+          </a:p>
+          <a:p>
+            <a:pPr marL="342900" indent="-342900">
+              <a:buFont typeface="+mj-lt"/>
+              <a:buAutoNum type="arabicPeriod"/>
+            </a:pPr>
+            <a:r>
+              <a:rPr lang="en-IN" sz="1600" dirty="0"/>
+              <a:t>APP: Microservices App</a:t>
+            </a:r>
+          </a:p>
+          <a:p>
+            <a:pPr marL="342900" indent="-342900">
+              <a:buFont typeface="+mj-lt"/>
+              <a:buAutoNum type="arabicPeriod"/>
+            </a:pPr>
+            <a:r>
+              <a:rPr lang="en-IN" sz="1600" dirty="0"/>
+              <a:t>Cache: Redis or as per app need</a:t>
+            </a:r>
+          </a:p>
+          <a:p>
+            <a:pPr marL="342900" indent="-342900">
+              <a:buFont typeface="+mj-lt"/>
+              <a:buAutoNum type="arabicPeriod"/>
+            </a:pPr>
+            <a:r>
+              <a:rPr lang="en-IN" sz="1600" dirty="0"/>
+              <a:t>Messaging: SQS or any other Messaging Service</a:t>
+            </a:r>
+            <a:endParaRPr lang="en-US" sz="1600" dirty="0"/>
+          </a:p>
+        </p:txBody>
+      </p:sp>
+    </p:spTree>
+    <p:extLst>
+      <p:ext uri="{BB962C8B-B14F-4D97-AF65-F5344CB8AC3E}">
+        <p14:creationId xmlns:p14="http://schemas.microsoft.com/office/powerpoint/2010/main" val="380986320"/>
       </p:ext>
     </p:extLst>
   </p:cSld>

--- a/training_images.pptx
+++ b/training_images.pptx
@@ -4,6 +4,9 @@
   <p:sldMasterIdLst>
     <p:sldMasterId id="2147483660" r:id="rId1"/>
   </p:sldMasterIdLst>
+  <p:notesMasterIdLst>
+    <p:notesMasterId r:id="rId33"/>
+  </p:notesMasterIdLst>
   <p:sldIdLst>
     <p:sldId id="256" r:id="rId2"/>
     <p:sldId id="257" r:id="rId3"/>
@@ -34,6 +37,8 @@
     <p:sldId id="282" r:id="rId28"/>
     <p:sldId id="283" r:id="rId29"/>
     <p:sldId id="284" r:id="rId30"/>
+    <p:sldId id="285" r:id="rId31"/>
+    <p:sldId id="286" r:id="rId32"/>
   </p:sldIdLst>
   <p:sldSz cx="12192000" cy="6858000"/>
   <p:notesSz cx="6858000" cy="9144000"/>
@@ -140,6 +145,439 @@
 </p:presentation>
 </file>
 
+<file path=ppt/notesMasters/notesMaster1.xml><?xml version="1.0" encoding="utf-8"?>
+<p:notesMaster xmlns:a="http://schemas.openxmlformats.org/drawingml/2006/main" xmlns:r="http://schemas.openxmlformats.org/officeDocument/2006/relationships" xmlns:p="http://schemas.openxmlformats.org/presentationml/2006/main">
+  <p:cSld>
+    <p:bg>
+      <p:bgRef idx="1001">
+        <a:schemeClr val="bg1"/>
+      </p:bgRef>
+    </p:bg>
+    <p:spTree>
+      <p:nvGrpSpPr>
+        <p:cNvPr id="1" name=""/>
+        <p:cNvGrpSpPr/>
+        <p:nvPr/>
+      </p:nvGrpSpPr>
+      <p:grpSpPr>
+        <a:xfrm>
+          <a:off x="0" y="0"/>
+          <a:ext cx="0" cy="0"/>
+          <a:chOff x="0" y="0"/>
+          <a:chExt cx="0" cy="0"/>
+        </a:xfrm>
+      </p:grpSpPr>
+      <p:sp>
+        <p:nvSpPr>
+          <p:cNvPr id="2" name="Header Placeholder 1"/>
+          <p:cNvSpPr>
+            <a:spLocks noGrp="1"/>
+          </p:cNvSpPr>
+          <p:nvPr>
+            <p:ph type="hdr" sz="quarter"/>
+          </p:nvPr>
+        </p:nvSpPr>
+        <p:spPr>
+          <a:xfrm>
+            <a:off x="0" y="0"/>
+            <a:ext cx="2971800" cy="458788"/>
+          </a:xfrm>
+          <a:prstGeom prst="rect">
+            <a:avLst/>
+          </a:prstGeom>
+        </p:spPr>
+        <p:txBody>
+          <a:bodyPr vert="horz" lIns="91440" tIns="45720" rIns="91440" bIns="45720" rtlCol="0"/>
+          <a:lstStyle>
+            <a:lvl1pPr algn="l">
+              <a:defRPr sz="1200"/>
+            </a:lvl1pPr>
+          </a:lstStyle>
+          <a:p>
+            <a:endParaRPr lang="en-US"/>
+          </a:p>
+        </p:txBody>
+      </p:sp>
+      <p:sp>
+        <p:nvSpPr>
+          <p:cNvPr id="3" name="Date Placeholder 2"/>
+          <p:cNvSpPr>
+            <a:spLocks noGrp="1"/>
+          </p:cNvSpPr>
+          <p:nvPr>
+            <p:ph type="dt" idx="1"/>
+          </p:nvPr>
+        </p:nvSpPr>
+        <p:spPr>
+          <a:xfrm>
+            <a:off x="3884613" y="0"/>
+            <a:ext cx="2971800" cy="458788"/>
+          </a:xfrm>
+          <a:prstGeom prst="rect">
+            <a:avLst/>
+          </a:prstGeom>
+        </p:spPr>
+        <p:txBody>
+          <a:bodyPr vert="horz" lIns="91440" tIns="45720" rIns="91440" bIns="45720" rtlCol="0"/>
+          <a:lstStyle>
+            <a:lvl1pPr algn="r">
+              <a:defRPr sz="1200"/>
+            </a:lvl1pPr>
+          </a:lstStyle>
+          <a:p>
+            <a:fld id="{EB4D1A76-B039-4BCA-BFA4-191407DB5AE0}" type="datetimeFigureOut">
+              <a:rPr lang="en-US" smtClean="0"/>
+              <a:t>5/13/2022</a:t>
+            </a:fld>
+            <a:endParaRPr lang="en-US"/>
+          </a:p>
+        </p:txBody>
+      </p:sp>
+      <p:sp>
+        <p:nvSpPr>
+          <p:cNvPr id="4" name="Slide Image Placeholder 3"/>
+          <p:cNvSpPr>
+            <a:spLocks noGrp="1" noRot="1" noChangeAspect="1"/>
+          </p:cNvSpPr>
+          <p:nvPr>
+            <p:ph type="sldImg" idx="2"/>
+          </p:nvPr>
+        </p:nvSpPr>
+        <p:spPr>
+          <a:xfrm>
+            <a:off x="685800" y="1143000"/>
+            <a:ext cx="5486400" cy="3086100"/>
+          </a:xfrm>
+          <a:prstGeom prst="rect">
+            <a:avLst/>
+          </a:prstGeom>
+          <a:noFill/>
+          <a:ln w="12700">
+            <a:solidFill>
+              <a:prstClr val="black"/>
+            </a:solidFill>
+          </a:ln>
+        </p:spPr>
+        <p:txBody>
+          <a:bodyPr vert="horz" lIns="91440" tIns="45720" rIns="91440" bIns="45720" rtlCol="0" anchor="ctr"/>
+          <a:lstStyle/>
+          <a:p>
+            <a:endParaRPr lang="en-US"/>
+          </a:p>
+        </p:txBody>
+      </p:sp>
+      <p:sp>
+        <p:nvSpPr>
+          <p:cNvPr id="5" name="Notes Placeholder 4"/>
+          <p:cNvSpPr>
+            <a:spLocks noGrp="1"/>
+          </p:cNvSpPr>
+          <p:nvPr>
+            <p:ph type="body" sz="quarter" idx="3"/>
+          </p:nvPr>
+        </p:nvSpPr>
+        <p:spPr>
+          <a:xfrm>
+            <a:off x="685800" y="4400550"/>
+            <a:ext cx="5486400" cy="3600450"/>
+          </a:xfrm>
+          <a:prstGeom prst="rect">
+            <a:avLst/>
+          </a:prstGeom>
+        </p:spPr>
+        <p:txBody>
+          <a:bodyPr vert="horz" lIns="91440" tIns="45720" rIns="91440" bIns="45720" rtlCol="0"/>
+          <a:lstStyle/>
+          <a:p>
+            <a:pPr lvl="0"/>
+            <a:r>
+              <a:rPr lang="en-US"/>
+              <a:t>Click to edit Master text styles</a:t>
+            </a:r>
+          </a:p>
+          <a:p>
+            <a:pPr lvl="1"/>
+            <a:r>
+              <a:rPr lang="en-US"/>
+              <a:t>Second level</a:t>
+            </a:r>
+          </a:p>
+          <a:p>
+            <a:pPr lvl="2"/>
+            <a:r>
+              <a:rPr lang="en-US"/>
+              <a:t>Third level</a:t>
+            </a:r>
+          </a:p>
+          <a:p>
+            <a:pPr lvl="3"/>
+            <a:r>
+              <a:rPr lang="en-US"/>
+              <a:t>Fourth level</a:t>
+            </a:r>
+          </a:p>
+          <a:p>
+            <a:pPr lvl="4"/>
+            <a:r>
+              <a:rPr lang="en-US"/>
+              <a:t>Fifth level</a:t>
+            </a:r>
+          </a:p>
+        </p:txBody>
+      </p:sp>
+      <p:sp>
+        <p:nvSpPr>
+          <p:cNvPr id="6" name="Footer Placeholder 5"/>
+          <p:cNvSpPr>
+            <a:spLocks noGrp="1"/>
+          </p:cNvSpPr>
+          <p:nvPr>
+            <p:ph type="ftr" sz="quarter" idx="4"/>
+          </p:nvPr>
+        </p:nvSpPr>
+        <p:spPr>
+          <a:xfrm>
+            <a:off x="0" y="8685213"/>
+            <a:ext cx="2971800" cy="458787"/>
+          </a:xfrm>
+          <a:prstGeom prst="rect">
+            <a:avLst/>
+          </a:prstGeom>
+        </p:spPr>
+        <p:txBody>
+          <a:bodyPr vert="horz" lIns="91440" tIns="45720" rIns="91440" bIns="45720" rtlCol="0" anchor="b"/>
+          <a:lstStyle>
+            <a:lvl1pPr algn="l">
+              <a:defRPr sz="1200"/>
+            </a:lvl1pPr>
+          </a:lstStyle>
+          <a:p>
+            <a:endParaRPr lang="en-US"/>
+          </a:p>
+        </p:txBody>
+      </p:sp>
+      <p:sp>
+        <p:nvSpPr>
+          <p:cNvPr id="7" name="Slide Number Placeholder 6"/>
+          <p:cNvSpPr>
+            <a:spLocks noGrp="1"/>
+          </p:cNvSpPr>
+          <p:nvPr>
+            <p:ph type="sldNum" sz="quarter" idx="5"/>
+          </p:nvPr>
+        </p:nvSpPr>
+        <p:spPr>
+          <a:xfrm>
+            <a:off x="3884613" y="8685213"/>
+            <a:ext cx="2971800" cy="458787"/>
+          </a:xfrm>
+          <a:prstGeom prst="rect">
+            <a:avLst/>
+          </a:prstGeom>
+        </p:spPr>
+        <p:txBody>
+          <a:bodyPr vert="horz" lIns="91440" tIns="45720" rIns="91440" bIns="45720" rtlCol="0" anchor="b"/>
+          <a:lstStyle>
+            <a:lvl1pPr algn="r">
+              <a:defRPr sz="1200"/>
+            </a:lvl1pPr>
+          </a:lstStyle>
+          <a:p>
+            <a:fld id="{C5131D22-4390-4401-9CF6-4EF55E4560D4}" type="slidenum">
+              <a:rPr lang="en-US" smtClean="0"/>
+              <a:t>‹#›</a:t>
+            </a:fld>
+            <a:endParaRPr lang="en-US"/>
+          </a:p>
+        </p:txBody>
+      </p:sp>
+    </p:spTree>
+    <p:extLst>
+      <p:ext uri="{BB962C8B-B14F-4D97-AF65-F5344CB8AC3E}">
+        <p14:creationId xmlns:p14="http://schemas.microsoft.com/office/powerpoint/2010/main" val="1775926656"/>
+      </p:ext>
+    </p:extLst>
+  </p:cSld>
+  <p:clrMap bg1="lt1" tx1="dk1" bg2="lt2" tx2="dk2" accent1="accent1" accent2="accent2" accent3="accent3" accent4="accent4" accent5="accent5" accent6="accent6" hlink="hlink" folHlink="folHlink"/>
+  <p:notesStyle>
+    <a:lvl1pPr marL="0" algn="l" defTabSz="914400" rtl="0" eaLnBrk="1" latinLnBrk="0" hangingPunct="1">
+      <a:defRPr sz="1200" kern="1200">
+        <a:solidFill>
+          <a:schemeClr val="tx1"/>
+        </a:solidFill>
+        <a:latin typeface="+mn-lt"/>
+        <a:ea typeface="+mn-ea"/>
+        <a:cs typeface="+mn-cs"/>
+      </a:defRPr>
+    </a:lvl1pPr>
+    <a:lvl2pPr marL="457200" algn="l" defTabSz="914400" rtl="0" eaLnBrk="1" latinLnBrk="0" hangingPunct="1">
+      <a:defRPr sz="1200" kern="1200">
+        <a:solidFill>
+          <a:schemeClr val="tx1"/>
+        </a:solidFill>
+        <a:latin typeface="+mn-lt"/>
+        <a:ea typeface="+mn-ea"/>
+        <a:cs typeface="+mn-cs"/>
+      </a:defRPr>
+    </a:lvl2pPr>
+    <a:lvl3pPr marL="914400" algn="l" defTabSz="914400" rtl="0" eaLnBrk="1" latinLnBrk="0" hangingPunct="1">
+      <a:defRPr sz="1200" kern="1200">
+        <a:solidFill>
+          <a:schemeClr val="tx1"/>
+        </a:solidFill>
+        <a:latin typeface="+mn-lt"/>
+        <a:ea typeface="+mn-ea"/>
+        <a:cs typeface="+mn-cs"/>
+      </a:defRPr>
+    </a:lvl3pPr>
+    <a:lvl4pPr marL="1371600" algn="l" defTabSz="914400" rtl="0" eaLnBrk="1" latinLnBrk="0" hangingPunct="1">
+      <a:defRPr sz="1200" kern="1200">
+        <a:solidFill>
+          <a:schemeClr val="tx1"/>
+        </a:solidFill>
+        <a:latin typeface="+mn-lt"/>
+        <a:ea typeface="+mn-ea"/>
+        <a:cs typeface="+mn-cs"/>
+      </a:defRPr>
+    </a:lvl4pPr>
+    <a:lvl5pPr marL="1828800" algn="l" defTabSz="914400" rtl="0" eaLnBrk="1" latinLnBrk="0" hangingPunct="1">
+      <a:defRPr sz="1200" kern="1200">
+        <a:solidFill>
+          <a:schemeClr val="tx1"/>
+        </a:solidFill>
+        <a:latin typeface="+mn-lt"/>
+        <a:ea typeface="+mn-ea"/>
+        <a:cs typeface="+mn-cs"/>
+      </a:defRPr>
+    </a:lvl5pPr>
+    <a:lvl6pPr marL="2286000" algn="l" defTabSz="914400" rtl="0" eaLnBrk="1" latinLnBrk="0" hangingPunct="1">
+      <a:defRPr sz="1200" kern="1200">
+        <a:solidFill>
+          <a:schemeClr val="tx1"/>
+        </a:solidFill>
+        <a:latin typeface="+mn-lt"/>
+        <a:ea typeface="+mn-ea"/>
+        <a:cs typeface="+mn-cs"/>
+      </a:defRPr>
+    </a:lvl6pPr>
+    <a:lvl7pPr marL="2743200" algn="l" defTabSz="914400" rtl="0" eaLnBrk="1" latinLnBrk="0" hangingPunct="1">
+      <a:defRPr sz="1200" kern="1200">
+        <a:solidFill>
+          <a:schemeClr val="tx1"/>
+        </a:solidFill>
+        <a:latin typeface="+mn-lt"/>
+        <a:ea typeface="+mn-ea"/>
+        <a:cs typeface="+mn-cs"/>
+      </a:defRPr>
+    </a:lvl7pPr>
+    <a:lvl8pPr marL="3200400" algn="l" defTabSz="914400" rtl="0" eaLnBrk="1" latinLnBrk="0" hangingPunct="1">
+      <a:defRPr sz="1200" kern="1200">
+        <a:solidFill>
+          <a:schemeClr val="tx1"/>
+        </a:solidFill>
+        <a:latin typeface="+mn-lt"/>
+        <a:ea typeface="+mn-ea"/>
+        <a:cs typeface="+mn-cs"/>
+      </a:defRPr>
+    </a:lvl8pPr>
+    <a:lvl9pPr marL="3657600" algn="l" defTabSz="914400" rtl="0" eaLnBrk="1" latinLnBrk="0" hangingPunct="1">
+      <a:defRPr sz="1200" kern="1200">
+        <a:solidFill>
+          <a:schemeClr val="tx1"/>
+        </a:solidFill>
+        <a:latin typeface="+mn-lt"/>
+        <a:ea typeface="+mn-ea"/>
+        <a:cs typeface="+mn-cs"/>
+      </a:defRPr>
+    </a:lvl9pPr>
+  </p:notesStyle>
+</p:notesMaster>
+</file>
+
+<file path=ppt/notesSlides/notesSlide1.xml><?xml version="1.0" encoding="utf-8"?>
+<p:notes xmlns:a="http://schemas.openxmlformats.org/drawingml/2006/main" xmlns:r="http://schemas.openxmlformats.org/officeDocument/2006/relationships" xmlns:p="http://schemas.openxmlformats.org/presentationml/2006/main">
+  <p:cSld>
+    <p:spTree>
+      <p:nvGrpSpPr>
+        <p:cNvPr id="1" name=""/>
+        <p:cNvGrpSpPr/>
+        <p:nvPr/>
+      </p:nvGrpSpPr>
+      <p:grpSpPr>
+        <a:xfrm>
+          <a:off x="0" y="0"/>
+          <a:ext cx="0" cy="0"/>
+          <a:chOff x="0" y="0"/>
+          <a:chExt cx="0" cy="0"/>
+        </a:xfrm>
+      </p:grpSpPr>
+      <p:sp>
+        <p:nvSpPr>
+          <p:cNvPr id="2" name="Slide Image Placeholder 1"/>
+          <p:cNvSpPr>
+            <a:spLocks noGrp="1" noRot="1" noChangeAspect="1"/>
+          </p:cNvSpPr>
+          <p:nvPr>
+            <p:ph type="sldImg"/>
+          </p:nvPr>
+        </p:nvSpPr>
+        <p:spPr/>
+      </p:sp>
+      <p:sp>
+        <p:nvSpPr>
+          <p:cNvPr id="3" name="Notes Placeholder 2"/>
+          <p:cNvSpPr>
+            <a:spLocks noGrp="1"/>
+          </p:cNvSpPr>
+          <p:nvPr>
+            <p:ph type="body" idx="1"/>
+          </p:nvPr>
+        </p:nvSpPr>
+        <p:spPr/>
+        <p:txBody>
+          <a:bodyPr/>
+          <a:lstStyle/>
+          <a:p>
+            <a:endParaRPr lang="en-US" dirty="0"/>
+          </a:p>
+        </p:txBody>
+      </p:sp>
+      <p:sp>
+        <p:nvSpPr>
+          <p:cNvPr id="4" name="Slide Number Placeholder 3"/>
+          <p:cNvSpPr>
+            <a:spLocks noGrp="1"/>
+          </p:cNvSpPr>
+          <p:nvPr>
+            <p:ph type="sldNum" sz="quarter" idx="5"/>
+          </p:nvPr>
+        </p:nvSpPr>
+        <p:spPr/>
+        <p:txBody>
+          <a:bodyPr/>
+          <a:lstStyle/>
+          <a:p>
+            <a:fld id="{C5131D22-4390-4401-9CF6-4EF55E4560D4}" type="slidenum">
+              <a:rPr lang="en-US" smtClean="0"/>
+              <a:t>31</a:t>
+            </a:fld>
+            <a:endParaRPr lang="en-US"/>
+          </a:p>
+        </p:txBody>
+      </p:sp>
+    </p:spTree>
+    <p:extLst>
+      <p:ext uri="{BB962C8B-B14F-4D97-AF65-F5344CB8AC3E}">
+        <p14:creationId xmlns:p14="http://schemas.microsoft.com/office/powerpoint/2010/main" val="2167290128"/>
+      </p:ext>
+    </p:extLst>
+  </p:cSld>
+  <p:clrMapOvr>
+    <a:masterClrMapping/>
+  </p:clrMapOvr>
+</p:notes>
+</file>
+
 <file path=ppt/slideLayouts/slideLayout1.xml><?xml version="1.0" encoding="utf-8"?>
 <p:sldLayout xmlns:a="http://schemas.openxmlformats.org/drawingml/2006/main" xmlns:r="http://schemas.openxmlformats.org/officeDocument/2006/relationships" xmlns:p="http://schemas.openxmlformats.org/presentationml/2006/main" type="title" preserve="1">
   <p:cSld name="Title Slide">
@@ -303,7 +741,7 @@
           <a:p>
             <a:fld id="{822AF85D-11A4-42B9-B7D1-A5D0AD529DB2}" type="datetimeFigureOut">
               <a:rPr lang="en-US" smtClean="0"/>
-              <a:t>5/12/2022</a:t>
+              <a:t>5/13/2022</a:t>
             </a:fld>
             <a:endParaRPr lang="en-US"/>
           </a:p>
@@ -473,7 +911,7 @@
           <a:p>
             <a:fld id="{822AF85D-11A4-42B9-B7D1-A5D0AD529DB2}" type="datetimeFigureOut">
               <a:rPr lang="en-US" smtClean="0"/>
-              <a:t>5/12/2022</a:t>
+              <a:t>5/13/2022</a:t>
             </a:fld>
             <a:endParaRPr lang="en-US"/>
           </a:p>
@@ -653,7 +1091,7 @@
           <a:p>
             <a:fld id="{822AF85D-11A4-42B9-B7D1-A5D0AD529DB2}" type="datetimeFigureOut">
               <a:rPr lang="en-US" smtClean="0"/>
-              <a:t>5/12/2022</a:t>
+              <a:t>5/13/2022</a:t>
             </a:fld>
             <a:endParaRPr lang="en-US"/>
           </a:p>
@@ -823,7 +1261,7 @@
           <a:p>
             <a:fld id="{822AF85D-11A4-42B9-B7D1-A5D0AD529DB2}" type="datetimeFigureOut">
               <a:rPr lang="en-US" smtClean="0"/>
-              <a:t>5/12/2022</a:t>
+              <a:t>5/13/2022</a:t>
             </a:fld>
             <a:endParaRPr lang="en-US"/>
           </a:p>
@@ -1091,7 +1529,7 @@
           <a:p>
             <a:fld id="{822AF85D-11A4-42B9-B7D1-A5D0AD529DB2}" type="datetimeFigureOut">
               <a:rPr lang="en-US" smtClean="0"/>
-              <a:t>5/12/2022</a:t>
+              <a:t>5/13/2022</a:t>
             </a:fld>
             <a:endParaRPr lang="en-US"/>
           </a:p>
@@ -1323,7 +1761,7 @@
           <a:p>
             <a:fld id="{822AF85D-11A4-42B9-B7D1-A5D0AD529DB2}" type="datetimeFigureOut">
               <a:rPr lang="en-US" smtClean="0"/>
-              <a:t>5/12/2022</a:t>
+              <a:t>5/13/2022</a:t>
             </a:fld>
             <a:endParaRPr lang="en-US"/>
           </a:p>
@@ -1682,7 +2120,7 @@
           <a:p>
             <a:fld id="{822AF85D-11A4-42B9-B7D1-A5D0AD529DB2}" type="datetimeFigureOut">
               <a:rPr lang="en-US" smtClean="0"/>
-              <a:t>5/12/2022</a:t>
+              <a:t>5/13/2022</a:t>
             </a:fld>
             <a:endParaRPr lang="en-US"/>
           </a:p>
@@ -1823,7 +2261,7 @@
           <a:p>
             <a:fld id="{822AF85D-11A4-42B9-B7D1-A5D0AD529DB2}" type="datetimeFigureOut">
               <a:rPr lang="en-US" smtClean="0"/>
-              <a:t>5/12/2022</a:t>
+              <a:t>5/13/2022</a:t>
             </a:fld>
             <a:endParaRPr lang="en-US"/>
           </a:p>
@@ -1918,7 +2356,7 @@
           <a:p>
             <a:fld id="{822AF85D-11A4-42B9-B7D1-A5D0AD529DB2}" type="datetimeFigureOut">
               <a:rPr lang="en-US" smtClean="0"/>
-              <a:t>5/12/2022</a:t>
+              <a:t>5/13/2022</a:t>
             </a:fld>
             <a:endParaRPr lang="en-US"/>
           </a:p>
@@ -2275,7 +2713,7 @@
           <a:p>
             <a:fld id="{822AF85D-11A4-42B9-B7D1-A5D0AD529DB2}" type="datetimeFigureOut">
               <a:rPr lang="en-US" smtClean="0"/>
-              <a:t>5/12/2022</a:t>
+              <a:t>5/13/2022</a:t>
             </a:fld>
             <a:endParaRPr lang="en-US"/>
           </a:p>
@@ -2632,7 +3070,7 @@
           <a:p>
             <a:fld id="{822AF85D-11A4-42B9-B7D1-A5D0AD529DB2}" type="datetimeFigureOut">
               <a:rPr lang="en-US" smtClean="0"/>
-              <a:t>5/12/2022</a:t>
+              <a:t>5/13/2022</a:t>
             </a:fld>
             <a:endParaRPr lang="en-US"/>
           </a:p>
@@ -2874,7 +3312,7 @@
           <a:p>
             <a:fld id="{822AF85D-11A4-42B9-B7D1-A5D0AD529DB2}" type="datetimeFigureOut">
               <a:rPr lang="en-US" smtClean="0"/>
-              <a:t>5/12/2022</a:t>
+              <a:t>5/13/2022</a:t>
             </a:fld>
             <a:endParaRPr lang="en-US"/>
           </a:p>
@@ -23511,6 +23949,2881 @@
     <p:extLst>
       <p:ext uri="{BB962C8B-B14F-4D97-AF65-F5344CB8AC3E}">
         <p14:creationId xmlns:p14="http://schemas.microsoft.com/office/powerpoint/2010/main" val="356740473"/>
+      </p:ext>
+    </p:extLst>
+  </p:cSld>
+  <p:clrMapOvr>
+    <a:masterClrMapping/>
+  </p:clrMapOvr>
+</p:sld>
+</file>
+
+<file path=ppt/slides/slide30.xml><?xml version="1.0" encoding="utf-8"?>
+<p:sld xmlns:a="http://schemas.openxmlformats.org/drawingml/2006/main" xmlns:r="http://schemas.openxmlformats.org/officeDocument/2006/relationships" xmlns:p="http://schemas.openxmlformats.org/presentationml/2006/main">
+  <p:cSld>
+    <p:spTree>
+      <p:nvGrpSpPr>
+        <p:cNvPr id="1" name=""/>
+        <p:cNvGrpSpPr/>
+        <p:nvPr/>
+      </p:nvGrpSpPr>
+      <p:grpSpPr>
+        <a:xfrm>
+          <a:off x="0" y="0"/>
+          <a:ext cx="0" cy="0"/>
+          <a:chOff x="0" y="0"/>
+          <a:chExt cx="0" cy="0"/>
+        </a:xfrm>
+      </p:grpSpPr>
+      <p:graphicFrame>
+        <p:nvGraphicFramePr>
+          <p:cNvPr id="2" name="Table 2">
+            <a:extLst>
+              <a:ext uri="{FF2B5EF4-FFF2-40B4-BE49-F238E27FC236}">
+                <a16:creationId xmlns:a16="http://schemas.microsoft.com/office/drawing/2014/main" id="{AFE45A28-22B1-E6D1-A871-7E2DFF8D5D62}"/>
+              </a:ext>
+            </a:extLst>
+          </p:cNvPr>
+          <p:cNvGraphicFramePr>
+            <a:graphicFrameLocks noGrp="1"/>
+          </p:cNvGraphicFramePr>
+          <p:nvPr>
+            <p:extLst>
+              <p:ext uri="{D42A27DB-BD31-4B8C-83A1-F6EECF244321}">
+                <p14:modId xmlns:p14="http://schemas.microsoft.com/office/powerpoint/2010/main" val="2746591668"/>
+              </p:ext>
+            </p:extLst>
+          </p:nvPr>
+        </p:nvGraphicFramePr>
+        <p:xfrm>
+          <a:off x="1196256" y="1576711"/>
+          <a:ext cx="9216105" cy="1854200"/>
+        </p:xfrm>
+        <a:graphic>
+          <a:graphicData uri="http://schemas.openxmlformats.org/drawingml/2006/table">
+            <a:tbl>
+              <a:tblPr firstRow="1" bandRow="1">
+                <a:tableStyleId>{5C22544A-7EE6-4342-B048-85BDC9FD1C3A}</a:tableStyleId>
+              </a:tblPr>
+              <a:tblGrid>
+                <a:gridCol w="1843221">
+                  <a:extLst>
+                    <a:ext uri="{9D8B030D-6E8A-4147-A177-3AD203B41FA5}">
+                      <a16:colId xmlns:a16="http://schemas.microsoft.com/office/drawing/2014/main" val="3970781029"/>
+                    </a:ext>
+                  </a:extLst>
+                </a:gridCol>
+                <a:gridCol w="1843221">
+                  <a:extLst>
+                    <a:ext uri="{9D8B030D-6E8A-4147-A177-3AD203B41FA5}">
+                      <a16:colId xmlns:a16="http://schemas.microsoft.com/office/drawing/2014/main" val="1581126670"/>
+                    </a:ext>
+                  </a:extLst>
+                </a:gridCol>
+                <a:gridCol w="1843221">
+                  <a:extLst>
+                    <a:ext uri="{9D8B030D-6E8A-4147-A177-3AD203B41FA5}">
+                      <a16:colId xmlns:a16="http://schemas.microsoft.com/office/drawing/2014/main" val="470998983"/>
+                    </a:ext>
+                  </a:extLst>
+                </a:gridCol>
+                <a:gridCol w="1843221">
+                  <a:extLst>
+                    <a:ext uri="{9D8B030D-6E8A-4147-A177-3AD203B41FA5}">
+                      <a16:colId xmlns:a16="http://schemas.microsoft.com/office/drawing/2014/main" val="3765910884"/>
+                    </a:ext>
+                  </a:extLst>
+                </a:gridCol>
+                <a:gridCol w="1843221">
+                  <a:extLst>
+                    <a:ext uri="{9D8B030D-6E8A-4147-A177-3AD203B41FA5}">
+                      <a16:colId xmlns:a16="http://schemas.microsoft.com/office/drawing/2014/main" val="2632701762"/>
+                    </a:ext>
+                  </a:extLst>
+                </a:gridCol>
+              </a:tblGrid>
+              <a:tr h="370840">
+                <a:tc>
+                  <a:txBody>
+                    <a:bodyPr/>
+                    <a:lstStyle/>
+                    <a:p>
+                      <a:r>
+                        <a:rPr lang="en-IN" dirty="0"/>
+                        <a:t>ProductId</a:t>
+                      </a:r>
+                      <a:endParaRPr lang="en-US" dirty="0"/>
+                    </a:p>
+                  </a:txBody>
+                  <a:tcPr/>
+                </a:tc>
+                <a:tc>
+                  <a:txBody>
+                    <a:bodyPr/>
+                    <a:lstStyle/>
+                    <a:p>
+                      <a:r>
+                        <a:rPr lang="en-IN" dirty="0"/>
+                        <a:t>ProductName</a:t>
+                      </a:r>
+                      <a:endParaRPr lang="en-US" dirty="0"/>
+                    </a:p>
+                  </a:txBody>
+                  <a:tcPr/>
+                </a:tc>
+                <a:tc>
+                  <a:txBody>
+                    <a:bodyPr/>
+                    <a:lstStyle/>
+                    <a:p>
+                      <a:r>
+                        <a:rPr lang="en-IN" dirty="0"/>
+                        <a:t>Category</a:t>
+                      </a:r>
+                      <a:endParaRPr lang="en-US" dirty="0"/>
+                    </a:p>
+                  </a:txBody>
+                  <a:tcPr/>
+                </a:tc>
+                <a:tc>
+                  <a:txBody>
+                    <a:bodyPr/>
+                    <a:lstStyle/>
+                    <a:p>
+                      <a:r>
+                        <a:rPr lang="en-IN" dirty="0"/>
+                        <a:t>Manufacturer</a:t>
+                      </a:r>
+                      <a:endParaRPr lang="en-US" dirty="0"/>
+                    </a:p>
+                  </a:txBody>
+                  <a:tcPr/>
+                </a:tc>
+                <a:tc>
+                  <a:txBody>
+                    <a:bodyPr/>
+                    <a:lstStyle/>
+                    <a:p>
+                      <a:r>
+                        <a:rPr lang="en-IN" dirty="0"/>
+                        <a:t>Price</a:t>
+                      </a:r>
+                      <a:endParaRPr lang="en-US" dirty="0"/>
+                    </a:p>
+                  </a:txBody>
+                  <a:tcPr/>
+                </a:tc>
+                <a:extLst>
+                  <a:ext uri="{0D108BD9-81ED-4DB2-BD59-A6C34878D82A}">
+                    <a16:rowId xmlns:a16="http://schemas.microsoft.com/office/drawing/2014/main" val="1418942830"/>
+                  </a:ext>
+                </a:extLst>
+              </a:tr>
+              <a:tr h="370840">
+                <a:tc>
+                  <a:txBody>
+                    <a:bodyPr/>
+                    <a:lstStyle/>
+                    <a:p>
+                      <a:r>
+                        <a:rPr lang="en-IN" dirty="0"/>
+                        <a:t>1</a:t>
+                      </a:r>
+                      <a:endParaRPr lang="en-US" dirty="0"/>
+                    </a:p>
+                  </a:txBody>
+                  <a:tcPr/>
+                </a:tc>
+                <a:tc>
+                  <a:txBody>
+                    <a:bodyPr/>
+                    <a:lstStyle/>
+                    <a:p>
+                      <a:r>
+                        <a:rPr lang="en-IN" dirty="0"/>
+                        <a:t>P1</a:t>
+                      </a:r>
+                      <a:endParaRPr lang="en-US" dirty="0"/>
+                    </a:p>
+                  </a:txBody>
+                  <a:tcPr/>
+                </a:tc>
+                <a:tc>
+                  <a:txBody>
+                    <a:bodyPr/>
+                    <a:lstStyle/>
+                    <a:p>
+                      <a:r>
+                        <a:rPr lang="en-IN" dirty="0"/>
+                        <a:t>C1</a:t>
+                      </a:r>
+                      <a:endParaRPr lang="en-US" dirty="0"/>
+                    </a:p>
+                  </a:txBody>
+                  <a:tcPr/>
+                </a:tc>
+                <a:tc>
+                  <a:txBody>
+                    <a:bodyPr/>
+                    <a:lstStyle/>
+                    <a:p>
+                      <a:r>
+                        <a:rPr lang="en-IN" dirty="0"/>
+                        <a:t>M1</a:t>
+                      </a:r>
+                      <a:endParaRPr lang="en-US" dirty="0"/>
+                    </a:p>
+                  </a:txBody>
+                  <a:tcPr/>
+                </a:tc>
+                <a:tc>
+                  <a:txBody>
+                    <a:bodyPr/>
+                    <a:lstStyle/>
+                    <a:p>
+                      <a:r>
+                        <a:rPr lang="en-IN" dirty="0"/>
+                        <a:t>111</a:t>
+                      </a:r>
+                      <a:endParaRPr lang="en-US" dirty="0"/>
+                    </a:p>
+                  </a:txBody>
+                  <a:tcPr/>
+                </a:tc>
+                <a:extLst>
+                  <a:ext uri="{0D108BD9-81ED-4DB2-BD59-A6C34878D82A}">
+                    <a16:rowId xmlns:a16="http://schemas.microsoft.com/office/drawing/2014/main" val="1729736401"/>
+                  </a:ext>
+                </a:extLst>
+              </a:tr>
+              <a:tr h="370840">
+                <a:tc>
+                  <a:txBody>
+                    <a:bodyPr/>
+                    <a:lstStyle/>
+                    <a:p>
+                      <a:r>
+                        <a:rPr lang="en-IN" dirty="0"/>
+                        <a:t>2</a:t>
+                      </a:r>
+                      <a:endParaRPr lang="en-US" dirty="0"/>
+                    </a:p>
+                  </a:txBody>
+                  <a:tcPr/>
+                </a:tc>
+                <a:tc>
+                  <a:txBody>
+                    <a:bodyPr/>
+                    <a:lstStyle/>
+                    <a:p>
+                      <a:r>
+                        <a:rPr lang="en-IN" dirty="0"/>
+                        <a:t>P2</a:t>
+                      </a:r>
+                      <a:endParaRPr lang="en-US" dirty="0"/>
+                    </a:p>
+                  </a:txBody>
+                  <a:tcPr/>
+                </a:tc>
+                <a:tc>
+                  <a:txBody>
+                    <a:bodyPr/>
+                    <a:lstStyle/>
+                    <a:p>
+                      <a:r>
+                        <a:rPr lang="en-IN" dirty="0"/>
+                        <a:t>C1</a:t>
+                      </a:r>
+                      <a:endParaRPr lang="en-US" dirty="0"/>
+                    </a:p>
+                  </a:txBody>
+                  <a:tcPr/>
+                </a:tc>
+                <a:tc>
+                  <a:txBody>
+                    <a:bodyPr/>
+                    <a:lstStyle/>
+                    <a:p>
+                      <a:r>
+                        <a:rPr lang="en-IN" dirty="0"/>
+                        <a:t>M2</a:t>
+                      </a:r>
+                      <a:endParaRPr lang="en-US" dirty="0"/>
+                    </a:p>
+                  </a:txBody>
+                  <a:tcPr/>
+                </a:tc>
+                <a:tc>
+                  <a:txBody>
+                    <a:bodyPr/>
+                    <a:lstStyle/>
+                    <a:p>
+                      <a:r>
+                        <a:rPr lang="en-IN" dirty="0"/>
+                        <a:t>222</a:t>
+                      </a:r>
+                      <a:endParaRPr lang="en-US" dirty="0"/>
+                    </a:p>
+                  </a:txBody>
+                  <a:tcPr/>
+                </a:tc>
+                <a:extLst>
+                  <a:ext uri="{0D108BD9-81ED-4DB2-BD59-A6C34878D82A}">
+                    <a16:rowId xmlns:a16="http://schemas.microsoft.com/office/drawing/2014/main" val="2211374325"/>
+                  </a:ext>
+                </a:extLst>
+              </a:tr>
+              <a:tr h="370840">
+                <a:tc>
+                  <a:txBody>
+                    <a:bodyPr/>
+                    <a:lstStyle/>
+                    <a:p>
+                      <a:r>
+                        <a:rPr lang="en-IN" dirty="0"/>
+                        <a:t>3</a:t>
+                      </a:r>
+                      <a:endParaRPr lang="en-US" dirty="0"/>
+                    </a:p>
+                  </a:txBody>
+                  <a:tcPr/>
+                </a:tc>
+                <a:tc>
+                  <a:txBody>
+                    <a:bodyPr/>
+                    <a:lstStyle/>
+                    <a:p>
+                      <a:r>
+                        <a:rPr lang="en-IN" dirty="0"/>
+                        <a:t>P3</a:t>
+                      </a:r>
+                      <a:endParaRPr lang="en-US" dirty="0"/>
+                    </a:p>
+                  </a:txBody>
+                  <a:tcPr/>
+                </a:tc>
+                <a:tc>
+                  <a:txBody>
+                    <a:bodyPr/>
+                    <a:lstStyle/>
+                    <a:p>
+                      <a:r>
+                        <a:rPr lang="en-IN" dirty="0"/>
+                        <a:t>C2</a:t>
+                      </a:r>
+                      <a:endParaRPr lang="en-US" dirty="0"/>
+                    </a:p>
+                  </a:txBody>
+                  <a:tcPr/>
+                </a:tc>
+                <a:tc>
+                  <a:txBody>
+                    <a:bodyPr/>
+                    <a:lstStyle/>
+                    <a:p>
+                      <a:r>
+                        <a:rPr lang="en-IN" dirty="0"/>
+                        <a:t>M1</a:t>
+                      </a:r>
+                      <a:endParaRPr lang="en-US" dirty="0"/>
+                    </a:p>
+                  </a:txBody>
+                  <a:tcPr/>
+                </a:tc>
+                <a:tc>
+                  <a:txBody>
+                    <a:bodyPr/>
+                    <a:lstStyle/>
+                    <a:p>
+                      <a:r>
+                        <a:rPr lang="en-IN" dirty="0"/>
+                        <a:t>333</a:t>
+                      </a:r>
+                      <a:endParaRPr lang="en-US" dirty="0"/>
+                    </a:p>
+                  </a:txBody>
+                  <a:tcPr/>
+                </a:tc>
+                <a:extLst>
+                  <a:ext uri="{0D108BD9-81ED-4DB2-BD59-A6C34878D82A}">
+                    <a16:rowId xmlns:a16="http://schemas.microsoft.com/office/drawing/2014/main" val="912080254"/>
+                  </a:ext>
+                </a:extLst>
+              </a:tr>
+              <a:tr h="370840">
+                <a:tc>
+                  <a:txBody>
+                    <a:bodyPr/>
+                    <a:lstStyle/>
+                    <a:p>
+                      <a:r>
+                        <a:rPr lang="en-IN" dirty="0"/>
+                        <a:t>4</a:t>
+                      </a:r>
+                      <a:endParaRPr lang="en-US" dirty="0"/>
+                    </a:p>
+                  </a:txBody>
+                  <a:tcPr/>
+                </a:tc>
+                <a:tc>
+                  <a:txBody>
+                    <a:bodyPr/>
+                    <a:lstStyle/>
+                    <a:p>
+                      <a:r>
+                        <a:rPr lang="en-IN" dirty="0"/>
+                        <a:t>P4</a:t>
+                      </a:r>
+                      <a:endParaRPr lang="en-US" dirty="0"/>
+                    </a:p>
+                  </a:txBody>
+                  <a:tcPr/>
+                </a:tc>
+                <a:tc>
+                  <a:txBody>
+                    <a:bodyPr/>
+                    <a:lstStyle/>
+                    <a:p>
+                      <a:r>
+                        <a:rPr lang="en-IN" dirty="0"/>
+                        <a:t>C2</a:t>
+                      </a:r>
+                      <a:endParaRPr lang="en-US" dirty="0"/>
+                    </a:p>
+                  </a:txBody>
+                  <a:tcPr/>
+                </a:tc>
+                <a:tc>
+                  <a:txBody>
+                    <a:bodyPr/>
+                    <a:lstStyle/>
+                    <a:p>
+                      <a:r>
+                        <a:rPr lang="en-IN" dirty="0"/>
+                        <a:t>M2</a:t>
+                      </a:r>
+                      <a:endParaRPr lang="en-US" dirty="0"/>
+                    </a:p>
+                  </a:txBody>
+                  <a:tcPr/>
+                </a:tc>
+                <a:tc>
+                  <a:txBody>
+                    <a:bodyPr/>
+                    <a:lstStyle/>
+                    <a:p>
+                      <a:r>
+                        <a:rPr lang="en-IN" dirty="0"/>
+                        <a:t>444</a:t>
+                      </a:r>
+                      <a:endParaRPr lang="en-US" dirty="0"/>
+                    </a:p>
+                  </a:txBody>
+                  <a:tcPr/>
+                </a:tc>
+                <a:extLst>
+                  <a:ext uri="{0D108BD9-81ED-4DB2-BD59-A6C34878D82A}">
+                    <a16:rowId xmlns:a16="http://schemas.microsoft.com/office/drawing/2014/main" val="3644208568"/>
+                  </a:ext>
+                </a:extLst>
+              </a:tr>
+            </a:tbl>
+          </a:graphicData>
+        </a:graphic>
+      </p:graphicFrame>
+      <p:sp>
+        <p:nvSpPr>
+          <p:cNvPr id="3" name="TextBox 2">
+            <a:extLst>
+              <a:ext uri="{FF2B5EF4-FFF2-40B4-BE49-F238E27FC236}">
+                <a16:creationId xmlns:a16="http://schemas.microsoft.com/office/drawing/2014/main" id="{B4C3A066-DB3A-C183-E773-BB50E70B773D}"/>
+              </a:ext>
+            </a:extLst>
+          </p:cNvPr>
+          <p:cNvSpPr txBox="1"/>
+          <p:nvPr/>
+        </p:nvSpPr>
+        <p:spPr>
+          <a:xfrm>
+            <a:off x="3038168" y="167148"/>
+            <a:ext cx="4827638" cy="369332"/>
+          </a:xfrm>
+          <a:prstGeom prst="rect">
+            <a:avLst/>
+          </a:prstGeom>
+          <a:noFill/>
+        </p:spPr>
+        <p:txBody>
+          <a:bodyPr wrap="square" rtlCol="0">
+            <a:spAutoFit/>
+          </a:bodyPr>
+          <a:lstStyle/>
+          <a:p>
+            <a:pPr algn="ctr"/>
+            <a:r>
+              <a:rPr lang="en-IN" b="1" dirty="0"/>
+              <a:t>DynamoDB Table</a:t>
+            </a:r>
+            <a:endParaRPr lang="en-US" b="1" dirty="0"/>
+          </a:p>
+        </p:txBody>
+      </p:sp>
+      <p:sp>
+        <p:nvSpPr>
+          <p:cNvPr id="4" name="Left Brace 3">
+            <a:extLst>
+              <a:ext uri="{FF2B5EF4-FFF2-40B4-BE49-F238E27FC236}">
+                <a16:creationId xmlns:a16="http://schemas.microsoft.com/office/drawing/2014/main" id="{342C128F-73A8-57D5-E62F-DA7A3C87958F}"/>
+              </a:ext>
+            </a:extLst>
+          </p:cNvPr>
+          <p:cNvSpPr/>
+          <p:nvPr/>
+        </p:nvSpPr>
+        <p:spPr>
+          <a:xfrm>
+            <a:off x="875071" y="1966452"/>
+            <a:ext cx="321185" cy="1462548"/>
+          </a:xfrm>
+          <a:prstGeom prst="leftBrace">
+            <a:avLst/>
+          </a:prstGeom>
+          <a:ln w="76200">
+            <a:solidFill>
+              <a:srgbClr val="002060"/>
+            </a:solidFill>
+          </a:ln>
+        </p:spPr>
+        <p:style>
+          <a:lnRef idx="1">
+            <a:schemeClr val="accent1"/>
+          </a:lnRef>
+          <a:fillRef idx="0">
+            <a:schemeClr val="accent1"/>
+          </a:fillRef>
+          <a:effectRef idx="0">
+            <a:schemeClr val="accent1"/>
+          </a:effectRef>
+          <a:fontRef idx="minor">
+            <a:schemeClr val="tx1"/>
+          </a:fontRef>
+        </p:style>
+        <p:txBody>
+          <a:bodyPr rtlCol="0" anchor="ctr"/>
+          <a:lstStyle/>
+          <a:p>
+            <a:pPr algn="ctr"/>
+            <a:endParaRPr lang="en-US"/>
+          </a:p>
+        </p:txBody>
+      </p:sp>
+      <p:sp>
+        <p:nvSpPr>
+          <p:cNvPr id="5" name="Left Brace 4">
+            <a:extLst>
+              <a:ext uri="{FF2B5EF4-FFF2-40B4-BE49-F238E27FC236}">
+                <a16:creationId xmlns:a16="http://schemas.microsoft.com/office/drawing/2014/main" id="{F6EE4CC6-C315-9E7A-7C91-C7C6B860B35D}"/>
+              </a:ext>
+            </a:extLst>
+          </p:cNvPr>
+          <p:cNvSpPr/>
+          <p:nvPr/>
+        </p:nvSpPr>
+        <p:spPr>
+          <a:xfrm rot="5400000">
+            <a:off x="5619643" y="-3257853"/>
+            <a:ext cx="369333" cy="9216106"/>
+          </a:xfrm>
+          <a:prstGeom prst="leftBrace">
+            <a:avLst/>
+          </a:prstGeom>
+          <a:ln w="76200">
+            <a:solidFill>
+              <a:srgbClr val="002060"/>
+            </a:solidFill>
+          </a:ln>
+        </p:spPr>
+        <p:style>
+          <a:lnRef idx="1">
+            <a:schemeClr val="accent1"/>
+          </a:lnRef>
+          <a:fillRef idx="0">
+            <a:schemeClr val="accent1"/>
+          </a:fillRef>
+          <a:effectRef idx="0">
+            <a:schemeClr val="accent1"/>
+          </a:effectRef>
+          <a:fontRef idx="minor">
+            <a:schemeClr val="tx1"/>
+          </a:fontRef>
+        </p:style>
+        <p:txBody>
+          <a:bodyPr rtlCol="0" anchor="ctr"/>
+          <a:lstStyle/>
+          <a:p>
+            <a:pPr algn="ctr"/>
+            <a:endParaRPr lang="en-US"/>
+          </a:p>
+        </p:txBody>
+      </p:sp>
+      <p:sp>
+        <p:nvSpPr>
+          <p:cNvPr id="6" name="TextBox 5">
+            <a:extLst>
+              <a:ext uri="{FF2B5EF4-FFF2-40B4-BE49-F238E27FC236}">
+                <a16:creationId xmlns:a16="http://schemas.microsoft.com/office/drawing/2014/main" id="{64449D5D-BF99-2B78-83A0-942C96C2D3AF}"/>
+              </a:ext>
+            </a:extLst>
+          </p:cNvPr>
+          <p:cNvSpPr txBox="1"/>
+          <p:nvPr/>
+        </p:nvSpPr>
+        <p:spPr>
+          <a:xfrm>
+            <a:off x="0" y="2487561"/>
+            <a:ext cx="776748" cy="646331"/>
+          </a:xfrm>
+          <a:prstGeom prst="rect">
+            <a:avLst/>
+          </a:prstGeom>
+          <a:noFill/>
+        </p:spPr>
+        <p:txBody>
+          <a:bodyPr wrap="square" rtlCol="0">
+            <a:spAutoFit/>
+          </a:bodyPr>
+          <a:lstStyle/>
+          <a:p>
+            <a:r>
+              <a:rPr lang="en-IN" dirty="0"/>
+              <a:t>Documents</a:t>
+            </a:r>
+            <a:endParaRPr lang="en-US" dirty="0"/>
+          </a:p>
+        </p:txBody>
+      </p:sp>
+      <p:sp>
+        <p:nvSpPr>
+          <p:cNvPr id="7" name="TextBox 6">
+            <a:extLst>
+              <a:ext uri="{FF2B5EF4-FFF2-40B4-BE49-F238E27FC236}">
+                <a16:creationId xmlns:a16="http://schemas.microsoft.com/office/drawing/2014/main" id="{D554B056-75A8-0435-D485-16D6AE104953}"/>
+              </a:ext>
+            </a:extLst>
+          </p:cNvPr>
+          <p:cNvSpPr txBox="1"/>
+          <p:nvPr/>
+        </p:nvSpPr>
+        <p:spPr>
+          <a:xfrm>
+            <a:off x="4267200" y="658761"/>
+            <a:ext cx="2841523" cy="369332"/>
+          </a:xfrm>
+          <a:prstGeom prst="rect">
+            <a:avLst/>
+          </a:prstGeom>
+          <a:noFill/>
+        </p:spPr>
+        <p:txBody>
+          <a:bodyPr wrap="square" rtlCol="0">
+            <a:spAutoFit/>
+          </a:bodyPr>
+          <a:lstStyle/>
+          <a:p>
+            <a:pPr algn="ctr"/>
+            <a:r>
+              <a:rPr lang="en-IN" b="1" dirty="0"/>
+              <a:t>Attributes</a:t>
+            </a:r>
+            <a:endParaRPr lang="en-US" b="1" dirty="0"/>
+          </a:p>
+        </p:txBody>
+      </p:sp>
+      <p:sp>
+        <p:nvSpPr>
+          <p:cNvPr id="8" name="TextBox 7">
+            <a:extLst>
+              <a:ext uri="{FF2B5EF4-FFF2-40B4-BE49-F238E27FC236}">
+                <a16:creationId xmlns:a16="http://schemas.microsoft.com/office/drawing/2014/main" id="{DB88DC89-A992-61B5-73D2-7D15C3CF2BA4}"/>
+              </a:ext>
+            </a:extLst>
+          </p:cNvPr>
+          <p:cNvSpPr txBox="1"/>
+          <p:nvPr/>
+        </p:nvSpPr>
+        <p:spPr>
+          <a:xfrm>
+            <a:off x="278579" y="5767522"/>
+            <a:ext cx="11051458" cy="923330"/>
+          </a:xfrm>
+          <a:prstGeom prst="rect">
+            <a:avLst/>
+          </a:prstGeom>
+          <a:noFill/>
+        </p:spPr>
+        <p:txBody>
+          <a:bodyPr wrap="square" rtlCol="0">
+            <a:spAutoFit/>
+          </a:bodyPr>
+          <a:lstStyle/>
+          <a:p>
+            <a:r>
+              <a:rPr lang="en-IN" b="1" dirty="0"/>
+              <a:t>Primary Key: Identify an Item Uniquely.  It consist of  “Partition Key” and “Sort Key” </a:t>
+            </a:r>
+          </a:p>
+          <a:p>
+            <a:endParaRPr lang="en-IN" b="1" dirty="0"/>
+          </a:p>
+          <a:p>
+            <a:r>
+              <a:rPr lang="en-IN" b="1" dirty="0"/>
+              <a:t>Partition: A Logically Defined Group of Its in Table</a:t>
+            </a:r>
+            <a:endParaRPr lang="en-US" b="1" dirty="0"/>
+          </a:p>
+        </p:txBody>
+      </p:sp>
+      <p:graphicFrame>
+        <p:nvGraphicFramePr>
+          <p:cNvPr id="9" name="Table 9">
+            <a:extLst>
+              <a:ext uri="{FF2B5EF4-FFF2-40B4-BE49-F238E27FC236}">
+                <a16:creationId xmlns:a16="http://schemas.microsoft.com/office/drawing/2014/main" id="{37C2FF65-46B9-C27E-09A0-16E7E2B4D4A3}"/>
+              </a:ext>
+            </a:extLst>
+          </p:cNvPr>
+          <p:cNvGraphicFramePr>
+            <a:graphicFrameLocks noGrp="1"/>
+          </p:cNvGraphicFramePr>
+          <p:nvPr>
+            <p:extLst>
+              <p:ext uri="{D42A27DB-BD31-4B8C-83A1-F6EECF244321}">
+                <p14:modId xmlns:p14="http://schemas.microsoft.com/office/powerpoint/2010/main" val="646538436"/>
+              </p:ext>
+            </p:extLst>
+          </p:nvPr>
+        </p:nvGraphicFramePr>
+        <p:xfrm>
+          <a:off x="388374" y="4227421"/>
+          <a:ext cx="9216110" cy="1112520"/>
+        </p:xfrm>
+        <a:graphic>
+          <a:graphicData uri="http://schemas.openxmlformats.org/drawingml/2006/table">
+            <a:tbl>
+              <a:tblPr firstRow="1" bandRow="1">
+                <a:tableStyleId>{5C22544A-7EE6-4342-B048-85BDC9FD1C3A}</a:tableStyleId>
+              </a:tblPr>
+              <a:tblGrid>
+                <a:gridCol w="1843222">
+                  <a:extLst>
+                    <a:ext uri="{9D8B030D-6E8A-4147-A177-3AD203B41FA5}">
+                      <a16:colId xmlns:a16="http://schemas.microsoft.com/office/drawing/2014/main" val="2740133444"/>
+                    </a:ext>
+                  </a:extLst>
+                </a:gridCol>
+                <a:gridCol w="1843222">
+                  <a:extLst>
+                    <a:ext uri="{9D8B030D-6E8A-4147-A177-3AD203B41FA5}">
+                      <a16:colId xmlns:a16="http://schemas.microsoft.com/office/drawing/2014/main" val="3577240718"/>
+                    </a:ext>
+                  </a:extLst>
+                </a:gridCol>
+                <a:gridCol w="1843222">
+                  <a:extLst>
+                    <a:ext uri="{9D8B030D-6E8A-4147-A177-3AD203B41FA5}">
+                      <a16:colId xmlns:a16="http://schemas.microsoft.com/office/drawing/2014/main" val="2399782349"/>
+                    </a:ext>
+                  </a:extLst>
+                </a:gridCol>
+                <a:gridCol w="1843222">
+                  <a:extLst>
+                    <a:ext uri="{9D8B030D-6E8A-4147-A177-3AD203B41FA5}">
+                      <a16:colId xmlns:a16="http://schemas.microsoft.com/office/drawing/2014/main" val="3269768110"/>
+                    </a:ext>
+                  </a:extLst>
+                </a:gridCol>
+                <a:gridCol w="1843222">
+                  <a:extLst>
+                    <a:ext uri="{9D8B030D-6E8A-4147-A177-3AD203B41FA5}">
+                      <a16:colId xmlns:a16="http://schemas.microsoft.com/office/drawing/2014/main" val="1771011456"/>
+                    </a:ext>
+                  </a:extLst>
+                </a:gridCol>
+              </a:tblGrid>
+              <a:tr h="370840">
+                <a:tc>
+                  <a:txBody>
+                    <a:bodyPr/>
+                    <a:lstStyle/>
+                    <a:p>
+                      <a:r>
+                        <a:rPr lang="en-IN" dirty="0"/>
+                        <a:t>ProductId</a:t>
+                      </a:r>
+                      <a:endParaRPr lang="en-US" dirty="0"/>
+                    </a:p>
+                  </a:txBody>
+                  <a:tcPr/>
+                </a:tc>
+                <a:tc>
+                  <a:txBody>
+                    <a:bodyPr/>
+                    <a:lstStyle/>
+                    <a:p>
+                      <a:r>
+                        <a:rPr lang="en-IN" dirty="0"/>
+                        <a:t>ProductName</a:t>
+                      </a:r>
+                      <a:endParaRPr lang="en-US" dirty="0"/>
+                    </a:p>
+                  </a:txBody>
+                  <a:tcPr/>
+                </a:tc>
+                <a:tc>
+                  <a:txBody>
+                    <a:bodyPr/>
+                    <a:lstStyle/>
+                    <a:p>
+                      <a:r>
+                        <a:rPr lang="en-IN" dirty="0"/>
+                        <a:t>Category</a:t>
+                      </a:r>
+                      <a:endParaRPr lang="en-US" dirty="0"/>
+                    </a:p>
+                  </a:txBody>
+                  <a:tcPr/>
+                </a:tc>
+                <a:tc>
+                  <a:txBody>
+                    <a:bodyPr/>
+                    <a:lstStyle/>
+                    <a:p>
+                      <a:r>
+                        <a:rPr lang="en-IN" dirty="0"/>
+                        <a:t>Manufacturer</a:t>
+                      </a:r>
+                      <a:endParaRPr lang="en-US" dirty="0"/>
+                    </a:p>
+                  </a:txBody>
+                  <a:tcPr/>
+                </a:tc>
+                <a:tc>
+                  <a:txBody>
+                    <a:bodyPr/>
+                    <a:lstStyle/>
+                    <a:p>
+                      <a:r>
+                        <a:rPr lang="en-IN" dirty="0"/>
+                        <a:t>Price</a:t>
+                      </a:r>
+                      <a:endParaRPr lang="en-US" dirty="0"/>
+                    </a:p>
+                  </a:txBody>
+                  <a:tcPr/>
+                </a:tc>
+                <a:extLst>
+                  <a:ext uri="{0D108BD9-81ED-4DB2-BD59-A6C34878D82A}">
+                    <a16:rowId xmlns:a16="http://schemas.microsoft.com/office/drawing/2014/main" val="4150041665"/>
+                  </a:ext>
+                </a:extLst>
+              </a:tr>
+              <a:tr h="370840">
+                <a:tc>
+                  <a:txBody>
+                    <a:bodyPr/>
+                    <a:lstStyle/>
+                    <a:p>
+                      <a:r>
+                        <a:rPr lang="en-IN" dirty="0"/>
+                        <a:t>1</a:t>
+                      </a:r>
+                      <a:endParaRPr lang="en-US" dirty="0"/>
+                    </a:p>
+                  </a:txBody>
+                  <a:tcPr/>
+                </a:tc>
+                <a:tc>
+                  <a:txBody>
+                    <a:bodyPr/>
+                    <a:lstStyle/>
+                    <a:p>
+                      <a:r>
+                        <a:rPr lang="en-IN" dirty="0"/>
+                        <a:t>P1</a:t>
+                      </a:r>
+                      <a:endParaRPr lang="en-US" dirty="0"/>
+                    </a:p>
+                  </a:txBody>
+                  <a:tcPr/>
+                </a:tc>
+                <a:tc>
+                  <a:txBody>
+                    <a:bodyPr/>
+                    <a:lstStyle/>
+                    <a:p>
+                      <a:r>
+                        <a:rPr lang="en-IN" dirty="0"/>
+                        <a:t>C1</a:t>
+                      </a:r>
+                      <a:endParaRPr lang="en-US" dirty="0"/>
+                    </a:p>
+                  </a:txBody>
+                  <a:tcPr/>
+                </a:tc>
+                <a:tc>
+                  <a:txBody>
+                    <a:bodyPr/>
+                    <a:lstStyle/>
+                    <a:p>
+                      <a:r>
+                        <a:rPr lang="en-IN" dirty="0"/>
+                        <a:t>M1</a:t>
+                      </a:r>
+                      <a:endParaRPr lang="en-US" dirty="0"/>
+                    </a:p>
+                  </a:txBody>
+                  <a:tcPr/>
+                </a:tc>
+                <a:tc>
+                  <a:txBody>
+                    <a:bodyPr/>
+                    <a:lstStyle/>
+                    <a:p>
+                      <a:r>
+                        <a:rPr lang="en-IN" dirty="0"/>
+                        <a:t>111</a:t>
+                      </a:r>
+                      <a:endParaRPr lang="en-US" dirty="0"/>
+                    </a:p>
+                  </a:txBody>
+                  <a:tcPr/>
+                </a:tc>
+                <a:extLst>
+                  <a:ext uri="{0D108BD9-81ED-4DB2-BD59-A6C34878D82A}">
+                    <a16:rowId xmlns:a16="http://schemas.microsoft.com/office/drawing/2014/main" val="4115539016"/>
+                  </a:ext>
+                </a:extLst>
+              </a:tr>
+              <a:tr h="370840">
+                <a:tc>
+                  <a:txBody>
+                    <a:bodyPr/>
+                    <a:lstStyle/>
+                    <a:p>
+                      <a:r>
+                        <a:rPr lang="en-IN" dirty="0"/>
+                        <a:t>2</a:t>
+                      </a:r>
+                      <a:endParaRPr lang="en-US" dirty="0"/>
+                    </a:p>
+                  </a:txBody>
+                  <a:tcPr/>
+                </a:tc>
+                <a:tc>
+                  <a:txBody>
+                    <a:bodyPr/>
+                    <a:lstStyle/>
+                    <a:p>
+                      <a:r>
+                        <a:rPr lang="en-IN" dirty="0"/>
+                        <a:t>P2</a:t>
+                      </a:r>
+                      <a:endParaRPr lang="en-US" dirty="0"/>
+                    </a:p>
+                  </a:txBody>
+                  <a:tcPr/>
+                </a:tc>
+                <a:tc>
+                  <a:txBody>
+                    <a:bodyPr/>
+                    <a:lstStyle/>
+                    <a:p>
+                      <a:r>
+                        <a:rPr lang="en-IN" dirty="0"/>
+                        <a:t>C1</a:t>
+                      </a:r>
+                      <a:endParaRPr lang="en-US" dirty="0"/>
+                    </a:p>
+                  </a:txBody>
+                  <a:tcPr/>
+                </a:tc>
+                <a:tc>
+                  <a:txBody>
+                    <a:bodyPr/>
+                    <a:lstStyle/>
+                    <a:p>
+                      <a:r>
+                        <a:rPr lang="en-IN" dirty="0"/>
+                        <a:t>M2</a:t>
+                      </a:r>
+                      <a:endParaRPr lang="en-US" dirty="0"/>
+                    </a:p>
+                  </a:txBody>
+                  <a:tcPr/>
+                </a:tc>
+                <a:tc>
+                  <a:txBody>
+                    <a:bodyPr/>
+                    <a:lstStyle/>
+                    <a:p>
+                      <a:r>
+                        <a:rPr lang="en-IN" dirty="0"/>
+                        <a:t>222</a:t>
+                      </a:r>
+                      <a:endParaRPr lang="en-US" dirty="0"/>
+                    </a:p>
+                  </a:txBody>
+                  <a:tcPr/>
+                </a:tc>
+                <a:extLst>
+                  <a:ext uri="{0D108BD9-81ED-4DB2-BD59-A6C34878D82A}">
+                    <a16:rowId xmlns:a16="http://schemas.microsoft.com/office/drawing/2014/main" val="1976904300"/>
+                  </a:ext>
+                </a:extLst>
+              </a:tr>
+            </a:tbl>
+          </a:graphicData>
+        </a:graphic>
+      </p:graphicFrame>
+      <p:sp>
+        <p:nvSpPr>
+          <p:cNvPr id="10" name="Right Brace 9">
+            <a:extLst>
+              <a:ext uri="{FF2B5EF4-FFF2-40B4-BE49-F238E27FC236}">
+                <a16:creationId xmlns:a16="http://schemas.microsoft.com/office/drawing/2014/main" id="{035E29F6-F741-F8D1-5CBF-B0CA044162BC}"/>
+              </a:ext>
+            </a:extLst>
+          </p:cNvPr>
+          <p:cNvSpPr/>
+          <p:nvPr/>
+        </p:nvSpPr>
+        <p:spPr>
+          <a:xfrm>
+            <a:off x="9763432" y="4189555"/>
+            <a:ext cx="383458" cy="1091734"/>
+          </a:xfrm>
+          <a:prstGeom prst="rightBrace">
+            <a:avLst/>
+          </a:prstGeom>
+          <a:ln w="76200">
+            <a:solidFill>
+              <a:srgbClr val="002060"/>
+            </a:solidFill>
+          </a:ln>
+        </p:spPr>
+        <p:style>
+          <a:lnRef idx="1">
+            <a:schemeClr val="accent1"/>
+          </a:lnRef>
+          <a:fillRef idx="0">
+            <a:schemeClr val="accent1"/>
+          </a:fillRef>
+          <a:effectRef idx="0">
+            <a:schemeClr val="accent1"/>
+          </a:effectRef>
+          <a:fontRef idx="minor">
+            <a:schemeClr val="tx1"/>
+          </a:fontRef>
+        </p:style>
+        <p:txBody>
+          <a:bodyPr rtlCol="0" anchor="ctr"/>
+          <a:lstStyle/>
+          <a:p>
+            <a:pPr algn="ctr"/>
+            <a:endParaRPr lang="en-US"/>
+          </a:p>
+        </p:txBody>
+      </p:sp>
+      <p:sp>
+        <p:nvSpPr>
+          <p:cNvPr id="11" name="TextBox 10">
+            <a:extLst>
+              <a:ext uri="{FF2B5EF4-FFF2-40B4-BE49-F238E27FC236}">
+                <a16:creationId xmlns:a16="http://schemas.microsoft.com/office/drawing/2014/main" id="{1BA34B5F-8ED4-B0E0-ED38-EC54AE94A2FE}"/>
+              </a:ext>
+            </a:extLst>
+          </p:cNvPr>
+          <p:cNvSpPr txBox="1"/>
+          <p:nvPr/>
+        </p:nvSpPr>
+        <p:spPr>
+          <a:xfrm>
+            <a:off x="10284541" y="4507968"/>
+            <a:ext cx="1710813" cy="369332"/>
+          </a:xfrm>
+          <a:prstGeom prst="rect">
+            <a:avLst/>
+          </a:prstGeom>
+          <a:noFill/>
+        </p:spPr>
+        <p:txBody>
+          <a:bodyPr wrap="square" rtlCol="0">
+            <a:spAutoFit/>
+          </a:bodyPr>
+          <a:lstStyle/>
+          <a:p>
+            <a:r>
+              <a:rPr lang="en-IN" dirty="0"/>
+              <a:t>Partition for C1</a:t>
+            </a:r>
+            <a:endParaRPr lang="en-US" dirty="0"/>
+          </a:p>
+        </p:txBody>
+      </p:sp>
+      <p:sp>
+        <p:nvSpPr>
+          <p:cNvPr id="13" name="Right Brace 12">
+            <a:extLst>
+              <a:ext uri="{FF2B5EF4-FFF2-40B4-BE49-F238E27FC236}">
+                <a16:creationId xmlns:a16="http://schemas.microsoft.com/office/drawing/2014/main" id="{C4127AE8-B756-03FC-010D-02C4F9BFCB49}"/>
+              </a:ext>
+            </a:extLst>
+          </p:cNvPr>
+          <p:cNvSpPr/>
+          <p:nvPr/>
+        </p:nvSpPr>
+        <p:spPr>
+          <a:xfrm rot="5400000">
+            <a:off x="2010205" y="2771879"/>
+            <a:ext cx="327085" cy="1728838"/>
+          </a:xfrm>
+          <a:prstGeom prst="rightBrace">
+            <a:avLst/>
+          </a:prstGeom>
+          <a:ln w="76200">
+            <a:solidFill>
+              <a:srgbClr val="002060"/>
+            </a:solidFill>
+          </a:ln>
+        </p:spPr>
+        <p:style>
+          <a:lnRef idx="1">
+            <a:schemeClr val="accent1"/>
+          </a:lnRef>
+          <a:fillRef idx="0">
+            <a:schemeClr val="accent1"/>
+          </a:fillRef>
+          <a:effectRef idx="0">
+            <a:schemeClr val="accent1"/>
+          </a:effectRef>
+          <a:fontRef idx="minor">
+            <a:schemeClr val="tx1"/>
+          </a:fontRef>
+        </p:style>
+        <p:txBody>
+          <a:bodyPr rtlCol="0" anchor="ctr"/>
+          <a:lstStyle/>
+          <a:p>
+            <a:pPr algn="ctr"/>
+            <a:endParaRPr lang="en-US"/>
+          </a:p>
+        </p:txBody>
+      </p:sp>
+      <p:cxnSp>
+        <p:nvCxnSpPr>
+          <p:cNvPr id="15" name="Straight Arrow Connector 14">
+            <a:extLst>
+              <a:ext uri="{FF2B5EF4-FFF2-40B4-BE49-F238E27FC236}">
+                <a16:creationId xmlns:a16="http://schemas.microsoft.com/office/drawing/2014/main" id="{D2A3508E-A6B6-4408-5288-2FCB51BFA9BF}"/>
+              </a:ext>
+            </a:extLst>
+          </p:cNvPr>
+          <p:cNvCxnSpPr/>
+          <p:nvPr/>
+        </p:nvCxnSpPr>
+        <p:spPr>
+          <a:xfrm>
+            <a:off x="3126658" y="3588774"/>
+            <a:ext cx="2753032" cy="137652"/>
+          </a:xfrm>
+          <a:prstGeom prst="straightConnector1">
+            <a:avLst/>
+          </a:prstGeom>
+          <a:ln>
+            <a:tailEnd type="triangle"/>
+          </a:ln>
+        </p:spPr>
+        <p:style>
+          <a:lnRef idx="1">
+            <a:schemeClr val="accent1"/>
+          </a:lnRef>
+          <a:fillRef idx="0">
+            <a:schemeClr val="accent1"/>
+          </a:fillRef>
+          <a:effectRef idx="0">
+            <a:schemeClr val="accent1"/>
+          </a:effectRef>
+          <a:fontRef idx="minor">
+            <a:schemeClr val="tx1"/>
+          </a:fontRef>
+        </p:style>
+      </p:cxnSp>
+      <p:sp>
+        <p:nvSpPr>
+          <p:cNvPr id="16" name="TextBox 15">
+            <a:extLst>
+              <a:ext uri="{FF2B5EF4-FFF2-40B4-BE49-F238E27FC236}">
+                <a16:creationId xmlns:a16="http://schemas.microsoft.com/office/drawing/2014/main" id="{ADA23C35-7998-59EA-D0F3-C5E71694205F}"/>
+              </a:ext>
+            </a:extLst>
+          </p:cNvPr>
+          <p:cNvSpPr txBox="1"/>
+          <p:nvPr/>
+        </p:nvSpPr>
+        <p:spPr>
+          <a:xfrm>
+            <a:off x="6017342" y="3472755"/>
+            <a:ext cx="2861187" cy="369332"/>
+          </a:xfrm>
+          <a:prstGeom prst="rect">
+            <a:avLst/>
+          </a:prstGeom>
+          <a:noFill/>
+        </p:spPr>
+        <p:txBody>
+          <a:bodyPr wrap="square" rtlCol="0">
+            <a:spAutoFit/>
+          </a:bodyPr>
+          <a:lstStyle/>
+          <a:p>
+            <a:r>
+              <a:rPr lang="en-IN" b="1" dirty="0"/>
+              <a:t>Sort Key</a:t>
+            </a:r>
+            <a:endParaRPr lang="en-US" b="1" dirty="0"/>
+          </a:p>
+        </p:txBody>
+      </p:sp>
+    </p:spTree>
+    <p:extLst>
+      <p:ext uri="{BB962C8B-B14F-4D97-AF65-F5344CB8AC3E}">
+        <p14:creationId xmlns:p14="http://schemas.microsoft.com/office/powerpoint/2010/main" val="1573915359"/>
+      </p:ext>
+    </p:extLst>
+  </p:cSld>
+  <p:clrMapOvr>
+    <a:masterClrMapping/>
+  </p:clrMapOvr>
+</p:sld>
+</file>
+
+<file path=ppt/slides/slide31.xml><?xml version="1.0" encoding="utf-8"?>
+<p:sld xmlns:a="http://schemas.openxmlformats.org/drawingml/2006/main" xmlns:r="http://schemas.openxmlformats.org/officeDocument/2006/relationships" xmlns:p="http://schemas.openxmlformats.org/presentationml/2006/main">
+  <p:cSld>
+    <p:spTree>
+      <p:nvGrpSpPr>
+        <p:cNvPr id="1" name=""/>
+        <p:cNvGrpSpPr/>
+        <p:nvPr/>
+      </p:nvGrpSpPr>
+      <p:grpSpPr>
+        <a:xfrm>
+          <a:off x="0" y="0"/>
+          <a:ext cx="0" cy="0"/>
+          <a:chOff x="0" y="0"/>
+          <a:chExt cx="0" cy="0"/>
+        </a:xfrm>
+      </p:grpSpPr>
+      <p:sp>
+        <p:nvSpPr>
+          <p:cNvPr id="2" name="TextBox 1">
+            <a:extLst>
+              <a:ext uri="{FF2B5EF4-FFF2-40B4-BE49-F238E27FC236}">
+                <a16:creationId xmlns:a16="http://schemas.microsoft.com/office/drawing/2014/main" id="{0D90154A-3E99-9F72-2E3E-EE5040A0C2B1}"/>
+              </a:ext>
+            </a:extLst>
+          </p:cNvPr>
+          <p:cNvSpPr txBox="1"/>
+          <p:nvPr/>
+        </p:nvSpPr>
+        <p:spPr>
+          <a:xfrm>
+            <a:off x="481781" y="206477"/>
+            <a:ext cx="10874477" cy="1200329"/>
+          </a:xfrm>
+          <a:prstGeom prst="rect">
+            <a:avLst/>
+          </a:prstGeom>
+          <a:noFill/>
+        </p:spPr>
+        <p:txBody>
+          <a:bodyPr wrap="square" rtlCol="0">
+            <a:spAutoFit/>
+          </a:bodyPr>
+          <a:lstStyle/>
+          <a:p>
+            <a:pPr algn="ctr"/>
+            <a:r>
+              <a:rPr lang="en-IN" b="1" dirty="0"/>
+              <a:t>Communication Across Microservices</a:t>
+            </a:r>
+          </a:p>
+          <a:p>
+            <a:pPr algn="ctr"/>
+            <a:r>
+              <a:rPr lang="en-IN" b="1" dirty="0"/>
+              <a:t>Step 4 and 5 MUST run in Background</a:t>
+            </a:r>
+          </a:p>
+          <a:p>
+            <a:pPr algn="ctr"/>
+            <a:r>
+              <a:rPr lang="en-IN" b="1" dirty="0"/>
+              <a:t>If they stop</a:t>
+            </a:r>
+          </a:p>
+          <a:p>
+            <a:pPr algn="ctr"/>
+            <a:r>
+              <a:rPr lang="en-US" b="1" dirty="0"/>
+              <a:t>There won’t be </a:t>
+            </a:r>
+            <a:r>
+              <a:rPr lang="en-US" b="1"/>
+              <a:t>any communication</a:t>
+            </a:r>
+            <a:endParaRPr lang="en-US" b="1" dirty="0"/>
+          </a:p>
+        </p:txBody>
+      </p:sp>
+      <p:sp>
+        <p:nvSpPr>
+          <p:cNvPr id="3" name="Cube 2">
+            <a:extLst>
+              <a:ext uri="{FF2B5EF4-FFF2-40B4-BE49-F238E27FC236}">
+                <a16:creationId xmlns:a16="http://schemas.microsoft.com/office/drawing/2014/main" id="{113E458D-8B70-48A4-F082-3CB38D145572}"/>
+              </a:ext>
+            </a:extLst>
+          </p:cNvPr>
+          <p:cNvSpPr/>
+          <p:nvPr/>
+        </p:nvSpPr>
+        <p:spPr>
+          <a:xfrm>
+            <a:off x="481781" y="2930013"/>
+            <a:ext cx="3834580" cy="1818968"/>
+          </a:xfrm>
+          <a:prstGeom prst="cube">
+            <a:avLst>
+              <a:gd name="adj" fmla="val 13921"/>
+            </a:avLst>
+          </a:prstGeom>
+        </p:spPr>
+        <p:style>
+          <a:lnRef idx="2">
+            <a:schemeClr val="accent1">
+              <a:shade val="50000"/>
+            </a:schemeClr>
+          </a:lnRef>
+          <a:fillRef idx="1">
+            <a:schemeClr val="accent1"/>
+          </a:fillRef>
+          <a:effectRef idx="0">
+            <a:schemeClr val="accent1"/>
+          </a:effectRef>
+          <a:fontRef idx="minor">
+            <a:schemeClr val="lt1"/>
+          </a:fontRef>
+        </p:style>
+        <p:txBody>
+          <a:bodyPr rtlCol="0" anchor="ctr"/>
+          <a:lstStyle/>
+          <a:p>
+            <a:pPr algn="ctr"/>
+            <a:r>
+              <a:rPr lang="en-IN" sz="2800" b="1" dirty="0"/>
+              <a:t>Order</a:t>
+            </a:r>
+          </a:p>
+          <a:p>
+            <a:pPr algn="ctr"/>
+            <a:r>
+              <a:rPr lang="en-IN" sz="2800" b="1" dirty="0"/>
+              <a:t>Microservice</a:t>
+            </a:r>
+            <a:endParaRPr lang="en-US" sz="2800" b="1" dirty="0"/>
+          </a:p>
+        </p:txBody>
+      </p:sp>
+      <p:sp>
+        <p:nvSpPr>
+          <p:cNvPr id="4" name="Cube 3">
+            <a:extLst>
+              <a:ext uri="{FF2B5EF4-FFF2-40B4-BE49-F238E27FC236}">
+                <a16:creationId xmlns:a16="http://schemas.microsoft.com/office/drawing/2014/main" id="{14593BDC-16B8-BD1D-07BF-5812F9312F2F}"/>
+              </a:ext>
+            </a:extLst>
+          </p:cNvPr>
+          <p:cNvSpPr/>
+          <p:nvPr/>
+        </p:nvSpPr>
+        <p:spPr>
+          <a:xfrm>
+            <a:off x="7801897" y="2930013"/>
+            <a:ext cx="3834580" cy="1818968"/>
+          </a:xfrm>
+          <a:prstGeom prst="cube">
+            <a:avLst>
+              <a:gd name="adj" fmla="val 13921"/>
+            </a:avLst>
+          </a:prstGeom>
+        </p:spPr>
+        <p:style>
+          <a:lnRef idx="2">
+            <a:schemeClr val="accent1">
+              <a:shade val="50000"/>
+            </a:schemeClr>
+          </a:lnRef>
+          <a:fillRef idx="1">
+            <a:schemeClr val="accent1"/>
+          </a:fillRef>
+          <a:effectRef idx="0">
+            <a:schemeClr val="accent1"/>
+          </a:effectRef>
+          <a:fontRef idx="minor">
+            <a:schemeClr val="lt1"/>
+          </a:fontRef>
+        </p:style>
+        <p:txBody>
+          <a:bodyPr rtlCol="0" anchor="ctr"/>
+          <a:lstStyle/>
+          <a:p>
+            <a:pPr algn="ctr"/>
+            <a:r>
+              <a:rPr lang="en-IN" sz="2800" b="1" dirty="0"/>
+              <a:t>Order Process</a:t>
+            </a:r>
+          </a:p>
+          <a:p>
+            <a:pPr algn="ctr"/>
+            <a:r>
+              <a:rPr lang="en-IN" sz="2800" b="1" dirty="0"/>
+              <a:t>Microservice </a:t>
+            </a:r>
+            <a:endParaRPr lang="en-US" sz="2800" b="1" dirty="0"/>
+          </a:p>
+        </p:txBody>
+      </p:sp>
+      <p:sp>
+        <p:nvSpPr>
+          <p:cNvPr id="5" name="Arrow: Down 4">
+            <a:extLst>
+              <a:ext uri="{FF2B5EF4-FFF2-40B4-BE49-F238E27FC236}">
+                <a16:creationId xmlns:a16="http://schemas.microsoft.com/office/drawing/2014/main" id="{301218E0-C5BB-74F1-122A-83ED9E1B2D87}"/>
+              </a:ext>
+            </a:extLst>
+          </p:cNvPr>
+          <p:cNvSpPr/>
+          <p:nvPr/>
+        </p:nvSpPr>
+        <p:spPr>
+          <a:xfrm>
+            <a:off x="1868129" y="1455174"/>
+            <a:ext cx="717755" cy="1651820"/>
+          </a:xfrm>
+          <a:prstGeom prst="downArrow">
+            <a:avLst/>
+          </a:prstGeom>
+          <a:solidFill>
+            <a:schemeClr val="accent2"/>
+          </a:solidFill>
+        </p:spPr>
+        <p:style>
+          <a:lnRef idx="2">
+            <a:schemeClr val="accent1">
+              <a:shade val="50000"/>
+            </a:schemeClr>
+          </a:lnRef>
+          <a:fillRef idx="1">
+            <a:schemeClr val="accent1"/>
+          </a:fillRef>
+          <a:effectRef idx="0">
+            <a:schemeClr val="accent1"/>
+          </a:effectRef>
+          <a:fontRef idx="minor">
+            <a:schemeClr val="lt1"/>
+          </a:fontRef>
+        </p:style>
+        <p:txBody>
+          <a:bodyPr rtlCol="0" anchor="ctr"/>
+          <a:lstStyle/>
+          <a:p>
+            <a:pPr algn="ctr"/>
+            <a:endParaRPr lang="en-US"/>
+          </a:p>
+        </p:txBody>
+      </p:sp>
+      <p:sp>
+        <p:nvSpPr>
+          <p:cNvPr id="6" name="TextBox 5">
+            <a:extLst>
+              <a:ext uri="{FF2B5EF4-FFF2-40B4-BE49-F238E27FC236}">
+                <a16:creationId xmlns:a16="http://schemas.microsoft.com/office/drawing/2014/main" id="{DDA03369-08CC-2DA9-CBB8-38E5278B7239}"/>
+              </a:ext>
+            </a:extLst>
+          </p:cNvPr>
+          <p:cNvSpPr txBox="1"/>
+          <p:nvPr/>
+        </p:nvSpPr>
+        <p:spPr>
+          <a:xfrm>
+            <a:off x="2507226" y="1288026"/>
+            <a:ext cx="2104103" cy="923330"/>
+          </a:xfrm>
+          <a:prstGeom prst="rect">
+            <a:avLst/>
+          </a:prstGeom>
+          <a:noFill/>
+        </p:spPr>
+        <p:txBody>
+          <a:bodyPr wrap="square" rtlCol="0">
+            <a:spAutoFit/>
+          </a:bodyPr>
+          <a:lstStyle/>
+          <a:p>
+            <a:r>
+              <a:rPr lang="en-IN" dirty="0"/>
+              <a:t>{</a:t>
+            </a:r>
+          </a:p>
+          <a:p>
+            <a:r>
+              <a:rPr lang="en-IN" dirty="0"/>
+              <a:t>  </a:t>
+            </a:r>
+            <a:r>
+              <a:rPr lang="en-IN" dirty="0" err="1"/>
+              <a:t>CustoId</a:t>
+            </a:r>
+            <a:r>
+              <a:rPr lang="en-IN" dirty="0"/>
+              <a:t>:,</a:t>
+            </a:r>
+            <a:r>
+              <a:rPr lang="en-IN" dirty="0" err="1"/>
+              <a:t>Order:Id</a:t>
+            </a:r>
+            <a:r>
+              <a:rPr lang="en-IN" dirty="0"/>
+              <a:t>:</a:t>
+            </a:r>
+          </a:p>
+          <a:p>
+            <a:r>
+              <a:rPr lang="en-IN" dirty="0"/>
+              <a:t>}</a:t>
+            </a:r>
+            <a:endParaRPr lang="en-US" dirty="0"/>
+          </a:p>
+        </p:txBody>
+      </p:sp>
+      <p:sp>
+        <p:nvSpPr>
+          <p:cNvPr id="7" name="Flowchart: Magnetic Disk 6">
+            <a:extLst>
+              <a:ext uri="{FF2B5EF4-FFF2-40B4-BE49-F238E27FC236}">
+                <a16:creationId xmlns:a16="http://schemas.microsoft.com/office/drawing/2014/main" id="{A3AC810D-3905-06D2-52A3-6B341CB0E535}"/>
+              </a:ext>
+            </a:extLst>
+          </p:cNvPr>
+          <p:cNvSpPr/>
+          <p:nvPr/>
+        </p:nvSpPr>
+        <p:spPr>
+          <a:xfrm>
+            <a:off x="481781" y="5467638"/>
+            <a:ext cx="1494503" cy="1183885"/>
+          </a:xfrm>
+          <a:prstGeom prst="flowChartMagneticDisk">
+            <a:avLst/>
+          </a:prstGeom>
+        </p:spPr>
+        <p:style>
+          <a:lnRef idx="2">
+            <a:schemeClr val="accent1">
+              <a:shade val="50000"/>
+            </a:schemeClr>
+          </a:lnRef>
+          <a:fillRef idx="1">
+            <a:schemeClr val="accent1"/>
+          </a:fillRef>
+          <a:effectRef idx="0">
+            <a:schemeClr val="accent1"/>
+          </a:effectRef>
+          <a:fontRef idx="minor">
+            <a:schemeClr val="lt1"/>
+          </a:fontRef>
+        </p:style>
+        <p:txBody>
+          <a:bodyPr rtlCol="0" anchor="ctr"/>
+          <a:lstStyle/>
+          <a:p>
+            <a:pPr algn="ctr"/>
+            <a:r>
+              <a:rPr lang="en-IN" b="1" dirty="0" err="1"/>
+              <a:t>OrdersDB</a:t>
+            </a:r>
+            <a:endParaRPr lang="en-US" b="1" dirty="0"/>
+          </a:p>
+        </p:txBody>
+      </p:sp>
+      <p:sp>
+        <p:nvSpPr>
+          <p:cNvPr id="8" name="Arrow: Up-Down 7">
+            <a:extLst>
+              <a:ext uri="{FF2B5EF4-FFF2-40B4-BE49-F238E27FC236}">
+                <a16:creationId xmlns:a16="http://schemas.microsoft.com/office/drawing/2014/main" id="{343C94CB-AAFA-6C99-ED79-E2E2EF9D44B1}"/>
+              </a:ext>
+            </a:extLst>
+          </p:cNvPr>
+          <p:cNvSpPr/>
+          <p:nvPr/>
+        </p:nvSpPr>
+        <p:spPr>
+          <a:xfrm>
+            <a:off x="845574" y="4748981"/>
+            <a:ext cx="432620" cy="973393"/>
+          </a:xfrm>
+          <a:prstGeom prst="upDownArrow">
+            <a:avLst/>
+          </a:prstGeom>
+          <a:solidFill>
+            <a:schemeClr val="accent2"/>
+          </a:solidFill>
+        </p:spPr>
+        <p:style>
+          <a:lnRef idx="2">
+            <a:schemeClr val="accent1">
+              <a:shade val="50000"/>
+            </a:schemeClr>
+          </a:lnRef>
+          <a:fillRef idx="1">
+            <a:schemeClr val="accent1"/>
+          </a:fillRef>
+          <a:effectRef idx="0">
+            <a:schemeClr val="accent1"/>
+          </a:effectRef>
+          <a:fontRef idx="minor">
+            <a:schemeClr val="lt1"/>
+          </a:fontRef>
+        </p:style>
+        <p:txBody>
+          <a:bodyPr rtlCol="0" anchor="ctr"/>
+          <a:lstStyle/>
+          <a:p>
+            <a:pPr algn="ctr"/>
+            <a:endParaRPr lang="en-US"/>
+          </a:p>
+        </p:txBody>
+      </p:sp>
+      <p:sp>
+        <p:nvSpPr>
+          <p:cNvPr id="9" name="Flowchart: Magnetic Disk 8">
+            <a:extLst>
+              <a:ext uri="{FF2B5EF4-FFF2-40B4-BE49-F238E27FC236}">
+                <a16:creationId xmlns:a16="http://schemas.microsoft.com/office/drawing/2014/main" id="{4ACFAD89-375E-73A0-6E30-74A5F2646F0D}"/>
+              </a:ext>
+            </a:extLst>
+          </p:cNvPr>
+          <p:cNvSpPr/>
+          <p:nvPr/>
+        </p:nvSpPr>
+        <p:spPr>
+          <a:xfrm>
+            <a:off x="9237406" y="5467638"/>
+            <a:ext cx="2620296" cy="1183885"/>
+          </a:xfrm>
+          <a:prstGeom prst="flowChartMagneticDisk">
+            <a:avLst/>
+          </a:prstGeom>
+        </p:spPr>
+        <p:style>
+          <a:lnRef idx="2">
+            <a:schemeClr val="accent1">
+              <a:shade val="50000"/>
+            </a:schemeClr>
+          </a:lnRef>
+          <a:fillRef idx="1">
+            <a:schemeClr val="accent1"/>
+          </a:fillRef>
+          <a:effectRef idx="0">
+            <a:schemeClr val="accent1"/>
+          </a:effectRef>
+          <a:fontRef idx="minor">
+            <a:schemeClr val="lt1"/>
+          </a:fontRef>
+        </p:style>
+        <p:txBody>
+          <a:bodyPr rtlCol="0" anchor="ctr"/>
+          <a:lstStyle/>
+          <a:p>
+            <a:pPr algn="ctr"/>
+            <a:r>
+              <a:rPr lang="en-IN" b="1" dirty="0" err="1"/>
+              <a:t>ProcessedOrdersDB</a:t>
+            </a:r>
+            <a:endParaRPr lang="en-US" b="1" dirty="0"/>
+          </a:p>
+        </p:txBody>
+      </p:sp>
+      <p:sp>
+        <p:nvSpPr>
+          <p:cNvPr id="11" name="Rectangle: Rounded Corners 10">
+            <a:extLst>
+              <a:ext uri="{FF2B5EF4-FFF2-40B4-BE49-F238E27FC236}">
+                <a16:creationId xmlns:a16="http://schemas.microsoft.com/office/drawing/2014/main" id="{50C83CC8-7A2C-6752-0E5A-0C7BD8786E17}"/>
+              </a:ext>
+            </a:extLst>
+          </p:cNvPr>
+          <p:cNvSpPr/>
+          <p:nvPr/>
+        </p:nvSpPr>
+        <p:spPr>
+          <a:xfrm>
+            <a:off x="8126361" y="907026"/>
+            <a:ext cx="2576052" cy="1096296"/>
+          </a:xfrm>
+          <a:prstGeom prst="roundRect">
+            <a:avLst/>
+          </a:prstGeom>
+          <a:solidFill>
+            <a:srgbClr val="00B050"/>
+          </a:solidFill>
+        </p:spPr>
+        <p:style>
+          <a:lnRef idx="2">
+            <a:schemeClr val="accent1">
+              <a:shade val="50000"/>
+            </a:schemeClr>
+          </a:lnRef>
+          <a:fillRef idx="1">
+            <a:schemeClr val="accent1"/>
+          </a:fillRef>
+          <a:effectRef idx="0">
+            <a:schemeClr val="accent1"/>
+          </a:effectRef>
+          <a:fontRef idx="minor">
+            <a:schemeClr val="lt1"/>
+          </a:fontRef>
+        </p:style>
+        <p:txBody>
+          <a:bodyPr rtlCol="0" anchor="ctr"/>
+          <a:lstStyle/>
+          <a:p>
+            <a:pPr algn="ctr"/>
+            <a:r>
+              <a:rPr lang="en-IN" b="1" dirty="0"/>
+              <a:t>Order Process App	</a:t>
+            </a:r>
+            <a:endParaRPr lang="en-US" b="1" dirty="0"/>
+          </a:p>
+        </p:txBody>
+      </p:sp>
+      <p:sp>
+        <p:nvSpPr>
+          <p:cNvPr id="12" name="Arrow: Up 11">
+            <a:extLst>
+              <a:ext uri="{FF2B5EF4-FFF2-40B4-BE49-F238E27FC236}">
+                <a16:creationId xmlns:a16="http://schemas.microsoft.com/office/drawing/2014/main" id="{839A412D-AD02-FD2F-1202-374AC09D7AE8}"/>
+              </a:ext>
+            </a:extLst>
+          </p:cNvPr>
+          <p:cNvSpPr/>
+          <p:nvPr/>
+        </p:nvSpPr>
+        <p:spPr>
+          <a:xfrm>
+            <a:off x="9301316" y="2000864"/>
+            <a:ext cx="629265" cy="1027471"/>
+          </a:xfrm>
+          <a:prstGeom prst="upArrow">
+            <a:avLst/>
+          </a:prstGeom>
+          <a:solidFill>
+            <a:schemeClr val="bg1">
+              <a:lumMod val="65000"/>
+            </a:schemeClr>
+          </a:solidFill>
+        </p:spPr>
+        <p:style>
+          <a:lnRef idx="2">
+            <a:schemeClr val="accent1">
+              <a:shade val="50000"/>
+            </a:schemeClr>
+          </a:lnRef>
+          <a:fillRef idx="1">
+            <a:schemeClr val="accent1"/>
+          </a:fillRef>
+          <a:effectRef idx="0">
+            <a:schemeClr val="accent1"/>
+          </a:effectRef>
+          <a:fontRef idx="minor">
+            <a:schemeClr val="lt1"/>
+          </a:fontRef>
+        </p:style>
+        <p:txBody>
+          <a:bodyPr rtlCol="0" anchor="ctr"/>
+          <a:lstStyle/>
+          <a:p>
+            <a:pPr algn="ctr"/>
+            <a:endParaRPr lang="en-US"/>
+          </a:p>
+        </p:txBody>
+      </p:sp>
+      <p:sp>
+        <p:nvSpPr>
+          <p:cNvPr id="13" name="Rectangle: Rounded Corners 12">
+            <a:extLst>
+              <a:ext uri="{FF2B5EF4-FFF2-40B4-BE49-F238E27FC236}">
+                <a16:creationId xmlns:a16="http://schemas.microsoft.com/office/drawing/2014/main" id="{2D6F2C7A-B5C2-0A79-BBB4-5727AF85A069}"/>
+              </a:ext>
+            </a:extLst>
+          </p:cNvPr>
+          <p:cNvSpPr/>
+          <p:nvPr/>
+        </p:nvSpPr>
+        <p:spPr>
+          <a:xfrm>
+            <a:off x="4129548" y="5201265"/>
+            <a:ext cx="3234813" cy="1183885"/>
+          </a:xfrm>
+          <a:prstGeom prst="roundRect">
+            <a:avLst/>
+          </a:prstGeom>
+          <a:solidFill>
+            <a:srgbClr val="002060"/>
+          </a:solidFill>
+        </p:spPr>
+        <p:style>
+          <a:lnRef idx="2">
+            <a:schemeClr val="accent1">
+              <a:shade val="50000"/>
+            </a:schemeClr>
+          </a:lnRef>
+          <a:fillRef idx="1">
+            <a:schemeClr val="accent1"/>
+          </a:fillRef>
+          <a:effectRef idx="0">
+            <a:schemeClr val="accent1"/>
+          </a:effectRef>
+          <a:fontRef idx="minor">
+            <a:schemeClr val="lt1"/>
+          </a:fontRef>
+        </p:style>
+        <p:txBody>
+          <a:bodyPr rtlCol="0" anchor="ctr"/>
+          <a:lstStyle/>
+          <a:p>
+            <a:pPr algn="ctr"/>
+            <a:r>
+              <a:rPr lang="en-IN" b="1" dirty="0"/>
+              <a:t>Messaging Service</a:t>
+            </a:r>
+          </a:p>
+          <a:p>
+            <a:pPr algn="ctr"/>
+            <a:endParaRPr lang="en-IN" b="1" dirty="0"/>
+          </a:p>
+          <a:p>
+            <a:pPr algn="ctr"/>
+            <a:endParaRPr lang="en-US" b="1" dirty="0"/>
+          </a:p>
+        </p:txBody>
+      </p:sp>
+      <p:cxnSp>
+        <p:nvCxnSpPr>
+          <p:cNvPr id="15" name="Connector: Elbow 14">
+            <a:extLst>
+              <a:ext uri="{FF2B5EF4-FFF2-40B4-BE49-F238E27FC236}">
+                <a16:creationId xmlns:a16="http://schemas.microsoft.com/office/drawing/2014/main" id="{E17FAAE6-50A7-870B-C65A-88910416762F}"/>
+              </a:ext>
+            </a:extLst>
+          </p:cNvPr>
+          <p:cNvCxnSpPr>
+            <a:stCxn id="3" idx="3"/>
+            <a:endCxn id="13" idx="1"/>
+          </p:cNvCxnSpPr>
+          <p:nvPr/>
+        </p:nvCxnSpPr>
+        <p:spPr>
+          <a:xfrm rot="16200000" flipH="1">
+            <a:off x="2678892" y="4342551"/>
+            <a:ext cx="1044227" cy="1857086"/>
+          </a:xfrm>
+          <a:prstGeom prst="bentConnector2">
+            <a:avLst/>
+          </a:prstGeom>
+          <a:ln w="76200">
+            <a:solidFill>
+              <a:srgbClr val="FF0000"/>
+            </a:solidFill>
+            <a:tailEnd type="triangle"/>
+          </a:ln>
+        </p:spPr>
+        <p:style>
+          <a:lnRef idx="1">
+            <a:schemeClr val="accent1"/>
+          </a:lnRef>
+          <a:fillRef idx="0">
+            <a:schemeClr val="accent1"/>
+          </a:fillRef>
+          <a:effectRef idx="0">
+            <a:schemeClr val="accent1"/>
+          </a:effectRef>
+          <a:fontRef idx="minor">
+            <a:schemeClr val="tx1"/>
+          </a:fontRef>
+        </p:style>
+      </p:cxnSp>
+      <p:sp>
+        <p:nvSpPr>
+          <p:cNvPr id="16" name="TextBox 15">
+            <a:extLst>
+              <a:ext uri="{FF2B5EF4-FFF2-40B4-BE49-F238E27FC236}">
+                <a16:creationId xmlns:a16="http://schemas.microsoft.com/office/drawing/2014/main" id="{8DC186E2-76F3-B35C-D7C2-4046FFEBF188}"/>
+              </a:ext>
+            </a:extLst>
+          </p:cNvPr>
+          <p:cNvSpPr txBox="1"/>
+          <p:nvPr/>
+        </p:nvSpPr>
+        <p:spPr>
+          <a:xfrm>
+            <a:off x="2179055" y="5913482"/>
+            <a:ext cx="2043900" cy="923330"/>
+          </a:xfrm>
+          <a:prstGeom prst="rect">
+            <a:avLst/>
+          </a:prstGeom>
+          <a:noFill/>
+        </p:spPr>
+        <p:txBody>
+          <a:bodyPr wrap="square" rtlCol="0">
+            <a:spAutoFit/>
+          </a:bodyPr>
+          <a:lstStyle/>
+          <a:p>
+            <a:pPr algn="ctr"/>
+            <a:r>
+              <a:rPr lang="en-IN" dirty="0"/>
+              <a:t>When Order is Saved in DB, Pass it to Messaging</a:t>
+            </a:r>
+            <a:endParaRPr lang="en-US" dirty="0"/>
+          </a:p>
+        </p:txBody>
+      </p:sp>
+      <p:sp>
+        <p:nvSpPr>
+          <p:cNvPr id="17" name="Rectangle 16">
+            <a:extLst>
+              <a:ext uri="{FF2B5EF4-FFF2-40B4-BE49-F238E27FC236}">
+                <a16:creationId xmlns:a16="http://schemas.microsoft.com/office/drawing/2014/main" id="{317E6AC2-9C75-BA70-A935-ABE5F79E4148}"/>
+              </a:ext>
+            </a:extLst>
+          </p:cNvPr>
+          <p:cNvSpPr/>
+          <p:nvPr/>
+        </p:nvSpPr>
+        <p:spPr>
+          <a:xfrm>
+            <a:off x="4611329" y="5793207"/>
+            <a:ext cx="2497394" cy="499438"/>
+          </a:xfrm>
+          <a:prstGeom prst="rect">
+            <a:avLst/>
+          </a:prstGeom>
+        </p:spPr>
+        <p:style>
+          <a:lnRef idx="2">
+            <a:schemeClr val="accent1">
+              <a:shade val="50000"/>
+            </a:schemeClr>
+          </a:lnRef>
+          <a:fillRef idx="1">
+            <a:schemeClr val="accent1"/>
+          </a:fillRef>
+          <a:effectRef idx="0">
+            <a:schemeClr val="accent1"/>
+          </a:effectRef>
+          <a:fontRef idx="minor">
+            <a:schemeClr val="lt1"/>
+          </a:fontRef>
+        </p:style>
+        <p:txBody>
+          <a:bodyPr rtlCol="0" anchor="ctr"/>
+          <a:lstStyle/>
+          <a:p>
+            <a:pPr algn="ctr"/>
+            <a:r>
+              <a:rPr lang="en-IN" b="1" dirty="0"/>
+              <a:t>Order Information</a:t>
+            </a:r>
+            <a:endParaRPr lang="en-US" b="1" dirty="0"/>
+          </a:p>
+        </p:txBody>
+      </p:sp>
+      <p:cxnSp>
+        <p:nvCxnSpPr>
+          <p:cNvPr id="19" name="Connector: Elbow 18">
+            <a:extLst>
+              <a:ext uri="{FF2B5EF4-FFF2-40B4-BE49-F238E27FC236}">
+                <a16:creationId xmlns:a16="http://schemas.microsoft.com/office/drawing/2014/main" id="{567244E0-F4D2-E9B0-5BD4-D7F890EA1129}"/>
+              </a:ext>
+            </a:extLst>
+          </p:cNvPr>
+          <p:cNvCxnSpPr>
+            <a:stCxn id="4" idx="2"/>
+            <a:endCxn id="13" idx="0"/>
+          </p:cNvCxnSpPr>
+          <p:nvPr/>
+        </p:nvCxnSpPr>
+        <p:spPr>
+          <a:xfrm rot="10800000" flipV="1">
+            <a:off x="5746955" y="3966105"/>
+            <a:ext cx="2054942" cy="1235159"/>
+          </a:xfrm>
+          <a:prstGeom prst="bentConnector2">
+            <a:avLst/>
+          </a:prstGeom>
+          <a:ln w="76200">
+            <a:solidFill>
+              <a:srgbClr val="FF0000"/>
+            </a:solidFill>
+            <a:tailEnd type="triangle"/>
+          </a:ln>
+        </p:spPr>
+        <p:style>
+          <a:lnRef idx="1">
+            <a:schemeClr val="accent1"/>
+          </a:lnRef>
+          <a:fillRef idx="0">
+            <a:schemeClr val="accent1"/>
+          </a:fillRef>
+          <a:effectRef idx="0">
+            <a:schemeClr val="accent1"/>
+          </a:effectRef>
+          <a:fontRef idx="minor">
+            <a:schemeClr val="tx1"/>
+          </a:fontRef>
+        </p:style>
+      </p:cxnSp>
+      <p:sp>
+        <p:nvSpPr>
+          <p:cNvPr id="20" name="TextBox 19">
+            <a:extLst>
+              <a:ext uri="{FF2B5EF4-FFF2-40B4-BE49-F238E27FC236}">
+                <a16:creationId xmlns:a16="http://schemas.microsoft.com/office/drawing/2014/main" id="{2FCED533-BA64-9FF3-7760-0B4193FCAB12}"/>
+              </a:ext>
+            </a:extLst>
+          </p:cNvPr>
+          <p:cNvSpPr txBox="1"/>
+          <p:nvPr/>
+        </p:nvSpPr>
+        <p:spPr>
+          <a:xfrm>
+            <a:off x="5304503" y="3028335"/>
+            <a:ext cx="2266336" cy="923330"/>
+          </a:xfrm>
+          <a:prstGeom prst="rect">
+            <a:avLst/>
+          </a:prstGeom>
+          <a:noFill/>
+        </p:spPr>
+        <p:txBody>
+          <a:bodyPr wrap="square" rtlCol="0">
+            <a:spAutoFit/>
+          </a:bodyPr>
+          <a:lstStyle/>
+          <a:p>
+            <a:pPr algn="ctr"/>
+            <a:r>
+              <a:rPr lang="en-IN" dirty="0"/>
+              <a:t>Subscription to Messaging using consumer </a:t>
+            </a:r>
+            <a:endParaRPr lang="en-US" dirty="0"/>
+          </a:p>
+        </p:txBody>
+      </p:sp>
+      <p:cxnSp>
+        <p:nvCxnSpPr>
+          <p:cNvPr id="25" name="Connector: Elbow 24">
+            <a:extLst>
+              <a:ext uri="{FF2B5EF4-FFF2-40B4-BE49-F238E27FC236}">
+                <a16:creationId xmlns:a16="http://schemas.microsoft.com/office/drawing/2014/main" id="{9A50D07A-230C-8181-E0EA-A37369FE2F13}"/>
+              </a:ext>
+            </a:extLst>
+          </p:cNvPr>
+          <p:cNvCxnSpPr>
+            <a:stCxn id="13" idx="3"/>
+            <a:endCxn id="4" idx="3"/>
+          </p:cNvCxnSpPr>
+          <p:nvPr/>
+        </p:nvCxnSpPr>
+        <p:spPr>
+          <a:xfrm flipV="1">
+            <a:off x="7364361" y="4748981"/>
+            <a:ext cx="2228217" cy="1044227"/>
+          </a:xfrm>
+          <a:prstGeom prst="bentConnector2">
+            <a:avLst/>
+          </a:prstGeom>
+          <a:ln w="76200">
+            <a:solidFill>
+              <a:srgbClr val="FF0000"/>
+            </a:solidFill>
+            <a:tailEnd type="triangle"/>
+          </a:ln>
+        </p:spPr>
+        <p:style>
+          <a:lnRef idx="1">
+            <a:schemeClr val="accent1"/>
+          </a:lnRef>
+          <a:fillRef idx="0">
+            <a:schemeClr val="accent1"/>
+          </a:fillRef>
+          <a:effectRef idx="0">
+            <a:schemeClr val="accent1"/>
+          </a:effectRef>
+          <a:fontRef idx="minor">
+            <a:schemeClr val="tx1"/>
+          </a:fontRef>
+        </p:style>
+      </p:cxnSp>
+      <p:sp>
+        <p:nvSpPr>
+          <p:cNvPr id="27" name="TextBox 26">
+            <a:extLst>
+              <a:ext uri="{FF2B5EF4-FFF2-40B4-BE49-F238E27FC236}">
+                <a16:creationId xmlns:a16="http://schemas.microsoft.com/office/drawing/2014/main" id="{3964944D-0734-A96D-AB97-A2CBCCADDDCF}"/>
+              </a:ext>
+            </a:extLst>
+          </p:cNvPr>
+          <p:cNvSpPr txBox="1"/>
+          <p:nvPr/>
+        </p:nvSpPr>
+        <p:spPr>
+          <a:xfrm>
+            <a:off x="7219335" y="5445657"/>
+            <a:ext cx="2043900" cy="1200329"/>
+          </a:xfrm>
+          <a:prstGeom prst="rect">
+            <a:avLst/>
+          </a:prstGeom>
+          <a:noFill/>
+        </p:spPr>
+        <p:txBody>
+          <a:bodyPr wrap="square" rtlCol="0">
+            <a:spAutoFit/>
+          </a:bodyPr>
+          <a:lstStyle/>
+          <a:p>
+            <a:pPr algn="ctr"/>
+            <a:r>
+              <a:rPr lang="en-IN" dirty="0"/>
+              <a:t>Data is Read by Order Process Service and Saved to DB</a:t>
+            </a:r>
+            <a:endParaRPr lang="en-US" dirty="0"/>
+          </a:p>
+        </p:txBody>
+      </p:sp>
+      <p:sp>
+        <p:nvSpPr>
+          <p:cNvPr id="28" name="Arrow: Down 27">
+            <a:extLst>
+              <a:ext uri="{FF2B5EF4-FFF2-40B4-BE49-F238E27FC236}">
+                <a16:creationId xmlns:a16="http://schemas.microsoft.com/office/drawing/2014/main" id="{258E5DCE-397D-8285-38D6-A27E355581E1}"/>
+              </a:ext>
+            </a:extLst>
+          </p:cNvPr>
+          <p:cNvSpPr/>
+          <p:nvPr/>
+        </p:nvSpPr>
+        <p:spPr>
+          <a:xfrm>
+            <a:off x="9930581" y="4748980"/>
+            <a:ext cx="523566" cy="973394"/>
+          </a:xfrm>
+          <a:prstGeom prst="downArrow">
+            <a:avLst/>
+          </a:prstGeom>
+          <a:solidFill>
+            <a:srgbClr val="002060"/>
+          </a:solidFill>
+        </p:spPr>
+        <p:style>
+          <a:lnRef idx="2">
+            <a:schemeClr val="accent1">
+              <a:shade val="50000"/>
+            </a:schemeClr>
+          </a:lnRef>
+          <a:fillRef idx="1">
+            <a:schemeClr val="accent1"/>
+          </a:fillRef>
+          <a:effectRef idx="0">
+            <a:schemeClr val="accent1"/>
+          </a:effectRef>
+          <a:fontRef idx="minor">
+            <a:schemeClr val="lt1"/>
+          </a:fontRef>
+        </p:style>
+        <p:txBody>
+          <a:bodyPr rtlCol="0" anchor="ctr"/>
+          <a:lstStyle/>
+          <a:p>
+            <a:pPr algn="ctr"/>
+            <a:endParaRPr lang="en-US"/>
+          </a:p>
+        </p:txBody>
+      </p:sp>
+      <p:sp>
+        <p:nvSpPr>
+          <p:cNvPr id="29" name="TextBox 28">
+            <a:extLst>
+              <a:ext uri="{FF2B5EF4-FFF2-40B4-BE49-F238E27FC236}">
+                <a16:creationId xmlns:a16="http://schemas.microsoft.com/office/drawing/2014/main" id="{C24283B9-FA07-24B6-371F-005440943ED3}"/>
+              </a:ext>
+            </a:extLst>
+          </p:cNvPr>
+          <p:cNvSpPr txBox="1"/>
+          <p:nvPr/>
+        </p:nvSpPr>
+        <p:spPr>
+          <a:xfrm>
+            <a:off x="9856840" y="5112774"/>
+            <a:ext cx="1892708" cy="369332"/>
+          </a:xfrm>
+          <a:prstGeom prst="rect">
+            <a:avLst/>
+          </a:prstGeom>
+          <a:noFill/>
+        </p:spPr>
+        <p:txBody>
+          <a:bodyPr wrap="square" rtlCol="0">
+            <a:spAutoFit/>
+          </a:bodyPr>
+          <a:lstStyle/>
+          <a:p>
+            <a:r>
+              <a:rPr lang="en-IN" dirty="0"/>
+              <a:t>        Save To DB</a:t>
+            </a:r>
+            <a:endParaRPr lang="en-US" dirty="0"/>
+          </a:p>
+        </p:txBody>
+      </p:sp>
+      <p:cxnSp>
+        <p:nvCxnSpPr>
+          <p:cNvPr id="31" name="Connector: Elbow 30">
+            <a:extLst>
+              <a:ext uri="{FF2B5EF4-FFF2-40B4-BE49-F238E27FC236}">
+                <a16:creationId xmlns:a16="http://schemas.microsoft.com/office/drawing/2014/main" id="{75360FC3-6656-1039-4209-71B7540EFD19}"/>
+              </a:ext>
+            </a:extLst>
+          </p:cNvPr>
+          <p:cNvCxnSpPr>
+            <a:stCxn id="4" idx="5"/>
+            <a:endCxn id="9" idx="4"/>
+          </p:cNvCxnSpPr>
+          <p:nvPr/>
+        </p:nvCxnSpPr>
+        <p:spPr>
+          <a:xfrm>
+            <a:off x="11636477" y="3712888"/>
+            <a:ext cx="221225" cy="2346693"/>
+          </a:xfrm>
+          <a:prstGeom prst="bentConnector3">
+            <a:avLst>
+              <a:gd name="adj1" fmla="val 203334"/>
+            </a:avLst>
+          </a:prstGeom>
+          <a:ln w="76200">
+            <a:solidFill>
+              <a:srgbClr val="FF0000"/>
+            </a:solidFill>
+            <a:headEnd type="triangle"/>
+            <a:tailEnd type="triangle"/>
+          </a:ln>
+        </p:spPr>
+        <p:style>
+          <a:lnRef idx="1">
+            <a:schemeClr val="accent1"/>
+          </a:lnRef>
+          <a:fillRef idx="0">
+            <a:schemeClr val="accent1"/>
+          </a:fillRef>
+          <a:effectRef idx="0">
+            <a:schemeClr val="accent1"/>
+          </a:effectRef>
+          <a:fontRef idx="minor">
+            <a:schemeClr val="tx1"/>
+          </a:fontRef>
+        </p:style>
+      </p:cxnSp>
+      <p:sp>
+        <p:nvSpPr>
+          <p:cNvPr id="32" name="TextBox 31">
+            <a:extLst>
+              <a:ext uri="{FF2B5EF4-FFF2-40B4-BE49-F238E27FC236}">
+                <a16:creationId xmlns:a16="http://schemas.microsoft.com/office/drawing/2014/main" id="{631B3F52-2DE8-700C-BA69-F53B4EFA1634}"/>
+              </a:ext>
+            </a:extLst>
+          </p:cNvPr>
+          <p:cNvSpPr txBox="1"/>
+          <p:nvPr/>
+        </p:nvSpPr>
+        <p:spPr>
+          <a:xfrm>
+            <a:off x="10486102" y="2330559"/>
+            <a:ext cx="1617408" cy="646331"/>
+          </a:xfrm>
+          <a:prstGeom prst="rect">
+            <a:avLst/>
+          </a:prstGeom>
+          <a:noFill/>
+        </p:spPr>
+        <p:txBody>
+          <a:bodyPr wrap="square" rtlCol="0">
+            <a:spAutoFit/>
+          </a:bodyPr>
+          <a:lstStyle/>
+          <a:p>
+            <a:pPr algn="ctr"/>
+            <a:r>
+              <a:rPr lang="en-IN" dirty="0"/>
+              <a:t>Receive data from DB</a:t>
+            </a:r>
+            <a:endParaRPr lang="en-US" dirty="0"/>
+          </a:p>
+        </p:txBody>
+      </p:sp>
+      <p:cxnSp>
+        <p:nvCxnSpPr>
+          <p:cNvPr id="34" name="Straight Arrow Connector 33">
+            <a:extLst>
+              <a:ext uri="{FF2B5EF4-FFF2-40B4-BE49-F238E27FC236}">
+                <a16:creationId xmlns:a16="http://schemas.microsoft.com/office/drawing/2014/main" id="{821B3DD4-DACE-94CA-9AB6-61F6866520C9}"/>
+              </a:ext>
+            </a:extLst>
+          </p:cNvPr>
+          <p:cNvCxnSpPr>
+            <a:cxnSpLocks/>
+          </p:cNvCxnSpPr>
+          <p:nvPr/>
+        </p:nvCxnSpPr>
+        <p:spPr>
+          <a:xfrm>
+            <a:off x="11749548" y="2782529"/>
+            <a:ext cx="255639" cy="892137"/>
+          </a:xfrm>
+          <a:prstGeom prst="straightConnector1">
+            <a:avLst/>
+          </a:prstGeom>
+          <a:ln>
+            <a:tailEnd type="triangle"/>
+          </a:ln>
+        </p:spPr>
+        <p:style>
+          <a:lnRef idx="1">
+            <a:schemeClr val="accent1"/>
+          </a:lnRef>
+          <a:fillRef idx="0">
+            <a:schemeClr val="accent1"/>
+          </a:fillRef>
+          <a:effectRef idx="0">
+            <a:schemeClr val="accent1"/>
+          </a:effectRef>
+          <a:fontRef idx="minor">
+            <a:schemeClr val="tx1"/>
+          </a:fontRef>
+        </p:style>
+      </p:cxnSp>
+      <p:sp>
+        <p:nvSpPr>
+          <p:cNvPr id="36" name="TextBox 35">
+            <a:extLst>
+              <a:ext uri="{FF2B5EF4-FFF2-40B4-BE49-F238E27FC236}">
+                <a16:creationId xmlns:a16="http://schemas.microsoft.com/office/drawing/2014/main" id="{E8FD13DD-1232-E391-240F-D9D5785BE3E3}"/>
+              </a:ext>
+            </a:extLst>
+          </p:cNvPr>
+          <p:cNvSpPr txBox="1"/>
+          <p:nvPr/>
+        </p:nvSpPr>
+        <p:spPr>
+          <a:xfrm>
+            <a:off x="7108723" y="2211356"/>
+            <a:ext cx="2054943" cy="646331"/>
+          </a:xfrm>
+          <a:prstGeom prst="rect">
+            <a:avLst/>
+          </a:prstGeom>
+          <a:noFill/>
+        </p:spPr>
+        <p:txBody>
+          <a:bodyPr wrap="square" rtlCol="0">
+            <a:spAutoFit/>
+          </a:bodyPr>
+          <a:lstStyle/>
+          <a:p>
+            <a:pPr algn="ctr"/>
+            <a:r>
+              <a:rPr lang="en-IN" dirty="0"/>
+              <a:t>Service will Provide Order Data to App</a:t>
+            </a:r>
+            <a:endParaRPr lang="en-US" dirty="0"/>
+          </a:p>
+        </p:txBody>
+      </p:sp>
+      <p:sp>
+        <p:nvSpPr>
+          <p:cNvPr id="37" name="Oval 36">
+            <a:extLst>
+              <a:ext uri="{FF2B5EF4-FFF2-40B4-BE49-F238E27FC236}">
+                <a16:creationId xmlns:a16="http://schemas.microsoft.com/office/drawing/2014/main" id="{0DEED6F9-2255-4B94-A154-76A436877AB6}"/>
+              </a:ext>
+            </a:extLst>
+          </p:cNvPr>
+          <p:cNvSpPr/>
+          <p:nvPr/>
+        </p:nvSpPr>
+        <p:spPr>
+          <a:xfrm>
+            <a:off x="1374058" y="1686699"/>
+            <a:ext cx="634182" cy="590249"/>
+          </a:xfrm>
+          <a:prstGeom prst="ellipse">
+            <a:avLst/>
+          </a:prstGeom>
+        </p:spPr>
+        <p:style>
+          <a:lnRef idx="2">
+            <a:schemeClr val="accent1">
+              <a:shade val="50000"/>
+            </a:schemeClr>
+          </a:lnRef>
+          <a:fillRef idx="1">
+            <a:schemeClr val="accent1"/>
+          </a:fillRef>
+          <a:effectRef idx="0">
+            <a:schemeClr val="accent1"/>
+          </a:effectRef>
+          <a:fontRef idx="minor">
+            <a:schemeClr val="lt1"/>
+          </a:fontRef>
+        </p:style>
+        <p:txBody>
+          <a:bodyPr rtlCol="0" anchor="ctr"/>
+          <a:lstStyle/>
+          <a:p>
+            <a:pPr algn="ctr"/>
+            <a:r>
+              <a:rPr lang="en-IN" dirty="0"/>
+              <a:t>1</a:t>
+            </a:r>
+            <a:endParaRPr lang="en-US" dirty="0"/>
+          </a:p>
+        </p:txBody>
+      </p:sp>
+      <p:sp>
+        <p:nvSpPr>
+          <p:cNvPr id="38" name="Oval 37">
+            <a:extLst>
+              <a:ext uri="{FF2B5EF4-FFF2-40B4-BE49-F238E27FC236}">
+                <a16:creationId xmlns:a16="http://schemas.microsoft.com/office/drawing/2014/main" id="{2F300AE3-379B-63D5-1AF7-9E72E609D353}"/>
+              </a:ext>
+            </a:extLst>
+          </p:cNvPr>
+          <p:cNvSpPr/>
+          <p:nvPr/>
+        </p:nvSpPr>
+        <p:spPr>
+          <a:xfrm>
+            <a:off x="199140" y="4864959"/>
+            <a:ext cx="634182" cy="590249"/>
+          </a:xfrm>
+          <a:prstGeom prst="ellipse">
+            <a:avLst/>
+          </a:prstGeom>
+        </p:spPr>
+        <p:style>
+          <a:lnRef idx="2">
+            <a:schemeClr val="accent1">
+              <a:shade val="50000"/>
+            </a:schemeClr>
+          </a:lnRef>
+          <a:fillRef idx="1">
+            <a:schemeClr val="accent1"/>
+          </a:fillRef>
+          <a:effectRef idx="0">
+            <a:schemeClr val="accent1"/>
+          </a:effectRef>
+          <a:fontRef idx="minor">
+            <a:schemeClr val="lt1"/>
+          </a:fontRef>
+        </p:style>
+        <p:txBody>
+          <a:bodyPr rtlCol="0" anchor="ctr"/>
+          <a:lstStyle/>
+          <a:p>
+            <a:pPr algn="ctr"/>
+            <a:r>
+              <a:rPr lang="en-IN" dirty="0"/>
+              <a:t>2</a:t>
+            </a:r>
+            <a:endParaRPr lang="en-US" dirty="0"/>
+          </a:p>
+        </p:txBody>
+      </p:sp>
+      <p:sp>
+        <p:nvSpPr>
+          <p:cNvPr id="39" name="Oval 38">
+            <a:extLst>
+              <a:ext uri="{FF2B5EF4-FFF2-40B4-BE49-F238E27FC236}">
+                <a16:creationId xmlns:a16="http://schemas.microsoft.com/office/drawing/2014/main" id="{33306E3F-851C-57DD-A2A3-9CF8679E173A}"/>
+              </a:ext>
+            </a:extLst>
+          </p:cNvPr>
+          <p:cNvSpPr/>
+          <p:nvPr/>
+        </p:nvSpPr>
+        <p:spPr>
+          <a:xfrm>
+            <a:off x="2642417" y="5132125"/>
+            <a:ext cx="634182" cy="590249"/>
+          </a:xfrm>
+          <a:prstGeom prst="ellipse">
+            <a:avLst/>
+          </a:prstGeom>
+        </p:spPr>
+        <p:style>
+          <a:lnRef idx="2">
+            <a:schemeClr val="accent1">
+              <a:shade val="50000"/>
+            </a:schemeClr>
+          </a:lnRef>
+          <a:fillRef idx="1">
+            <a:schemeClr val="accent1"/>
+          </a:fillRef>
+          <a:effectRef idx="0">
+            <a:schemeClr val="accent1"/>
+          </a:effectRef>
+          <a:fontRef idx="minor">
+            <a:schemeClr val="lt1"/>
+          </a:fontRef>
+        </p:style>
+        <p:txBody>
+          <a:bodyPr rtlCol="0" anchor="ctr"/>
+          <a:lstStyle/>
+          <a:p>
+            <a:pPr algn="ctr"/>
+            <a:r>
+              <a:rPr lang="en-IN" dirty="0"/>
+              <a:t>3</a:t>
+            </a:r>
+            <a:endParaRPr lang="en-US" dirty="0"/>
+          </a:p>
+        </p:txBody>
+      </p:sp>
+      <p:sp>
+        <p:nvSpPr>
+          <p:cNvPr id="40" name="Oval 39">
+            <a:extLst>
+              <a:ext uri="{FF2B5EF4-FFF2-40B4-BE49-F238E27FC236}">
+                <a16:creationId xmlns:a16="http://schemas.microsoft.com/office/drawing/2014/main" id="{017AD060-874C-151C-29E1-1B6728E3ECE6}"/>
+              </a:ext>
+            </a:extLst>
+          </p:cNvPr>
+          <p:cNvSpPr/>
+          <p:nvPr/>
+        </p:nvSpPr>
+        <p:spPr>
+          <a:xfrm>
+            <a:off x="5954661" y="4349312"/>
+            <a:ext cx="634182" cy="590249"/>
+          </a:xfrm>
+          <a:prstGeom prst="ellipse">
+            <a:avLst/>
+          </a:prstGeom>
+        </p:spPr>
+        <p:style>
+          <a:lnRef idx="2">
+            <a:schemeClr val="accent1">
+              <a:shade val="50000"/>
+            </a:schemeClr>
+          </a:lnRef>
+          <a:fillRef idx="1">
+            <a:schemeClr val="accent1"/>
+          </a:fillRef>
+          <a:effectRef idx="0">
+            <a:schemeClr val="accent1"/>
+          </a:effectRef>
+          <a:fontRef idx="minor">
+            <a:schemeClr val="lt1"/>
+          </a:fontRef>
+        </p:style>
+        <p:txBody>
+          <a:bodyPr rtlCol="0" anchor="ctr"/>
+          <a:lstStyle/>
+          <a:p>
+            <a:pPr algn="ctr"/>
+            <a:r>
+              <a:rPr lang="en-IN" dirty="0"/>
+              <a:t>4</a:t>
+            </a:r>
+            <a:endParaRPr lang="en-US" dirty="0"/>
+          </a:p>
+        </p:txBody>
+      </p:sp>
+      <p:sp>
+        <p:nvSpPr>
+          <p:cNvPr id="41" name="Oval 40">
+            <a:extLst>
+              <a:ext uri="{FF2B5EF4-FFF2-40B4-BE49-F238E27FC236}">
+                <a16:creationId xmlns:a16="http://schemas.microsoft.com/office/drawing/2014/main" id="{E089F699-04FD-7281-596C-E571736967E2}"/>
+              </a:ext>
+            </a:extLst>
+          </p:cNvPr>
+          <p:cNvSpPr/>
+          <p:nvPr/>
+        </p:nvSpPr>
+        <p:spPr>
+          <a:xfrm>
+            <a:off x="6990735" y="6294338"/>
+            <a:ext cx="634182" cy="590249"/>
+          </a:xfrm>
+          <a:prstGeom prst="ellipse">
+            <a:avLst/>
+          </a:prstGeom>
+        </p:spPr>
+        <p:style>
+          <a:lnRef idx="2">
+            <a:schemeClr val="accent1">
+              <a:shade val="50000"/>
+            </a:schemeClr>
+          </a:lnRef>
+          <a:fillRef idx="1">
+            <a:schemeClr val="accent1"/>
+          </a:fillRef>
+          <a:effectRef idx="0">
+            <a:schemeClr val="accent1"/>
+          </a:effectRef>
+          <a:fontRef idx="minor">
+            <a:schemeClr val="lt1"/>
+          </a:fontRef>
+        </p:style>
+        <p:txBody>
+          <a:bodyPr rtlCol="0" anchor="ctr"/>
+          <a:lstStyle/>
+          <a:p>
+            <a:pPr algn="ctr"/>
+            <a:r>
+              <a:rPr lang="en-IN" dirty="0"/>
+              <a:t>5</a:t>
+            </a:r>
+            <a:endParaRPr lang="en-US" dirty="0"/>
+          </a:p>
+        </p:txBody>
+      </p:sp>
+      <p:sp>
+        <p:nvSpPr>
+          <p:cNvPr id="42" name="Oval 41">
+            <a:extLst>
+              <a:ext uri="{FF2B5EF4-FFF2-40B4-BE49-F238E27FC236}">
+                <a16:creationId xmlns:a16="http://schemas.microsoft.com/office/drawing/2014/main" id="{AAA50F00-9F36-6BB7-9727-0672B11DDC48}"/>
+              </a:ext>
+            </a:extLst>
+          </p:cNvPr>
+          <p:cNvSpPr/>
+          <p:nvPr/>
+        </p:nvSpPr>
+        <p:spPr>
+          <a:xfrm>
+            <a:off x="10691350" y="4680845"/>
+            <a:ext cx="634182" cy="590249"/>
+          </a:xfrm>
+          <a:prstGeom prst="ellipse">
+            <a:avLst/>
+          </a:prstGeom>
+        </p:spPr>
+        <p:style>
+          <a:lnRef idx="2">
+            <a:schemeClr val="accent1">
+              <a:shade val="50000"/>
+            </a:schemeClr>
+          </a:lnRef>
+          <a:fillRef idx="1">
+            <a:schemeClr val="accent1"/>
+          </a:fillRef>
+          <a:effectRef idx="0">
+            <a:schemeClr val="accent1"/>
+          </a:effectRef>
+          <a:fontRef idx="minor">
+            <a:schemeClr val="lt1"/>
+          </a:fontRef>
+        </p:style>
+        <p:txBody>
+          <a:bodyPr rtlCol="0" anchor="ctr"/>
+          <a:lstStyle/>
+          <a:p>
+            <a:pPr algn="ctr"/>
+            <a:r>
+              <a:rPr lang="en-IN" dirty="0"/>
+              <a:t>6</a:t>
+            </a:r>
+            <a:endParaRPr lang="en-US" dirty="0"/>
+          </a:p>
+        </p:txBody>
+      </p:sp>
+      <p:sp>
+        <p:nvSpPr>
+          <p:cNvPr id="43" name="Oval 42">
+            <a:extLst>
+              <a:ext uri="{FF2B5EF4-FFF2-40B4-BE49-F238E27FC236}">
+                <a16:creationId xmlns:a16="http://schemas.microsoft.com/office/drawing/2014/main" id="{28C8BC28-74BB-3367-7C5C-CDBD97E23273}"/>
+              </a:ext>
+            </a:extLst>
+          </p:cNvPr>
+          <p:cNvSpPr/>
+          <p:nvPr/>
+        </p:nvSpPr>
+        <p:spPr>
+          <a:xfrm>
+            <a:off x="11429998" y="1724778"/>
+            <a:ext cx="634182" cy="590249"/>
+          </a:xfrm>
+          <a:prstGeom prst="ellipse">
+            <a:avLst/>
+          </a:prstGeom>
+        </p:spPr>
+        <p:style>
+          <a:lnRef idx="2">
+            <a:schemeClr val="accent1">
+              <a:shade val="50000"/>
+            </a:schemeClr>
+          </a:lnRef>
+          <a:fillRef idx="1">
+            <a:schemeClr val="accent1"/>
+          </a:fillRef>
+          <a:effectRef idx="0">
+            <a:schemeClr val="accent1"/>
+          </a:effectRef>
+          <a:fontRef idx="minor">
+            <a:schemeClr val="lt1"/>
+          </a:fontRef>
+        </p:style>
+        <p:txBody>
+          <a:bodyPr rtlCol="0" anchor="ctr"/>
+          <a:lstStyle/>
+          <a:p>
+            <a:pPr algn="ctr"/>
+            <a:r>
+              <a:rPr lang="en-IN" dirty="0"/>
+              <a:t>7</a:t>
+            </a:r>
+            <a:endParaRPr lang="en-US" dirty="0"/>
+          </a:p>
+        </p:txBody>
+      </p:sp>
+      <p:sp>
+        <p:nvSpPr>
+          <p:cNvPr id="44" name="Oval 43">
+            <a:extLst>
+              <a:ext uri="{FF2B5EF4-FFF2-40B4-BE49-F238E27FC236}">
+                <a16:creationId xmlns:a16="http://schemas.microsoft.com/office/drawing/2014/main" id="{9F48AEB9-E8FF-B114-E835-6345A6F42EBC}"/>
+              </a:ext>
+            </a:extLst>
+          </p:cNvPr>
+          <p:cNvSpPr/>
+          <p:nvPr/>
+        </p:nvSpPr>
+        <p:spPr>
+          <a:xfrm>
+            <a:off x="7423354" y="1567894"/>
+            <a:ext cx="634182" cy="590249"/>
+          </a:xfrm>
+          <a:prstGeom prst="ellipse">
+            <a:avLst/>
+          </a:prstGeom>
+        </p:spPr>
+        <p:style>
+          <a:lnRef idx="2">
+            <a:schemeClr val="accent1">
+              <a:shade val="50000"/>
+            </a:schemeClr>
+          </a:lnRef>
+          <a:fillRef idx="1">
+            <a:schemeClr val="accent1"/>
+          </a:fillRef>
+          <a:effectRef idx="0">
+            <a:schemeClr val="accent1"/>
+          </a:effectRef>
+          <a:fontRef idx="minor">
+            <a:schemeClr val="lt1"/>
+          </a:fontRef>
+        </p:style>
+        <p:txBody>
+          <a:bodyPr rtlCol="0" anchor="ctr"/>
+          <a:lstStyle/>
+          <a:p>
+            <a:pPr algn="ctr"/>
+            <a:r>
+              <a:rPr lang="en-IN" dirty="0"/>
+              <a:t>8</a:t>
+            </a:r>
+            <a:endParaRPr lang="en-US" dirty="0"/>
+          </a:p>
+        </p:txBody>
+      </p:sp>
+      <p:cxnSp>
+        <p:nvCxnSpPr>
+          <p:cNvPr id="46" name="Straight Arrow Connector 45">
+            <a:extLst>
+              <a:ext uri="{FF2B5EF4-FFF2-40B4-BE49-F238E27FC236}">
+                <a16:creationId xmlns:a16="http://schemas.microsoft.com/office/drawing/2014/main" id="{B9E24A25-4E57-0C99-50C4-F026D2FF778A}"/>
+              </a:ext>
+            </a:extLst>
+          </p:cNvPr>
+          <p:cNvCxnSpPr>
+            <a:cxnSpLocks/>
+          </p:cNvCxnSpPr>
+          <p:nvPr/>
+        </p:nvCxnSpPr>
+        <p:spPr>
+          <a:xfrm>
+            <a:off x="5726061" y="4011092"/>
+            <a:ext cx="3828437" cy="1711282"/>
+          </a:xfrm>
+          <a:prstGeom prst="straightConnector1">
+            <a:avLst/>
+          </a:prstGeom>
+          <a:ln w="57150">
+            <a:solidFill>
+              <a:srgbClr val="FF0000"/>
+            </a:solidFill>
+            <a:headEnd type="triangle"/>
+            <a:tailEnd type="triangle"/>
+          </a:ln>
+        </p:spPr>
+        <p:style>
+          <a:lnRef idx="1">
+            <a:schemeClr val="accent1"/>
+          </a:lnRef>
+          <a:fillRef idx="0">
+            <a:schemeClr val="accent1"/>
+          </a:fillRef>
+          <a:effectRef idx="0">
+            <a:schemeClr val="accent1"/>
+          </a:effectRef>
+          <a:fontRef idx="minor">
+            <a:schemeClr val="tx1"/>
+          </a:fontRef>
+        </p:style>
+      </p:cxnSp>
+    </p:spTree>
+    <p:extLst>
+      <p:ext uri="{BB962C8B-B14F-4D97-AF65-F5344CB8AC3E}">
+        <p14:creationId xmlns:p14="http://schemas.microsoft.com/office/powerpoint/2010/main" val="2202560734"/>
       </p:ext>
     </p:extLst>
   </p:cSld>
@@ -27514,4 +30827,299 @@
     </a:ext>
   </a:extLst>
 </a:theme>
+</file>
+
+<file path=ppt/theme/theme2.xml><?xml version="1.0" encoding="utf-8"?>
+<a:theme xmlns:a="http://schemas.openxmlformats.org/drawingml/2006/main" name="Office Theme">
+  <a:themeElements>
+    <a:clrScheme name="Office">
+      <a:dk1>
+        <a:sysClr val="windowText" lastClr="000000"/>
+      </a:dk1>
+      <a:lt1>
+        <a:sysClr val="window" lastClr="FFFFFF"/>
+      </a:lt1>
+      <a:dk2>
+        <a:srgbClr val="44546A"/>
+      </a:dk2>
+      <a:lt2>
+        <a:srgbClr val="E7E6E6"/>
+      </a:lt2>
+      <a:accent1>
+        <a:srgbClr val="4472C4"/>
+      </a:accent1>
+      <a:accent2>
+        <a:srgbClr val="ED7D31"/>
+      </a:accent2>
+      <a:accent3>
+        <a:srgbClr val="A5A5A5"/>
+      </a:accent3>
+      <a:accent4>
+        <a:srgbClr val="FFC000"/>
+      </a:accent4>
+      <a:accent5>
+        <a:srgbClr val="5B9BD5"/>
+      </a:accent5>
+      <a:accent6>
+        <a:srgbClr val="70AD47"/>
+      </a:accent6>
+      <a:hlink>
+        <a:srgbClr val="0563C1"/>
+      </a:hlink>
+      <a:folHlink>
+        <a:srgbClr val="954F72"/>
+      </a:folHlink>
+    </a:clrScheme>
+    <a:fontScheme name="Office">
+      <a:majorFont>
+        <a:latin typeface="Calibri Light" panose="020F0302020204030204"/>
+        <a:ea typeface=""/>
+        <a:cs typeface=""/>
+        <a:font script="Jpan" typeface="游ゴシック Light"/>
+        <a:font script="Hang" typeface="맑은 고딕"/>
+        <a:font script="Hans" typeface="等线 Light"/>
+        <a:font script="Hant" typeface="新細明體"/>
+        <a:font script="Arab" typeface="Times New Roman"/>
+        <a:font script="Hebr" typeface="Times New Roman"/>
+        <a:font script="Thai" typeface="Angsana New"/>
+        <a:font script="Ethi" typeface="Nyala"/>
+        <a:font script="Beng" typeface="Vrinda"/>
+        <a:font script="Gujr" typeface="Shruti"/>
+        <a:font script="Khmr" typeface="MoolBoran"/>
+        <a:font script="Knda" typeface="Tunga"/>
+        <a:font script="Guru" typeface="Raavi"/>
+        <a:font script="Cans" typeface="Euphemia"/>
+        <a:font script="Cher" typeface="Plantagenet Cherokee"/>
+        <a:font script="Yiii" typeface="Microsoft Yi Baiti"/>
+        <a:font script="Tibt" typeface="Microsoft Himalaya"/>
+        <a:font script="Thaa" typeface="MV Boli"/>
+        <a:font script="Deva" typeface="Mangal"/>
+        <a:font script="Telu" typeface="Gautami"/>
+        <a:font script="Taml" typeface="Latha"/>
+        <a:font script="Syrc" typeface="Estrangelo Edessa"/>
+        <a:font script="Orya" typeface="Kalinga"/>
+        <a:font script="Mlym" typeface="Kartika"/>
+        <a:font script="Laoo" typeface="DokChampa"/>
+        <a:font script="Sinh" typeface="Iskoola Pota"/>
+        <a:font script="Mong" typeface="Mongolian Baiti"/>
+        <a:font script="Viet" typeface="Times New Roman"/>
+        <a:font script="Uigh" typeface="Microsoft Uighur"/>
+        <a:font script="Geor" typeface="Sylfaen"/>
+        <a:font script="Armn" typeface="Arial"/>
+        <a:font script="Bugi" typeface="Leelawadee UI"/>
+        <a:font script="Bopo" typeface="Microsoft JhengHei"/>
+        <a:font script="Java" typeface="Javanese Text"/>
+        <a:font script="Lisu" typeface="Segoe UI"/>
+        <a:font script="Mymr" typeface="Myanmar Text"/>
+        <a:font script="Nkoo" typeface="Ebrima"/>
+        <a:font script="Olck" typeface="Nirmala UI"/>
+        <a:font script="Osma" typeface="Ebrima"/>
+        <a:font script="Phag" typeface="Phagspa"/>
+        <a:font script="Syrn" typeface="Estrangelo Edessa"/>
+        <a:font script="Syrj" typeface="Estrangelo Edessa"/>
+        <a:font script="Syre" typeface="Estrangelo Edessa"/>
+        <a:font script="Sora" typeface="Nirmala UI"/>
+        <a:font script="Tale" typeface="Microsoft Tai Le"/>
+        <a:font script="Talu" typeface="Microsoft New Tai Lue"/>
+        <a:font script="Tfng" typeface="Ebrima"/>
+      </a:majorFont>
+      <a:minorFont>
+        <a:latin typeface="Calibri" panose="020F0502020204030204"/>
+        <a:ea typeface=""/>
+        <a:cs typeface=""/>
+        <a:font script="Jpan" typeface="游ゴシック"/>
+        <a:font script="Hang" typeface="맑은 고딕"/>
+        <a:font script="Hans" typeface="等线"/>
+        <a:font script="Hant" typeface="新細明體"/>
+        <a:font script="Arab" typeface="Arial"/>
+        <a:font script="Hebr" typeface="Arial"/>
+        <a:font script="Thai" typeface="Cordia New"/>
+        <a:font script="Ethi" typeface="Nyala"/>
+        <a:font script="Beng" typeface="Vrinda"/>
+        <a:font script="Gujr" typeface="Shruti"/>
+        <a:font script="Khmr" typeface="DaunPenh"/>
+        <a:font script="Knda" typeface="Tunga"/>
+        <a:font script="Guru" typeface="Raavi"/>
+        <a:font script="Cans" typeface="Euphemia"/>
+        <a:font script="Cher" typeface="Plantagenet Cherokee"/>
+        <a:font script="Yiii" typeface="Microsoft Yi Baiti"/>
+        <a:font script="Tibt" typeface="Microsoft Himalaya"/>
+        <a:font script="Thaa" typeface="MV Boli"/>
+        <a:font script="Deva" typeface="Mangal"/>
+        <a:font script="Telu" typeface="Gautami"/>
+        <a:font script="Taml" typeface="Latha"/>
+        <a:font script="Syrc" typeface="Estrangelo Edessa"/>
+        <a:font script="Orya" typeface="Kalinga"/>
+        <a:font script="Mlym" typeface="Kartika"/>
+        <a:font script="Laoo" typeface="DokChampa"/>
+        <a:font script="Sinh" typeface="Iskoola Pota"/>
+        <a:font script="Mong" typeface="Mongolian Baiti"/>
+        <a:font script="Viet" typeface="Arial"/>
+        <a:font script="Uigh" typeface="Microsoft Uighur"/>
+        <a:font script="Geor" typeface="Sylfaen"/>
+        <a:font script="Armn" typeface="Arial"/>
+        <a:font script="Bugi" typeface="Leelawadee UI"/>
+        <a:font script="Bopo" typeface="Microsoft JhengHei"/>
+        <a:font script="Java" typeface="Javanese Text"/>
+        <a:font script="Lisu" typeface="Segoe UI"/>
+        <a:font script="Mymr" typeface="Myanmar Text"/>
+        <a:font script="Nkoo" typeface="Ebrima"/>
+        <a:font script="Olck" typeface="Nirmala UI"/>
+        <a:font script="Osma" typeface="Ebrima"/>
+        <a:font script="Phag" typeface="Phagspa"/>
+        <a:font script="Syrn" typeface="Estrangelo Edessa"/>
+        <a:font script="Syrj" typeface="Estrangelo Edessa"/>
+        <a:font script="Syre" typeface="Estrangelo Edessa"/>
+        <a:font script="Sora" typeface="Nirmala UI"/>
+        <a:font script="Tale" typeface="Microsoft Tai Le"/>
+        <a:font script="Talu" typeface="Microsoft New Tai Lue"/>
+        <a:font script="Tfng" typeface="Ebrima"/>
+      </a:minorFont>
+    </a:fontScheme>
+    <a:fmtScheme name="Office">
+      <a:fillStyleLst>
+        <a:solidFill>
+          <a:schemeClr val="phClr"/>
+        </a:solidFill>
+        <a:gradFill rotWithShape="1">
+          <a:gsLst>
+            <a:gs pos="0">
+              <a:schemeClr val="phClr">
+                <a:lumMod val="110000"/>
+                <a:satMod val="105000"/>
+                <a:tint val="67000"/>
+              </a:schemeClr>
+            </a:gs>
+            <a:gs pos="50000">
+              <a:schemeClr val="phClr">
+                <a:lumMod val="105000"/>
+                <a:satMod val="103000"/>
+                <a:tint val="73000"/>
+              </a:schemeClr>
+            </a:gs>
+            <a:gs pos="100000">
+              <a:schemeClr val="phClr">
+                <a:lumMod val="105000"/>
+                <a:satMod val="109000"/>
+                <a:tint val="81000"/>
+              </a:schemeClr>
+            </a:gs>
+          </a:gsLst>
+          <a:lin ang="5400000" scaled="0"/>
+        </a:gradFill>
+        <a:gradFill rotWithShape="1">
+          <a:gsLst>
+            <a:gs pos="0">
+              <a:schemeClr val="phClr">
+                <a:satMod val="103000"/>
+                <a:lumMod val="102000"/>
+                <a:tint val="94000"/>
+              </a:schemeClr>
+            </a:gs>
+            <a:gs pos="50000">
+              <a:schemeClr val="phClr">
+                <a:satMod val="110000"/>
+                <a:lumMod val="100000"/>
+                <a:shade val="100000"/>
+              </a:schemeClr>
+            </a:gs>
+            <a:gs pos="100000">
+              <a:schemeClr val="phClr">
+                <a:lumMod val="99000"/>
+                <a:satMod val="120000"/>
+                <a:shade val="78000"/>
+              </a:schemeClr>
+            </a:gs>
+          </a:gsLst>
+          <a:lin ang="5400000" scaled="0"/>
+        </a:gradFill>
+      </a:fillStyleLst>
+      <a:lnStyleLst>
+        <a:ln w="6350" cap="flat" cmpd="sng" algn="ctr">
+          <a:solidFill>
+            <a:schemeClr val="phClr"/>
+          </a:solidFill>
+          <a:prstDash val="solid"/>
+          <a:miter lim="800000"/>
+        </a:ln>
+        <a:ln w="12700" cap="flat" cmpd="sng" algn="ctr">
+          <a:solidFill>
+            <a:schemeClr val="phClr"/>
+          </a:solidFill>
+          <a:prstDash val="solid"/>
+          <a:miter lim="800000"/>
+        </a:ln>
+        <a:ln w="19050" cap="flat" cmpd="sng" algn="ctr">
+          <a:solidFill>
+            <a:schemeClr val="phClr"/>
+          </a:solidFill>
+          <a:prstDash val="solid"/>
+          <a:miter lim="800000"/>
+        </a:ln>
+      </a:lnStyleLst>
+      <a:effectStyleLst>
+        <a:effectStyle>
+          <a:effectLst/>
+        </a:effectStyle>
+        <a:effectStyle>
+          <a:effectLst/>
+        </a:effectStyle>
+        <a:effectStyle>
+          <a:effectLst>
+            <a:outerShdw blurRad="57150" dist="19050" dir="5400000" algn="ctr" rotWithShape="0">
+              <a:srgbClr val="000000">
+                <a:alpha val="63000"/>
+              </a:srgbClr>
+            </a:outerShdw>
+          </a:effectLst>
+        </a:effectStyle>
+      </a:effectStyleLst>
+      <a:bgFillStyleLst>
+        <a:solidFill>
+          <a:schemeClr val="phClr"/>
+        </a:solidFill>
+        <a:solidFill>
+          <a:schemeClr val="phClr">
+            <a:tint val="95000"/>
+            <a:satMod val="170000"/>
+          </a:schemeClr>
+        </a:solidFill>
+        <a:gradFill rotWithShape="1">
+          <a:gsLst>
+            <a:gs pos="0">
+              <a:schemeClr val="phClr">
+                <a:tint val="93000"/>
+                <a:satMod val="150000"/>
+                <a:shade val="98000"/>
+                <a:lumMod val="102000"/>
+              </a:schemeClr>
+            </a:gs>
+            <a:gs pos="50000">
+              <a:schemeClr val="phClr">
+                <a:tint val="98000"/>
+                <a:satMod val="130000"/>
+                <a:shade val="90000"/>
+                <a:lumMod val="103000"/>
+              </a:schemeClr>
+            </a:gs>
+            <a:gs pos="100000">
+              <a:schemeClr val="phClr">
+                <a:shade val="63000"/>
+                <a:satMod val="120000"/>
+              </a:schemeClr>
+            </a:gs>
+          </a:gsLst>
+          <a:lin ang="5400000" scaled="0"/>
+        </a:gradFill>
+      </a:bgFillStyleLst>
+    </a:fmtScheme>
+  </a:themeElements>
+  <a:objectDefaults/>
+  <a:extraClrSchemeLst/>
+  <a:extLst>
+    <a:ext uri="{05A4C25C-085E-4340-85A3-A5531E510DB2}">
+      <thm15:themeFamily xmlns:thm15="http://schemas.microsoft.com/office/thememl/2012/main" name="Office Theme" id="{62F939B6-93AF-4DB8-9C6B-D6C7DFDC589F}" vid="{4A3C46E8-61CC-4603-A589-7422A47A8E4A}"/>
+    </a:ext>
+  </a:extLst>
+</a:theme>
 </file>
--- a/training_images.pptx
+++ b/training_images.pptx
@@ -227,7 +227,7 @@
           <a:p>
             <a:fld id="{EB4D1A76-B039-4BCA-BFA4-191407DB5AE0}" type="datetimeFigureOut">
               <a:rPr lang="en-US" smtClean="0"/>
-              <a:t>5/13/2022</a:t>
+              <a:t>5/16/2022</a:t>
             </a:fld>
             <a:endParaRPr lang="en-US"/>
           </a:p>
@@ -741,7 +741,7 @@
           <a:p>
             <a:fld id="{822AF85D-11A4-42B9-B7D1-A5D0AD529DB2}" type="datetimeFigureOut">
               <a:rPr lang="en-US" smtClean="0"/>
-              <a:t>5/13/2022</a:t>
+              <a:t>5/16/2022</a:t>
             </a:fld>
             <a:endParaRPr lang="en-US"/>
           </a:p>
@@ -911,7 +911,7 @@
           <a:p>
             <a:fld id="{822AF85D-11A4-42B9-B7D1-A5D0AD529DB2}" type="datetimeFigureOut">
               <a:rPr lang="en-US" smtClean="0"/>
-              <a:t>5/13/2022</a:t>
+              <a:t>5/16/2022</a:t>
             </a:fld>
             <a:endParaRPr lang="en-US"/>
           </a:p>
@@ -1091,7 +1091,7 @@
           <a:p>
             <a:fld id="{822AF85D-11A4-42B9-B7D1-A5D0AD529DB2}" type="datetimeFigureOut">
               <a:rPr lang="en-US" smtClean="0"/>
-              <a:t>5/13/2022</a:t>
+              <a:t>5/16/2022</a:t>
             </a:fld>
             <a:endParaRPr lang="en-US"/>
           </a:p>
@@ -1261,7 +1261,7 @@
           <a:p>
             <a:fld id="{822AF85D-11A4-42B9-B7D1-A5D0AD529DB2}" type="datetimeFigureOut">
               <a:rPr lang="en-US" smtClean="0"/>
-              <a:t>5/13/2022</a:t>
+              <a:t>5/16/2022</a:t>
             </a:fld>
             <a:endParaRPr lang="en-US"/>
           </a:p>
@@ -1529,7 +1529,7 @@
           <a:p>
             <a:fld id="{822AF85D-11A4-42B9-B7D1-A5D0AD529DB2}" type="datetimeFigureOut">
               <a:rPr lang="en-US" smtClean="0"/>
-              <a:t>5/13/2022</a:t>
+              <a:t>5/16/2022</a:t>
             </a:fld>
             <a:endParaRPr lang="en-US"/>
           </a:p>
@@ -1761,7 +1761,7 @@
           <a:p>
             <a:fld id="{822AF85D-11A4-42B9-B7D1-A5D0AD529DB2}" type="datetimeFigureOut">
               <a:rPr lang="en-US" smtClean="0"/>
-              <a:t>5/13/2022</a:t>
+              <a:t>5/16/2022</a:t>
             </a:fld>
             <a:endParaRPr lang="en-US"/>
           </a:p>
@@ -2120,7 +2120,7 @@
           <a:p>
             <a:fld id="{822AF85D-11A4-42B9-B7D1-A5D0AD529DB2}" type="datetimeFigureOut">
               <a:rPr lang="en-US" smtClean="0"/>
-              <a:t>5/13/2022</a:t>
+              <a:t>5/16/2022</a:t>
             </a:fld>
             <a:endParaRPr lang="en-US"/>
           </a:p>
@@ -2261,7 +2261,7 @@
           <a:p>
             <a:fld id="{822AF85D-11A4-42B9-B7D1-A5D0AD529DB2}" type="datetimeFigureOut">
               <a:rPr lang="en-US" smtClean="0"/>
-              <a:t>5/13/2022</a:t>
+              <a:t>5/16/2022</a:t>
             </a:fld>
             <a:endParaRPr lang="en-US"/>
           </a:p>
@@ -2356,7 +2356,7 @@
           <a:p>
             <a:fld id="{822AF85D-11A4-42B9-B7D1-A5D0AD529DB2}" type="datetimeFigureOut">
               <a:rPr lang="en-US" smtClean="0"/>
-              <a:t>5/13/2022</a:t>
+              <a:t>5/16/2022</a:t>
             </a:fld>
             <a:endParaRPr lang="en-US"/>
           </a:p>
@@ -2713,7 +2713,7 @@
           <a:p>
             <a:fld id="{822AF85D-11A4-42B9-B7D1-A5D0AD529DB2}" type="datetimeFigureOut">
               <a:rPr lang="en-US" smtClean="0"/>
-              <a:t>5/13/2022</a:t>
+              <a:t>5/16/2022</a:t>
             </a:fld>
             <a:endParaRPr lang="en-US"/>
           </a:p>
@@ -3070,7 +3070,7 @@
           <a:p>
             <a:fld id="{822AF85D-11A4-42B9-B7D1-A5D0AD529DB2}" type="datetimeFigureOut">
               <a:rPr lang="en-US" smtClean="0"/>
-              <a:t>5/13/2022</a:t>
+              <a:t>5/16/2022</a:t>
             </a:fld>
             <a:endParaRPr lang="en-US"/>
           </a:p>
@@ -3312,7 +3312,7 @@
           <a:p>
             <a:fld id="{822AF85D-11A4-42B9-B7D1-A5D0AD529DB2}" type="datetimeFigureOut">
               <a:rPr lang="en-US" smtClean="0"/>
-              <a:t>5/13/2022</a:t>
+              <a:t>5/16/2022</a:t>
             </a:fld>
             <a:endParaRPr lang="en-US"/>
           </a:p>
@@ -22449,7 +22449,7 @@
         </p:nvSpPr>
         <p:spPr>
           <a:xfrm>
-            <a:off x="3462797" y="1290411"/>
+            <a:off x="3400725" y="1290412"/>
             <a:ext cx="737419" cy="276999"/>
           </a:xfrm>
           <a:prstGeom prst="rect">

--- a/training_images.pptx
+++ b/training_images.pptx
@@ -5,7 +5,7 @@
     <p:sldMasterId id="2147483660" r:id="rId1"/>
   </p:sldMasterIdLst>
   <p:notesMasterIdLst>
-    <p:notesMasterId r:id="rId33"/>
+    <p:notesMasterId r:id="rId34"/>
   </p:notesMasterIdLst>
   <p:sldIdLst>
     <p:sldId id="256" r:id="rId2"/>
@@ -39,6 +39,7 @@
     <p:sldId id="284" r:id="rId30"/>
     <p:sldId id="285" r:id="rId31"/>
     <p:sldId id="286" r:id="rId32"/>
+    <p:sldId id="287" r:id="rId33"/>
   </p:sldIdLst>
   <p:sldSz cx="12192000" cy="6858000"/>
   <p:notesSz cx="6858000" cy="9144000"/>
@@ -227,7 +228,7 @@
           <a:p>
             <a:fld id="{EB4D1A76-B039-4BCA-BFA4-191407DB5AE0}" type="datetimeFigureOut">
               <a:rPr lang="en-US" smtClean="0"/>
-              <a:t>5/16/2022</a:t>
+              <a:t>5/17/2022</a:t>
             </a:fld>
             <a:endParaRPr lang="en-US"/>
           </a:p>
@@ -741,7 +742,7 @@
           <a:p>
             <a:fld id="{822AF85D-11A4-42B9-B7D1-A5D0AD529DB2}" type="datetimeFigureOut">
               <a:rPr lang="en-US" smtClean="0"/>
-              <a:t>5/16/2022</a:t>
+              <a:t>5/17/2022</a:t>
             </a:fld>
             <a:endParaRPr lang="en-US"/>
           </a:p>
@@ -911,7 +912,7 @@
           <a:p>
             <a:fld id="{822AF85D-11A4-42B9-B7D1-A5D0AD529DB2}" type="datetimeFigureOut">
               <a:rPr lang="en-US" smtClean="0"/>
-              <a:t>5/16/2022</a:t>
+              <a:t>5/17/2022</a:t>
             </a:fld>
             <a:endParaRPr lang="en-US"/>
           </a:p>
@@ -1091,7 +1092,7 @@
           <a:p>
             <a:fld id="{822AF85D-11A4-42B9-B7D1-A5D0AD529DB2}" type="datetimeFigureOut">
               <a:rPr lang="en-US" smtClean="0"/>
-              <a:t>5/16/2022</a:t>
+              <a:t>5/17/2022</a:t>
             </a:fld>
             <a:endParaRPr lang="en-US"/>
           </a:p>
@@ -1261,7 +1262,7 @@
           <a:p>
             <a:fld id="{822AF85D-11A4-42B9-B7D1-A5D0AD529DB2}" type="datetimeFigureOut">
               <a:rPr lang="en-US" smtClean="0"/>
-              <a:t>5/16/2022</a:t>
+              <a:t>5/17/2022</a:t>
             </a:fld>
             <a:endParaRPr lang="en-US"/>
           </a:p>
@@ -1529,7 +1530,7 @@
           <a:p>
             <a:fld id="{822AF85D-11A4-42B9-B7D1-A5D0AD529DB2}" type="datetimeFigureOut">
               <a:rPr lang="en-US" smtClean="0"/>
-              <a:t>5/16/2022</a:t>
+              <a:t>5/17/2022</a:t>
             </a:fld>
             <a:endParaRPr lang="en-US"/>
           </a:p>
@@ -1761,7 +1762,7 @@
           <a:p>
             <a:fld id="{822AF85D-11A4-42B9-B7D1-A5D0AD529DB2}" type="datetimeFigureOut">
               <a:rPr lang="en-US" smtClean="0"/>
-              <a:t>5/16/2022</a:t>
+              <a:t>5/17/2022</a:t>
             </a:fld>
             <a:endParaRPr lang="en-US"/>
           </a:p>
@@ -2120,7 +2121,7 @@
           <a:p>
             <a:fld id="{822AF85D-11A4-42B9-B7D1-A5D0AD529DB2}" type="datetimeFigureOut">
               <a:rPr lang="en-US" smtClean="0"/>
-              <a:t>5/16/2022</a:t>
+              <a:t>5/17/2022</a:t>
             </a:fld>
             <a:endParaRPr lang="en-US"/>
           </a:p>
@@ -2261,7 +2262,7 @@
           <a:p>
             <a:fld id="{822AF85D-11A4-42B9-B7D1-A5D0AD529DB2}" type="datetimeFigureOut">
               <a:rPr lang="en-US" smtClean="0"/>
-              <a:t>5/16/2022</a:t>
+              <a:t>5/17/2022</a:t>
             </a:fld>
             <a:endParaRPr lang="en-US"/>
           </a:p>
@@ -2356,7 +2357,7 @@
           <a:p>
             <a:fld id="{822AF85D-11A4-42B9-B7D1-A5D0AD529DB2}" type="datetimeFigureOut">
               <a:rPr lang="en-US" smtClean="0"/>
-              <a:t>5/16/2022</a:t>
+              <a:t>5/17/2022</a:t>
             </a:fld>
             <a:endParaRPr lang="en-US"/>
           </a:p>
@@ -2713,7 +2714,7 @@
           <a:p>
             <a:fld id="{822AF85D-11A4-42B9-B7D1-A5D0AD529DB2}" type="datetimeFigureOut">
               <a:rPr lang="en-US" smtClean="0"/>
-              <a:t>5/16/2022</a:t>
+              <a:t>5/17/2022</a:t>
             </a:fld>
             <a:endParaRPr lang="en-US"/>
           </a:p>
@@ -3070,7 +3071,7 @@
           <a:p>
             <a:fld id="{822AF85D-11A4-42B9-B7D1-A5D0AD529DB2}" type="datetimeFigureOut">
               <a:rPr lang="en-US" smtClean="0"/>
-              <a:t>5/16/2022</a:t>
+              <a:t>5/17/2022</a:t>
             </a:fld>
             <a:endParaRPr lang="en-US"/>
           </a:p>
@@ -3312,7 +3313,7 @@
           <a:p>
             <a:fld id="{822AF85D-11A4-42B9-B7D1-A5D0AD529DB2}" type="datetimeFigureOut">
               <a:rPr lang="en-US" smtClean="0"/>
-              <a:t>5/16/2022</a:t>
+              <a:t>5/17/2022</a:t>
             </a:fld>
             <a:endParaRPr lang="en-US"/>
           </a:p>
@@ -26824,6 +26825,942 @@
     <p:extLst>
       <p:ext uri="{BB962C8B-B14F-4D97-AF65-F5344CB8AC3E}">
         <p14:creationId xmlns:p14="http://schemas.microsoft.com/office/powerpoint/2010/main" val="2202560734"/>
+      </p:ext>
+    </p:extLst>
+  </p:cSld>
+  <p:clrMapOvr>
+    <a:masterClrMapping/>
+  </p:clrMapOvr>
+</p:sld>
+</file>
+
+<file path=ppt/slides/slide32.xml><?xml version="1.0" encoding="utf-8"?>
+<p:sld xmlns:a="http://schemas.openxmlformats.org/drawingml/2006/main" xmlns:r="http://schemas.openxmlformats.org/officeDocument/2006/relationships" xmlns:p="http://schemas.openxmlformats.org/presentationml/2006/main">
+  <p:cSld>
+    <p:spTree>
+      <p:nvGrpSpPr>
+        <p:cNvPr id="1" name=""/>
+        <p:cNvGrpSpPr/>
+        <p:nvPr/>
+      </p:nvGrpSpPr>
+      <p:grpSpPr>
+        <a:xfrm>
+          <a:off x="0" y="0"/>
+          <a:ext cx="0" cy="0"/>
+          <a:chOff x="0" y="0"/>
+          <a:chExt cx="0" cy="0"/>
+        </a:xfrm>
+      </p:grpSpPr>
+      <p:sp>
+        <p:nvSpPr>
+          <p:cNvPr id="2" name="Cube 1">
+            <a:extLst>
+              <a:ext uri="{FF2B5EF4-FFF2-40B4-BE49-F238E27FC236}">
+                <a16:creationId xmlns:a16="http://schemas.microsoft.com/office/drawing/2014/main" id="{71161067-B12E-B4CE-2E8D-C01C3EA95FE0}"/>
+              </a:ext>
+            </a:extLst>
+          </p:cNvPr>
+          <p:cNvSpPr/>
+          <p:nvPr/>
+        </p:nvSpPr>
+        <p:spPr>
+          <a:xfrm>
+            <a:off x="4060723" y="368710"/>
+            <a:ext cx="6430296" cy="6017342"/>
+          </a:xfrm>
+          <a:prstGeom prst="cube">
+            <a:avLst>
+              <a:gd name="adj" fmla="val 11102"/>
+            </a:avLst>
+          </a:prstGeom>
+        </p:spPr>
+        <p:style>
+          <a:lnRef idx="2">
+            <a:schemeClr val="accent1">
+              <a:shade val="50000"/>
+            </a:schemeClr>
+          </a:lnRef>
+          <a:fillRef idx="1">
+            <a:schemeClr val="accent1"/>
+          </a:fillRef>
+          <a:effectRef idx="0">
+            <a:schemeClr val="accent1"/>
+          </a:effectRef>
+          <a:fontRef idx="minor">
+            <a:schemeClr val="lt1"/>
+          </a:fontRef>
+        </p:style>
+        <p:txBody>
+          <a:bodyPr rtlCol="0" anchor="ctr"/>
+          <a:lstStyle/>
+          <a:p>
+            <a:pPr algn="ctr"/>
+            <a:endParaRPr lang="en-US"/>
+          </a:p>
+        </p:txBody>
+      </p:sp>
+      <p:sp>
+        <p:nvSpPr>
+          <p:cNvPr id="3" name="TextBox 2">
+            <a:extLst>
+              <a:ext uri="{FF2B5EF4-FFF2-40B4-BE49-F238E27FC236}">
+                <a16:creationId xmlns:a16="http://schemas.microsoft.com/office/drawing/2014/main" id="{5BEEA5D2-6CEC-5C53-AC73-E844D711915D}"/>
+              </a:ext>
+            </a:extLst>
+          </p:cNvPr>
+          <p:cNvSpPr txBox="1"/>
+          <p:nvPr/>
+        </p:nvSpPr>
+        <p:spPr>
+          <a:xfrm>
+            <a:off x="6017342" y="491613"/>
+            <a:ext cx="3342968" cy="369332"/>
+          </a:xfrm>
+          <a:prstGeom prst="rect">
+            <a:avLst/>
+          </a:prstGeom>
+          <a:noFill/>
+        </p:spPr>
+        <p:txBody>
+          <a:bodyPr wrap="square" rtlCol="0">
+            <a:spAutoFit/>
+          </a:bodyPr>
+          <a:lstStyle/>
+          <a:p>
+            <a:pPr algn="ctr"/>
+            <a:r>
+              <a:rPr lang="en-IN" b="1" dirty="0"/>
+              <a:t>Kubernetes Cluster</a:t>
+            </a:r>
+            <a:endParaRPr lang="en-US" b="1" dirty="0"/>
+          </a:p>
+        </p:txBody>
+      </p:sp>
+      <p:sp>
+        <p:nvSpPr>
+          <p:cNvPr id="4" name="Rectangle 3">
+            <a:extLst>
+              <a:ext uri="{FF2B5EF4-FFF2-40B4-BE49-F238E27FC236}">
+                <a16:creationId xmlns:a16="http://schemas.microsoft.com/office/drawing/2014/main" id="{3B9B0338-FA1F-5583-6644-46A20DC9396F}"/>
+              </a:ext>
+            </a:extLst>
+          </p:cNvPr>
+          <p:cNvSpPr/>
+          <p:nvPr/>
+        </p:nvSpPr>
+        <p:spPr>
+          <a:xfrm>
+            <a:off x="4788311" y="1651819"/>
+            <a:ext cx="4572000" cy="3421626"/>
+          </a:xfrm>
+          <a:prstGeom prst="rect">
+            <a:avLst/>
+          </a:prstGeom>
+        </p:spPr>
+        <p:style>
+          <a:lnRef idx="1">
+            <a:schemeClr val="accent3"/>
+          </a:lnRef>
+          <a:fillRef idx="2">
+            <a:schemeClr val="accent3"/>
+          </a:fillRef>
+          <a:effectRef idx="1">
+            <a:schemeClr val="accent3"/>
+          </a:effectRef>
+          <a:fontRef idx="minor">
+            <a:schemeClr val="dk1"/>
+          </a:fontRef>
+        </p:style>
+        <p:txBody>
+          <a:bodyPr rtlCol="0" anchor="ctr"/>
+          <a:lstStyle/>
+          <a:p>
+            <a:pPr algn="ctr"/>
+            <a:endParaRPr lang="en-US"/>
+          </a:p>
+        </p:txBody>
+      </p:sp>
+      <p:sp>
+        <p:nvSpPr>
+          <p:cNvPr id="5" name="TextBox 4">
+            <a:extLst>
+              <a:ext uri="{FF2B5EF4-FFF2-40B4-BE49-F238E27FC236}">
+                <a16:creationId xmlns:a16="http://schemas.microsoft.com/office/drawing/2014/main" id="{4F77CF67-AFEF-EE10-4906-5BEED0107589}"/>
+              </a:ext>
+            </a:extLst>
+          </p:cNvPr>
+          <p:cNvSpPr txBox="1"/>
+          <p:nvPr/>
+        </p:nvSpPr>
+        <p:spPr>
+          <a:xfrm>
+            <a:off x="5663381" y="1809135"/>
+            <a:ext cx="3549445" cy="369332"/>
+          </a:xfrm>
+          <a:prstGeom prst="rect">
+            <a:avLst/>
+          </a:prstGeom>
+          <a:noFill/>
+        </p:spPr>
+        <p:txBody>
+          <a:bodyPr wrap="square" rtlCol="0">
+            <a:spAutoFit/>
+          </a:bodyPr>
+          <a:lstStyle/>
+          <a:p>
+            <a:pPr algn="ctr"/>
+            <a:r>
+              <a:rPr lang="en-IN" b="1" dirty="0"/>
+              <a:t>Node</a:t>
+            </a:r>
+            <a:endParaRPr lang="en-US" b="1" dirty="0"/>
+          </a:p>
+        </p:txBody>
+      </p:sp>
+      <p:sp>
+        <p:nvSpPr>
+          <p:cNvPr id="6" name="Rectangle: Rounded Corners 5">
+            <a:extLst>
+              <a:ext uri="{FF2B5EF4-FFF2-40B4-BE49-F238E27FC236}">
+                <a16:creationId xmlns:a16="http://schemas.microsoft.com/office/drawing/2014/main" id="{A6D29B11-20A7-D985-D29F-34490D91845B}"/>
+              </a:ext>
+            </a:extLst>
+          </p:cNvPr>
+          <p:cNvSpPr/>
+          <p:nvPr/>
+        </p:nvSpPr>
+        <p:spPr>
+          <a:xfrm>
+            <a:off x="5093111" y="2428568"/>
+            <a:ext cx="4119716" cy="2399071"/>
+          </a:xfrm>
+          <a:prstGeom prst="roundRect">
+            <a:avLst/>
+          </a:prstGeom>
+          <a:solidFill>
+            <a:srgbClr val="002060"/>
+          </a:solidFill>
+        </p:spPr>
+        <p:style>
+          <a:lnRef idx="2">
+            <a:schemeClr val="accent1">
+              <a:shade val="50000"/>
+            </a:schemeClr>
+          </a:lnRef>
+          <a:fillRef idx="1">
+            <a:schemeClr val="accent1"/>
+          </a:fillRef>
+          <a:effectRef idx="0">
+            <a:schemeClr val="accent1"/>
+          </a:effectRef>
+          <a:fontRef idx="minor">
+            <a:schemeClr val="lt1"/>
+          </a:fontRef>
+        </p:style>
+        <p:txBody>
+          <a:bodyPr rtlCol="0" anchor="ctr"/>
+          <a:lstStyle/>
+          <a:p>
+            <a:pPr algn="ctr"/>
+            <a:endParaRPr lang="en-US"/>
+          </a:p>
+        </p:txBody>
+      </p:sp>
+      <p:sp>
+        <p:nvSpPr>
+          <p:cNvPr id="7" name="TextBox 6">
+            <a:extLst>
+              <a:ext uri="{FF2B5EF4-FFF2-40B4-BE49-F238E27FC236}">
+                <a16:creationId xmlns:a16="http://schemas.microsoft.com/office/drawing/2014/main" id="{7810BE27-74E8-EBC7-4C7E-162BF7A7E325}"/>
+              </a:ext>
+            </a:extLst>
+          </p:cNvPr>
+          <p:cNvSpPr txBox="1"/>
+          <p:nvPr/>
+        </p:nvSpPr>
+        <p:spPr>
+          <a:xfrm>
+            <a:off x="6096000" y="2517058"/>
+            <a:ext cx="2684206" cy="369332"/>
+          </a:xfrm>
+          <a:prstGeom prst="rect">
+            <a:avLst/>
+          </a:prstGeom>
+          <a:noFill/>
+        </p:spPr>
+        <p:txBody>
+          <a:bodyPr wrap="square" rtlCol="0">
+            <a:spAutoFit/>
+          </a:bodyPr>
+          <a:lstStyle/>
+          <a:p>
+            <a:pPr algn="ctr"/>
+            <a:r>
+              <a:rPr lang="en-IN" b="1" dirty="0">
+                <a:solidFill>
+                  <a:srgbClr val="FFFF00"/>
+                </a:solidFill>
+              </a:rPr>
+              <a:t>POD</a:t>
+            </a:r>
+            <a:endParaRPr lang="en-US" b="1" dirty="0">
+              <a:solidFill>
+                <a:srgbClr val="FFFF00"/>
+              </a:solidFill>
+            </a:endParaRPr>
+          </a:p>
+        </p:txBody>
+      </p:sp>
+      <p:sp>
+        <p:nvSpPr>
+          <p:cNvPr id="8" name="Rectangle: Top Corners Rounded 7">
+            <a:extLst>
+              <a:ext uri="{FF2B5EF4-FFF2-40B4-BE49-F238E27FC236}">
+                <a16:creationId xmlns:a16="http://schemas.microsoft.com/office/drawing/2014/main" id="{1C4E932C-123F-D98C-D7F4-DA0605E865E0}"/>
+              </a:ext>
+            </a:extLst>
+          </p:cNvPr>
+          <p:cNvSpPr/>
+          <p:nvPr/>
+        </p:nvSpPr>
+        <p:spPr>
+          <a:xfrm>
+            <a:off x="5663381" y="2969341"/>
+            <a:ext cx="3323303" cy="1641988"/>
+          </a:xfrm>
+          <a:prstGeom prst="round2SameRect">
+            <a:avLst/>
+          </a:prstGeom>
+        </p:spPr>
+        <p:style>
+          <a:lnRef idx="0">
+            <a:schemeClr val="accent4"/>
+          </a:lnRef>
+          <a:fillRef idx="3">
+            <a:schemeClr val="accent4"/>
+          </a:fillRef>
+          <a:effectRef idx="3">
+            <a:schemeClr val="accent4"/>
+          </a:effectRef>
+          <a:fontRef idx="minor">
+            <a:schemeClr val="lt1"/>
+          </a:fontRef>
+        </p:style>
+        <p:txBody>
+          <a:bodyPr rtlCol="0" anchor="ctr"/>
+          <a:lstStyle/>
+          <a:p>
+            <a:pPr algn="ctr"/>
+            <a:endParaRPr lang="en-US"/>
+          </a:p>
+        </p:txBody>
+      </p:sp>
+      <p:sp>
+        <p:nvSpPr>
+          <p:cNvPr id="9" name="TextBox 8">
+            <a:extLst>
+              <a:ext uri="{FF2B5EF4-FFF2-40B4-BE49-F238E27FC236}">
+                <a16:creationId xmlns:a16="http://schemas.microsoft.com/office/drawing/2014/main" id="{58F3AFDE-B1C6-C621-9B41-C4EC23DA1F94}"/>
+              </a:ext>
+            </a:extLst>
+          </p:cNvPr>
+          <p:cNvSpPr txBox="1"/>
+          <p:nvPr/>
+        </p:nvSpPr>
+        <p:spPr>
+          <a:xfrm>
+            <a:off x="6096000" y="3136491"/>
+            <a:ext cx="2546555" cy="369332"/>
+          </a:xfrm>
+          <a:prstGeom prst="rect">
+            <a:avLst/>
+          </a:prstGeom>
+          <a:noFill/>
+        </p:spPr>
+        <p:txBody>
+          <a:bodyPr wrap="square" rtlCol="0">
+            <a:spAutoFit/>
+          </a:bodyPr>
+          <a:lstStyle/>
+          <a:p>
+            <a:pPr algn="ctr"/>
+            <a:r>
+              <a:rPr lang="en-IN" b="1" dirty="0"/>
+              <a:t>Container</a:t>
+            </a:r>
+            <a:endParaRPr lang="en-US" b="1" dirty="0"/>
+          </a:p>
+        </p:txBody>
+      </p:sp>
+      <p:sp>
+        <p:nvSpPr>
+          <p:cNvPr id="10" name="Flowchart: Document 9">
+            <a:extLst>
+              <a:ext uri="{FF2B5EF4-FFF2-40B4-BE49-F238E27FC236}">
+                <a16:creationId xmlns:a16="http://schemas.microsoft.com/office/drawing/2014/main" id="{2DD43090-5725-6013-CDFB-36F0CD235F54}"/>
+              </a:ext>
+            </a:extLst>
+          </p:cNvPr>
+          <p:cNvSpPr/>
+          <p:nvPr/>
+        </p:nvSpPr>
+        <p:spPr>
+          <a:xfrm>
+            <a:off x="6204155" y="3628103"/>
+            <a:ext cx="2438400" cy="938356"/>
+          </a:xfrm>
+          <a:prstGeom prst="flowChartDocument">
+            <a:avLst/>
+          </a:prstGeom>
+        </p:spPr>
+        <p:style>
+          <a:lnRef idx="1">
+            <a:schemeClr val="dk1"/>
+          </a:lnRef>
+          <a:fillRef idx="2">
+            <a:schemeClr val="dk1"/>
+          </a:fillRef>
+          <a:effectRef idx="1">
+            <a:schemeClr val="dk1"/>
+          </a:effectRef>
+          <a:fontRef idx="minor">
+            <a:schemeClr val="dk1"/>
+          </a:fontRef>
+        </p:style>
+        <p:txBody>
+          <a:bodyPr rtlCol="0" anchor="ctr"/>
+          <a:lstStyle/>
+          <a:p>
+            <a:pPr algn="ctr"/>
+            <a:r>
+              <a:rPr lang="en-IN" b="1" dirty="0"/>
+              <a:t>Microservice</a:t>
+            </a:r>
+            <a:endParaRPr lang="en-US" b="1" dirty="0"/>
+          </a:p>
+        </p:txBody>
+      </p:sp>
+      <p:sp>
+        <p:nvSpPr>
+          <p:cNvPr id="11" name="Rectangle 10">
+            <a:extLst>
+              <a:ext uri="{FF2B5EF4-FFF2-40B4-BE49-F238E27FC236}">
+                <a16:creationId xmlns:a16="http://schemas.microsoft.com/office/drawing/2014/main" id="{356624CF-8953-BDF2-6610-FE6E35A6BB53}"/>
+              </a:ext>
+            </a:extLst>
+          </p:cNvPr>
+          <p:cNvSpPr/>
+          <p:nvPr/>
+        </p:nvSpPr>
+        <p:spPr>
+          <a:xfrm>
+            <a:off x="1533832" y="2886390"/>
+            <a:ext cx="2526891" cy="908862"/>
+          </a:xfrm>
+          <a:prstGeom prst="rect">
+            <a:avLst/>
+          </a:prstGeom>
+          <a:solidFill>
+            <a:schemeClr val="accent4">
+              <a:lumMod val="50000"/>
+            </a:schemeClr>
+          </a:solidFill>
+        </p:spPr>
+        <p:style>
+          <a:lnRef idx="0">
+            <a:schemeClr val="accent4"/>
+          </a:lnRef>
+          <a:fillRef idx="3">
+            <a:schemeClr val="accent4"/>
+          </a:fillRef>
+          <a:effectRef idx="3">
+            <a:schemeClr val="accent4"/>
+          </a:effectRef>
+          <a:fontRef idx="minor">
+            <a:schemeClr val="lt1"/>
+          </a:fontRef>
+        </p:style>
+        <p:txBody>
+          <a:bodyPr rtlCol="0" anchor="ctr"/>
+          <a:lstStyle/>
+          <a:p>
+            <a:pPr algn="ctr"/>
+            <a:r>
+              <a:rPr lang="en-IN" b="1" dirty="0"/>
+              <a:t>Load Balancer</a:t>
+            </a:r>
+            <a:endParaRPr lang="en-US" b="1" dirty="0"/>
+          </a:p>
+        </p:txBody>
+      </p:sp>
+      <p:sp>
+        <p:nvSpPr>
+          <p:cNvPr id="12" name="Rectangle 11">
+            <a:extLst>
+              <a:ext uri="{FF2B5EF4-FFF2-40B4-BE49-F238E27FC236}">
+                <a16:creationId xmlns:a16="http://schemas.microsoft.com/office/drawing/2014/main" id="{F52F64E1-CE7D-2748-E32B-F7DABFB3F5ED}"/>
+              </a:ext>
+            </a:extLst>
+          </p:cNvPr>
+          <p:cNvSpPr/>
+          <p:nvPr/>
+        </p:nvSpPr>
+        <p:spPr>
+          <a:xfrm>
+            <a:off x="5368413" y="3592788"/>
+            <a:ext cx="737419" cy="465788"/>
+          </a:xfrm>
+          <a:prstGeom prst="rect">
+            <a:avLst/>
+          </a:prstGeom>
+        </p:spPr>
+        <p:style>
+          <a:lnRef idx="2">
+            <a:schemeClr val="accent1">
+              <a:shade val="50000"/>
+            </a:schemeClr>
+          </a:lnRef>
+          <a:fillRef idx="1">
+            <a:schemeClr val="accent1"/>
+          </a:fillRef>
+          <a:effectRef idx="0">
+            <a:schemeClr val="accent1"/>
+          </a:effectRef>
+          <a:fontRef idx="minor">
+            <a:schemeClr val="lt1"/>
+          </a:fontRef>
+        </p:style>
+        <p:txBody>
+          <a:bodyPr rtlCol="0" anchor="ctr"/>
+          <a:lstStyle/>
+          <a:p>
+            <a:pPr algn="ctr"/>
+            <a:r>
+              <a:rPr lang="en-IN" sz="1200" b="1" dirty="0"/>
+              <a:t>PORT</a:t>
+            </a:r>
+            <a:endParaRPr lang="en-US" sz="1200" b="1" dirty="0"/>
+          </a:p>
+        </p:txBody>
+      </p:sp>
+      <p:sp>
+        <p:nvSpPr>
+          <p:cNvPr id="13" name="Rectangle 12">
+            <a:extLst>
+              <a:ext uri="{FF2B5EF4-FFF2-40B4-BE49-F238E27FC236}">
+                <a16:creationId xmlns:a16="http://schemas.microsoft.com/office/drawing/2014/main" id="{431B849F-49B4-6DAC-B154-763E7E178D7C}"/>
+              </a:ext>
+            </a:extLst>
+          </p:cNvPr>
+          <p:cNvSpPr/>
+          <p:nvPr/>
+        </p:nvSpPr>
+        <p:spPr>
+          <a:xfrm>
+            <a:off x="4365523" y="3505823"/>
+            <a:ext cx="737419" cy="465788"/>
+          </a:xfrm>
+          <a:prstGeom prst="rect">
+            <a:avLst/>
+          </a:prstGeom>
+          <a:solidFill>
+            <a:schemeClr val="accent3"/>
+          </a:solidFill>
+        </p:spPr>
+        <p:style>
+          <a:lnRef idx="2">
+            <a:schemeClr val="accent1">
+              <a:shade val="50000"/>
+            </a:schemeClr>
+          </a:lnRef>
+          <a:fillRef idx="1">
+            <a:schemeClr val="accent1"/>
+          </a:fillRef>
+          <a:effectRef idx="0">
+            <a:schemeClr val="accent1"/>
+          </a:effectRef>
+          <a:fontRef idx="minor">
+            <a:schemeClr val="lt1"/>
+          </a:fontRef>
+        </p:style>
+        <p:txBody>
+          <a:bodyPr rtlCol="0" anchor="ctr"/>
+          <a:lstStyle/>
+          <a:p>
+            <a:pPr algn="ctr"/>
+            <a:r>
+              <a:rPr lang="en-IN" sz="1200" b="1" dirty="0"/>
+              <a:t>Public</a:t>
+            </a:r>
+          </a:p>
+          <a:p>
+            <a:pPr algn="ctr"/>
+            <a:r>
+              <a:rPr lang="en-IN" sz="1200" b="1" dirty="0"/>
+              <a:t>PORT</a:t>
+            </a:r>
+            <a:endParaRPr lang="en-US" sz="1200" b="1" dirty="0"/>
+          </a:p>
+        </p:txBody>
+      </p:sp>
+      <p:cxnSp>
+        <p:nvCxnSpPr>
+          <p:cNvPr id="15" name="Straight Arrow Connector 14">
+            <a:extLst>
+              <a:ext uri="{FF2B5EF4-FFF2-40B4-BE49-F238E27FC236}">
+                <a16:creationId xmlns:a16="http://schemas.microsoft.com/office/drawing/2014/main" id="{B6133625-AF95-95A5-E15A-ACEBFD2B8389}"/>
+              </a:ext>
+            </a:extLst>
+          </p:cNvPr>
+          <p:cNvCxnSpPr/>
+          <p:nvPr/>
+        </p:nvCxnSpPr>
+        <p:spPr>
+          <a:xfrm>
+            <a:off x="0" y="3136491"/>
+            <a:ext cx="1533832" cy="0"/>
+          </a:xfrm>
+          <a:prstGeom prst="straightConnector1">
+            <a:avLst/>
+          </a:prstGeom>
+          <a:ln w="76200">
+            <a:tailEnd type="triangle"/>
+          </a:ln>
+        </p:spPr>
+        <p:style>
+          <a:lnRef idx="1">
+            <a:schemeClr val="accent1"/>
+          </a:lnRef>
+          <a:fillRef idx="0">
+            <a:schemeClr val="accent1"/>
+          </a:fillRef>
+          <a:effectRef idx="0">
+            <a:schemeClr val="accent1"/>
+          </a:effectRef>
+          <a:fontRef idx="minor">
+            <a:schemeClr val="tx1"/>
+          </a:fontRef>
+        </p:style>
+      </p:cxnSp>
+      <p:sp>
+        <p:nvSpPr>
+          <p:cNvPr id="16" name="Oval 15">
+            <a:extLst>
+              <a:ext uri="{FF2B5EF4-FFF2-40B4-BE49-F238E27FC236}">
+                <a16:creationId xmlns:a16="http://schemas.microsoft.com/office/drawing/2014/main" id="{D9DF413A-7C10-8491-E5DD-EDDE4D2362F3}"/>
+              </a:ext>
+            </a:extLst>
+          </p:cNvPr>
+          <p:cNvSpPr/>
+          <p:nvPr/>
+        </p:nvSpPr>
+        <p:spPr>
+          <a:xfrm>
+            <a:off x="235974" y="2886390"/>
+            <a:ext cx="570270" cy="427081"/>
+          </a:xfrm>
+          <a:prstGeom prst="ellipse">
+            <a:avLst/>
+          </a:prstGeom>
+        </p:spPr>
+        <p:style>
+          <a:lnRef idx="2">
+            <a:schemeClr val="accent1">
+              <a:shade val="50000"/>
+            </a:schemeClr>
+          </a:lnRef>
+          <a:fillRef idx="1">
+            <a:schemeClr val="accent1"/>
+          </a:fillRef>
+          <a:effectRef idx="0">
+            <a:schemeClr val="accent1"/>
+          </a:effectRef>
+          <a:fontRef idx="minor">
+            <a:schemeClr val="lt1"/>
+          </a:fontRef>
+        </p:style>
+        <p:txBody>
+          <a:bodyPr rtlCol="0" anchor="ctr"/>
+          <a:lstStyle/>
+          <a:p>
+            <a:pPr algn="ctr"/>
+            <a:r>
+              <a:rPr lang="en-IN" dirty="0"/>
+              <a:t>1</a:t>
+            </a:r>
+            <a:endParaRPr lang="en-US" dirty="0"/>
+          </a:p>
+        </p:txBody>
+      </p:sp>
+      <p:cxnSp>
+        <p:nvCxnSpPr>
+          <p:cNvPr id="18" name="Straight Arrow Connector 17">
+            <a:extLst>
+              <a:ext uri="{FF2B5EF4-FFF2-40B4-BE49-F238E27FC236}">
+                <a16:creationId xmlns:a16="http://schemas.microsoft.com/office/drawing/2014/main" id="{BE145BB3-02F4-2698-665A-FDE546953DE9}"/>
+              </a:ext>
+            </a:extLst>
+          </p:cNvPr>
+          <p:cNvCxnSpPr>
+            <a:stCxn id="11" idx="3"/>
+            <a:endCxn id="13" idx="1"/>
+          </p:cNvCxnSpPr>
+          <p:nvPr/>
+        </p:nvCxnSpPr>
+        <p:spPr>
+          <a:xfrm>
+            <a:off x="4060723" y="3340821"/>
+            <a:ext cx="304800" cy="397896"/>
+          </a:xfrm>
+          <a:prstGeom prst="straightConnector1">
+            <a:avLst/>
+          </a:prstGeom>
+          <a:ln w="57150">
+            <a:solidFill>
+              <a:srgbClr val="002060"/>
+            </a:solidFill>
+            <a:tailEnd type="triangle"/>
+          </a:ln>
+        </p:spPr>
+        <p:style>
+          <a:lnRef idx="1">
+            <a:schemeClr val="accent1"/>
+          </a:lnRef>
+          <a:fillRef idx="0">
+            <a:schemeClr val="accent1"/>
+          </a:fillRef>
+          <a:effectRef idx="0">
+            <a:schemeClr val="accent1"/>
+          </a:effectRef>
+          <a:fontRef idx="minor">
+            <a:schemeClr val="tx1"/>
+          </a:fontRef>
+        </p:style>
+      </p:cxnSp>
+      <p:sp>
+        <p:nvSpPr>
+          <p:cNvPr id="19" name="Oval 18">
+            <a:extLst>
+              <a:ext uri="{FF2B5EF4-FFF2-40B4-BE49-F238E27FC236}">
+                <a16:creationId xmlns:a16="http://schemas.microsoft.com/office/drawing/2014/main" id="{E7C5E38C-6C39-8D75-0021-4D75B1B915BC}"/>
+              </a:ext>
+            </a:extLst>
+          </p:cNvPr>
+          <p:cNvSpPr/>
+          <p:nvPr/>
+        </p:nvSpPr>
+        <p:spPr>
+          <a:xfrm>
+            <a:off x="3982065" y="2969965"/>
+            <a:ext cx="570270" cy="427081"/>
+          </a:xfrm>
+          <a:prstGeom prst="ellipse">
+            <a:avLst/>
+          </a:prstGeom>
+        </p:spPr>
+        <p:style>
+          <a:lnRef idx="2">
+            <a:schemeClr val="dk1">
+              <a:shade val="50000"/>
+            </a:schemeClr>
+          </a:lnRef>
+          <a:fillRef idx="1">
+            <a:schemeClr val="dk1"/>
+          </a:fillRef>
+          <a:effectRef idx="0">
+            <a:schemeClr val="dk1"/>
+          </a:effectRef>
+          <a:fontRef idx="minor">
+            <a:schemeClr val="lt1"/>
+          </a:fontRef>
+        </p:style>
+        <p:txBody>
+          <a:bodyPr rtlCol="0" anchor="ctr"/>
+          <a:lstStyle/>
+          <a:p>
+            <a:pPr algn="ctr"/>
+            <a:r>
+              <a:rPr lang="en-IN" dirty="0"/>
+              <a:t>2</a:t>
+            </a:r>
+            <a:endParaRPr lang="en-US" dirty="0"/>
+          </a:p>
+        </p:txBody>
+      </p:sp>
+      <p:cxnSp>
+        <p:nvCxnSpPr>
+          <p:cNvPr id="21" name="Straight Arrow Connector 20">
+            <a:extLst>
+              <a:ext uri="{FF2B5EF4-FFF2-40B4-BE49-F238E27FC236}">
+                <a16:creationId xmlns:a16="http://schemas.microsoft.com/office/drawing/2014/main" id="{12371A38-F0EB-4A6C-08B8-6C119D823707}"/>
+              </a:ext>
+            </a:extLst>
+          </p:cNvPr>
+          <p:cNvCxnSpPr>
+            <a:stCxn id="13" idx="3"/>
+            <a:endCxn id="12" idx="1"/>
+          </p:cNvCxnSpPr>
+          <p:nvPr/>
+        </p:nvCxnSpPr>
+        <p:spPr>
+          <a:xfrm>
+            <a:off x="5102942" y="3738717"/>
+            <a:ext cx="265471" cy="86965"/>
+          </a:xfrm>
+          <a:prstGeom prst="straightConnector1">
+            <a:avLst/>
+          </a:prstGeom>
+          <a:ln w="76200">
+            <a:solidFill>
+              <a:srgbClr val="FFFF00"/>
+            </a:solidFill>
+            <a:tailEnd type="triangle"/>
+          </a:ln>
+        </p:spPr>
+        <p:style>
+          <a:lnRef idx="1">
+            <a:schemeClr val="accent1"/>
+          </a:lnRef>
+          <a:fillRef idx="0">
+            <a:schemeClr val="accent1"/>
+          </a:fillRef>
+          <a:effectRef idx="0">
+            <a:schemeClr val="accent1"/>
+          </a:effectRef>
+          <a:fontRef idx="minor">
+            <a:schemeClr val="tx1"/>
+          </a:fontRef>
+        </p:style>
+      </p:cxnSp>
+      <p:sp>
+        <p:nvSpPr>
+          <p:cNvPr id="22" name="Oval 21">
+            <a:extLst>
+              <a:ext uri="{FF2B5EF4-FFF2-40B4-BE49-F238E27FC236}">
+                <a16:creationId xmlns:a16="http://schemas.microsoft.com/office/drawing/2014/main" id="{5E36A321-40EC-0E97-ED8D-5C7238BB682B}"/>
+              </a:ext>
+            </a:extLst>
+          </p:cNvPr>
+          <p:cNvSpPr/>
+          <p:nvPr/>
+        </p:nvSpPr>
+        <p:spPr>
+          <a:xfrm>
+            <a:off x="5093113" y="3223597"/>
+            <a:ext cx="570270" cy="427081"/>
+          </a:xfrm>
+          <a:prstGeom prst="ellipse">
+            <a:avLst/>
+          </a:prstGeom>
+          <a:solidFill>
+            <a:srgbClr val="FFFF00"/>
+          </a:solidFill>
+        </p:spPr>
+        <p:style>
+          <a:lnRef idx="2">
+            <a:schemeClr val="dk1">
+              <a:shade val="50000"/>
+            </a:schemeClr>
+          </a:lnRef>
+          <a:fillRef idx="1">
+            <a:schemeClr val="dk1"/>
+          </a:fillRef>
+          <a:effectRef idx="0">
+            <a:schemeClr val="dk1"/>
+          </a:effectRef>
+          <a:fontRef idx="minor">
+            <a:schemeClr val="lt1"/>
+          </a:fontRef>
+        </p:style>
+        <p:txBody>
+          <a:bodyPr rtlCol="0" anchor="ctr"/>
+          <a:lstStyle/>
+          <a:p>
+            <a:pPr algn="ctr"/>
+            <a:r>
+              <a:rPr lang="en-IN" dirty="0">
+                <a:solidFill>
+                  <a:sysClr val="windowText" lastClr="000000"/>
+                </a:solidFill>
+              </a:rPr>
+              <a:t>3</a:t>
+            </a:r>
+            <a:endParaRPr lang="en-US" dirty="0">
+              <a:solidFill>
+                <a:sysClr val="windowText" lastClr="000000"/>
+              </a:solidFill>
+            </a:endParaRPr>
+          </a:p>
+        </p:txBody>
+      </p:sp>
+      <p:sp>
+        <p:nvSpPr>
+          <p:cNvPr id="23" name="TextBox 22">
+            <a:extLst>
+              <a:ext uri="{FF2B5EF4-FFF2-40B4-BE49-F238E27FC236}">
+                <a16:creationId xmlns:a16="http://schemas.microsoft.com/office/drawing/2014/main" id="{B18E6974-39B2-CEB8-41E6-354CAE274850}"/>
+              </a:ext>
+            </a:extLst>
+          </p:cNvPr>
+          <p:cNvSpPr txBox="1"/>
+          <p:nvPr/>
+        </p:nvSpPr>
+        <p:spPr>
+          <a:xfrm>
+            <a:off x="127819" y="157316"/>
+            <a:ext cx="3529783" cy="2308324"/>
+          </a:xfrm>
+          <a:prstGeom prst="rect">
+            <a:avLst/>
+          </a:prstGeom>
+          <a:noFill/>
+        </p:spPr>
+        <p:txBody>
+          <a:bodyPr wrap="square" rtlCol="0">
+            <a:spAutoFit/>
+          </a:bodyPr>
+          <a:lstStyle/>
+          <a:p>
+            <a:pPr marL="342900" indent="-342900">
+              <a:buFont typeface="+mj-lt"/>
+              <a:buAutoNum type="arabicPeriod"/>
+            </a:pPr>
+            <a:r>
+              <a:rPr lang="en-IN" dirty="0"/>
+              <a:t>Client access the Microservice using Load Balancer</a:t>
+            </a:r>
+          </a:p>
+          <a:p>
+            <a:pPr marL="342900" indent="-342900">
+              <a:buFont typeface="+mj-lt"/>
+              <a:buAutoNum type="arabicPeriod"/>
+            </a:pPr>
+            <a:r>
+              <a:rPr lang="en-IN" dirty="0"/>
+              <a:t>Load Balancer will map the request to public port</a:t>
+            </a:r>
+          </a:p>
+          <a:p>
+            <a:pPr marL="342900" indent="-342900">
+              <a:buFont typeface="+mj-lt"/>
+              <a:buAutoNum type="arabicPeriod"/>
+            </a:pPr>
+            <a:r>
+              <a:rPr lang="en-IN" dirty="0"/>
+              <a:t>Public port will map the request to the Microservice Running in the Cluster to the Target Port </a:t>
+            </a:r>
+            <a:r>
+              <a:rPr lang="en-IN"/>
+              <a:t>aka Container Port  </a:t>
+            </a:r>
+            <a:endParaRPr lang="en-US" dirty="0"/>
+          </a:p>
+        </p:txBody>
+      </p:sp>
+    </p:spTree>
+    <p:extLst>
+      <p:ext uri="{BB962C8B-B14F-4D97-AF65-F5344CB8AC3E}">
+        <p14:creationId xmlns:p14="http://schemas.microsoft.com/office/powerpoint/2010/main" val="2410734930"/>
       </p:ext>
     </p:extLst>
   </p:cSld>

--- a/training_images.pptx
+++ b/training_images.pptx
@@ -5,7 +5,7 @@
     <p:sldMasterId id="2147483660" r:id="rId1"/>
   </p:sldMasterIdLst>
   <p:notesMasterIdLst>
-    <p:notesMasterId r:id="rId34"/>
+    <p:notesMasterId r:id="rId35"/>
   </p:notesMasterIdLst>
   <p:sldIdLst>
     <p:sldId id="256" r:id="rId2"/>
@@ -40,6 +40,7 @@
     <p:sldId id="285" r:id="rId31"/>
     <p:sldId id="286" r:id="rId32"/>
     <p:sldId id="287" r:id="rId33"/>
+    <p:sldId id="288" r:id="rId34"/>
   </p:sldIdLst>
   <p:sldSz cx="12192000" cy="6858000"/>
   <p:notesSz cx="6858000" cy="9144000"/>
@@ -228,7 +229,7 @@
           <a:p>
             <a:fld id="{EB4D1A76-B039-4BCA-BFA4-191407DB5AE0}" type="datetimeFigureOut">
               <a:rPr lang="en-US" smtClean="0"/>
-              <a:t>5/17/2022</a:t>
+              <a:t>5/19/2022</a:t>
             </a:fld>
             <a:endParaRPr lang="en-US"/>
           </a:p>
@@ -742,7 +743,7 @@
           <a:p>
             <a:fld id="{822AF85D-11A4-42B9-B7D1-A5D0AD529DB2}" type="datetimeFigureOut">
               <a:rPr lang="en-US" smtClean="0"/>
-              <a:t>5/17/2022</a:t>
+              <a:t>5/19/2022</a:t>
             </a:fld>
             <a:endParaRPr lang="en-US"/>
           </a:p>
@@ -912,7 +913,7 @@
           <a:p>
             <a:fld id="{822AF85D-11A4-42B9-B7D1-A5D0AD529DB2}" type="datetimeFigureOut">
               <a:rPr lang="en-US" smtClean="0"/>
-              <a:t>5/17/2022</a:t>
+              <a:t>5/19/2022</a:t>
             </a:fld>
             <a:endParaRPr lang="en-US"/>
           </a:p>
@@ -1092,7 +1093,7 @@
           <a:p>
             <a:fld id="{822AF85D-11A4-42B9-B7D1-A5D0AD529DB2}" type="datetimeFigureOut">
               <a:rPr lang="en-US" smtClean="0"/>
-              <a:t>5/17/2022</a:t>
+              <a:t>5/19/2022</a:t>
             </a:fld>
             <a:endParaRPr lang="en-US"/>
           </a:p>
@@ -1262,7 +1263,7 @@
           <a:p>
             <a:fld id="{822AF85D-11A4-42B9-B7D1-A5D0AD529DB2}" type="datetimeFigureOut">
               <a:rPr lang="en-US" smtClean="0"/>
-              <a:t>5/17/2022</a:t>
+              <a:t>5/19/2022</a:t>
             </a:fld>
             <a:endParaRPr lang="en-US"/>
           </a:p>
@@ -1530,7 +1531,7 @@
           <a:p>
             <a:fld id="{822AF85D-11A4-42B9-B7D1-A5D0AD529DB2}" type="datetimeFigureOut">
               <a:rPr lang="en-US" smtClean="0"/>
-              <a:t>5/17/2022</a:t>
+              <a:t>5/19/2022</a:t>
             </a:fld>
             <a:endParaRPr lang="en-US"/>
           </a:p>
@@ -1762,7 +1763,7 @@
           <a:p>
             <a:fld id="{822AF85D-11A4-42B9-B7D1-A5D0AD529DB2}" type="datetimeFigureOut">
               <a:rPr lang="en-US" smtClean="0"/>
-              <a:t>5/17/2022</a:t>
+              <a:t>5/19/2022</a:t>
             </a:fld>
             <a:endParaRPr lang="en-US"/>
           </a:p>
@@ -2121,7 +2122,7 @@
           <a:p>
             <a:fld id="{822AF85D-11A4-42B9-B7D1-A5D0AD529DB2}" type="datetimeFigureOut">
               <a:rPr lang="en-US" smtClean="0"/>
-              <a:t>5/17/2022</a:t>
+              <a:t>5/19/2022</a:t>
             </a:fld>
             <a:endParaRPr lang="en-US"/>
           </a:p>
@@ -2262,7 +2263,7 @@
           <a:p>
             <a:fld id="{822AF85D-11A4-42B9-B7D1-A5D0AD529DB2}" type="datetimeFigureOut">
               <a:rPr lang="en-US" smtClean="0"/>
-              <a:t>5/17/2022</a:t>
+              <a:t>5/19/2022</a:t>
             </a:fld>
             <a:endParaRPr lang="en-US"/>
           </a:p>
@@ -2357,7 +2358,7 @@
           <a:p>
             <a:fld id="{822AF85D-11A4-42B9-B7D1-A5D0AD529DB2}" type="datetimeFigureOut">
               <a:rPr lang="en-US" smtClean="0"/>
-              <a:t>5/17/2022</a:t>
+              <a:t>5/19/2022</a:t>
             </a:fld>
             <a:endParaRPr lang="en-US"/>
           </a:p>
@@ -2714,7 +2715,7 @@
           <a:p>
             <a:fld id="{822AF85D-11A4-42B9-B7D1-A5D0AD529DB2}" type="datetimeFigureOut">
               <a:rPr lang="en-US" smtClean="0"/>
-              <a:t>5/17/2022</a:t>
+              <a:t>5/19/2022</a:t>
             </a:fld>
             <a:endParaRPr lang="en-US"/>
           </a:p>
@@ -3071,7 +3072,7 @@
           <a:p>
             <a:fld id="{822AF85D-11A4-42B9-B7D1-A5D0AD529DB2}" type="datetimeFigureOut">
               <a:rPr lang="en-US" smtClean="0"/>
-              <a:t>5/17/2022</a:t>
+              <a:t>5/19/2022</a:t>
             </a:fld>
             <a:endParaRPr lang="en-US"/>
           </a:p>
@@ -3313,7 +3314,7 @@
           <a:p>
             <a:fld id="{822AF85D-11A4-42B9-B7D1-A5D0AD529DB2}" type="datetimeFigureOut">
               <a:rPr lang="en-US" smtClean="0"/>
-              <a:t>5/17/2022</a:t>
+              <a:t>5/19/2022</a:t>
             </a:fld>
             <a:endParaRPr lang="en-US"/>
           </a:p>
@@ -27761,6 +27762,691 @@
     <p:extLst>
       <p:ext uri="{BB962C8B-B14F-4D97-AF65-F5344CB8AC3E}">
         <p14:creationId xmlns:p14="http://schemas.microsoft.com/office/powerpoint/2010/main" val="2410734930"/>
+      </p:ext>
+    </p:extLst>
+  </p:cSld>
+  <p:clrMapOvr>
+    <a:masterClrMapping/>
+  </p:clrMapOvr>
+</p:sld>
+</file>
+
+<file path=ppt/slides/slide33.xml><?xml version="1.0" encoding="utf-8"?>
+<p:sld xmlns:a="http://schemas.openxmlformats.org/drawingml/2006/main" xmlns:r="http://schemas.openxmlformats.org/officeDocument/2006/relationships" xmlns:p="http://schemas.openxmlformats.org/presentationml/2006/main">
+  <p:cSld>
+    <p:spTree>
+      <p:nvGrpSpPr>
+        <p:cNvPr id="1" name=""/>
+        <p:cNvGrpSpPr/>
+        <p:nvPr/>
+      </p:nvGrpSpPr>
+      <p:grpSpPr>
+        <a:xfrm>
+          <a:off x="0" y="0"/>
+          <a:ext cx="0" cy="0"/>
+          <a:chOff x="0" y="0"/>
+          <a:chExt cx="0" cy="0"/>
+        </a:xfrm>
+      </p:grpSpPr>
+      <p:sp>
+        <p:nvSpPr>
+          <p:cNvPr id="2" name="TextBox 1">
+            <a:extLst>
+              <a:ext uri="{FF2B5EF4-FFF2-40B4-BE49-F238E27FC236}">
+                <a16:creationId xmlns:a16="http://schemas.microsoft.com/office/drawing/2014/main" id="{595CC5EA-9EB1-1C1C-4C85-CC4042BF9518}"/>
+              </a:ext>
+            </a:extLst>
+          </p:cNvPr>
+          <p:cNvSpPr txBox="1"/>
+          <p:nvPr/>
+        </p:nvSpPr>
+        <p:spPr>
+          <a:xfrm>
+            <a:off x="3077497" y="422787"/>
+            <a:ext cx="4670322" cy="369332"/>
+          </a:xfrm>
+          <a:prstGeom prst="rect">
+            <a:avLst/>
+          </a:prstGeom>
+          <a:noFill/>
+        </p:spPr>
+        <p:txBody>
+          <a:bodyPr wrap="square" rtlCol="0">
+            <a:spAutoFit/>
+          </a:bodyPr>
+          <a:lstStyle/>
+          <a:p>
+            <a:pPr algn="ctr"/>
+            <a:r>
+              <a:rPr lang="en-IN" b="1" dirty="0"/>
+              <a:t>Node.js</a:t>
+            </a:r>
+            <a:endParaRPr lang="en-US" b="1" dirty="0"/>
+          </a:p>
+        </p:txBody>
+      </p:sp>
+      <p:sp>
+        <p:nvSpPr>
+          <p:cNvPr id="3" name="Rectangle 2">
+            <a:extLst>
+              <a:ext uri="{FF2B5EF4-FFF2-40B4-BE49-F238E27FC236}">
+                <a16:creationId xmlns:a16="http://schemas.microsoft.com/office/drawing/2014/main" id="{16C80C53-E223-D3E7-4F60-D62F683DD416}"/>
+              </a:ext>
+            </a:extLst>
+          </p:cNvPr>
+          <p:cNvSpPr/>
+          <p:nvPr/>
+        </p:nvSpPr>
+        <p:spPr>
+          <a:xfrm>
+            <a:off x="3510116" y="1356851"/>
+            <a:ext cx="3805084" cy="4414683"/>
+          </a:xfrm>
+          <a:prstGeom prst="rect">
+            <a:avLst/>
+          </a:prstGeom>
+        </p:spPr>
+        <p:style>
+          <a:lnRef idx="2">
+            <a:schemeClr val="accent1">
+              <a:shade val="50000"/>
+            </a:schemeClr>
+          </a:lnRef>
+          <a:fillRef idx="1">
+            <a:schemeClr val="accent1"/>
+          </a:fillRef>
+          <a:effectRef idx="0">
+            <a:schemeClr val="accent1"/>
+          </a:effectRef>
+          <a:fontRef idx="minor">
+            <a:schemeClr val="lt1"/>
+          </a:fontRef>
+        </p:style>
+        <p:txBody>
+          <a:bodyPr rtlCol="0" anchor="ctr"/>
+          <a:lstStyle/>
+          <a:p>
+            <a:pPr algn="ctr"/>
+            <a:endParaRPr lang="en-US"/>
+          </a:p>
+        </p:txBody>
+      </p:sp>
+      <p:sp>
+        <p:nvSpPr>
+          <p:cNvPr id="4" name="Rectangle 3">
+            <a:extLst>
+              <a:ext uri="{FF2B5EF4-FFF2-40B4-BE49-F238E27FC236}">
+                <a16:creationId xmlns:a16="http://schemas.microsoft.com/office/drawing/2014/main" id="{D317EB0C-7C0E-A189-A908-837FDC8BBE75}"/>
+              </a:ext>
+            </a:extLst>
+          </p:cNvPr>
+          <p:cNvSpPr/>
+          <p:nvPr/>
+        </p:nvSpPr>
+        <p:spPr>
+          <a:xfrm>
+            <a:off x="5668297" y="1863212"/>
+            <a:ext cx="1317523" cy="1312608"/>
+          </a:xfrm>
+          <a:prstGeom prst="rect">
+            <a:avLst/>
+          </a:prstGeom>
+        </p:spPr>
+        <p:style>
+          <a:lnRef idx="2">
+            <a:schemeClr val="dk1">
+              <a:shade val="50000"/>
+            </a:schemeClr>
+          </a:lnRef>
+          <a:fillRef idx="1">
+            <a:schemeClr val="dk1"/>
+          </a:fillRef>
+          <a:effectRef idx="0">
+            <a:schemeClr val="dk1"/>
+          </a:effectRef>
+          <a:fontRef idx="minor">
+            <a:schemeClr val="lt1"/>
+          </a:fontRef>
+        </p:style>
+        <p:txBody>
+          <a:bodyPr rtlCol="0" anchor="ctr"/>
+          <a:lstStyle/>
+          <a:p>
+            <a:pPr algn="ctr"/>
+            <a:r>
+              <a:rPr lang="en-IN" b="1" dirty="0"/>
+              <a:t>ORM</a:t>
+            </a:r>
+          </a:p>
+          <a:p>
+            <a:pPr algn="ctr"/>
+            <a:r>
+              <a:rPr lang="en-IN" b="1" dirty="0"/>
+              <a:t>For</a:t>
+            </a:r>
+          </a:p>
+          <a:p>
+            <a:pPr algn="ctr"/>
+            <a:r>
+              <a:rPr lang="en-IN" b="1" dirty="0"/>
+              <a:t>MySQL</a:t>
+            </a:r>
+            <a:endParaRPr lang="en-US" b="1" dirty="0"/>
+          </a:p>
+        </p:txBody>
+      </p:sp>
+      <p:sp>
+        <p:nvSpPr>
+          <p:cNvPr id="5" name="Cylinder 4">
+            <a:extLst>
+              <a:ext uri="{FF2B5EF4-FFF2-40B4-BE49-F238E27FC236}">
+                <a16:creationId xmlns:a16="http://schemas.microsoft.com/office/drawing/2014/main" id="{C360C3C5-7155-EF85-49A9-A5C3BCC65BDD}"/>
+              </a:ext>
+            </a:extLst>
+          </p:cNvPr>
+          <p:cNvSpPr/>
+          <p:nvPr/>
+        </p:nvSpPr>
+        <p:spPr>
+          <a:xfrm>
+            <a:off x="8583560" y="1356851"/>
+            <a:ext cx="1641987" cy="1297858"/>
+          </a:xfrm>
+          <a:prstGeom prst="can">
+            <a:avLst/>
+          </a:prstGeom>
+        </p:spPr>
+        <p:style>
+          <a:lnRef idx="2">
+            <a:schemeClr val="accent1">
+              <a:shade val="50000"/>
+            </a:schemeClr>
+          </a:lnRef>
+          <a:fillRef idx="1">
+            <a:schemeClr val="accent1"/>
+          </a:fillRef>
+          <a:effectRef idx="0">
+            <a:schemeClr val="accent1"/>
+          </a:effectRef>
+          <a:fontRef idx="minor">
+            <a:schemeClr val="lt1"/>
+          </a:fontRef>
+        </p:style>
+        <p:txBody>
+          <a:bodyPr rtlCol="0" anchor="ctr"/>
+          <a:lstStyle/>
+          <a:p>
+            <a:pPr algn="ctr"/>
+            <a:r>
+              <a:rPr lang="en-IN" b="1" dirty="0"/>
+              <a:t>MySQL</a:t>
+            </a:r>
+            <a:endParaRPr lang="en-US" b="1" dirty="0"/>
+          </a:p>
+        </p:txBody>
+      </p:sp>
+      <p:sp>
+        <p:nvSpPr>
+          <p:cNvPr id="6" name="Cylinder 5">
+            <a:extLst>
+              <a:ext uri="{FF2B5EF4-FFF2-40B4-BE49-F238E27FC236}">
+                <a16:creationId xmlns:a16="http://schemas.microsoft.com/office/drawing/2014/main" id="{3960F6D2-4723-F9F9-59F4-4FF7096C750D}"/>
+              </a:ext>
+            </a:extLst>
+          </p:cNvPr>
+          <p:cNvSpPr/>
+          <p:nvPr/>
+        </p:nvSpPr>
+        <p:spPr>
+          <a:xfrm>
+            <a:off x="8583560" y="4473676"/>
+            <a:ext cx="1641987" cy="1297858"/>
+          </a:xfrm>
+          <a:prstGeom prst="can">
+            <a:avLst/>
+          </a:prstGeom>
+        </p:spPr>
+        <p:style>
+          <a:lnRef idx="2">
+            <a:schemeClr val="accent1">
+              <a:shade val="50000"/>
+            </a:schemeClr>
+          </a:lnRef>
+          <a:fillRef idx="1">
+            <a:schemeClr val="accent1"/>
+          </a:fillRef>
+          <a:effectRef idx="0">
+            <a:schemeClr val="accent1"/>
+          </a:effectRef>
+          <a:fontRef idx="minor">
+            <a:schemeClr val="lt1"/>
+          </a:fontRef>
+        </p:style>
+        <p:txBody>
+          <a:bodyPr rtlCol="0" anchor="ctr"/>
+          <a:lstStyle/>
+          <a:p>
+            <a:pPr algn="ctr"/>
+            <a:r>
+              <a:rPr lang="en-IN" b="1" dirty="0"/>
+              <a:t>PostgreSQL</a:t>
+            </a:r>
+            <a:endParaRPr lang="en-US" b="1" dirty="0"/>
+          </a:p>
+        </p:txBody>
+      </p:sp>
+      <p:sp>
+        <p:nvSpPr>
+          <p:cNvPr id="7" name="Arrow: Right 6">
+            <a:extLst>
+              <a:ext uri="{FF2B5EF4-FFF2-40B4-BE49-F238E27FC236}">
+                <a16:creationId xmlns:a16="http://schemas.microsoft.com/office/drawing/2014/main" id="{87770A12-E74F-259D-A53C-C10CB8F4EE14}"/>
+              </a:ext>
+            </a:extLst>
+          </p:cNvPr>
+          <p:cNvSpPr/>
+          <p:nvPr/>
+        </p:nvSpPr>
+        <p:spPr>
+          <a:xfrm>
+            <a:off x="580103" y="2212258"/>
+            <a:ext cx="2930013" cy="648929"/>
+          </a:xfrm>
+          <a:prstGeom prst="rightArrow">
+            <a:avLst/>
+          </a:prstGeom>
+          <a:solidFill>
+            <a:schemeClr val="accent1">
+              <a:lumMod val="75000"/>
+            </a:schemeClr>
+          </a:solidFill>
+        </p:spPr>
+        <p:style>
+          <a:lnRef idx="2">
+            <a:schemeClr val="accent1">
+              <a:shade val="50000"/>
+            </a:schemeClr>
+          </a:lnRef>
+          <a:fillRef idx="1">
+            <a:schemeClr val="accent1"/>
+          </a:fillRef>
+          <a:effectRef idx="0">
+            <a:schemeClr val="accent1"/>
+          </a:effectRef>
+          <a:fontRef idx="minor">
+            <a:schemeClr val="lt1"/>
+          </a:fontRef>
+        </p:style>
+        <p:txBody>
+          <a:bodyPr rtlCol="0" anchor="ctr"/>
+          <a:lstStyle/>
+          <a:p>
+            <a:pPr algn="ctr"/>
+            <a:r>
+              <a:rPr lang="en-IN" b="1" dirty="0"/>
+              <a:t>MySQL</a:t>
+            </a:r>
+            <a:endParaRPr lang="en-US" b="1" dirty="0"/>
+          </a:p>
+        </p:txBody>
+      </p:sp>
+      <p:sp>
+        <p:nvSpPr>
+          <p:cNvPr id="8" name="Arrow: Right 7">
+            <a:extLst>
+              <a:ext uri="{FF2B5EF4-FFF2-40B4-BE49-F238E27FC236}">
+                <a16:creationId xmlns:a16="http://schemas.microsoft.com/office/drawing/2014/main" id="{4710359B-2E24-4ADB-76D3-6673131AF3EA}"/>
+              </a:ext>
+            </a:extLst>
+          </p:cNvPr>
+          <p:cNvSpPr/>
+          <p:nvPr/>
+        </p:nvSpPr>
+        <p:spPr>
+          <a:xfrm>
+            <a:off x="580103" y="4650658"/>
+            <a:ext cx="2930013" cy="648929"/>
+          </a:xfrm>
+          <a:prstGeom prst="rightArrow">
+            <a:avLst/>
+          </a:prstGeom>
+          <a:solidFill>
+            <a:schemeClr val="accent1">
+              <a:lumMod val="75000"/>
+            </a:schemeClr>
+          </a:solidFill>
+        </p:spPr>
+        <p:style>
+          <a:lnRef idx="2">
+            <a:schemeClr val="accent1">
+              <a:shade val="50000"/>
+            </a:schemeClr>
+          </a:lnRef>
+          <a:fillRef idx="1">
+            <a:schemeClr val="accent1"/>
+          </a:fillRef>
+          <a:effectRef idx="0">
+            <a:schemeClr val="accent1"/>
+          </a:effectRef>
+          <a:fontRef idx="minor">
+            <a:schemeClr val="lt1"/>
+          </a:fontRef>
+        </p:style>
+        <p:txBody>
+          <a:bodyPr rtlCol="0" anchor="ctr"/>
+          <a:lstStyle/>
+          <a:p>
+            <a:pPr algn="ctr"/>
+            <a:r>
+              <a:rPr lang="en-IN" b="1" dirty="0"/>
+              <a:t>PostgreSQL</a:t>
+            </a:r>
+            <a:endParaRPr lang="en-US" b="1" dirty="0"/>
+          </a:p>
+        </p:txBody>
+      </p:sp>
+      <p:cxnSp>
+        <p:nvCxnSpPr>
+          <p:cNvPr id="10" name="Connector: Elbow 9">
+            <a:extLst>
+              <a:ext uri="{FF2B5EF4-FFF2-40B4-BE49-F238E27FC236}">
+                <a16:creationId xmlns:a16="http://schemas.microsoft.com/office/drawing/2014/main" id="{F7F0D9F8-EC34-AB94-599E-14865894A005}"/>
+              </a:ext>
+            </a:extLst>
+          </p:cNvPr>
+          <p:cNvCxnSpPr>
+            <a:cxnSpLocks/>
+            <a:stCxn id="4" idx="3"/>
+            <a:endCxn id="5" idx="2"/>
+          </p:cNvCxnSpPr>
+          <p:nvPr/>
+        </p:nvCxnSpPr>
+        <p:spPr>
+          <a:xfrm flipV="1">
+            <a:off x="6985820" y="2005780"/>
+            <a:ext cx="1597740" cy="513736"/>
+          </a:xfrm>
+          <a:prstGeom prst="bentConnector3">
+            <a:avLst>
+              <a:gd name="adj1" fmla="val 50000"/>
+            </a:avLst>
+          </a:prstGeom>
+          <a:ln w="76200">
+            <a:solidFill>
+              <a:srgbClr val="FF0000"/>
+            </a:solidFill>
+            <a:tailEnd type="triangle"/>
+          </a:ln>
+        </p:spPr>
+        <p:style>
+          <a:lnRef idx="1">
+            <a:schemeClr val="accent1"/>
+          </a:lnRef>
+          <a:fillRef idx="0">
+            <a:schemeClr val="accent1"/>
+          </a:fillRef>
+          <a:effectRef idx="0">
+            <a:schemeClr val="accent1"/>
+          </a:effectRef>
+          <a:fontRef idx="minor">
+            <a:schemeClr val="tx1"/>
+          </a:fontRef>
+        </p:style>
+      </p:cxnSp>
+      <p:sp>
+        <p:nvSpPr>
+          <p:cNvPr id="17" name="Rectangle: Rounded Corners 16">
+            <a:extLst>
+              <a:ext uri="{FF2B5EF4-FFF2-40B4-BE49-F238E27FC236}">
+                <a16:creationId xmlns:a16="http://schemas.microsoft.com/office/drawing/2014/main" id="{E143E316-DA18-2946-A784-1A2943EFAB75}"/>
+              </a:ext>
+            </a:extLst>
+          </p:cNvPr>
+          <p:cNvSpPr/>
+          <p:nvPr/>
+        </p:nvSpPr>
+        <p:spPr>
+          <a:xfrm>
+            <a:off x="3839496" y="2861186"/>
+            <a:ext cx="1337188" cy="1612489"/>
+          </a:xfrm>
+          <a:prstGeom prst="roundRect">
+            <a:avLst/>
+          </a:prstGeom>
+          <a:solidFill>
+            <a:srgbClr val="002060"/>
+          </a:solidFill>
+        </p:spPr>
+        <p:style>
+          <a:lnRef idx="2">
+            <a:schemeClr val="accent1">
+              <a:shade val="50000"/>
+            </a:schemeClr>
+          </a:lnRef>
+          <a:fillRef idx="1">
+            <a:schemeClr val="accent1"/>
+          </a:fillRef>
+          <a:effectRef idx="0">
+            <a:schemeClr val="accent1"/>
+          </a:effectRef>
+          <a:fontRef idx="minor">
+            <a:schemeClr val="lt1"/>
+          </a:fontRef>
+        </p:style>
+        <p:txBody>
+          <a:bodyPr rtlCol="0" anchor="ctr"/>
+          <a:lstStyle/>
+          <a:p>
+            <a:pPr algn="ctr"/>
+            <a:r>
+              <a:rPr lang="en-IN" b="1" dirty="0"/>
+              <a:t>DB Factory</a:t>
+            </a:r>
+            <a:endParaRPr lang="en-US" b="1" dirty="0"/>
+          </a:p>
+        </p:txBody>
+      </p:sp>
+      <p:sp>
+        <p:nvSpPr>
+          <p:cNvPr id="20" name="Rectangle 19">
+            <a:extLst>
+              <a:ext uri="{FF2B5EF4-FFF2-40B4-BE49-F238E27FC236}">
+                <a16:creationId xmlns:a16="http://schemas.microsoft.com/office/drawing/2014/main" id="{D6A53FD3-FFFB-A2FB-8569-43C49CFEFE45}"/>
+              </a:ext>
+            </a:extLst>
+          </p:cNvPr>
+          <p:cNvSpPr/>
+          <p:nvPr/>
+        </p:nvSpPr>
+        <p:spPr>
+          <a:xfrm>
+            <a:off x="5668296" y="4130774"/>
+            <a:ext cx="1317523" cy="1312608"/>
+          </a:xfrm>
+          <a:prstGeom prst="rect">
+            <a:avLst/>
+          </a:prstGeom>
+        </p:spPr>
+        <p:style>
+          <a:lnRef idx="2">
+            <a:schemeClr val="dk1">
+              <a:shade val="50000"/>
+            </a:schemeClr>
+          </a:lnRef>
+          <a:fillRef idx="1">
+            <a:schemeClr val="dk1"/>
+          </a:fillRef>
+          <a:effectRef idx="0">
+            <a:schemeClr val="dk1"/>
+          </a:effectRef>
+          <a:fontRef idx="minor">
+            <a:schemeClr val="lt1"/>
+          </a:fontRef>
+        </p:style>
+        <p:txBody>
+          <a:bodyPr rtlCol="0" anchor="ctr"/>
+          <a:lstStyle/>
+          <a:p>
+            <a:pPr algn="ctr"/>
+            <a:r>
+              <a:rPr lang="en-IN" b="1" dirty="0"/>
+              <a:t>ORM</a:t>
+            </a:r>
+          </a:p>
+          <a:p>
+            <a:pPr algn="ctr"/>
+            <a:r>
+              <a:rPr lang="en-IN" b="1" dirty="0"/>
+              <a:t>For</a:t>
+            </a:r>
+          </a:p>
+          <a:p>
+            <a:pPr algn="ctr"/>
+            <a:r>
+              <a:rPr lang="en-IN" b="1" dirty="0"/>
+              <a:t>PostgreSQL</a:t>
+            </a:r>
+            <a:endParaRPr lang="en-US" b="1" dirty="0"/>
+          </a:p>
+        </p:txBody>
+      </p:sp>
+      <p:cxnSp>
+        <p:nvCxnSpPr>
+          <p:cNvPr id="22" name="Connector: Elbow 21">
+            <a:extLst>
+              <a:ext uri="{FF2B5EF4-FFF2-40B4-BE49-F238E27FC236}">
+                <a16:creationId xmlns:a16="http://schemas.microsoft.com/office/drawing/2014/main" id="{EF36D54F-F586-B4DE-DF81-3A9D2EC6208D}"/>
+              </a:ext>
+            </a:extLst>
+          </p:cNvPr>
+          <p:cNvCxnSpPr>
+            <a:endCxn id="6" idx="2"/>
+          </p:cNvCxnSpPr>
+          <p:nvPr/>
+        </p:nvCxnSpPr>
+        <p:spPr>
+          <a:xfrm>
+            <a:off x="6985819" y="4787078"/>
+            <a:ext cx="1597741" cy="335527"/>
+          </a:xfrm>
+          <a:prstGeom prst="bentConnector3">
+            <a:avLst/>
+          </a:prstGeom>
+          <a:ln w="76200">
+            <a:solidFill>
+              <a:srgbClr val="FF0000"/>
+            </a:solidFill>
+            <a:tailEnd type="triangle"/>
+          </a:ln>
+        </p:spPr>
+        <p:style>
+          <a:lnRef idx="1">
+            <a:schemeClr val="accent1"/>
+          </a:lnRef>
+          <a:fillRef idx="0">
+            <a:schemeClr val="accent1"/>
+          </a:fillRef>
+          <a:effectRef idx="0">
+            <a:schemeClr val="accent1"/>
+          </a:effectRef>
+          <a:fontRef idx="minor">
+            <a:schemeClr val="tx1"/>
+          </a:fontRef>
+        </p:style>
+      </p:cxnSp>
+      <p:cxnSp>
+        <p:nvCxnSpPr>
+          <p:cNvPr id="24" name="Connector: Elbow 23">
+            <a:extLst>
+              <a:ext uri="{FF2B5EF4-FFF2-40B4-BE49-F238E27FC236}">
+                <a16:creationId xmlns:a16="http://schemas.microsoft.com/office/drawing/2014/main" id="{3DECC75F-3E2F-A48C-A633-9FD9B4F5C964}"/>
+              </a:ext>
+            </a:extLst>
+          </p:cNvPr>
+          <p:cNvCxnSpPr/>
+          <p:nvPr/>
+        </p:nvCxnSpPr>
+        <p:spPr>
+          <a:xfrm flipV="1">
+            <a:off x="4508090" y="2519516"/>
+            <a:ext cx="1160206" cy="341670"/>
+          </a:xfrm>
+          <a:prstGeom prst="bentConnector3">
+            <a:avLst>
+              <a:gd name="adj1" fmla="val -2542"/>
+            </a:avLst>
+          </a:prstGeom>
+          <a:ln>
+            <a:solidFill>
+              <a:srgbClr val="FF0000"/>
+            </a:solidFill>
+            <a:tailEnd type="triangle"/>
+          </a:ln>
+        </p:spPr>
+        <p:style>
+          <a:lnRef idx="1">
+            <a:schemeClr val="accent1"/>
+          </a:lnRef>
+          <a:fillRef idx="0">
+            <a:schemeClr val="accent1"/>
+          </a:fillRef>
+          <a:effectRef idx="0">
+            <a:schemeClr val="accent1"/>
+          </a:effectRef>
+          <a:fontRef idx="minor">
+            <a:schemeClr val="tx1"/>
+          </a:fontRef>
+        </p:style>
+      </p:cxnSp>
+      <p:cxnSp>
+        <p:nvCxnSpPr>
+          <p:cNvPr id="29" name="Connector: Elbow 28">
+            <a:extLst>
+              <a:ext uri="{FF2B5EF4-FFF2-40B4-BE49-F238E27FC236}">
+                <a16:creationId xmlns:a16="http://schemas.microsoft.com/office/drawing/2014/main" id="{B26743D5-B7B9-16D1-C9F3-A5AE99D66B38}"/>
+              </a:ext>
+            </a:extLst>
+          </p:cNvPr>
+          <p:cNvCxnSpPr>
+            <a:stCxn id="17" idx="2"/>
+            <a:endCxn id="20" idx="1"/>
+          </p:cNvCxnSpPr>
+          <p:nvPr/>
+        </p:nvCxnSpPr>
+        <p:spPr>
+          <a:xfrm rot="16200000" flipH="1">
+            <a:off x="4931492" y="4050273"/>
+            <a:ext cx="313403" cy="1160206"/>
+          </a:xfrm>
+          <a:prstGeom prst="bentConnector2">
+            <a:avLst/>
+          </a:prstGeom>
+          <a:ln>
+            <a:solidFill>
+              <a:srgbClr val="FF0000"/>
+            </a:solidFill>
+            <a:tailEnd type="triangle"/>
+          </a:ln>
+        </p:spPr>
+        <p:style>
+          <a:lnRef idx="1">
+            <a:schemeClr val="accent1"/>
+          </a:lnRef>
+          <a:fillRef idx="0">
+            <a:schemeClr val="accent1"/>
+          </a:fillRef>
+          <a:effectRef idx="0">
+            <a:schemeClr val="accent1"/>
+          </a:effectRef>
+          <a:fontRef idx="minor">
+            <a:schemeClr val="tx1"/>
+          </a:fontRef>
+        </p:style>
+      </p:cxnSp>
+    </p:spTree>
+    <p:extLst>
+      <p:ext uri="{BB962C8B-B14F-4D97-AF65-F5344CB8AC3E}">
+        <p14:creationId xmlns:p14="http://schemas.microsoft.com/office/powerpoint/2010/main" val="422600692"/>
       </p:ext>
     </p:extLst>
   </p:cSld>

--- a/training_images.pptx
+++ b/training_images.pptx
@@ -5,7 +5,7 @@
     <p:sldMasterId id="2147483660" r:id="rId1"/>
   </p:sldMasterIdLst>
   <p:notesMasterIdLst>
-    <p:notesMasterId r:id="rId35"/>
+    <p:notesMasterId r:id="rId36"/>
   </p:notesMasterIdLst>
   <p:sldIdLst>
     <p:sldId id="256" r:id="rId2"/>
@@ -41,6 +41,7 @@
     <p:sldId id="286" r:id="rId32"/>
     <p:sldId id="287" r:id="rId33"/>
     <p:sldId id="288" r:id="rId34"/>
+    <p:sldId id="289" r:id="rId35"/>
   </p:sldIdLst>
   <p:sldSz cx="12192000" cy="6858000"/>
   <p:notesSz cx="6858000" cy="9144000"/>
@@ -229,7 +230,7 @@
           <a:p>
             <a:fld id="{EB4D1A76-B039-4BCA-BFA4-191407DB5AE0}" type="datetimeFigureOut">
               <a:rPr lang="en-US" smtClean="0"/>
-              <a:t>5/19/2022</a:t>
+              <a:t>5/20/2022</a:t>
             </a:fld>
             <a:endParaRPr lang="en-US"/>
           </a:p>
@@ -743,7 +744,7 @@
           <a:p>
             <a:fld id="{822AF85D-11A4-42B9-B7D1-A5D0AD529DB2}" type="datetimeFigureOut">
               <a:rPr lang="en-US" smtClean="0"/>
-              <a:t>5/19/2022</a:t>
+              <a:t>5/20/2022</a:t>
             </a:fld>
             <a:endParaRPr lang="en-US"/>
           </a:p>
@@ -913,7 +914,7 @@
           <a:p>
             <a:fld id="{822AF85D-11A4-42B9-B7D1-A5D0AD529DB2}" type="datetimeFigureOut">
               <a:rPr lang="en-US" smtClean="0"/>
-              <a:t>5/19/2022</a:t>
+              <a:t>5/20/2022</a:t>
             </a:fld>
             <a:endParaRPr lang="en-US"/>
           </a:p>
@@ -1093,7 +1094,7 @@
           <a:p>
             <a:fld id="{822AF85D-11A4-42B9-B7D1-A5D0AD529DB2}" type="datetimeFigureOut">
               <a:rPr lang="en-US" smtClean="0"/>
-              <a:t>5/19/2022</a:t>
+              <a:t>5/20/2022</a:t>
             </a:fld>
             <a:endParaRPr lang="en-US"/>
           </a:p>
@@ -1263,7 +1264,7 @@
           <a:p>
             <a:fld id="{822AF85D-11A4-42B9-B7D1-A5D0AD529DB2}" type="datetimeFigureOut">
               <a:rPr lang="en-US" smtClean="0"/>
-              <a:t>5/19/2022</a:t>
+              <a:t>5/20/2022</a:t>
             </a:fld>
             <a:endParaRPr lang="en-US"/>
           </a:p>
@@ -1531,7 +1532,7 @@
           <a:p>
             <a:fld id="{822AF85D-11A4-42B9-B7D1-A5D0AD529DB2}" type="datetimeFigureOut">
               <a:rPr lang="en-US" smtClean="0"/>
-              <a:t>5/19/2022</a:t>
+              <a:t>5/20/2022</a:t>
             </a:fld>
             <a:endParaRPr lang="en-US"/>
           </a:p>
@@ -1763,7 +1764,7 @@
           <a:p>
             <a:fld id="{822AF85D-11A4-42B9-B7D1-A5D0AD529DB2}" type="datetimeFigureOut">
               <a:rPr lang="en-US" smtClean="0"/>
-              <a:t>5/19/2022</a:t>
+              <a:t>5/20/2022</a:t>
             </a:fld>
             <a:endParaRPr lang="en-US"/>
           </a:p>
@@ -2122,7 +2123,7 @@
           <a:p>
             <a:fld id="{822AF85D-11A4-42B9-B7D1-A5D0AD529DB2}" type="datetimeFigureOut">
               <a:rPr lang="en-US" smtClean="0"/>
-              <a:t>5/19/2022</a:t>
+              <a:t>5/20/2022</a:t>
             </a:fld>
             <a:endParaRPr lang="en-US"/>
           </a:p>
@@ -2263,7 +2264,7 @@
           <a:p>
             <a:fld id="{822AF85D-11A4-42B9-B7D1-A5D0AD529DB2}" type="datetimeFigureOut">
               <a:rPr lang="en-US" smtClean="0"/>
-              <a:t>5/19/2022</a:t>
+              <a:t>5/20/2022</a:t>
             </a:fld>
             <a:endParaRPr lang="en-US"/>
           </a:p>
@@ -2358,7 +2359,7 @@
           <a:p>
             <a:fld id="{822AF85D-11A4-42B9-B7D1-A5D0AD529DB2}" type="datetimeFigureOut">
               <a:rPr lang="en-US" smtClean="0"/>
-              <a:t>5/19/2022</a:t>
+              <a:t>5/20/2022</a:t>
             </a:fld>
             <a:endParaRPr lang="en-US"/>
           </a:p>
@@ -2715,7 +2716,7 @@
           <a:p>
             <a:fld id="{822AF85D-11A4-42B9-B7D1-A5D0AD529DB2}" type="datetimeFigureOut">
               <a:rPr lang="en-US" smtClean="0"/>
-              <a:t>5/19/2022</a:t>
+              <a:t>5/20/2022</a:t>
             </a:fld>
             <a:endParaRPr lang="en-US"/>
           </a:p>
@@ -3072,7 +3073,7 @@
           <a:p>
             <a:fld id="{822AF85D-11A4-42B9-B7D1-A5D0AD529DB2}" type="datetimeFigureOut">
               <a:rPr lang="en-US" smtClean="0"/>
-              <a:t>5/19/2022</a:t>
+              <a:t>5/20/2022</a:t>
             </a:fld>
             <a:endParaRPr lang="en-US"/>
           </a:p>
@@ -3314,7 +3315,7 @@
           <a:p>
             <a:fld id="{822AF85D-11A4-42B9-B7D1-A5D0AD529DB2}" type="datetimeFigureOut">
               <a:rPr lang="en-US" smtClean="0"/>
-              <a:t>5/19/2022</a:t>
+              <a:t>5/20/2022</a:t>
             </a:fld>
             <a:endParaRPr lang="en-US"/>
           </a:p>
@@ -28447,6 +28448,800 @@
     <p:extLst>
       <p:ext uri="{BB962C8B-B14F-4D97-AF65-F5344CB8AC3E}">
         <p14:creationId xmlns:p14="http://schemas.microsoft.com/office/powerpoint/2010/main" val="422600692"/>
+      </p:ext>
+    </p:extLst>
+  </p:cSld>
+  <p:clrMapOvr>
+    <a:masterClrMapping/>
+  </p:clrMapOvr>
+</p:sld>
+</file>
+
+<file path=ppt/slides/slide34.xml><?xml version="1.0" encoding="utf-8"?>
+<p:sld xmlns:a="http://schemas.openxmlformats.org/drawingml/2006/main" xmlns:r="http://schemas.openxmlformats.org/officeDocument/2006/relationships" xmlns:p="http://schemas.openxmlformats.org/presentationml/2006/main">
+  <p:cSld>
+    <p:spTree>
+      <p:nvGrpSpPr>
+        <p:cNvPr id="1" name=""/>
+        <p:cNvGrpSpPr/>
+        <p:nvPr/>
+      </p:nvGrpSpPr>
+      <p:grpSpPr>
+        <a:xfrm>
+          <a:off x="0" y="0"/>
+          <a:ext cx="0" cy="0"/>
+          <a:chOff x="0" y="0"/>
+          <a:chExt cx="0" cy="0"/>
+        </a:xfrm>
+      </p:grpSpPr>
+      <p:sp>
+        <p:nvSpPr>
+          <p:cNvPr id="2" name="Rectangle 1">
+            <a:extLst>
+              <a:ext uri="{FF2B5EF4-FFF2-40B4-BE49-F238E27FC236}">
+                <a16:creationId xmlns:a16="http://schemas.microsoft.com/office/drawing/2014/main" id="{9AD298FC-3D8E-0C8C-3303-E31271E331DF}"/>
+              </a:ext>
+            </a:extLst>
+          </p:cNvPr>
+          <p:cNvSpPr/>
+          <p:nvPr/>
+        </p:nvSpPr>
+        <p:spPr>
+          <a:xfrm>
+            <a:off x="334296" y="2711245"/>
+            <a:ext cx="2635045" cy="1435510"/>
+          </a:xfrm>
+          <a:prstGeom prst="rect">
+            <a:avLst/>
+          </a:prstGeom>
+        </p:spPr>
+        <p:style>
+          <a:lnRef idx="2">
+            <a:schemeClr val="accent1">
+              <a:shade val="50000"/>
+            </a:schemeClr>
+          </a:lnRef>
+          <a:fillRef idx="1">
+            <a:schemeClr val="accent1"/>
+          </a:fillRef>
+          <a:effectRef idx="0">
+            <a:schemeClr val="accent1"/>
+          </a:effectRef>
+          <a:fontRef idx="minor">
+            <a:schemeClr val="lt1"/>
+          </a:fontRef>
+        </p:style>
+        <p:txBody>
+          <a:bodyPr rtlCol="0" anchor="ctr"/>
+          <a:lstStyle/>
+          <a:p>
+            <a:pPr algn="ctr"/>
+            <a:r>
+              <a:rPr lang="en-IN" b="1" dirty="0"/>
+              <a:t>Write </a:t>
+            </a:r>
+          </a:p>
+          <a:p>
+            <a:pPr algn="ctr"/>
+            <a:r>
+              <a:rPr lang="en-IN" b="1" dirty="0"/>
+              <a:t>A</a:t>
+            </a:r>
+          </a:p>
+          <a:p>
+            <a:pPr algn="ctr"/>
+            <a:r>
+              <a:rPr lang="en-IN" b="1" dirty="0"/>
+              <a:t>Code</a:t>
+            </a:r>
+            <a:endParaRPr lang="en-US" b="1" dirty="0"/>
+          </a:p>
+        </p:txBody>
+      </p:sp>
+      <p:sp>
+        <p:nvSpPr>
+          <p:cNvPr id="3" name="Rectangle 2">
+            <a:extLst>
+              <a:ext uri="{FF2B5EF4-FFF2-40B4-BE49-F238E27FC236}">
+                <a16:creationId xmlns:a16="http://schemas.microsoft.com/office/drawing/2014/main" id="{B674E042-E3F5-5D47-A2DE-4D8D5141BA30}"/>
+              </a:ext>
+            </a:extLst>
+          </p:cNvPr>
+          <p:cNvSpPr/>
+          <p:nvPr/>
+        </p:nvSpPr>
+        <p:spPr>
+          <a:xfrm>
+            <a:off x="3839496" y="806245"/>
+            <a:ext cx="2635045" cy="1435510"/>
+          </a:xfrm>
+          <a:prstGeom prst="rect">
+            <a:avLst/>
+          </a:prstGeom>
+        </p:spPr>
+        <p:style>
+          <a:lnRef idx="0">
+            <a:schemeClr val="accent3"/>
+          </a:lnRef>
+          <a:fillRef idx="3">
+            <a:schemeClr val="accent3"/>
+          </a:fillRef>
+          <a:effectRef idx="3">
+            <a:schemeClr val="accent3"/>
+          </a:effectRef>
+          <a:fontRef idx="minor">
+            <a:schemeClr val="lt1"/>
+          </a:fontRef>
+        </p:style>
+        <p:txBody>
+          <a:bodyPr rtlCol="0" anchor="ctr"/>
+          <a:lstStyle/>
+          <a:p>
+            <a:pPr algn="ctr"/>
+            <a:r>
+              <a:rPr lang="en-IN" b="1" dirty="0"/>
+              <a:t>Check-In The code on Source Control</a:t>
+            </a:r>
+            <a:endParaRPr lang="en-US" b="1" dirty="0"/>
+          </a:p>
+        </p:txBody>
+      </p:sp>
+      <p:sp>
+        <p:nvSpPr>
+          <p:cNvPr id="4" name="Rectangle 3">
+            <a:extLst>
+              <a:ext uri="{FF2B5EF4-FFF2-40B4-BE49-F238E27FC236}">
+                <a16:creationId xmlns:a16="http://schemas.microsoft.com/office/drawing/2014/main" id="{2387422F-657C-E6E2-2151-A68F81EBEE29}"/>
+              </a:ext>
+            </a:extLst>
+          </p:cNvPr>
+          <p:cNvSpPr/>
+          <p:nvPr/>
+        </p:nvSpPr>
+        <p:spPr>
+          <a:xfrm>
+            <a:off x="7629831" y="2711245"/>
+            <a:ext cx="2635045" cy="1435510"/>
+          </a:xfrm>
+          <a:prstGeom prst="rect">
+            <a:avLst/>
+          </a:prstGeom>
+        </p:spPr>
+        <p:style>
+          <a:lnRef idx="0">
+            <a:schemeClr val="accent2"/>
+          </a:lnRef>
+          <a:fillRef idx="3">
+            <a:schemeClr val="accent2"/>
+          </a:fillRef>
+          <a:effectRef idx="3">
+            <a:schemeClr val="accent2"/>
+          </a:effectRef>
+          <a:fontRef idx="minor">
+            <a:schemeClr val="lt1"/>
+          </a:fontRef>
+        </p:style>
+        <p:txBody>
+          <a:bodyPr rtlCol="0" anchor="ctr"/>
+          <a:lstStyle/>
+          <a:p>
+            <a:pPr algn="ctr"/>
+            <a:r>
+              <a:rPr lang="en-IN" b="1" dirty="0"/>
+              <a:t>Deployment Automation</a:t>
+            </a:r>
+            <a:endParaRPr lang="en-US" b="1" dirty="0"/>
+          </a:p>
+        </p:txBody>
+      </p:sp>
+      <p:sp>
+        <p:nvSpPr>
+          <p:cNvPr id="5" name="Rectangle 4">
+            <a:extLst>
+              <a:ext uri="{FF2B5EF4-FFF2-40B4-BE49-F238E27FC236}">
+                <a16:creationId xmlns:a16="http://schemas.microsoft.com/office/drawing/2014/main" id="{5664CE4D-5B38-927C-12AD-5BD2D296FF01}"/>
+              </a:ext>
+            </a:extLst>
+          </p:cNvPr>
+          <p:cNvSpPr/>
+          <p:nvPr/>
+        </p:nvSpPr>
+        <p:spPr>
+          <a:xfrm>
+            <a:off x="3839496" y="4933196"/>
+            <a:ext cx="2635045" cy="1435510"/>
+          </a:xfrm>
+          <a:prstGeom prst="rect">
+            <a:avLst/>
+          </a:prstGeom>
+        </p:spPr>
+        <p:style>
+          <a:lnRef idx="0">
+            <a:schemeClr val="accent4"/>
+          </a:lnRef>
+          <a:fillRef idx="3">
+            <a:schemeClr val="accent4"/>
+          </a:fillRef>
+          <a:effectRef idx="3">
+            <a:schemeClr val="accent4"/>
+          </a:effectRef>
+          <a:fontRef idx="minor">
+            <a:schemeClr val="lt1"/>
+          </a:fontRef>
+        </p:style>
+        <p:txBody>
+          <a:bodyPr rtlCol="0" anchor="ctr"/>
+          <a:lstStyle/>
+          <a:p>
+            <a:pPr algn="ctr"/>
+            <a:r>
+              <a:rPr lang="en-IN" b="1" dirty="0"/>
+              <a:t>Deploy App</a:t>
+            </a:r>
+            <a:endParaRPr lang="en-US" b="1" dirty="0"/>
+          </a:p>
+        </p:txBody>
+      </p:sp>
+      <p:sp>
+        <p:nvSpPr>
+          <p:cNvPr id="6" name="TextBox 5">
+            <a:extLst>
+              <a:ext uri="{FF2B5EF4-FFF2-40B4-BE49-F238E27FC236}">
+                <a16:creationId xmlns:a16="http://schemas.microsoft.com/office/drawing/2014/main" id="{5408E731-C125-4DCD-1D1D-0CF15549D936}"/>
+              </a:ext>
+            </a:extLst>
+          </p:cNvPr>
+          <p:cNvSpPr txBox="1"/>
+          <p:nvPr/>
+        </p:nvSpPr>
+        <p:spPr>
+          <a:xfrm>
+            <a:off x="-476864" y="4206355"/>
+            <a:ext cx="2635045" cy="461665"/>
+          </a:xfrm>
+          <a:prstGeom prst="rect">
+            <a:avLst/>
+          </a:prstGeom>
+          <a:noFill/>
+        </p:spPr>
+        <p:txBody>
+          <a:bodyPr wrap="square" rtlCol="0">
+            <a:spAutoFit/>
+          </a:bodyPr>
+          <a:lstStyle/>
+          <a:p>
+            <a:pPr algn="ctr"/>
+            <a:r>
+              <a:rPr lang="en-IN" sz="1200" b="1" dirty="0"/>
+              <a:t>Dev. Tools VSCode, </a:t>
+            </a:r>
+          </a:p>
+          <a:p>
+            <a:pPr algn="ctr"/>
+            <a:r>
+              <a:rPr lang="en-IN" sz="1200" b="1" dirty="0"/>
+              <a:t>Eclipse, etc.</a:t>
+            </a:r>
+            <a:endParaRPr lang="en-US" sz="1200" b="1" dirty="0"/>
+          </a:p>
+        </p:txBody>
+      </p:sp>
+      <p:cxnSp>
+        <p:nvCxnSpPr>
+          <p:cNvPr id="8" name="Connector: Elbow 7">
+            <a:extLst>
+              <a:ext uri="{FF2B5EF4-FFF2-40B4-BE49-F238E27FC236}">
+                <a16:creationId xmlns:a16="http://schemas.microsoft.com/office/drawing/2014/main" id="{0DC54051-B623-1D45-B51B-D5AE16FF6C5D}"/>
+              </a:ext>
+            </a:extLst>
+          </p:cNvPr>
+          <p:cNvCxnSpPr>
+            <a:stCxn id="2" idx="0"/>
+            <a:endCxn id="3" idx="1"/>
+          </p:cNvCxnSpPr>
+          <p:nvPr/>
+        </p:nvCxnSpPr>
+        <p:spPr>
+          <a:xfrm rot="5400000" flipH="1" flipV="1">
+            <a:off x="2152035" y="1023785"/>
+            <a:ext cx="1187245" cy="2187677"/>
+          </a:xfrm>
+          <a:prstGeom prst="bentConnector2">
+            <a:avLst/>
+          </a:prstGeom>
+          <a:ln w="76200">
+            <a:solidFill>
+              <a:schemeClr val="tx1">
+                <a:lumMod val="95000"/>
+                <a:lumOff val="5000"/>
+              </a:schemeClr>
+            </a:solidFill>
+            <a:tailEnd type="triangle"/>
+          </a:ln>
+        </p:spPr>
+        <p:style>
+          <a:lnRef idx="1">
+            <a:schemeClr val="accent1"/>
+          </a:lnRef>
+          <a:fillRef idx="0">
+            <a:schemeClr val="accent1"/>
+          </a:fillRef>
+          <a:effectRef idx="0">
+            <a:schemeClr val="accent1"/>
+          </a:effectRef>
+          <a:fontRef idx="minor">
+            <a:schemeClr val="tx1"/>
+          </a:fontRef>
+        </p:style>
+      </p:cxnSp>
+      <p:sp>
+        <p:nvSpPr>
+          <p:cNvPr id="9" name="TextBox 8">
+            <a:extLst>
+              <a:ext uri="{FF2B5EF4-FFF2-40B4-BE49-F238E27FC236}">
+                <a16:creationId xmlns:a16="http://schemas.microsoft.com/office/drawing/2014/main" id="{853A12DD-A085-299D-D31E-28B95523492B}"/>
+              </a:ext>
+            </a:extLst>
+          </p:cNvPr>
+          <p:cNvSpPr txBox="1"/>
+          <p:nvPr/>
+        </p:nvSpPr>
+        <p:spPr>
+          <a:xfrm>
+            <a:off x="1543664" y="787949"/>
+            <a:ext cx="2074607" cy="646331"/>
+          </a:xfrm>
+          <a:prstGeom prst="rect">
+            <a:avLst/>
+          </a:prstGeom>
+          <a:noFill/>
+        </p:spPr>
+        <p:txBody>
+          <a:bodyPr wrap="square" rtlCol="0">
+            <a:spAutoFit/>
+          </a:bodyPr>
+          <a:lstStyle/>
+          <a:p>
+            <a:pPr algn="ctr"/>
+            <a:r>
+              <a:rPr lang="en-IN" b="1" dirty="0"/>
+              <a:t>Code Check-In Policies</a:t>
+            </a:r>
+            <a:endParaRPr lang="en-US" b="1" dirty="0"/>
+          </a:p>
+        </p:txBody>
+      </p:sp>
+      <p:sp>
+        <p:nvSpPr>
+          <p:cNvPr id="10" name="TextBox 9">
+            <a:extLst>
+              <a:ext uri="{FF2B5EF4-FFF2-40B4-BE49-F238E27FC236}">
+                <a16:creationId xmlns:a16="http://schemas.microsoft.com/office/drawing/2014/main" id="{74FEA6CE-9F35-BA7C-95BD-BE3F45DE6BC3}"/>
+              </a:ext>
+            </a:extLst>
+          </p:cNvPr>
+          <p:cNvSpPr txBox="1"/>
+          <p:nvPr/>
+        </p:nvSpPr>
+        <p:spPr>
+          <a:xfrm>
+            <a:off x="3647768" y="88492"/>
+            <a:ext cx="3333135" cy="738664"/>
+          </a:xfrm>
+          <a:prstGeom prst="rect">
+            <a:avLst/>
+          </a:prstGeom>
+          <a:noFill/>
+        </p:spPr>
+        <p:txBody>
+          <a:bodyPr wrap="square" rtlCol="0">
+            <a:spAutoFit/>
+          </a:bodyPr>
+          <a:lstStyle/>
+          <a:p>
+            <a:pPr algn="ctr"/>
+            <a:r>
+              <a:rPr lang="en-IN" sz="1400" b="1" dirty="0"/>
+              <a:t>DevOps</a:t>
+            </a:r>
+          </a:p>
+          <a:p>
+            <a:pPr algn="ctr"/>
+            <a:r>
+              <a:rPr lang="en-IN" sz="1400" b="1" dirty="0"/>
+              <a:t>GitHub, GitLab, Azure DevOps,  AWS, DevOps, etc.</a:t>
+            </a:r>
+            <a:endParaRPr lang="en-US" sz="1400" b="1" dirty="0"/>
+          </a:p>
+        </p:txBody>
+      </p:sp>
+      <p:cxnSp>
+        <p:nvCxnSpPr>
+          <p:cNvPr id="12" name="Connector: Elbow 11">
+            <a:extLst>
+              <a:ext uri="{FF2B5EF4-FFF2-40B4-BE49-F238E27FC236}">
+                <a16:creationId xmlns:a16="http://schemas.microsoft.com/office/drawing/2014/main" id="{C692174C-9B7B-4B68-64C7-09C7428C8046}"/>
+              </a:ext>
+            </a:extLst>
+          </p:cNvPr>
+          <p:cNvCxnSpPr>
+            <a:stCxn id="3" idx="3"/>
+            <a:endCxn id="4" idx="0"/>
+          </p:cNvCxnSpPr>
+          <p:nvPr/>
+        </p:nvCxnSpPr>
+        <p:spPr>
+          <a:xfrm>
+            <a:off x="6474541" y="1524000"/>
+            <a:ext cx="2472813" cy="1187245"/>
+          </a:xfrm>
+          <a:prstGeom prst="bentConnector2">
+            <a:avLst/>
+          </a:prstGeom>
+          <a:ln w="76200">
+            <a:solidFill>
+              <a:schemeClr val="tx1">
+                <a:lumMod val="95000"/>
+                <a:lumOff val="5000"/>
+              </a:schemeClr>
+            </a:solidFill>
+            <a:tailEnd type="triangle"/>
+          </a:ln>
+        </p:spPr>
+        <p:style>
+          <a:lnRef idx="1">
+            <a:schemeClr val="accent1"/>
+          </a:lnRef>
+          <a:fillRef idx="0">
+            <a:schemeClr val="accent1"/>
+          </a:fillRef>
+          <a:effectRef idx="0">
+            <a:schemeClr val="accent1"/>
+          </a:effectRef>
+          <a:fontRef idx="minor">
+            <a:schemeClr val="tx1"/>
+          </a:fontRef>
+        </p:style>
+      </p:cxnSp>
+      <p:sp>
+        <p:nvSpPr>
+          <p:cNvPr id="13" name="TextBox 12">
+            <a:extLst>
+              <a:ext uri="{FF2B5EF4-FFF2-40B4-BE49-F238E27FC236}">
+                <a16:creationId xmlns:a16="http://schemas.microsoft.com/office/drawing/2014/main" id="{E337AE22-177C-505D-3DFA-C7186837A838}"/>
+              </a:ext>
+            </a:extLst>
+          </p:cNvPr>
+          <p:cNvSpPr txBox="1"/>
+          <p:nvPr/>
+        </p:nvSpPr>
+        <p:spPr>
+          <a:xfrm>
+            <a:off x="8755625" y="600670"/>
+            <a:ext cx="3175820" cy="1569660"/>
+          </a:xfrm>
+          <a:prstGeom prst="rect">
+            <a:avLst/>
+          </a:prstGeom>
+          <a:noFill/>
+        </p:spPr>
+        <p:txBody>
+          <a:bodyPr wrap="square" rtlCol="0">
+            <a:spAutoFit/>
+          </a:bodyPr>
+          <a:lstStyle/>
+          <a:p>
+            <a:pPr algn="ctr"/>
+            <a:r>
+              <a:rPr lang="en-IN" sz="1600" b="1" dirty="0"/>
+              <a:t>Jenkins the deployment Automation tool with GitHub and GitLab Plugins</a:t>
+            </a:r>
+          </a:p>
+          <a:p>
+            <a:pPr algn="ctr"/>
+            <a:r>
+              <a:rPr lang="en-IN" sz="1600" b="1" dirty="0" err="1"/>
+              <a:t>Yml</a:t>
+            </a:r>
+            <a:r>
+              <a:rPr lang="en-IN" sz="1600" b="1" dirty="0"/>
+              <a:t> files for deployment</a:t>
+            </a:r>
+          </a:p>
+          <a:p>
+            <a:pPr algn="ctr"/>
+            <a:r>
+              <a:rPr lang="en-IN" sz="1600" b="1" dirty="0"/>
+              <a:t>Azure Build/Test and Deploy Pipeline</a:t>
+            </a:r>
+            <a:endParaRPr lang="en-US" sz="1600" b="1" dirty="0"/>
+          </a:p>
+        </p:txBody>
+      </p:sp>
+      <p:cxnSp>
+        <p:nvCxnSpPr>
+          <p:cNvPr id="15" name="Connector: Elbow 14">
+            <a:extLst>
+              <a:ext uri="{FF2B5EF4-FFF2-40B4-BE49-F238E27FC236}">
+                <a16:creationId xmlns:a16="http://schemas.microsoft.com/office/drawing/2014/main" id="{C7D776FE-C679-AC47-3D1E-4A5B5436CF52}"/>
+              </a:ext>
+            </a:extLst>
+          </p:cNvPr>
+          <p:cNvCxnSpPr>
+            <a:cxnSpLocks/>
+          </p:cNvCxnSpPr>
+          <p:nvPr/>
+        </p:nvCxnSpPr>
+        <p:spPr>
+          <a:xfrm rot="5400000">
+            <a:off x="6945331" y="3679514"/>
+            <a:ext cx="1504196" cy="2472813"/>
+          </a:xfrm>
+          <a:prstGeom prst="bentConnector2">
+            <a:avLst/>
+          </a:prstGeom>
+          <a:ln w="76200">
+            <a:solidFill>
+              <a:schemeClr val="tx1">
+                <a:lumMod val="95000"/>
+                <a:lumOff val="5000"/>
+              </a:schemeClr>
+            </a:solidFill>
+            <a:tailEnd type="triangle"/>
+          </a:ln>
+        </p:spPr>
+        <p:style>
+          <a:lnRef idx="1">
+            <a:schemeClr val="accent1"/>
+          </a:lnRef>
+          <a:fillRef idx="0">
+            <a:schemeClr val="accent1"/>
+          </a:fillRef>
+          <a:effectRef idx="0">
+            <a:schemeClr val="accent1"/>
+          </a:effectRef>
+          <a:fontRef idx="minor">
+            <a:schemeClr val="tx1"/>
+          </a:fontRef>
+        </p:style>
+      </p:cxnSp>
+      <p:sp>
+        <p:nvSpPr>
+          <p:cNvPr id="16" name="TextBox 15">
+            <a:extLst>
+              <a:ext uri="{FF2B5EF4-FFF2-40B4-BE49-F238E27FC236}">
+                <a16:creationId xmlns:a16="http://schemas.microsoft.com/office/drawing/2014/main" id="{754F1EA5-018E-8A4F-28C8-D8FDE7A52D14}"/>
+              </a:ext>
+            </a:extLst>
+          </p:cNvPr>
+          <p:cNvSpPr txBox="1"/>
+          <p:nvPr/>
+        </p:nvSpPr>
+        <p:spPr>
+          <a:xfrm>
+            <a:off x="9222658" y="5142271"/>
+            <a:ext cx="2708787" cy="646331"/>
+          </a:xfrm>
+          <a:prstGeom prst="rect">
+            <a:avLst/>
+          </a:prstGeom>
+          <a:noFill/>
+        </p:spPr>
+        <p:txBody>
+          <a:bodyPr wrap="square" rtlCol="0">
+            <a:spAutoFit/>
+          </a:bodyPr>
+          <a:lstStyle/>
+          <a:p>
+            <a:pPr algn="ctr"/>
+            <a:r>
+              <a:rPr lang="en-IN" b="1" dirty="0"/>
+              <a:t>Run the Build/Test/Deploy Tasks</a:t>
+            </a:r>
+            <a:endParaRPr lang="en-US" b="1" dirty="0"/>
+          </a:p>
+        </p:txBody>
+      </p:sp>
+      <p:cxnSp>
+        <p:nvCxnSpPr>
+          <p:cNvPr id="18" name="Connector: Elbow 17">
+            <a:extLst>
+              <a:ext uri="{FF2B5EF4-FFF2-40B4-BE49-F238E27FC236}">
+                <a16:creationId xmlns:a16="http://schemas.microsoft.com/office/drawing/2014/main" id="{8C4DF135-8D16-04AE-6011-1778BE2F20BF}"/>
+              </a:ext>
+            </a:extLst>
+          </p:cNvPr>
+          <p:cNvCxnSpPr>
+            <a:stCxn id="5" idx="1"/>
+            <a:endCxn id="2" idx="2"/>
+          </p:cNvCxnSpPr>
+          <p:nvPr/>
+        </p:nvCxnSpPr>
+        <p:spPr>
+          <a:xfrm rot="10800000">
+            <a:off x="1651820" y="4146755"/>
+            <a:ext cx="2187677" cy="1504196"/>
+          </a:xfrm>
+          <a:prstGeom prst="bentConnector2">
+            <a:avLst/>
+          </a:prstGeom>
+          <a:ln w="76200">
+            <a:solidFill>
+              <a:schemeClr val="tx1">
+                <a:lumMod val="95000"/>
+                <a:lumOff val="5000"/>
+              </a:schemeClr>
+            </a:solidFill>
+            <a:tailEnd type="triangle"/>
+          </a:ln>
+        </p:spPr>
+        <p:style>
+          <a:lnRef idx="1">
+            <a:schemeClr val="accent1"/>
+          </a:lnRef>
+          <a:fillRef idx="0">
+            <a:schemeClr val="accent1"/>
+          </a:fillRef>
+          <a:effectRef idx="0">
+            <a:schemeClr val="accent1"/>
+          </a:effectRef>
+          <a:fontRef idx="minor">
+            <a:schemeClr val="tx1"/>
+          </a:fontRef>
+        </p:style>
+      </p:cxnSp>
+      <p:sp>
+        <p:nvSpPr>
+          <p:cNvPr id="19" name="Arrow: Curved Down 18">
+            <a:extLst>
+              <a:ext uri="{FF2B5EF4-FFF2-40B4-BE49-F238E27FC236}">
+                <a16:creationId xmlns:a16="http://schemas.microsoft.com/office/drawing/2014/main" id="{9624FEF6-7DB6-3121-C06C-040EF28428AA}"/>
+              </a:ext>
+            </a:extLst>
+          </p:cNvPr>
+          <p:cNvSpPr/>
+          <p:nvPr/>
+        </p:nvSpPr>
+        <p:spPr>
+          <a:xfrm rot="17735425">
+            <a:off x="2942731" y="2385621"/>
+            <a:ext cx="1676009" cy="968338"/>
+          </a:xfrm>
+          <a:prstGeom prst="curvedDownArrow">
+            <a:avLst/>
+          </a:prstGeom>
+        </p:spPr>
+        <p:style>
+          <a:lnRef idx="2">
+            <a:schemeClr val="accent1">
+              <a:shade val="50000"/>
+            </a:schemeClr>
+          </a:lnRef>
+          <a:fillRef idx="1">
+            <a:schemeClr val="accent1"/>
+          </a:fillRef>
+          <a:effectRef idx="0">
+            <a:schemeClr val="accent1"/>
+          </a:effectRef>
+          <a:fontRef idx="minor">
+            <a:schemeClr val="lt1"/>
+          </a:fontRef>
+        </p:style>
+        <p:txBody>
+          <a:bodyPr rtlCol="0" anchor="ctr"/>
+          <a:lstStyle/>
+          <a:p>
+            <a:pPr algn="ctr"/>
+            <a:endParaRPr lang="en-US">
+              <a:solidFill>
+                <a:schemeClr val="tx1"/>
+              </a:solidFill>
+            </a:endParaRPr>
+          </a:p>
+        </p:txBody>
+      </p:sp>
+      <p:sp>
+        <p:nvSpPr>
+          <p:cNvPr id="20" name="TextBox 19">
+            <a:extLst>
+              <a:ext uri="{FF2B5EF4-FFF2-40B4-BE49-F238E27FC236}">
+                <a16:creationId xmlns:a16="http://schemas.microsoft.com/office/drawing/2014/main" id="{0C2C124A-590B-C83E-C421-40CD0A58741E}"/>
+              </a:ext>
+            </a:extLst>
+          </p:cNvPr>
+          <p:cNvSpPr txBox="1"/>
+          <p:nvPr/>
+        </p:nvSpPr>
+        <p:spPr>
+          <a:xfrm>
+            <a:off x="3913239" y="2869790"/>
+            <a:ext cx="2635045" cy="923330"/>
+          </a:xfrm>
+          <a:prstGeom prst="rect">
+            <a:avLst/>
+          </a:prstGeom>
+          <a:noFill/>
+        </p:spPr>
+        <p:txBody>
+          <a:bodyPr wrap="square" rtlCol="0">
+            <a:spAutoFit/>
+          </a:bodyPr>
+          <a:lstStyle/>
+          <a:p>
+            <a:pPr algn="ctr"/>
+            <a:r>
+              <a:rPr lang="en-IN" b="1" dirty="0"/>
+              <a:t>DEV</a:t>
+            </a:r>
+          </a:p>
+          <a:p>
+            <a:pPr algn="ctr"/>
+            <a:endParaRPr lang="en-IN" b="1" dirty="0"/>
+          </a:p>
+          <a:p>
+            <a:pPr algn="ctr"/>
+            <a:r>
+              <a:rPr lang="en-IN" b="1" dirty="0"/>
+              <a:t>OPS</a:t>
+            </a:r>
+            <a:endParaRPr lang="en-US" b="1" dirty="0"/>
+          </a:p>
+        </p:txBody>
+      </p:sp>
+      <p:sp>
+        <p:nvSpPr>
+          <p:cNvPr id="22" name="Arrow: Curved Down 21">
+            <a:extLst>
+              <a:ext uri="{FF2B5EF4-FFF2-40B4-BE49-F238E27FC236}">
+                <a16:creationId xmlns:a16="http://schemas.microsoft.com/office/drawing/2014/main" id="{766CD69E-ACE9-A4C3-2A86-81EDF04135C0}"/>
+              </a:ext>
+            </a:extLst>
+          </p:cNvPr>
+          <p:cNvSpPr/>
+          <p:nvPr/>
+        </p:nvSpPr>
+        <p:spPr>
+          <a:xfrm rot="6441713">
+            <a:off x="5970170" y="3288744"/>
+            <a:ext cx="1676009" cy="968338"/>
+          </a:xfrm>
+          <a:prstGeom prst="curvedDownArrow">
+            <a:avLst/>
+          </a:prstGeom>
+        </p:spPr>
+        <p:style>
+          <a:lnRef idx="2">
+            <a:schemeClr val="accent1">
+              <a:shade val="50000"/>
+            </a:schemeClr>
+          </a:lnRef>
+          <a:fillRef idx="1">
+            <a:schemeClr val="accent1"/>
+          </a:fillRef>
+          <a:effectRef idx="0">
+            <a:schemeClr val="accent1"/>
+          </a:effectRef>
+          <a:fontRef idx="minor">
+            <a:schemeClr val="lt1"/>
+          </a:fontRef>
+        </p:style>
+        <p:txBody>
+          <a:bodyPr rtlCol="0" anchor="ctr"/>
+          <a:lstStyle/>
+          <a:p>
+            <a:pPr algn="ctr"/>
+            <a:endParaRPr lang="en-US">
+              <a:solidFill>
+                <a:schemeClr val="tx1"/>
+              </a:solidFill>
+            </a:endParaRPr>
+          </a:p>
+        </p:txBody>
+      </p:sp>
+    </p:spTree>
+    <p:extLst>
+      <p:ext uri="{BB962C8B-B14F-4D97-AF65-F5344CB8AC3E}">
+        <p14:creationId xmlns:p14="http://schemas.microsoft.com/office/powerpoint/2010/main" val="2585737"/>
       </p:ext>
     </p:extLst>
   </p:cSld>
